--- a/blockchain/bitcoin.pptx
+++ b/blockchain/bitcoin.pptx
@@ -5,7 +5,7 @@
     <p:sldMasterId id="2147483648" r:id="rId1"/>
   </p:sldMasterIdLst>
   <p:notesMasterIdLst>
-    <p:notesMasterId r:id="rId19"/>
+    <p:notesMasterId r:id="rId23"/>
   </p:notesMasterIdLst>
   <p:sldIdLst>
     <p:sldId id="256" r:id="rId2"/>
@@ -16,15 +16,19 @@
     <p:sldId id="261" r:id="rId7"/>
     <p:sldId id="263" r:id="rId8"/>
     <p:sldId id="271" r:id="rId9"/>
-    <p:sldId id="264" r:id="rId10"/>
-    <p:sldId id="272" r:id="rId11"/>
-    <p:sldId id="265" r:id="rId12"/>
-    <p:sldId id="266" r:id="rId13"/>
-    <p:sldId id="268" r:id="rId14"/>
-    <p:sldId id="267" r:id="rId15"/>
-    <p:sldId id="270" r:id="rId16"/>
-    <p:sldId id="269" r:id="rId17"/>
-    <p:sldId id="262" r:id="rId18"/>
+    <p:sldId id="274" r:id="rId10"/>
+    <p:sldId id="275" r:id="rId11"/>
+    <p:sldId id="276" r:id="rId12"/>
+    <p:sldId id="273" r:id="rId13"/>
+    <p:sldId id="264" r:id="rId14"/>
+    <p:sldId id="272" r:id="rId15"/>
+    <p:sldId id="265" r:id="rId16"/>
+    <p:sldId id="266" r:id="rId17"/>
+    <p:sldId id="268" r:id="rId18"/>
+    <p:sldId id="267" r:id="rId19"/>
+    <p:sldId id="270" r:id="rId20"/>
+    <p:sldId id="269" r:id="rId21"/>
+    <p:sldId id="262" r:id="rId22"/>
   </p:sldIdLst>
   <p:sldSz cx="12192000" cy="6858000"/>
   <p:notesSz cx="6858000" cy="9144000"/>
@@ -213,7 +217,7 @@
           <a:p>
             <a:fld id="{70FA3810-C9D4-744F-AE0F-4619A18C173F}" type="datetimeFigureOut">
               <a:rPr lang="en-JP" smtClean="0"/>
-              <a:t>2022/04/26</a:t>
+              <a:t>04/26/2022</a:t>
             </a:fld>
             <a:endParaRPr lang="en-JP"/>
           </a:p>
@@ -546,7 +550,7 @@
           <a:p>
             <a:fld id="{5DD538E7-D075-F241-85B9-7A431FD607D4}" type="slidenum">
               <a:rPr lang="en-JP" smtClean="0"/>
-              <a:t>9</a:t>
+              <a:t>13</a:t>
             </a:fld>
             <a:endParaRPr lang="en-JP"/>
           </a:p>
@@ -714,7 +718,7 @@
           <a:p>
             <a:fld id="{E3AD0738-1DAC-684D-A936-A897E9F21B5D}" type="datetimeFigureOut">
               <a:rPr lang="en-JP" smtClean="0"/>
-              <a:t>2022/04/26</a:t>
+              <a:t>04/26/2022</a:t>
             </a:fld>
             <a:endParaRPr lang="en-JP"/>
           </a:p>
@@ -914,7 +918,7 @@
           <a:p>
             <a:fld id="{E3AD0738-1DAC-684D-A936-A897E9F21B5D}" type="datetimeFigureOut">
               <a:rPr lang="en-JP" smtClean="0"/>
-              <a:t>2022/04/26</a:t>
+              <a:t>04/26/2022</a:t>
             </a:fld>
             <a:endParaRPr lang="en-JP"/>
           </a:p>
@@ -1124,7 +1128,7 @@
           <a:p>
             <a:fld id="{E3AD0738-1DAC-684D-A936-A897E9F21B5D}" type="datetimeFigureOut">
               <a:rPr lang="en-JP" smtClean="0"/>
-              <a:t>2022/04/26</a:t>
+              <a:t>04/26/2022</a:t>
             </a:fld>
             <a:endParaRPr lang="en-JP"/>
           </a:p>
@@ -1324,7 +1328,7 @@
           <a:p>
             <a:fld id="{E3AD0738-1DAC-684D-A936-A897E9F21B5D}" type="datetimeFigureOut">
               <a:rPr lang="en-JP" smtClean="0"/>
-              <a:t>2022/04/26</a:t>
+              <a:t>04/26/2022</a:t>
             </a:fld>
             <a:endParaRPr lang="en-JP"/>
           </a:p>
@@ -1600,7 +1604,7 @@
           <a:p>
             <a:fld id="{E3AD0738-1DAC-684D-A936-A897E9F21B5D}" type="datetimeFigureOut">
               <a:rPr lang="en-JP" smtClean="0"/>
-              <a:t>2022/04/26</a:t>
+              <a:t>04/26/2022</a:t>
             </a:fld>
             <a:endParaRPr lang="en-JP"/>
           </a:p>
@@ -1868,7 +1872,7 @@
           <a:p>
             <a:fld id="{E3AD0738-1DAC-684D-A936-A897E9F21B5D}" type="datetimeFigureOut">
               <a:rPr lang="en-JP" smtClean="0"/>
-              <a:t>2022/04/26</a:t>
+              <a:t>04/26/2022</a:t>
             </a:fld>
             <a:endParaRPr lang="en-JP"/>
           </a:p>
@@ -2283,7 +2287,7 @@
           <a:p>
             <a:fld id="{E3AD0738-1DAC-684D-A936-A897E9F21B5D}" type="datetimeFigureOut">
               <a:rPr lang="en-JP" smtClean="0"/>
-              <a:t>2022/04/26</a:t>
+              <a:t>04/26/2022</a:t>
             </a:fld>
             <a:endParaRPr lang="en-JP"/>
           </a:p>
@@ -2425,7 +2429,7 @@
           <a:p>
             <a:fld id="{E3AD0738-1DAC-684D-A936-A897E9F21B5D}" type="datetimeFigureOut">
               <a:rPr lang="en-JP" smtClean="0"/>
-              <a:t>2022/04/26</a:t>
+              <a:t>04/26/2022</a:t>
             </a:fld>
             <a:endParaRPr lang="en-JP"/>
           </a:p>
@@ -2538,7 +2542,7 @@
           <a:p>
             <a:fld id="{E3AD0738-1DAC-684D-A936-A897E9F21B5D}" type="datetimeFigureOut">
               <a:rPr lang="en-JP" smtClean="0"/>
-              <a:t>2022/04/26</a:t>
+              <a:t>04/26/2022</a:t>
             </a:fld>
             <a:endParaRPr lang="en-JP"/>
           </a:p>
@@ -2851,7 +2855,7 @@
           <a:p>
             <a:fld id="{E3AD0738-1DAC-684D-A936-A897E9F21B5D}" type="datetimeFigureOut">
               <a:rPr lang="en-JP" smtClean="0"/>
-              <a:t>2022/04/26</a:t>
+              <a:t>04/26/2022</a:t>
             </a:fld>
             <a:endParaRPr lang="en-JP"/>
           </a:p>
@@ -3140,7 +3144,7 @@
           <a:p>
             <a:fld id="{E3AD0738-1DAC-684D-A936-A897E9F21B5D}" type="datetimeFigureOut">
               <a:rPr lang="en-JP" smtClean="0"/>
-              <a:t>2022/04/26</a:t>
+              <a:t>04/26/2022</a:t>
             </a:fld>
             <a:endParaRPr lang="en-JP"/>
           </a:p>
@@ -3383,7 +3387,7 @@
           <a:p>
             <a:fld id="{E3AD0738-1DAC-684D-A936-A897E9F21B5D}" type="datetimeFigureOut">
               <a:rPr lang="en-JP" smtClean="0"/>
-              <a:t>2022/04/26</a:t>
+              <a:t>04/26/2022</a:t>
             </a:fld>
             <a:endParaRPr lang="en-JP"/>
           </a:p>
@@ -3883,89 +3887,100 @@
           <a:chExt cx="0" cy="0"/>
         </a:xfrm>
       </p:grpSpPr>
-      <p:sp>
-        <p:nvSpPr>
-          <p:cNvPr id="2" name="タイトル 1">
-            <a:extLst>
-              <a:ext uri="{FF2B5EF4-FFF2-40B4-BE49-F238E27FC236}">
-                <a16:creationId xmlns:a16="http://schemas.microsoft.com/office/drawing/2014/main" id="{56521CB5-5E41-448E-94F6-777F9062F66C}"/>
-              </a:ext>
-            </a:extLst>
-          </p:cNvPr>
-          <p:cNvSpPr>
-            <a:spLocks noGrp="1"/>
-          </p:cNvSpPr>
-          <p:nvPr>
-            <p:ph type="title"/>
-          </p:nvPr>
-        </p:nvSpPr>
+      <p:pic>
+        <p:nvPicPr>
+          <p:cNvPr id="5" name="図 4">
+            <a:extLst>
+              <a:ext uri="{FF2B5EF4-FFF2-40B4-BE49-F238E27FC236}">
+                <a16:creationId xmlns:a16="http://schemas.microsoft.com/office/drawing/2014/main" id="{AAF3AF87-C820-4874-9933-380C1807A9A6}"/>
+              </a:ext>
+            </a:extLst>
+          </p:cNvPr>
+          <p:cNvPicPr>
+            <a:picLocks noChangeAspect="1"/>
+          </p:cNvPicPr>
+          <p:nvPr/>
+        </p:nvPicPr>
+        <p:blipFill>
+          <a:blip r:embed="rId2"/>
+          <a:stretch>
+            <a:fillRect/>
+          </a:stretch>
+        </p:blipFill>
         <p:spPr>
           <a:xfrm>
-            <a:off x="838200" y="365126"/>
-            <a:ext cx="10515600" cy="717950"/>
-          </a:xfrm>
+            <a:off x="458406" y="455263"/>
+            <a:ext cx="6404447" cy="2914238"/>
+          </a:xfrm>
+          <a:prstGeom prst="rect">
+            <a:avLst/>
+          </a:prstGeom>
         </p:spPr>
-        <p:txBody>
-          <a:bodyPr/>
-          <a:lstStyle/>
-          <a:p>
-            <a:r>
-              <a:rPr lang="en-US" dirty="0"/>
-              <a:t>B</a:t>
-            </a:r>
-            <a:r>
-              <a:rPr lang="en-JP" dirty="0"/>
-              <a:t>lockchain data structure</a:t>
-            </a:r>
-            <a:endParaRPr lang="en-US" dirty="0"/>
-          </a:p>
-        </p:txBody>
-      </p:sp>
-      <p:sp>
-        <p:nvSpPr>
-          <p:cNvPr id="3" name="コンテンツ プレースホルダー 2">
-            <a:extLst>
-              <a:ext uri="{FF2B5EF4-FFF2-40B4-BE49-F238E27FC236}">
-                <a16:creationId xmlns:a16="http://schemas.microsoft.com/office/drawing/2014/main" id="{48605600-9B98-4C76-A6D2-342014813D3A}"/>
-              </a:ext>
-            </a:extLst>
-          </p:cNvPr>
-          <p:cNvSpPr>
-            <a:spLocks noGrp="1"/>
-          </p:cNvSpPr>
-          <p:nvPr>
-            <p:ph idx="1"/>
-          </p:nvPr>
-        </p:nvSpPr>
+      </p:pic>
+      <p:pic>
+        <p:nvPicPr>
+          <p:cNvPr id="7" name="図 6">
+            <a:extLst>
+              <a:ext uri="{FF2B5EF4-FFF2-40B4-BE49-F238E27FC236}">
+                <a16:creationId xmlns:a16="http://schemas.microsoft.com/office/drawing/2014/main" id="{245BF0B1-1417-4646-A138-BAB2D856DA44}"/>
+              </a:ext>
+            </a:extLst>
+          </p:cNvPr>
+          <p:cNvPicPr>
+            <a:picLocks noChangeAspect="1"/>
+          </p:cNvPicPr>
+          <p:nvPr/>
+        </p:nvPicPr>
+        <p:blipFill>
+          <a:blip r:embed="rId3"/>
+          <a:stretch>
+            <a:fillRect/>
+          </a:stretch>
+        </p:blipFill>
         <p:spPr>
           <a:xfrm>
-            <a:off x="838200" y="1562470"/>
-            <a:ext cx="10515600" cy="4614493"/>
-          </a:xfrm>
+            <a:off x="140747" y="3488500"/>
+            <a:ext cx="10478962" cy="447737"/>
+          </a:xfrm>
+          <a:prstGeom prst="rect">
+            <a:avLst/>
+          </a:prstGeom>
         </p:spPr>
-        <p:txBody>
-          <a:bodyPr/>
-          <a:lstStyle/>
-          <a:p>
-            <a:r>
-              <a:rPr lang="en-US" dirty="0"/>
-              <a:t>The transactions(TX) contained in block broadcasted by many peers can be considered as  </a:t>
-            </a:r>
-            <a:r>
-              <a:rPr lang="en-US" b="1" dirty="0"/>
-              <a:t>confirmed</a:t>
-            </a:r>
-            <a:endParaRPr lang="en-JP" b="1" dirty="0"/>
-          </a:p>
-          <a:p>
-            <a:endParaRPr lang="en-US" dirty="0"/>
-          </a:p>
-        </p:txBody>
-      </p:sp>
+      </p:pic>
+      <p:pic>
+        <p:nvPicPr>
+          <p:cNvPr id="14" name="図 13">
+            <a:extLst>
+              <a:ext uri="{FF2B5EF4-FFF2-40B4-BE49-F238E27FC236}">
+                <a16:creationId xmlns:a16="http://schemas.microsoft.com/office/drawing/2014/main" id="{1E248B36-24B7-4878-95A9-0DE4797505B9}"/>
+              </a:ext>
+            </a:extLst>
+          </p:cNvPr>
+          <p:cNvPicPr>
+            <a:picLocks noChangeAspect="1"/>
+          </p:cNvPicPr>
+          <p:nvPr/>
+        </p:nvPicPr>
+        <p:blipFill>
+          <a:blip r:embed="rId4"/>
+          <a:stretch>
+            <a:fillRect/>
+          </a:stretch>
+        </p:blipFill>
+        <p:spPr>
+          <a:xfrm>
+            <a:off x="458406" y="4068105"/>
+            <a:ext cx="6700219" cy="2724460"/>
+          </a:xfrm>
+          <a:prstGeom prst="rect">
+            <a:avLst/>
+          </a:prstGeom>
+        </p:spPr>
+      </p:pic>
     </p:spTree>
     <p:extLst>
       <p:ext uri="{BB962C8B-B14F-4D97-AF65-F5344CB8AC3E}">
-        <p14:creationId xmlns:p14="http://schemas.microsoft.com/office/powerpoint/2010/main" val="3356296509"/>
+        <p14:creationId xmlns:p14="http://schemas.microsoft.com/office/powerpoint/2010/main" val="3168421198"/>
       </p:ext>
     </p:extLst>
   </p:cSld>
@@ -3994,10 +4009,10 @@
       </p:grpSpPr>
       <p:sp>
         <p:nvSpPr>
-          <p:cNvPr id="2" name="Title 1">
-            <a:extLst>
-              <a:ext uri="{FF2B5EF4-FFF2-40B4-BE49-F238E27FC236}">
-                <a16:creationId xmlns:a16="http://schemas.microsoft.com/office/drawing/2014/main" id="{A915EA7A-4BF4-8253-AB42-6D7EE79C0AEA}"/>
+          <p:cNvPr id="2" name="タイトル 1">
+            <a:extLst>
+              <a:ext uri="{FF2B5EF4-FFF2-40B4-BE49-F238E27FC236}">
+                <a16:creationId xmlns:a16="http://schemas.microsoft.com/office/drawing/2014/main" id="{D7A3A369-D8F5-4B72-81BE-972D89BDD260}"/>
               </a:ext>
             </a:extLst>
           </p:cNvPr>
@@ -4008,33 +4023,21 @@
             <p:ph type="title"/>
           </p:nvPr>
         </p:nvSpPr>
-        <p:spPr>
-          <a:xfrm>
-            <a:off x="838200" y="365126"/>
-            <a:ext cx="10515600" cy="787270"/>
-          </a:xfrm>
-        </p:spPr>
+        <p:spPr/>
         <p:txBody>
           <a:bodyPr/>
           <a:lstStyle/>
           <a:p>
-            <a:r>
-              <a:rPr lang="en-US" dirty="0"/>
-              <a:t>Multiple</a:t>
-            </a:r>
-            <a:r>
-              <a:rPr lang="en-JP" dirty="0"/>
-              <a:t> spending</a:t>
-            </a:r>
-          </a:p>
-        </p:txBody>
-      </p:sp>
-      <p:sp>
-        <p:nvSpPr>
-          <p:cNvPr id="3" name="Content Placeholder 2">
-            <a:extLst>
-              <a:ext uri="{FF2B5EF4-FFF2-40B4-BE49-F238E27FC236}">
-                <a16:creationId xmlns:a16="http://schemas.microsoft.com/office/drawing/2014/main" id="{83C1C254-1B88-5597-BFA1-428004A13FD5}"/>
+            <a:endParaRPr lang="en-US"/>
+          </a:p>
+        </p:txBody>
+      </p:sp>
+      <p:sp>
+        <p:nvSpPr>
+          <p:cNvPr id="3" name="コンテンツ プレースホルダー 2">
+            <a:extLst>
+              <a:ext uri="{FF2B5EF4-FFF2-40B4-BE49-F238E27FC236}">
+                <a16:creationId xmlns:a16="http://schemas.microsoft.com/office/drawing/2014/main" id="{DB73D8C5-3180-41AE-92A1-1A848D7A3D7D}"/>
               </a:ext>
             </a:extLst>
           </p:cNvPr>
@@ -4045,70 +4048,21 @@
             <p:ph idx="1"/>
           </p:nvPr>
         </p:nvSpPr>
-        <p:spPr>
-          <a:xfrm>
-            <a:off x="838200" y="1315233"/>
-            <a:ext cx="10515600" cy="4861730"/>
-          </a:xfrm>
-        </p:spPr>
+        <p:spPr/>
         <p:txBody>
           <a:bodyPr/>
           <a:lstStyle/>
           <a:p>
-            <a:r>
-              <a:rPr lang="en-JP" dirty="0"/>
-              <a:t>Attackings such as change a balance,  modify or cancel a transaction are impossible unless new </a:t>
-            </a:r>
-            <a:r>
-              <a:rPr lang="en-JP" b="1" dirty="0"/>
-              <a:t>consensus</a:t>
-            </a:r>
-            <a:r>
-              <a:rPr lang="en-JP" dirty="0"/>
-              <a:t>(blockchain) is prevail through networks.</a:t>
-            </a:r>
-          </a:p>
-          <a:p>
-            <a:endParaRPr lang="en-JP" dirty="0"/>
-          </a:p>
-          <a:p>
-            <a:r>
-              <a:rPr lang="en-JP" dirty="0"/>
-              <a:t>No Multiple spending for TTP model</a:t>
-            </a:r>
-          </a:p>
-          <a:p>
-            <a:pPr marL="0" indent="0">
-              <a:buNone/>
-            </a:pPr>
-            <a:endParaRPr lang="en-JP" dirty="0"/>
-          </a:p>
-          <a:p>
-            <a:r>
-              <a:rPr lang="en-JP" dirty="0"/>
-              <a:t>There is multiple spend indecentralized setup</a:t>
-            </a:r>
-          </a:p>
-          <a:p>
-            <a:endParaRPr lang="en-JP" dirty="0"/>
-          </a:p>
-          <a:p>
-            <a:endParaRPr lang="en-JP" dirty="0"/>
-          </a:p>
-          <a:p>
-            <a:endParaRPr lang="en-JP" dirty="0"/>
-          </a:p>
-          <a:p>
-            <a:endParaRPr lang="en-JP" dirty="0"/>
+            <a:endParaRPr lang="en-US" dirty="0"/>
           </a:p>
         </p:txBody>
       </p:sp>
       <p:pic>
         <p:nvPicPr>
-          <p:cNvPr id="5" name="Picture 4" descr="Timeline&#10;&#10;Description automatically generated">
-            <a:extLst>
-              <a:ext uri="{FF2B5EF4-FFF2-40B4-BE49-F238E27FC236}">
-                <a16:creationId xmlns:a16="http://schemas.microsoft.com/office/drawing/2014/main" id="{0E170883-8D5F-EB3A-7D26-899880A8DEE6}"/>
+          <p:cNvPr id="4" name="図 3">
+            <a:extLst>
+              <a:ext uri="{FF2B5EF4-FFF2-40B4-BE49-F238E27FC236}">
+                <a16:creationId xmlns:a16="http://schemas.microsoft.com/office/drawing/2014/main" id="{7CE407C7-3AB0-49D8-BB79-47F0F66E52D3}"/>
               </a:ext>
             </a:extLst>
           </p:cNvPr>
@@ -4125,8 +4079,38 @@
         </p:blipFill>
         <p:spPr>
           <a:xfrm>
-            <a:off x="6438378" y="4556435"/>
-            <a:ext cx="5408982" cy="2301565"/>
+            <a:off x="636696" y="231859"/>
+            <a:ext cx="9716066" cy="5315388"/>
+          </a:xfrm>
+          <a:prstGeom prst="rect">
+            <a:avLst/>
+          </a:prstGeom>
+        </p:spPr>
+      </p:pic>
+      <p:pic>
+        <p:nvPicPr>
+          <p:cNvPr id="5" name="図 4">
+            <a:extLst>
+              <a:ext uri="{FF2B5EF4-FFF2-40B4-BE49-F238E27FC236}">
+                <a16:creationId xmlns:a16="http://schemas.microsoft.com/office/drawing/2014/main" id="{AB15020E-0182-49B8-A3FE-85B4EB3A7D3E}"/>
+              </a:ext>
+            </a:extLst>
+          </p:cNvPr>
+          <p:cNvPicPr>
+            <a:picLocks noChangeAspect="1"/>
+          </p:cNvPicPr>
+          <p:nvPr/>
+        </p:nvPicPr>
+        <p:blipFill>
+          <a:blip r:embed="rId3"/>
+          <a:stretch>
+            <a:fillRect/>
+          </a:stretch>
+        </p:blipFill>
+        <p:spPr>
+          <a:xfrm>
+            <a:off x="523961" y="5781620"/>
+            <a:ext cx="6039693" cy="790685"/>
           </a:xfrm>
           <a:prstGeom prst="rect">
             <a:avLst/>
@@ -4136,7 +4120,7 @@
     </p:spTree>
     <p:extLst>
       <p:ext uri="{BB962C8B-B14F-4D97-AF65-F5344CB8AC3E}">
-        <p14:creationId xmlns:p14="http://schemas.microsoft.com/office/powerpoint/2010/main" val="280019012"/>
+        <p14:creationId xmlns:p14="http://schemas.microsoft.com/office/powerpoint/2010/main" val="1631187525"/>
       </p:ext>
     </p:extLst>
   </p:cSld>
@@ -4165,10 +4149,10 @@
       </p:grpSpPr>
       <p:sp>
         <p:nvSpPr>
-          <p:cNvPr id="2" name="Title 1">
-            <a:extLst>
-              <a:ext uri="{FF2B5EF4-FFF2-40B4-BE49-F238E27FC236}">
-                <a16:creationId xmlns:a16="http://schemas.microsoft.com/office/drawing/2014/main" id="{B4B227BD-A5DB-3381-F8A3-CAD574A56551}"/>
+          <p:cNvPr id="2" name="タイトル 1">
+            <a:extLst>
+              <a:ext uri="{FF2B5EF4-FFF2-40B4-BE49-F238E27FC236}">
+                <a16:creationId xmlns:a16="http://schemas.microsoft.com/office/drawing/2014/main" id="{43FFFD8C-9A2C-4D74-BB57-19C0A8EC1632}"/>
               </a:ext>
             </a:extLst>
           </p:cNvPr>
@@ -4181,8 +4165,8 @@
         </p:nvSpPr>
         <p:spPr>
           <a:xfrm>
-            <a:off x="838200" y="365126"/>
-            <a:ext cx="10515600" cy="1200628"/>
+            <a:off x="838200" y="365125"/>
+            <a:ext cx="10515600" cy="766989"/>
           </a:xfrm>
         </p:spPr>
         <p:txBody>
@@ -4190,18 +4174,18 @@
           <a:lstStyle/>
           <a:p>
             <a:r>
-              <a:rPr lang="en-JP" dirty="0"/>
-              <a:t>Network consensus</a:t>
-            </a:r>
-          </a:p>
-        </p:txBody>
-      </p:sp>
-      <p:sp>
-        <p:nvSpPr>
-          <p:cNvPr id="3" name="Content Placeholder 2">
-            <a:extLst>
-              <a:ext uri="{FF2B5EF4-FFF2-40B4-BE49-F238E27FC236}">
-                <a16:creationId xmlns:a16="http://schemas.microsoft.com/office/drawing/2014/main" id="{58979D12-838A-EAC1-D606-B20E13D7752B}"/>
+              <a:rPr lang="en-US" dirty="0"/>
+              <a:t>UTXO model</a:t>
+            </a:r>
+          </a:p>
+        </p:txBody>
+      </p:sp>
+      <p:sp>
+        <p:nvSpPr>
+          <p:cNvPr id="3" name="コンテンツ プレースホルダー 2">
+            <a:extLst>
+              <a:ext uri="{FF2B5EF4-FFF2-40B4-BE49-F238E27FC236}">
+                <a16:creationId xmlns:a16="http://schemas.microsoft.com/office/drawing/2014/main" id="{DBE92E92-AC94-4A4E-BF6D-97D9E3D131C8}"/>
               </a:ext>
             </a:extLst>
           </p:cNvPr>
@@ -4212,75 +4196,84 @@
             <p:ph idx="1"/>
           </p:nvPr>
         </p:nvSpPr>
-        <p:spPr>
-          <a:xfrm>
-            <a:off x="838200" y="1440492"/>
-            <a:ext cx="10515600" cy="5052381"/>
-          </a:xfrm>
-        </p:spPr>
-        <p:txBody>
-          <a:bodyPr>
-            <a:normAutofit/>
-          </a:bodyPr>
-          <a:lstStyle/>
-          <a:p>
-            <a:r>
-              <a:rPr lang="en-US" dirty="0"/>
-              <a:t>Although D</a:t>
-            </a:r>
-            <a:r>
-              <a:rPr lang="en-JP" dirty="0"/>
-              <a:t>istributed ledger is robust for any other problems, it is fragile to multiple spending</a:t>
-            </a:r>
-          </a:p>
-          <a:p>
-            <a:endParaRPr lang="en-JP" dirty="0"/>
-          </a:p>
-          <a:p>
-            <a:r>
-              <a:rPr lang="en-JP" dirty="0"/>
-              <a:t>So, it needs consensus algorithm that is also resilient to the other problems.</a:t>
-            </a:r>
-          </a:p>
-          <a:p>
-            <a:endParaRPr lang="en-JP" dirty="0"/>
-          </a:p>
-          <a:p>
-            <a:endParaRPr lang="en-JP" dirty="0"/>
-          </a:p>
-          <a:p>
-            <a:r>
-              <a:rPr lang="en-JP" dirty="0"/>
-              <a:t>Many such algorithm can be considered</a:t>
-            </a:r>
-          </a:p>
-          <a:p>
-            <a:pPr lvl="1"/>
-            <a:r>
-              <a:rPr lang="en-JP" dirty="0"/>
-              <a:t>Majority votes </a:t>
-            </a:r>
-          </a:p>
-          <a:p>
-            <a:pPr lvl="1"/>
-            <a:r>
-              <a:rPr lang="en-JP" dirty="0"/>
-              <a:t>Proof of work</a:t>
-            </a:r>
-          </a:p>
-          <a:p>
-            <a:pPr lvl="1"/>
-            <a:r>
-              <a:rPr lang="en-JP" dirty="0"/>
-              <a:t>Proof of stake</a:t>
-            </a:r>
+        <p:spPr/>
+        <p:txBody>
+          <a:bodyPr/>
+          <a:lstStyle/>
+          <a:p>
+            <a:r>
+              <a:rPr lang="en-US" sz="2800" dirty="0">
+                <a:latin typeface="Times New Roman" panose="02020603050405020304" pitchFamily="18" charset="0"/>
+                <a:cs typeface="Times New Roman" panose="02020603050405020304" pitchFamily="18" charset="0"/>
+              </a:rPr>
+              <a:t>This model is called UTXO</a:t>
+            </a:r>
+            <a:r>
+              <a:rPr lang="en-US" sz="2800" b="0" i="0" dirty="0">
+                <a:effectLst/>
+                <a:latin typeface="Times New Roman" panose="02020603050405020304" pitchFamily="18" charset="0"/>
+                <a:cs typeface="Times New Roman" panose="02020603050405020304" pitchFamily="18" charset="0"/>
+              </a:rPr>
+              <a:t>(unspent transaction outputs) model.</a:t>
+            </a:r>
+          </a:p>
+          <a:p>
+            <a:endParaRPr lang="en-US" sz="2800" b="0" i="0" dirty="0">
+              <a:effectLst/>
+              <a:latin typeface="Times New Roman" panose="02020603050405020304" pitchFamily="18" charset="0"/>
+              <a:cs typeface="Times New Roman" panose="02020603050405020304" pitchFamily="18" charset="0"/>
+            </a:endParaRPr>
+          </a:p>
+          <a:p>
+            <a:r>
+              <a:rPr lang="en-US" sz="2800" dirty="0">
+                <a:latin typeface="Times New Roman" panose="02020603050405020304" pitchFamily="18" charset="0"/>
+                <a:cs typeface="Times New Roman" panose="02020603050405020304" pitchFamily="18" charset="0"/>
+              </a:rPr>
+              <a:t>Peers don’t store an explicit balance for each address instead, hold </a:t>
+            </a:r>
+            <a:r>
+              <a:rPr lang="en-US" sz="2800" dirty="0">
+                <a:solidFill>
+                  <a:srgbClr val="FF0000"/>
+                </a:solidFill>
+                <a:latin typeface="Times New Roman" panose="02020603050405020304" pitchFamily="18" charset="0"/>
+                <a:cs typeface="Times New Roman" panose="02020603050405020304" pitchFamily="18" charset="0"/>
+              </a:rPr>
+              <a:t>all transaction history</a:t>
+            </a:r>
+            <a:r>
+              <a:rPr lang="en-US" sz="2800" dirty="0">
+                <a:latin typeface="Times New Roman" panose="02020603050405020304" pitchFamily="18" charset="0"/>
+                <a:cs typeface="Times New Roman" panose="02020603050405020304" pitchFamily="18" charset="0"/>
+              </a:rPr>
+              <a:t>.</a:t>
+            </a:r>
+          </a:p>
+          <a:p>
+            <a:endParaRPr lang="en-US" sz="2800" dirty="0">
+              <a:latin typeface="Times New Roman" panose="02020603050405020304" pitchFamily="18" charset="0"/>
+              <a:cs typeface="Times New Roman" panose="02020603050405020304" pitchFamily="18" charset="0"/>
+            </a:endParaRPr>
+          </a:p>
+          <a:p>
+            <a:r>
+              <a:rPr lang="en-US" sz="2800" dirty="0">
+                <a:latin typeface="Times New Roman" panose="02020603050405020304" pitchFamily="18" charset="0"/>
+                <a:cs typeface="Times New Roman" panose="02020603050405020304" pitchFamily="18" charset="0"/>
+              </a:rPr>
+              <a:t>Ethereum use Account model.</a:t>
+            </a:r>
+          </a:p>
+          <a:p>
+            <a:endParaRPr lang="en-US" dirty="0"/>
           </a:p>
         </p:txBody>
       </p:sp>
     </p:spTree>
     <p:extLst>
       <p:ext uri="{BB962C8B-B14F-4D97-AF65-F5344CB8AC3E}">
-        <p14:creationId xmlns:p14="http://schemas.microsoft.com/office/powerpoint/2010/main" val="4233985986"/>
+        <p14:creationId xmlns:p14="http://schemas.microsoft.com/office/powerpoint/2010/main" val="3735106468"/>
       </p:ext>
     </p:extLst>
   </p:cSld>
@@ -4292,6 +4285,1179 @@
 
 <file path=ppt/slides/slide13.xml><?xml version="1.0" encoding="utf-8"?>
 <p:sld xmlns:a="http://schemas.openxmlformats.org/drawingml/2006/main" xmlns:r="http://schemas.openxmlformats.org/officeDocument/2006/relationships" xmlns:p="http://schemas.openxmlformats.org/presentationml/2006/main">
+  <p:cSld>
+    <p:bg>
+      <p:bgPr>
+        <a:solidFill>
+          <a:schemeClr val="bg1"/>
+        </a:solidFill>
+        <a:effectLst/>
+      </p:bgPr>
+    </p:bg>
+    <p:spTree>
+      <p:nvGrpSpPr>
+        <p:cNvPr id="1" name=""/>
+        <p:cNvGrpSpPr/>
+        <p:nvPr/>
+      </p:nvGrpSpPr>
+      <p:grpSpPr>
+        <a:xfrm>
+          <a:off x="0" y="0"/>
+          <a:ext cx="0" cy="0"/>
+          <a:chOff x="0" y="0"/>
+          <a:chExt cx="0" cy="0"/>
+        </a:xfrm>
+      </p:grpSpPr>
+      <p:sp>
+        <p:nvSpPr>
+          <p:cNvPr id="10" name="Rectangle 9">
+            <a:extLst>
+              <a:ext uri="{FF2B5EF4-FFF2-40B4-BE49-F238E27FC236}">
+                <a16:creationId xmlns:a16="http://schemas.microsoft.com/office/drawing/2014/main" id="{2B566528-1B12-4246-9431-5C2D7D081168}"/>
+              </a:ext>
+              <a:ext uri="{C183D7F6-B498-43B3-948B-1728B52AA6E4}">
+                <adec:decorative xmlns:adec="http://schemas.microsoft.com/office/drawing/2017/decorative" val="1"/>
+              </a:ext>
+            </a:extLst>
+          </p:cNvPr>
+          <p:cNvSpPr>
+            <a:spLocks noGrp="1" noRot="1" noChangeAspect="1" noMove="1" noResize="1" noEditPoints="1" noAdjustHandles="1" noChangeArrowheads="1" noChangeShapeType="1" noTextEdit="1"/>
+          </p:cNvSpPr>
+          <p:nvPr>
+            <p:extLst>
+              <p:ext uri="{386F3935-93C4-4BCD-93E2-E3B085C9AB24}">
+                <p16:designElem xmlns:p16="http://schemas.microsoft.com/office/powerpoint/2015/main" val="1"/>
+              </p:ext>
+            </p:extLst>
+          </p:nvPr>
+        </p:nvSpPr>
+        <p:spPr>
+          <a:xfrm>
+            <a:off x="0" y="0"/>
+            <a:ext cx="12192000" cy="6858000"/>
+          </a:xfrm>
+          <a:prstGeom prst="rect">
+            <a:avLst/>
+          </a:prstGeom>
+          <a:solidFill>
+            <a:schemeClr val="bg1"/>
+          </a:solidFill>
+          <a:ln>
+            <a:noFill/>
+          </a:ln>
+        </p:spPr>
+        <p:style>
+          <a:lnRef idx="2">
+            <a:schemeClr val="accent1">
+              <a:shade val="50000"/>
+            </a:schemeClr>
+          </a:lnRef>
+          <a:fillRef idx="1">
+            <a:schemeClr val="accent1"/>
+          </a:fillRef>
+          <a:effectRef idx="0">
+            <a:schemeClr val="accent1"/>
+          </a:effectRef>
+          <a:fontRef idx="minor">
+            <a:schemeClr val="lt1"/>
+          </a:fontRef>
+        </p:style>
+        <p:txBody>
+          <a:bodyPr rtlCol="0" anchor="ctr"/>
+          <a:lstStyle/>
+          <a:p>
+            <a:pPr algn="ctr"/>
+            <a:endParaRPr lang="en-US" dirty="0"/>
+          </a:p>
+        </p:txBody>
+      </p:sp>
+      <p:sp>
+        <p:nvSpPr>
+          <p:cNvPr id="2" name="Title 1">
+            <a:extLst>
+              <a:ext uri="{FF2B5EF4-FFF2-40B4-BE49-F238E27FC236}">
+                <a16:creationId xmlns:a16="http://schemas.microsoft.com/office/drawing/2014/main" id="{54271C34-1E6B-93C3-2948-DA299D4E40D9}"/>
+              </a:ext>
+            </a:extLst>
+          </p:cNvPr>
+          <p:cNvSpPr>
+            <a:spLocks noGrp="1"/>
+          </p:cNvSpPr>
+          <p:nvPr>
+            <p:ph type="title"/>
+          </p:nvPr>
+        </p:nvSpPr>
+        <p:spPr>
+          <a:xfrm>
+            <a:off x="643467" y="321734"/>
+            <a:ext cx="10905066" cy="1135737"/>
+          </a:xfrm>
+        </p:spPr>
+        <p:txBody>
+          <a:bodyPr>
+            <a:normAutofit/>
+          </a:bodyPr>
+          <a:lstStyle/>
+          <a:p>
+            <a:r>
+              <a:rPr lang="en-US" sz="3600" dirty="0"/>
+              <a:t>B</a:t>
+            </a:r>
+            <a:r>
+              <a:rPr lang="en-JP" sz="3600" dirty="0"/>
+              <a:t>lockchain data structure</a:t>
+            </a:r>
+          </a:p>
+        </p:txBody>
+      </p:sp>
+      <p:sp>
+        <p:nvSpPr>
+          <p:cNvPr id="3" name="Content Placeholder 2">
+            <a:extLst>
+              <a:ext uri="{FF2B5EF4-FFF2-40B4-BE49-F238E27FC236}">
+                <a16:creationId xmlns:a16="http://schemas.microsoft.com/office/drawing/2014/main" id="{90575792-901E-F80E-FF91-CEDF9FFF5D56}"/>
+              </a:ext>
+            </a:extLst>
+          </p:cNvPr>
+          <p:cNvSpPr>
+            <a:spLocks noGrp="1"/>
+          </p:cNvSpPr>
+          <p:nvPr>
+            <p:ph idx="1"/>
+          </p:nvPr>
+        </p:nvSpPr>
+        <p:spPr>
+          <a:xfrm>
+            <a:off x="643469" y="1782981"/>
+            <a:ext cx="6063996" cy="4393982"/>
+          </a:xfrm>
+        </p:spPr>
+        <p:txBody>
+          <a:bodyPr>
+            <a:noAutofit/>
+          </a:bodyPr>
+          <a:lstStyle/>
+          <a:p>
+            <a:r>
+              <a:rPr lang="en-JP" sz="2000" dirty="0">
+                <a:latin typeface="Times New Roman" panose="02020603050405020304" pitchFamily="18" charset="0"/>
+                <a:cs typeface="Times New Roman" panose="02020603050405020304" pitchFamily="18" charset="0"/>
+              </a:rPr>
+              <a:t>A cryptographic chain of data blocks.</a:t>
+            </a:r>
+            <a:endParaRPr lang="en-US" sz="2000" dirty="0">
+              <a:latin typeface="Times New Roman" panose="02020603050405020304" pitchFamily="18" charset="0"/>
+              <a:cs typeface="Times New Roman" panose="02020603050405020304" pitchFamily="18" charset="0"/>
+            </a:endParaRPr>
+          </a:p>
+          <a:p>
+            <a:endParaRPr lang="en-US" sz="2000" dirty="0">
+              <a:latin typeface="Times New Roman" panose="02020603050405020304" pitchFamily="18" charset="0"/>
+              <a:cs typeface="Times New Roman" panose="02020603050405020304" pitchFamily="18" charset="0"/>
+            </a:endParaRPr>
+          </a:p>
+          <a:p>
+            <a:r>
+              <a:rPr lang="en-US" sz="2000" dirty="0">
+                <a:latin typeface="Times New Roman" panose="02020603050405020304" pitchFamily="18" charset="0"/>
+                <a:cs typeface="Times New Roman" panose="02020603050405020304" pitchFamily="18" charset="0"/>
+              </a:rPr>
+              <a:t>Each node has </a:t>
+            </a:r>
+            <a:r>
+              <a:rPr lang="en-US" sz="2000" b="1" dirty="0">
+                <a:latin typeface="Times New Roman" panose="02020603050405020304" pitchFamily="18" charset="0"/>
+                <a:cs typeface="Times New Roman" panose="02020603050405020304" pitchFamily="18" charset="0"/>
+              </a:rPr>
+              <a:t>own </a:t>
+            </a:r>
+            <a:r>
+              <a:rPr lang="en-US" sz="2000" dirty="0">
+                <a:latin typeface="Times New Roman" panose="02020603050405020304" pitchFamily="18" charset="0"/>
+                <a:cs typeface="Times New Roman" panose="02020603050405020304" pitchFamily="18" charset="0"/>
+              </a:rPr>
+              <a:t>chain of block or “blockchain”.</a:t>
+            </a:r>
+            <a:endParaRPr lang="en-JP" sz="2000" b="1" dirty="0">
+              <a:latin typeface="Times New Roman" panose="02020603050405020304" pitchFamily="18" charset="0"/>
+              <a:cs typeface="Times New Roman" panose="02020603050405020304" pitchFamily="18" charset="0"/>
+            </a:endParaRPr>
+          </a:p>
+          <a:p>
+            <a:endParaRPr lang="en-US" sz="2000" dirty="0">
+              <a:latin typeface="Times New Roman" panose="02020603050405020304" pitchFamily="18" charset="0"/>
+              <a:cs typeface="Times New Roman" panose="02020603050405020304" pitchFamily="18" charset="0"/>
+            </a:endParaRPr>
+          </a:p>
+          <a:p>
+            <a:r>
+              <a:rPr lang="en-US" sz="2000" dirty="0">
+                <a:latin typeface="Times New Roman" panose="02020603050405020304" pitchFamily="18" charset="0"/>
+                <a:cs typeface="Times New Roman" panose="02020603050405020304" pitchFamily="18" charset="0"/>
+              </a:rPr>
+              <a:t>Each nodes receiving broadcasted transaction need to verify them and attach them to their own block.</a:t>
+            </a:r>
+          </a:p>
+          <a:p>
+            <a:endParaRPr lang="en-JP" sz="2000" dirty="0">
+              <a:latin typeface="Times New Roman" panose="02020603050405020304" pitchFamily="18" charset="0"/>
+              <a:cs typeface="Times New Roman" panose="02020603050405020304" pitchFamily="18" charset="0"/>
+            </a:endParaRPr>
+          </a:p>
+          <a:p>
+            <a:r>
+              <a:rPr lang="en-JP" sz="2000" dirty="0">
+                <a:latin typeface="Times New Roman" panose="02020603050405020304" pitchFamily="18" charset="0"/>
+                <a:cs typeface="Times New Roman" panose="02020603050405020304" pitchFamily="18" charset="0"/>
+              </a:rPr>
+              <a:t>Each block includes </a:t>
+            </a:r>
+            <a:endParaRPr lang="en-US" sz="2000" dirty="0">
+              <a:latin typeface="Times New Roman" panose="02020603050405020304" pitchFamily="18" charset="0"/>
+              <a:cs typeface="Times New Roman" panose="02020603050405020304" pitchFamily="18" charset="0"/>
+            </a:endParaRPr>
+          </a:p>
+          <a:p>
+            <a:pPr lvl="1"/>
+            <a:r>
+              <a:rPr lang="en-JP" sz="1600" dirty="0">
+                <a:latin typeface="Times New Roman" panose="02020603050405020304" pitchFamily="18" charset="0"/>
+                <a:cs typeface="Times New Roman" panose="02020603050405020304" pitchFamily="18" charset="0"/>
+              </a:rPr>
+              <a:t>bunch of </a:t>
+            </a:r>
+            <a:r>
+              <a:rPr lang="en-US" sz="1600" dirty="0">
+                <a:latin typeface="Times New Roman" panose="02020603050405020304" pitchFamily="18" charset="0"/>
+                <a:cs typeface="Times New Roman" panose="02020603050405020304" pitchFamily="18" charset="0"/>
+              </a:rPr>
+              <a:t> </a:t>
+            </a:r>
+            <a:r>
+              <a:rPr lang="en-JP" sz="1600" dirty="0">
+                <a:latin typeface="Times New Roman" panose="02020603050405020304" pitchFamily="18" charset="0"/>
+                <a:cs typeface="Times New Roman" panose="02020603050405020304" pitchFamily="18" charset="0"/>
+              </a:rPr>
+              <a:t>transactions</a:t>
+            </a:r>
+            <a:endParaRPr lang="en-US" sz="1600" dirty="0">
+              <a:latin typeface="Times New Roman" panose="02020603050405020304" pitchFamily="18" charset="0"/>
+              <a:cs typeface="Times New Roman" panose="02020603050405020304" pitchFamily="18" charset="0"/>
+            </a:endParaRPr>
+          </a:p>
+          <a:p>
+            <a:pPr lvl="1"/>
+            <a:r>
+              <a:rPr lang="en-US" sz="1600" dirty="0">
+                <a:latin typeface="Times New Roman" panose="02020603050405020304" pitchFamily="18" charset="0"/>
+                <a:cs typeface="Times New Roman" panose="02020603050405020304" pitchFamily="18" charset="0"/>
+              </a:rPr>
+              <a:t>hashes of </a:t>
+            </a:r>
+            <a:r>
+              <a:rPr lang="en-JP" sz="1600" dirty="0">
+                <a:latin typeface="Times New Roman" panose="02020603050405020304" pitchFamily="18" charset="0"/>
+                <a:cs typeface="Times New Roman" panose="02020603050405020304" pitchFamily="18" charset="0"/>
+              </a:rPr>
+              <a:t>parent blocks </a:t>
+            </a:r>
+            <a:endParaRPr lang="en-US" sz="1600" dirty="0">
+              <a:latin typeface="Times New Roman" panose="02020603050405020304" pitchFamily="18" charset="0"/>
+              <a:cs typeface="Times New Roman" panose="02020603050405020304" pitchFamily="18" charset="0"/>
+            </a:endParaRPr>
+          </a:p>
+          <a:p>
+            <a:pPr lvl="1"/>
+            <a:r>
+              <a:rPr lang="en-JP" sz="1600" dirty="0">
+                <a:latin typeface="Times New Roman" panose="02020603050405020304" pitchFamily="18" charset="0"/>
+                <a:cs typeface="Times New Roman" panose="02020603050405020304" pitchFamily="18" charset="0"/>
+              </a:rPr>
+              <a:t>some additional information.</a:t>
+            </a:r>
+            <a:r>
+              <a:rPr lang="en-US" sz="1600" dirty="0">
+                <a:latin typeface="Times New Roman" panose="02020603050405020304" pitchFamily="18" charset="0"/>
+                <a:cs typeface="Times New Roman" panose="02020603050405020304" pitchFamily="18" charset="0"/>
+              </a:rPr>
+              <a:t> e.g. Nonce </a:t>
+            </a:r>
+          </a:p>
+          <a:p>
+            <a:endParaRPr lang="en-US" sz="2000" dirty="0">
+              <a:latin typeface="Times New Roman" panose="02020603050405020304" pitchFamily="18" charset="0"/>
+              <a:cs typeface="Times New Roman" panose="02020603050405020304" pitchFamily="18" charset="0"/>
+            </a:endParaRPr>
+          </a:p>
+        </p:txBody>
+      </p:sp>
+      <p:grpSp>
+        <p:nvGrpSpPr>
+          <p:cNvPr id="12" name="Group 11">
+            <a:extLst>
+              <a:ext uri="{FF2B5EF4-FFF2-40B4-BE49-F238E27FC236}">
+                <a16:creationId xmlns:a16="http://schemas.microsoft.com/office/drawing/2014/main" id="{828A5161-06F1-46CF-8AD7-844680A59E13}"/>
+              </a:ext>
+              <a:ext uri="{C183D7F6-B498-43B3-948B-1728B52AA6E4}">
+                <adec:decorative xmlns:adec="http://schemas.microsoft.com/office/drawing/2017/decorative" val="1"/>
+              </a:ext>
+            </a:extLst>
+          </p:cNvPr>
+          <p:cNvGrpSpPr>
+            <a:grpSpLocks noGrp="1" noUngrp="1" noRot="1" noChangeAspect="1" noMove="1" noResize="1"/>
+          </p:cNvGrpSpPr>
+          <p:nvPr>
+            <p:extLst>
+              <p:ext uri="{386F3935-93C4-4BCD-93E2-E3B085C9AB24}">
+                <p16:designElem xmlns:p16="http://schemas.microsoft.com/office/powerpoint/2015/main" val="1"/>
+              </p:ext>
+            </p:extLst>
+          </p:nvPr>
+        </p:nvGrpSpPr>
+        <p:grpSpPr>
+          <a:xfrm>
+            <a:off x="0" y="4601497"/>
+            <a:ext cx="1014060" cy="2017580"/>
+            <a:chOff x="0" y="4601497"/>
+            <a:chExt cx="1014060" cy="2017580"/>
+          </a:xfrm>
+        </p:grpSpPr>
+        <p:sp>
+          <p:nvSpPr>
+            <p:cNvPr id="13" name="Isosceles Triangle 12">
+              <a:extLst>
+                <a:ext uri="{FF2B5EF4-FFF2-40B4-BE49-F238E27FC236}">
+                  <a16:creationId xmlns:a16="http://schemas.microsoft.com/office/drawing/2014/main" id="{D3F51FEB-38FB-4F6C-9F7B-2F2AFAB65463}"/>
+                </a:ext>
+                <a:ext uri="{C183D7F6-B498-43B3-948B-1728B52AA6E4}">
+                  <adec:decorative xmlns:adec="http://schemas.microsoft.com/office/drawing/2017/decorative" val="1"/>
+                </a:ext>
+              </a:extLst>
+            </p:cNvPr>
+            <p:cNvSpPr/>
+            <p:nvPr>
+              <p:extLst>
+                <p:ext uri="{386F3935-93C4-4BCD-93E2-E3B085C9AB24}">
+                  <p16:designElem xmlns:p16="http://schemas.microsoft.com/office/powerpoint/2015/main" val="1"/>
+                </p:ext>
+              </p:extLst>
+            </p:nvPr>
+          </p:nvSpPr>
+          <p:spPr>
+            <a:xfrm rot="5400000">
+              <a:off x="-501760" y="5103257"/>
+              <a:ext cx="2017580" cy="1014060"/>
+            </a:xfrm>
+            <a:prstGeom prst="triangle">
+              <a:avLst>
+                <a:gd name="adj" fmla="val 50000"/>
+              </a:avLst>
+            </a:prstGeom>
+            <a:solidFill>
+              <a:schemeClr val="accent1">
+                <a:alpha val="30000"/>
+              </a:schemeClr>
+            </a:solidFill>
+            <a:ln>
+              <a:noFill/>
+            </a:ln>
+          </p:spPr>
+          <p:style>
+            <a:lnRef idx="2">
+              <a:schemeClr val="accent1">
+                <a:shade val="50000"/>
+              </a:schemeClr>
+            </a:lnRef>
+            <a:fillRef idx="1">
+              <a:schemeClr val="accent1"/>
+            </a:fillRef>
+            <a:effectRef idx="0">
+              <a:schemeClr val="accent1"/>
+            </a:effectRef>
+            <a:fontRef idx="minor">
+              <a:schemeClr val="lt1"/>
+            </a:fontRef>
+          </p:style>
+          <p:txBody>
+            <a:bodyPr rtlCol="0" anchor="ctr"/>
+            <a:lstStyle/>
+            <a:p>
+              <a:pPr algn="ctr"/>
+              <a:endParaRPr lang="en-US"/>
+            </a:p>
+          </p:txBody>
+        </p:sp>
+        <p:sp>
+          <p:nvSpPr>
+            <p:cNvPr id="14" name="Rectangle 13">
+              <a:extLst>
+                <a:ext uri="{FF2B5EF4-FFF2-40B4-BE49-F238E27FC236}">
+                  <a16:creationId xmlns:a16="http://schemas.microsoft.com/office/drawing/2014/main" id="{1E547BA6-BAE0-43BB-A7CA-60F69CE252F0}"/>
+                </a:ext>
+                <a:ext uri="{C183D7F6-B498-43B3-948B-1728B52AA6E4}">
+                  <adec:decorative xmlns:adec="http://schemas.microsoft.com/office/drawing/2017/decorative" val="1"/>
+                </a:ext>
+              </a:extLst>
+            </p:cNvPr>
+            <p:cNvSpPr/>
+            <p:nvPr>
+              <p:extLst>
+                <p:ext uri="{386F3935-93C4-4BCD-93E2-E3B085C9AB24}">
+                  <p16:designElem xmlns:p16="http://schemas.microsoft.com/office/powerpoint/2015/main" val="1"/>
+                </p:ext>
+              </p:extLst>
+            </p:nvPr>
+          </p:nvSpPr>
+          <p:spPr>
+            <a:xfrm rot="2700000">
+              <a:off x="427916" y="5728708"/>
+              <a:ext cx="485578" cy="485578"/>
+            </a:xfrm>
+            <a:prstGeom prst="rect">
+              <a:avLst/>
+            </a:prstGeom>
+            <a:solidFill>
+              <a:schemeClr val="accent1">
+                <a:alpha val="30000"/>
+              </a:schemeClr>
+            </a:solidFill>
+            <a:ln>
+              <a:noFill/>
+            </a:ln>
+          </p:spPr>
+          <p:style>
+            <a:lnRef idx="2">
+              <a:schemeClr val="accent1">
+                <a:shade val="50000"/>
+              </a:schemeClr>
+            </a:lnRef>
+            <a:fillRef idx="1">
+              <a:schemeClr val="accent1"/>
+            </a:fillRef>
+            <a:effectRef idx="0">
+              <a:schemeClr val="accent1"/>
+            </a:effectRef>
+            <a:fontRef idx="minor">
+              <a:schemeClr val="lt1"/>
+            </a:fontRef>
+          </p:style>
+          <p:txBody>
+            <a:bodyPr rtlCol="0" anchor="ctr"/>
+            <a:lstStyle/>
+            <a:p>
+              <a:pPr algn="ctr"/>
+              <a:endParaRPr lang="en-US"/>
+            </a:p>
+          </p:txBody>
+        </p:sp>
+      </p:grpSp>
+      <p:pic>
+        <p:nvPicPr>
+          <p:cNvPr id="5" name="Picture 4" descr="Diagram&#10;&#10;Description automatically generated">
+            <a:extLst>
+              <a:ext uri="{FF2B5EF4-FFF2-40B4-BE49-F238E27FC236}">
+                <a16:creationId xmlns:a16="http://schemas.microsoft.com/office/drawing/2014/main" id="{F48E0F7B-50F0-20D7-F719-E8E8FF18D2C9}"/>
+              </a:ext>
+            </a:extLst>
+          </p:cNvPr>
+          <p:cNvPicPr>
+            <a:picLocks noChangeAspect="1"/>
+          </p:cNvPicPr>
+          <p:nvPr/>
+        </p:nvPicPr>
+        <p:blipFill>
+          <a:blip r:embed="rId3"/>
+          <a:stretch>
+            <a:fillRect/>
+          </a:stretch>
+        </p:blipFill>
+        <p:spPr>
+          <a:xfrm>
+            <a:off x="6707466" y="2009798"/>
+            <a:ext cx="4841065" cy="3025665"/>
+          </a:xfrm>
+          <a:prstGeom prst="rect">
+            <a:avLst/>
+          </a:prstGeom>
+        </p:spPr>
+      </p:pic>
+      <p:grpSp>
+        <p:nvGrpSpPr>
+          <p:cNvPr id="16" name="Group 15">
+            <a:extLst>
+              <a:ext uri="{FF2B5EF4-FFF2-40B4-BE49-F238E27FC236}">
+                <a16:creationId xmlns:a16="http://schemas.microsoft.com/office/drawing/2014/main" id="{5995D10D-E9C9-47DB-AE7E-801FEF38F5C9}"/>
+              </a:ext>
+              <a:ext uri="{C183D7F6-B498-43B3-948B-1728B52AA6E4}">
+                <adec:decorative xmlns:adec="http://schemas.microsoft.com/office/drawing/2017/decorative" val="1"/>
+              </a:ext>
+            </a:extLst>
+          </p:cNvPr>
+          <p:cNvGrpSpPr>
+            <a:grpSpLocks noGrp="1" noUngrp="1" noRot="1" noChangeAspect="1" noMove="1" noResize="1"/>
+          </p:cNvGrpSpPr>
+          <p:nvPr>
+            <p:extLst>
+              <p:ext uri="{386F3935-93C4-4BCD-93E2-E3B085C9AB24}">
+                <p16:designElem xmlns:p16="http://schemas.microsoft.com/office/powerpoint/2015/main" val="1"/>
+              </p:ext>
+            </p:extLst>
+          </p:nvPr>
+        </p:nvGrpSpPr>
+        <p:grpSpPr>
+          <a:xfrm>
+            <a:off x="11219290" y="1"/>
+            <a:ext cx="972709" cy="1935307"/>
+            <a:chOff x="10918968" y="713127"/>
+            <a:chExt cx="1273032" cy="2532832"/>
+          </a:xfrm>
+        </p:grpSpPr>
+        <p:sp>
+          <p:nvSpPr>
+            <p:cNvPr id="17" name="Rectangle 16">
+              <a:extLst>
+                <a:ext uri="{FF2B5EF4-FFF2-40B4-BE49-F238E27FC236}">
+                  <a16:creationId xmlns:a16="http://schemas.microsoft.com/office/drawing/2014/main" id="{CC1A72C6-3DE4-4EC3-9AD5-9E0D40D8CE8A}"/>
+                </a:ext>
+                <a:ext uri="{C183D7F6-B498-43B3-948B-1728B52AA6E4}">
+                  <adec:decorative xmlns:adec="http://schemas.microsoft.com/office/drawing/2017/decorative" val="1"/>
+                </a:ext>
+              </a:extLst>
+            </p:cNvPr>
+            <p:cNvSpPr/>
+            <p:nvPr>
+              <p:extLst>
+                <p:ext uri="{386F3935-93C4-4BCD-93E2-E3B085C9AB24}">
+                  <p16:designElem xmlns:p16="http://schemas.microsoft.com/office/powerpoint/2015/main" val="1"/>
+                </p:ext>
+              </p:extLst>
+            </p:nvPr>
+          </p:nvSpPr>
+          <p:spPr>
+            <a:xfrm rot="2700000">
+              <a:off x="11052629" y="2120024"/>
+              <a:ext cx="645368" cy="645368"/>
+            </a:xfrm>
+            <a:prstGeom prst="rect">
+              <a:avLst/>
+            </a:prstGeom>
+            <a:solidFill>
+              <a:schemeClr val="accent4">
+                <a:alpha val="30000"/>
+              </a:schemeClr>
+            </a:solidFill>
+            <a:ln>
+              <a:noFill/>
+            </a:ln>
+          </p:spPr>
+          <p:style>
+            <a:lnRef idx="2">
+              <a:schemeClr val="accent1">
+                <a:shade val="50000"/>
+              </a:schemeClr>
+            </a:lnRef>
+            <a:fillRef idx="1">
+              <a:schemeClr val="accent1"/>
+            </a:fillRef>
+            <a:effectRef idx="0">
+              <a:schemeClr val="accent1"/>
+            </a:effectRef>
+            <a:fontRef idx="minor">
+              <a:schemeClr val="lt1"/>
+            </a:fontRef>
+          </p:style>
+          <p:txBody>
+            <a:bodyPr rtlCol="0" anchor="ctr"/>
+            <a:lstStyle/>
+            <a:p>
+              <a:pPr algn="ctr"/>
+              <a:endParaRPr lang="en-US"/>
+            </a:p>
+          </p:txBody>
+        </p:sp>
+        <p:sp>
+          <p:nvSpPr>
+            <p:cNvPr id="18" name="Isosceles Triangle 17">
+              <a:extLst>
+                <a:ext uri="{FF2B5EF4-FFF2-40B4-BE49-F238E27FC236}">
+                  <a16:creationId xmlns:a16="http://schemas.microsoft.com/office/drawing/2014/main" id="{0B0DA1F1-C391-4EDF-9FE0-23E86E137765}"/>
+                </a:ext>
+                <a:ext uri="{C183D7F6-B498-43B3-948B-1728B52AA6E4}">
+                  <adec:decorative xmlns:adec="http://schemas.microsoft.com/office/drawing/2017/decorative" val="1"/>
+                </a:ext>
+              </a:extLst>
+            </p:cNvPr>
+            <p:cNvSpPr/>
+            <p:nvPr>
+              <p:extLst>
+                <p:ext uri="{386F3935-93C4-4BCD-93E2-E3B085C9AB24}">
+                  <p16:designElem xmlns:p16="http://schemas.microsoft.com/office/powerpoint/2015/main" val="1"/>
+                </p:ext>
+              </p:extLst>
+            </p:nvPr>
+          </p:nvSpPr>
+          <p:spPr>
+            <a:xfrm rot="16200000">
+              <a:off x="10289068" y="1343027"/>
+              <a:ext cx="2532832" cy="1273032"/>
+            </a:xfrm>
+            <a:prstGeom prst="triangle">
+              <a:avLst>
+                <a:gd name="adj" fmla="val 50000"/>
+              </a:avLst>
+            </a:prstGeom>
+            <a:solidFill>
+              <a:schemeClr val="accent4">
+                <a:alpha val="30000"/>
+              </a:schemeClr>
+            </a:solidFill>
+            <a:ln>
+              <a:noFill/>
+            </a:ln>
+          </p:spPr>
+          <p:style>
+            <a:lnRef idx="2">
+              <a:schemeClr val="accent1">
+                <a:shade val="50000"/>
+              </a:schemeClr>
+            </a:lnRef>
+            <a:fillRef idx="1">
+              <a:schemeClr val="accent1"/>
+            </a:fillRef>
+            <a:effectRef idx="0">
+              <a:schemeClr val="accent1"/>
+            </a:effectRef>
+            <a:fontRef idx="minor">
+              <a:schemeClr val="lt1"/>
+            </a:fontRef>
+          </p:style>
+          <p:txBody>
+            <a:bodyPr rtlCol="0" anchor="ctr"/>
+            <a:lstStyle/>
+            <a:p>
+              <a:pPr algn="ctr"/>
+              <a:endParaRPr lang="en-US" dirty="0"/>
+            </a:p>
+          </p:txBody>
+        </p:sp>
+      </p:grpSp>
+    </p:spTree>
+    <p:extLst>
+      <p:ext uri="{BB962C8B-B14F-4D97-AF65-F5344CB8AC3E}">
+        <p14:creationId xmlns:p14="http://schemas.microsoft.com/office/powerpoint/2010/main" val="3332371617"/>
+      </p:ext>
+    </p:extLst>
+  </p:cSld>
+  <p:clrMapOvr>
+    <a:masterClrMapping/>
+  </p:clrMapOvr>
+</p:sld>
+</file>
+
+<file path=ppt/slides/slide14.xml><?xml version="1.0" encoding="utf-8"?>
+<p:sld xmlns:a="http://schemas.openxmlformats.org/drawingml/2006/main" xmlns:r="http://schemas.openxmlformats.org/officeDocument/2006/relationships" xmlns:p="http://schemas.openxmlformats.org/presentationml/2006/main">
+  <p:cSld>
+    <p:bg>
+      <p:bgPr>
+        <a:solidFill>
+          <a:schemeClr val="bg1"/>
+        </a:solidFill>
+        <a:effectLst/>
+      </p:bgPr>
+    </p:bg>
+    <p:spTree>
+      <p:nvGrpSpPr>
+        <p:cNvPr id="1" name=""/>
+        <p:cNvGrpSpPr/>
+        <p:nvPr/>
+      </p:nvGrpSpPr>
+      <p:grpSpPr>
+        <a:xfrm>
+          <a:off x="0" y="0"/>
+          <a:ext cx="0" cy="0"/>
+          <a:chOff x="0" y="0"/>
+          <a:chExt cx="0" cy="0"/>
+        </a:xfrm>
+      </p:grpSpPr>
+      <p:sp>
+        <p:nvSpPr>
+          <p:cNvPr id="8" name="Rectangle 7">
+            <a:extLst>
+              <a:ext uri="{FF2B5EF4-FFF2-40B4-BE49-F238E27FC236}">
+                <a16:creationId xmlns:a16="http://schemas.microsoft.com/office/drawing/2014/main" id="{2B566528-1B12-4246-9431-5C2D7D081168}"/>
+              </a:ext>
+              <a:ext uri="{C183D7F6-B498-43B3-948B-1728B52AA6E4}">
+                <adec:decorative xmlns:adec="http://schemas.microsoft.com/office/drawing/2017/decorative" val="1"/>
+              </a:ext>
+            </a:extLst>
+          </p:cNvPr>
+          <p:cNvSpPr>
+            <a:spLocks noGrp="1" noRot="1" noChangeAspect="1" noMove="1" noResize="1" noEditPoints="1" noAdjustHandles="1" noChangeArrowheads="1" noChangeShapeType="1" noTextEdit="1"/>
+          </p:cNvSpPr>
+          <p:nvPr>
+            <p:extLst>
+              <p:ext uri="{386F3935-93C4-4BCD-93E2-E3B085C9AB24}">
+                <p16:designElem xmlns:p16="http://schemas.microsoft.com/office/powerpoint/2015/main" val="1"/>
+              </p:ext>
+            </p:extLst>
+          </p:nvPr>
+        </p:nvSpPr>
+        <p:spPr>
+          <a:xfrm>
+            <a:off x="0" y="0"/>
+            <a:ext cx="12192000" cy="6858000"/>
+          </a:xfrm>
+          <a:prstGeom prst="rect">
+            <a:avLst/>
+          </a:prstGeom>
+          <a:solidFill>
+            <a:schemeClr val="bg1"/>
+          </a:solidFill>
+          <a:ln>
+            <a:noFill/>
+          </a:ln>
+        </p:spPr>
+        <p:style>
+          <a:lnRef idx="2">
+            <a:schemeClr val="accent1">
+              <a:shade val="50000"/>
+            </a:schemeClr>
+          </a:lnRef>
+          <a:fillRef idx="1">
+            <a:schemeClr val="accent1"/>
+          </a:fillRef>
+          <a:effectRef idx="0">
+            <a:schemeClr val="accent1"/>
+          </a:effectRef>
+          <a:fontRef idx="minor">
+            <a:schemeClr val="lt1"/>
+          </a:fontRef>
+        </p:style>
+        <p:txBody>
+          <a:bodyPr rtlCol="0" anchor="ctr"/>
+          <a:lstStyle/>
+          <a:p>
+            <a:pPr algn="ctr"/>
+            <a:endParaRPr lang="en-US" dirty="0"/>
+          </a:p>
+        </p:txBody>
+      </p:sp>
+      <p:sp>
+        <p:nvSpPr>
+          <p:cNvPr id="2" name="タイトル 1">
+            <a:extLst>
+              <a:ext uri="{FF2B5EF4-FFF2-40B4-BE49-F238E27FC236}">
+                <a16:creationId xmlns:a16="http://schemas.microsoft.com/office/drawing/2014/main" id="{56521CB5-5E41-448E-94F6-777F9062F66C}"/>
+              </a:ext>
+            </a:extLst>
+          </p:cNvPr>
+          <p:cNvSpPr>
+            <a:spLocks noGrp="1"/>
+          </p:cNvSpPr>
+          <p:nvPr>
+            <p:ph type="title"/>
+          </p:nvPr>
+        </p:nvSpPr>
+        <p:spPr>
+          <a:xfrm>
+            <a:off x="643467" y="321734"/>
+            <a:ext cx="10905066" cy="1135737"/>
+          </a:xfrm>
+        </p:spPr>
+        <p:txBody>
+          <a:bodyPr>
+            <a:normAutofit/>
+          </a:bodyPr>
+          <a:lstStyle/>
+          <a:p>
+            <a:r>
+              <a:rPr lang="en-US" sz="3600"/>
+              <a:t>B</a:t>
+            </a:r>
+            <a:r>
+              <a:rPr lang="en-JP" sz="3600"/>
+              <a:t>lockchain data structure</a:t>
+            </a:r>
+            <a:endParaRPr lang="en-US" sz="3600"/>
+          </a:p>
+        </p:txBody>
+      </p:sp>
+      <p:sp>
+        <p:nvSpPr>
+          <p:cNvPr id="3" name="コンテンツ プレースホルダー 2">
+            <a:extLst>
+              <a:ext uri="{FF2B5EF4-FFF2-40B4-BE49-F238E27FC236}">
+                <a16:creationId xmlns:a16="http://schemas.microsoft.com/office/drawing/2014/main" id="{48605600-9B98-4C76-A6D2-342014813D3A}"/>
+              </a:ext>
+            </a:extLst>
+          </p:cNvPr>
+          <p:cNvSpPr>
+            <a:spLocks noGrp="1"/>
+          </p:cNvSpPr>
+          <p:nvPr>
+            <p:ph idx="1"/>
+          </p:nvPr>
+        </p:nvSpPr>
+        <p:spPr>
+          <a:xfrm>
+            <a:off x="643467" y="1782981"/>
+            <a:ext cx="10905066" cy="4393982"/>
+          </a:xfrm>
+        </p:spPr>
+        <p:txBody>
+          <a:bodyPr>
+            <a:normAutofit/>
+          </a:bodyPr>
+          <a:lstStyle/>
+          <a:p>
+            <a:r>
+              <a:rPr lang="en-US" sz="2400" dirty="0">
+                <a:latin typeface="Times New Roman" panose="02020603050405020304" pitchFamily="18" charset="0"/>
+                <a:cs typeface="Times New Roman" panose="02020603050405020304" pitchFamily="18" charset="0"/>
+              </a:rPr>
+              <a:t>If almost all nodes share the only one chain of block, then a</a:t>
+            </a:r>
+            <a:r>
+              <a:rPr lang="en-JP" sz="2400" dirty="0">
+                <a:latin typeface="Times New Roman" panose="02020603050405020304" pitchFamily="18" charset="0"/>
+                <a:cs typeface="Times New Roman" panose="02020603050405020304" pitchFamily="18" charset="0"/>
+              </a:rPr>
+              <a:t>ttackings such as change a balance,  modify or cancel a transaction are impossible </a:t>
+            </a:r>
+            <a:endParaRPr lang="en-US" sz="2400" dirty="0">
+              <a:latin typeface="Times New Roman" panose="02020603050405020304" pitchFamily="18" charset="0"/>
+              <a:cs typeface="Times New Roman" panose="02020603050405020304" pitchFamily="18" charset="0"/>
+            </a:endParaRPr>
+          </a:p>
+          <a:p>
+            <a:endParaRPr lang="en-US" sz="2400" dirty="0">
+              <a:latin typeface="Times New Roman" panose="02020603050405020304" pitchFamily="18" charset="0"/>
+              <a:cs typeface="Times New Roman" panose="02020603050405020304" pitchFamily="18" charset="0"/>
+            </a:endParaRPr>
+          </a:p>
+          <a:p>
+            <a:r>
+              <a:rPr lang="en-US" sz="2400" dirty="0">
+                <a:latin typeface="Times New Roman" panose="02020603050405020304" pitchFamily="18" charset="0"/>
+                <a:cs typeface="Times New Roman" panose="02020603050405020304" pitchFamily="18" charset="0"/>
+              </a:rPr>
+              <a:t>The transactions(TX) contained in sufficiently shared blockchain are considered as </a:t>
+            </a:r>
+            <a:r>
+              <a:rPr lang="en-US" sz="2400" b="1" dirty="0">
+                <a:latin typeface="Times New Roman" panose="02020603050405020304" pitchFamily="18" charset="0"/>
+                <a:cs typeface="Times New Roman" panose="02020603050405020304" pitchFamily="18" charset="0"/>
+              </a:rPr>
+              <a:t>confirmed</a:t>
+            </a:r>
+            <a:r>
+              <a:rPr lang="en-US" sz="2400" dirty="0">
+                <a:latin typeface="Times New Roman" panose="02020603050405020304" pitchFamily="18" charset="0"/>
+                <a:cs typeface="Times New Roman" panose="02020603050405020304" pitchFamily="18" charset="0"/>
+              </a:rPr>
+              <a:t> transaction, and we can use them for the new transaction inputs.</a:t>
+            </a:r>
+          </a:p>
+          <a:p>
+            <a:endParaRPr lang="en-US" sz="2400" b="1" dirty="0">
+              <a:latin typeface="Times New Roman" panose="02020603050405020304" pitchFamily="18" charset="0"/>
+              <a:cs typeface="Times New Roman" panose="02020603050405020304" pitchFamily="18" charset="0"/>
+            </a:endParaRPr>
+          </a:p>
+          <a:p>
+            <a:pPr marL="0" indent="0">
+              <a:buNone/>
+            </a:pPr>
+            <a:endParaRPr lang="en-US" sz="2400" dirty="0">
+              <a:latin typeface="Times New Roman" panose="02020603050405020304" pitchFamily="18" charset="0"/>
+              <a:cs typeface="Times New Roman" panose="02020603050405020304" pitchFamily="18" charset="0"/>
+            </a:endParaRPr>
+          </a:p>
+        </p:txBody>
+      </p:sp>
+      <p:sp>
+        <p:nvSpPr>
+          <p:cNvPr id="10" name="Rectangle 9">
+            <a:extLst>
+              <a:ext uri="{FF2B5EF4-FFF2-40B4-BE49-F238E27FC236}">
+                <a16:creationId xmlns:a16="http://schemas.microsoft.com/office/drawing/2014/main" id="{2E80C965-DB6D-4F81-9E9E-B027384D0BD6}"/>
+              </a:ext>
+              <a:ext uri="{C183D7F6-B498-43B3-948B-1728B52AA6E4}">
+                <adec:decorative xmlns:adec="http://schemas.microsoft.com/office/drawing/2017/decorative" val="1"/>
+              </a:ext>
+            </a:extLst>
+          </p:cNvPr>
+          <p:cNvSpPr>
+            <a:spLocks noGrp="1" noRot="1" noChangeAspect="1" noMove="1" noResize="1" noEditPoints="1" noAdjustHandles="1" noChangeArrowheads="1" noChangeShapeType="1" noTextEdit="1"/>
+          </p:cNvSpPr>
+          <p:nvPr>
+            <p:extLst>
+              <p:ext uri="{386F3935-93C4-4BCD-93E2-E3B085C9AB24}">
+                <p16:designElem xmlns:p16="http://schemas.microsoft.com/office/powerpoint/2015/main" val="1"/>
+              </p:ext>
+            </p:extLst>
+          </p:nvPr>
+        </p:nvSpPr>
+        <p:spPr>
+          <a:xfrm rot="2700000">
+            <a:off x="11052629" y="2120024"/>
+            <a:ext cx="645368" cy="645368"/>
+          </a:xfrm>
+          <a:prstGeom prst="rect">
+            <a:avLst/>
+          </a:prstGeom>
+          <a:solidFill>
+            <a:schemeClr val="accent4">
+              <a:alpha val="30000"/>
+            </a:schemeClr>
+          </a:solidFill>
+          <a:ln>
+            <a:noFill/>
+          </a:ln>
+        </p:spPr>
+        <p:style>
+          <a:lnRef idx="2">
+            <a:schemeClr val="accent1">
+              <a:shade val="50000"/>
+            </a:schemeClr>
+          </a:lnRef>
+          <a:fillRef idx="1">
+            <a:schemeClr val="accent1"/>
+          </a:fillRef>
+          <a:effectRef idx="0">
+            <a:schemeClr val="accent1"/>
+          </a:effectRef>
+          <a:fontRef idx="minor">
+            <a:schemeClr val="lt1"/>
+          </a:fontRef>
+        </p:style>
+        <p:txBody>
+          <a:bodyPr rtlCol="0" anchor="ctr"/>
+          <a:lstStyle/>
+          <a:p>
+            <a:pPr algn="ctr"/>
+            <a:endParaRPr lang="en-US"/>
+          </a:p>
+        </p:txBody>
+      </p:sp>
+      <p:sp>
+        <p:nvSpPr>
+          <p:cNvPr id="12" name="Isosceles Triangle 11">
+            <a:extLst>
+              <a:ext uri="{FF2B5EF4-FFF2-40B4-BE49-F238E27FC236}">
+                <a16:creationId xmlns:a16="http://schemas.microsoft.com/office/drawing/2014/main" id="{A580F890-B085-4E95-96AA-55AEBEC5CE6E}"/>
+              </a:ext>
+              <a:ext uri="{C183D7F6-B498-43B3-948B-1728B52AA6E4}">
+                <adec:decorative xmlns:adec="http://schemas.microsoft.com/office/drawing/2017/decorative" val="1"/>
+              </a:ext>
+            </a:extLst>
+          </p:cNvPr>
+          <p:cNvSpPr>
+            <a:spLocks noGrp="1" noRot="1" noChangeAspect="1" noMove="1" noResize="1" noEditPoints="1" noAdjustHandles="1" noChangeArrowheads="1" noChangeShapeType="1" noTextEdit="1"/>
+          </p:cNvSpPr>
+          <p:nvPr>
+            <p:extLst>
+              <p:ext uri="{386F3935-93C4-4BCD-93E2-E3B085C9AB24}">
+                <p16:designElem xmlns:p16="http://schemas.microsoft.com/office/powerpoint/2015/main" val="1"/>
+              </p:ext>
+            </p:extLst>
+          </p:nvPr>
+        </p:nvSpPr>
+        <p:spPr>
+          <a:xfrm rot="16200000">
+            <a:off x="10289068" y="1343027"/>
+            <a:ext cx="2532832" cy="1273032"/>
+          </a:xfrm>
+          <a:prstGeom prst="triangle">
+            <a:avLst>
+              <a:gd name="adj" fmla="val 50000"/>
+            </a:avLst>
+          </a:prstGeom>
+          <a:solidFill>
+            <a:schemeClr val="accent4">
+              <a:alpha val="30000"/>
+            </a:schemeClr>
+          </a:solidFill>
+          <a:ln>
+            <a:noFill/>
+          </a:ln>
+        </p:spPr>
+        <p:style>
+          <a:lnRef idx="2">
+            <a:schemeClr val="accent1">
+              <a:shade val="50000"/>
+            </a:schemeClr>
+          </a:lnRef>
+          <a:fillRef idx="1">
+            <a:schemeClr val="accent1"/>
+          </a:fillRef>
+          <a:effectRef idx="0">
+            <a:schemeClr val="accent1"/>
+          </a:effectRef>
+          <a:fontRef idx="minor">
+            <a:schemeClr val="lt1"/>
+          </a:fontRef>
+        </p:style>
+        <p:txBody>
+          <a:bodyPr rtlCol="0" anchor="ctr"/>
+          <a:lstStyle/>
+          <a:p>
+            <a:pPr algn="ctr"/>
+            <a:endParaRPr lang="en-US"/>
+          </a:p>
+        </p:txBody>
+      </p:sp>
+      <p:sp>
+        <p:nvSpPr>
+          <p:cNvPr id="14" name="Isosceles Triangle 13">
+            <a:extLst>
+              <a:ext uri="{FF2B5EF4-FFF2-40B4-BE49-F238E27FC236}">
+                <a16:creationId xmlns:a16="http://schemas.microsoft.com/office/drawing/2014/main" id="{D3F51FEB-38FB-4F6C-9F7B-2F2AFAB65463}"/>
+              </a:ext>
+              <a:ext uri="{C183D7F6-B498-43B3-948B-1728B52AA6E4}">
+                <adec:decorative xmlns:adec="http://schemas.microsoft.com/office/drawing/2017/decorative" val="1"/>
+              </a:ext>
+            </a:extLst>
+          </p:cNvPr>
+          <p:cNvSpPr>
+            <a:spLocks noGrp="1" noRot="1" noChangeAspect="1" noMove="1" noResize="1" noEditPoints="1" noAdjustHandles="1" noChangeArrowheads="1" noChangeShapeType="1" noTextEdit="1"/>
+          </p:cNvSpPr>
+          <p:nvPr>
+            <p:extLst>
+              <p:ext uri="{386F3935-93C4-4BCD-93E2-E3B085C9AB24}">
+                <p16:designElem xmlns:p16="http://schemas.microsoft.com/office/powerpoint/2015/main" val="1"/>
+              </p:ext>
+            </p:extLst>
+          </p:nvPr>
+        </p:nvSpPr>
+        <p:spPr>
+          <a:xfrm rot="5400000">
+            <a:off x="-501760" y="5103257"/>
+            <a:ext cx="2017580" cy="1014060"/>
+          </a:xfrm>
+          <a:prstGeom prst="triangle">
+            <a:avLst>
+              <a:gd name="adj" fmla="val 50000"/>
+            </a:avLst>
+          </a:prstGeom>
+          <a:solidFill>
+            <a:schemeClr val="accent1">
+              <a:alpha val="30000"/>
+            </a:schemeClr>
+          </a:solidFill>
+          <a:ln>
+            <a:noFill/>
+          </a:ln>
+        </p:spPr>
+        <p:style>
+          <a:lnRef idx="2">
+            <a:schemeClr val="accent1">
+              <a:shade val="50000"/>
+            </a:schemeClr>
+          </a:lnRef>
+          <a:fillRef idx="1">
+            <a:schemeClr val="accent1"/>
+          </a:fillRef>
+          <a:effectRef idx="0">
+            <a:schemeClr val="accent1"/>
+          </a:effectRef>
+          <a:fontRef idx="minor">
+            <a:schemeClr val="lt1"/>
+          </a:fontRef>
+        </p:style>
+        <p:txBody>
+          <a:bodyPr wrap="square" rtlCol="0" anchor="ctr">
+            <a:noAutofit/>
+          </a:bodyPr>
+          <a:lstStyle/>
+          <a:p>
+            <a:pPr algn="ctr"/>
+            <a:endParaRPr lang="en-US"/>
+          </a:p>
+        </p:txBody>
+      </p:sp>
+      <p:sp>
+        <p:nvSpPr>
+          <p:cNvPr id="16" name="Rectangle 15">
+            <a:extLst>
+              <a:ext uri="{FF2B5EF4-FFF2-40B4-BE49-F238E27FC236}">
+                <a16:creationId xmlns:a16="http://schemas.microsoft.com/office/drawing/2014/main" id="{1E547BA6-BAE0-43BB-A7CA-60F69CE252F0}"/>
+              </a:ext>
+              <a:ext uri="{C183D7F6-B498-43B3-948B-1728B52AA6E4}">
+                <adec:decorative xmlns:adec="http://schemas.microsoft.com/office/drawing/2017/decorative" val="1"/>
+              </a:ext>
+            </a:extLst>
+          </p:cNvPr>
+          <p:cNvSpPr>
+            <a:spLocks noGrp="1" noRot="1" noChangeAspect="1" noMove="1" noResize="1" noEditPoints="1" noAdjustHandles="1" noChangeArrowheads="1" noChangeShapeType="1" noTextEdit="1"/>
+          </p:cNvSpPr>
+          <p:nvPr>
+            <p:extLst>
+              <p:ext uri="{386F3935-93C4-4BCD-93E2-E3B085C9AB24}">
+                <p16:designElem xmlns:p16="http://schemas.microsoft.com/office/powerpoint/2015/main" val="1"/>
+              </p:ext>
+            </p:extLst>
+          </p:nvPr>
+        </p:nvSpPr>
+        <p:spPr>
+          <a:xfrm rot="2700000">
+            <a:off x="427916" y="5728708"/>
+            <a:ext cx="485578" cy="485578"/>
+          </a:xfrm>
+          <a:prstGeom prst="rect">
+            <a:avLst/>
+          </a:prstGeom>
+          <a:solidFill>
+            <a:schemeClr val="accent1">
+              <a:alpha val="30000"/>
+            </a:schemeClr>
+          </a:solidFill>
+          <a:ln>
+            <a:noFill/>
+          </a:ln>
+        </p:spPr>
+        <p:style>
+          <a:lnRef idx="2">
+            <a:schemeClr val="accent1">
+              <a:shade val="50000"/>
+            </a:schemeClr>
+          </a:lnRef>
+          <a:fillRef idx="1">
+            <a:schemeClr val="accent1"/>
+          </a:fillRef>
+          <a:effectRef idx="0">
+            <a:schemeClr val="accent1"/>
+          </a:effectRef>
+          <a:fontRef idx="minor">
+            <a:schemeClr val="lt1"/>
+          </a:fontRef>
+        </p:style>
+        <p:txBody>
+          <a:bodyPr wrap="square" rtlCol="0" anchor="ctr">
+            <a:noAutofit/>
+          </a:bodyPr>
+          <a:lstStyle/>
+          <a:p>
+            <a:pPr algn="ctr"/>
+            <a:endParaRPr lang="en-US"/>
+          </a:p>
+        </p:txBody>
+      </p:sp>
+    </p:spTree>
+    <p:extLst>
+      <p:ext uri="{BB962C8B-B14F-4D97-AF65-F5344CB8AC3E}">
+        <p14:creationId xmlns:p14="http://schemas.microsoft.com/office/powerpoint/2010/main" val="3356296509"/>
+      </p:ext>
+    </p:extLst>
+  </p:cSld>
+  <p:clrMapOvr>
+    <a:masterClrMapping/>
+  </p:clrMapOvr>
+</p:sld>
+</file>
+
+<file path=ppt/slides/slide15.xml><?xml version="1.0" encoding="utf-8"?>
+<p:sld xmlns:a="http://schemas.openxmlformats.org/drawingml/2006/main" xmlns:r="http://schemas.openxmlformats.org/officeDocument/2006/relationships" xmlns:p="http://schemas.openxmlformats.org/presentationml/2006/main" show="0">
   <p:cSld>
     <p:spTree>
       <p:nvGrpSpPr>
@@ -4312,7 +5478,7 @@
           <p:cNvPr id="2" name="Title 1">
             <a:extLst>
               <a:ext uri="{FF2B5EF4-FFF2-40B4-BE49-F238E27FC236}">
-                <a16:creationId xmlns:a16="http://schemas.microsoft.com/office/drawing/2014/main" id="{E11F57DF-60CF-9B21-464B-5AD774288B78}"/>
+                <a16:creationId xmlns:a16="http://schemas.microsoft.com/office/drawing/2014/main" id="{A915EA7A-4BF4-8253-AB42-6D7EE79C0AEA}"/>
               </a:ext>
             </a:extLst>
           </p:cNvPr>
@@ -4326,7 +5492,7 @@
         <p:spPr>
           <a:xfrm>
             <a:off x="838200" y="365126"/>
-            <a:ext cx="10515600" cy="912530"/>
+            <a:ext cx="10515600" cy="787270"/>
           </a:xfrm>
         </p:spPr>
         <p:txBody>
@@ -4334,8 +5500,12 @@
           <a:lstStyle/>
           <a:p>
             <a:r>
+              <a:rPr lang="en-US" dirty="0"/>
+              <a:t>Multiple</a:t>
+            </a:r>
+            <a:r>
               <a:rPr lang="en-JP" dirty="0"/>
-              <a:t>Majority votes and Sybil attack</a:t>
+              <a:t> spending</a:t>
             </a:r>
           </a:p>
         </p:txBody>
@@ -4345,7 +5515,7 @@
           <p:cNvPr id="3" name="Content Placeholder 2">
             <a:extLst>
               <a:ext uri="{FF2B5EF4-FFF2-40B4-BE49-F238E27FC236}">
-                <a16:creationId xmlns:a16="http://schemas.microsoft.com/office/drawing/2014/main" id="{843C7291-EF46-1B58-DE89-CB0908E36E80}"/>
+                <a16:creationId xmlns:a16="http://schemas.microsoft.com/office/drawing/2014/main" id="{83C1C254-1B88-5597-BFA1-428004A13FD5}"/>
               </a:ext>
             </a:extLst>
           </p:cNvPr>
@@ -4358,8 +5528,8 @@
         </p:nvSpPr>
         <p:spPr>
           <a:xfrm>
-            <a:off x="838200" y="1277656"/>
-            <a:ext cx="10515600" cy="4899307"/>
+            <a:off x="838200" y="1315233"/>
+            <a:ext cx="10515600" cy="4861730"/>
           </a:xfrm>
         </p:spPr>
         <p:txBody>
@@ -4368,30 +5538,70 @@
           <a:p>
             <a:r>
               <a:rPr lang="en-JP" dirty="0"/>
-              <a:t>Each nodes vote for the proper chain. </a:t>
-            </a:r>
-          </a:p>
-          <a:p>
+              <a:t>Attack</a:t>
+            </a:r>
+            <a:r>
+              <a:rPr lang="en-US" dirty="0"/>
+              <a:t>errs try to create another chain on purpose in order to </a:t>
+            </a:r>
+            <a:r>
+              <a:rPr lang="en-JP" dirty="0"/>
+              <a:t>modify or cancel a transaction</a:t>
+            </a:r>
+            <a:r>
+              <a:rPr lang="en-US" dirty="0"/>
+              <a:t>.</a:t>
+            </a:r>
             <a:endParaRPr lang="en-JP" dirty="0"/>
           </a:p>
           <a:p>
+            <a:endParaRPr lang="en-JP" dirty="0"/>
+          </a:p>
+          <a:p>
+            <a:r>
+              <a:rPr lang="en-JP" dirty="0"/>
+              <a:t>No Multiple spending for TTP model</a:t>
+            </a:r>
             <a:r>
               <a:rPr lang="en-US" dirty="0"/>
-              <a:t>This algorithm b</a:t>
+              <a:t>.</a:t>
+            </a:r>
+            <a:endParaRPr lang="en-JP" dirty="0"/>
+          </a:p>
+          <a:p>
+            <a:pPr marL="0" indent="0">
+              <a:buNone/>
+            </a:pPr>
+            <a:endParaRPr lang="en-JP" dirty="0"/>
+          </a:p>
+          <a:p>
+            <a:r>
+              <a:rPr lang="en-US" dirty="0"/>
+              <a:t>There is no guarantee that we can prevent the appearance of new chain yet, t</a:t>
             </a:r>
             <a:r>
               <a:rPr lang="en-JP" dirty="0"/>
-              <a:t>reak down if attacker can increase number of pseudonymous identities at will. </a:t>
-            </a:r>
-          </a:p>
-          <a:p>
+              <a:t>here is multiple spend in</a:t>
+            </a:r>
+            <a:r>
+              <a:rPr lang="en-US" dirty="0"/>
+              <a:t> </a:t>
+            </a:r>
+            <a:r>
+              <a:rPr lang="en-JP" dirty="0"/>
+              <a:t>decentralized setup</a:t>
+            </a:r>
+            <a:r>
+              <a:rPr lang="en-US" dirty="0"/>
+              <a:t>.</a:t>
+            </a:r>
             <a:endParaRPr lang="en-JP" dirty="0"/>
           </a:p>
           <a:p>
-            <a:r>
-              <a:rPr lang="en-JP" dirty="0"/>
-              <a:t>In fact, because blockchain is permissionless, they can append many nodes and influence on the outcome of an agreement.</a:t>
-            </a:r>
+            <a:endParaRPr lang="en-JP" dirty="0"/>
+          </a:p>
+          <a:p>
+            <a:endParaRPr lang="en-JP" dirty="0"/>
           </a:p>
           <a:p>
             <a:endParaRPr lang="en-JP" dirty="0"/>
@@ -4404,7 +5614,7 @@
     </p:spTree>
     <p:extLst>
       <p:ext uri="{BB962C8B-B14F-4D97-AF65-F5344CB8AC3E}">
-        <p14:creationId xmlns:p14="http://schemas.microsoft.com/office/powerpoint/2010/main" val="336812131"/>
+        <p14:creationId xmlns:p14="http://schemas.microsoft.com/office/powerpoint/2010/main" val="280019012"/>
       </p:ext>
     </p:extLst>
   </p:cSld>
@@ -4414,9 +5624,17 @@
 </p:sld>
 </file>
 
-<file path=ppt/slides/slide14.xml><?xml version="1.0" encoding="utf-8"?>
+<file path=ppt/slides/slide16.xml><?xml version="1.0" encoding="utf-8"?>
 <p:sld xmlns:a="http://schemas.openxmlformats.org/drawingml/2006/main" xmlns:r="http://schemas.openxmlformats.org/officeDocument/2006/relationships" xmlns:p="http://schemas.openxmlformats.org/presentationml/2006/main">
   <p:cSld>
+    <p:bg>
+      <p:bgPr>
+        <a:solidFill>
+          <a:schemeClr val="bg1"/>
+        </a:solidFill>
+        <a:effectLst/>
+      </p:bgPr>
+    </p:bg>
     <p:spTree>
       <p:nvGrpSpPr>
         <p:cNvPr id="1" name=""/>
@@ -4433,43 +5651,73 @@
       </p:grpSpPr>
       <p:sp>
         <p:nvSpPr>
-          <p:cNvPr id="2" name="Title 1">
-            <a:extLst>
-              <a:ext uri="{FF2B5EF4-FFF2-40B4-BE49-F238E27FC236}">
-                <a16:creationId xmlns:a16="http://schemas.microsoft.com/office/drawing/2014/main" id="{59F17DFE-ECC4-6DDB-AD7A-E6DB8397E0B4}"/>
-              </a:ext>
-            </a:extLst>
-          </p:cNvPr>
-          <p:cNvSpPr>
-            <a:spLocks noGrp="1"/>
-          </p:cNvSpPr>
-          <p:nvPr>
-            <p:ph type="title"/>
+          <p:cNvPr id="8" name="Rectangle 7">
+            <a:extLst>
+              <a:ext uri="{FF2B5EF4-FFF2-40B4-BE49-F238E27FC236}">
+                <a16:creationId xmlns:a16="http://schemas.microsoft.com/office/drawing/2014/main" id="{2B566528-1B12-4246-9431-5C2D7D081168}"/>
+              </a:ext>
+              <a:ext uri="{C183D7F6-B498-43B3-948B-1728B52AA6E4}">
+                <adec:decorative xmlns:adec="http://schemas.microsoft.com/office/drawing/2017/decorative" val="1"/>
+              </a:ext>
+            </a:extLst>
+          </p:cNvPr>
+          <p:cNvSpPr>
+            <a:spLocks noGrp="1" noRot="1" noChangeAspect="1" noMove="1" noResize="1" noEditPoints="1" noAdjustHandles="1" noChangeArrowheads="1" noChangeShapeType="1" noTextEdit="1"/>
+          </p:cNvSpPr>
+          <p:nvPr>
+            <p:extLst>
+              <p:ext uri="{386F3935-93C4-4BCD-93E2-E3B085C9AB24}">
+                <p16:designElem xmlns:p16="http://schemas.microsoft.com/office/powerpoint/2015/main" val="1"/>
+              </p:ext>
+            </p:extLst>
           </p:nvPr>
         </p:nvSpPr>
         <p:spPr>
           <a:xfrm>
-            <a:off x="838200" y="365126"/>
-            <a:ext cx="10515600" cy="925056"/>
-          </a:xfrm>
+            <a:off x="0" y="0"/>
+            <a:ext cx="12192000" cy="6858000"/>
+          </a:xfrm>
+          <a:prstGeom prst="rect">
+            <a:avLst/>
+          </a:prstGeom>
+          <a:solidFill>
+            <a:schemeClr val="bg1"/>
+          </a:solidFill>
+          <a:ln>
+            <a:noFill/>
+          </a:ln>
         </p:spPr>
-        <p:txBody>
-          <a:bodyPr/>
-          <a:lstStyle/>
-          <a:p>
-            <a:r>
-              <a:rPr lang="en-JP" dirty="0"/>
-              <a:t>Proof of work</a:t>
-            </a:r>
-          </a:p>
-        </p:txBody>
-      </p:sp>
-      <p:sp>
-        <p:nvSpPr>
-          <p:cNvPr id="3" name="Content Placeholder 2">
-            <a:extLst>
-              <a:ext uri="{FF2B5EF4-FFF2-40B4-BE49-F238E27FC236}">
-                <a16:creationId xmlns:a16="http://schemas.microsoft.com/office/drawing/2014/main" id="{3307D7FB-464C-5C27-442B-F2FB0FCC9E18}"/>
+        <p:style>
+          <a:lnRef idx="2">
+            <a:schemeClr val="accent1">
+              <a:shade val="50000"/>
+            </a:schemeClr>
+          </a:lnRef>
+          <a:fillRef idx="1">
+            <a:schemeClr val="accent1"/>
+          </a:fillRef>
+          <a:effectRef idx="0">
+            <a:schemeClr val="accent1"/>
+          </a:effectRef>
+          <a:fontRef idx="minor">
+            <a:schemeClr val="lt1"/>
+          </a:fontRef>
+        </p:style>
+        <p:txBody>
+          <a:bodyPr rtlCol="0" anchor="ctr"/>
+          <a:lstStyle/>
+          <a:p>
+            <a:pPr algn="ctr"/>
+            <a:endParaRPr lang="en-US" dirty="0"/>
+          </a:p>
+        </p:txBody>
+      </p:sp>
+      <p:sp>
+        <p:nvSpPr>
+          <p:cNvPr id="2" name="Title 1">
+            <a:extLst>
+              <a:ext uri="{FF2B5EF4-FFF2-40B4-BE49-F238E27FC236}">
+                <a16:creationId xmlns:a16="http://schemas.microsoft.com/office/drawing/2014/main" id="{B4B227BD-A5DB-3381-F8A3-CAD574A56551}"/>
               </a:ext>
             </a:extLst>
           </p:cNvPr>
@@ -4477,385 +5725,408 @@
             <a:spLocks noGrp="1"/>
           </p:cNvSpPr>
           <p:nvPr>
-            <p:ph idx="1"/>
+            <p:ph type="title"/>
           </p:nvPr>
         </p:nvSpPr>
         <p:spPr>
           <a:xfrm>
-            <a:off x="838200" y="1290182"/>
-            <a:ext cx="10515600" cy="4886781"/>
+            <a:off x="643467" y="321734"/>
+            <a:ext cx="10905066" cy="1135737"/>
           </a:xfrm>
         </p:spPr>
         <p:txBody>
-          <a:bodyPr/>
-          <a:lstStyle/>
-          <a:p>
-            <a:r>
-              <a:rPr lang="en-JP" dirty="0"/>
-              <a:t>How network-wide agreement may be reached even if one can artificially multiply the nodes and there is no reason  to trust other participants.</a:t>
-            </a:r>
-          </a:p>
-          <a:p>
-            <a:endParaRPr lang="en-JP" dirty="0"/>
-          </a:p>
-          <a:p>
-            <a:r>
-              <a:rPr lang="en-JP" dirty="0"/>
-              <a:t>Bitcoin setup a protocol where voting requires computational costs together with the system encouraging clients to attend voting</a:t>
-            </a:r>
-            <a:r>
-              <a:rPr lang="en-US" dirty="0"/>
-              <a:t> (initiative)</a:t>
-            </a:r>
-            <a:endParaRPr lang="en-JP" dirty="0"/>
-          </a:p>
-          <a:p>
-            <a:endParaRPr lang="en-JP" dirty="0"/>
-          </a:p>
-          <a:p>
-            <a:r>
-              <a:rPr lang="en-JP" dirty="0"/>
-              <a:t>Difficulty of work will be adjusted from time to time</a:t>
-            </a:r>
-          </a:p>
-          <a:p>
-            <a:endParaRPr lang="en-JP" dirty="0"/>
-          </a:p>
-          <a:p>
-            <a:endParaRPr lang="en-JP" dirty="0"/>
+          <a:bodyPr>
+            <a:normAutofit/>
+          </a:bodyPr>
+          <a:lstStyle/>
+          <a:p>
+            <a:r>
+              <a:rPr lang="en-JP" sz="3600" dirty="0"/>
+              <a:t>Network consensus</a:t>
+            </a:r>
+          </a:p>
+        </p:txBody>
+      </p:sp>
+      <p:sp>
+        <p:nvSpPr>
+          <p:cNvPr id="3" name="Content Placeholder 2">
+            <a:extLst>
+              <a:ext uri="{FF2B5EF4-FFF2-40B4-BE49-F238E27FC236}">
+                <a16:creationId xmlns:a16="http://schemas.microsoft.com/office/drawing/2014/main" id="{58979D12-838A-EAC1-D606-B20E13D7752B}"/>
+              </a:ext>
+            </a:extLst>
+          </p:cNvPr>
+          <p:cNvSpPr>
+            <a:spLocks noGrp="1"/>
+          </p:cNvSpPr>
+          <p:nvPr>
+            <p:ph idx="1"/>
+          </p:nvPr>
+        </p:nvSpPr>
+        <p:spPr>
+          <a:xfrm>
+            <a:off x="643467" y="1782981"/>
+            <a:ext cx="10905066" cy="4393982"/>
+          </a:xfrm>
+        </p:spPr>
+        <p:txBody>
+          <a:bodyPr>
+            <a:normAutofit/>
+          </a:bodyPr>
+          <a:lstStyle/>
+          <a:p>
+            <a:r>
+              <a:rPr lang="en-US" sz="2400" dirty="0">
+                <a:latin typeface="Times New Roman" panose="02020603050405020304" pitchFamily="18" charset="0"/>
+                <a:cs typeface="Times New Roman" panose="02020603050405020304" pitchFamily="18" charset="0"/>
+              </a:rPr>
+              <a:t>Although D</a:t>
+            </a:r>
+            <a:r>
+              <a:rPr lang="en-JP" sz="2400" dirty="0">
+                <a:latin typeface="Times New Roman" panose="02020603050405020304" pitchFamily="18" charset="0"/>
+                <a:cs typeface="Times New Roman" panose="02020603050405020304" pitchFamily="18" charset="0"/>
+              </a:rPr>
+              <a:t>istributed ledger is robust for any other problems, it is fragile to multiple spending</a:t>
+            </a:r>
+          </a:p>
+          <a:p>
+            <a:endParaRPr lang="en-JP" sz="2400" dirty="0">
+              <a:latin typeface="Times New Roman" panose="02020603050405020304" pitchFamily="18" charset="0"/>
+              <a:cs typeface="Times New Roman" panose="02020603050405020304" pitchFamily="18" charset="0"/>
+            </a:endParaRPr>
+          </a:p>
+          <a:p>
+            <a:r>
+              <a:rPr lang="en-JP" sz="2400" dirty="0">
+                <a:latin typeface="Times New Roman" panose="02020603050405020304" pitchFamily="18" charset="0"/>
+                <a:cs typeface="Times New Roman" panose="02020603050405020304" pitchFamily="18" charset="0"/>
+              </a:rPr>
+              <a:t>So, it needs consensus algorithm that is also resilient to the other problems.</a:t>
+            </a:r>
+          </a:p>
+          <a:p>
+            <a:pPr marL="0" indent="0">
+              <a:buNone/>
+            </a:pPr>
+            <a:endParaRPr lang="en-JP" sz="2400" dirty="0">
+              <a:latin typeface="Times New Roman" panose="02020603050405020304" pitchFamily="18" charset="0"/>
+              <a:cs typeface="Times New Roman" panose="02020603050405020304" pitchFamily="18" charset="0"/>
+            </a:endParaRPr>
+          </a:p>
+          <a:p>
+            <a:r>
+              <a:rPr lang="en-JP" sz="2400" dirty="0">
+                <a:latin typeface="Times New Roman" panose="02020603050405020304" pitchFamily="18" charset="0"/>
+                <a:cs typeface="Times New Roman" panose="02020603050405020304" pitchFamily="18" charset="0"/>
+              </a:rPr>
+              <a:t>Many such algorithm can be considered</a:t>
+            </a:r>
+          </a:p>
+          <a:p>
+            <a:pPr lvl="1"/>
+            <a:r>
+              <a:rPr lang="en-JP" dirty="0">
+                <a:latin typeface="Times New Roman" panose="02020603050405020304" pitchFamily="18" charset="0"/>
+                <a:cs typeface="Times New Roman" panose="02020603050405020304" pitchFamily="18" charset="0"/>
+              </a:rPr>
+              <a:t>Majority votes </a:t>
+            </a:r>
+          </a:p>
+          <a:p>
+            <a:pPr lvl="1"/>
+            <a:r>
+              <a:rPr lang="en-JP" dirty="0">
+                <a:latin typeface="Times New Roman" panose="02020603050405020304" pitchFamily="18" charset="0"/>
+                <a:cs typeface="Times New Roman" panose="02020603050405020304" pitchFamily="18" charset="0"/>
+              </a:rPr>
+              <a:t>Proof of work</a:t>
+            </a:r>
+          </a:p>
+          <a:p>
+            <a:pPr lvl="1"/>
+            <a:r>
+              <a:rPr lang="en-JP" dirty="0">
+                <a:latin typeface="Times New Roman" panose="02020603050405020304" pitchFamily="18" charset="0"/>
+                <a:cs typeface="Times New Roman" panose="02020603050405020304" pitchFamily="18" charset="0"/>
+              </a:rPr>
+              <a:t>Proof of stake</a:t>
+            </a:r>
+          </a:p>
+        </p:txBody>
+      </p:sp>
+      <p:sp>
+        <p:nvSpPr>
+          <p:cNvPr id="10" name="Rectangle 9">
+            <a:extLst>
+              <a:ext uri="{FF2B5EF4-FFF2-40B4-BE49-F238E27FC236}">
+                <a16:creationId xmlns:a16="http://schemas.microsoft.com/office/drawing/2014/main" id="{2E80C965-DB6D-4F81-9E9E-B027384D0BD6}"/>
+              </a:ext>
+              <a:ext uri="{C183D7F6-B498-43B3-948B-1728B52AA6E4}">
+                <adec:decorative xmlns:adec="http://schemas.microsoft.com/office/drawing/2017/decorative" val="1"/>
+              </a:ext>
+            </a:extLst>
+          </p:cNvPr>
+          <p:cNvSpPr>
+            <a:spLocks noGrp="1" noRot="1" noChangeAspect="1" noMove="1" noResize="1" noEditPoints="1" noAdjustHandles="1" noChangeArrowheads="1" noChangeShapeType="1" noTextEdit="1"/>
+          </p:cNvSpPr>
+          <p:nvPr>
+            <p:extLst>
+              <p:ext uri="{386F3935-93C4-4BCD-93E2-E3B085C9AB24}">
+                <p16:designElem xmlns:p16="http://schemas.microsoft.com/office/powerpoint/2015/main" val="1"/>
+              </p:ext>
+            </p:extLst>
+          </p:nvPr>
+        </p:nvSpPr>
+        <p:spPr>
+          <a:xfrm rot="2700000">
+            <a:off x="11052629" y="2120024"/>
+            <a:ext cx="645368" cy="645368"/>
+          </a:xfrm>
+          <a:prstGeom prst="rect">
+            <a:avLst/>
+          </a:prstGeom>
+          <a:solidFill>
+            <a:schemeClr val="accent4">
+              <a:alpha val="30000"/>
+            </a:schemeClr>
+          </a:solidFill>
+          <a:ln>
+            <a:noFill/>
+          </a:ln>
+        </p:spPr>
+        <p:style>
+          <a:lnRef idx="2">
+            <a:schemeClr val="accent1">
+              <a:shade val="50000"/>
+            </a:schemeClr>
+          </a:lnRef>
+          <a:fillRef idx="1">
+            <a:schemeClr val="accent1"/>
+          </a:fillRef>
+          <a:effectRef idx="0">
+            <a:schemeClr val="accent1"/>
+          </a:effectRef>
+          <a:fontRef idx="minor">
+            <a:schemeClr val="lt1"/>
+          </a:fontRef>
+        </p:style>
+        <p:txBody>
+          <a:bodyPr rtlCol="0" anchor="ctr"/>
+          <a:lstStyle/>
+          <a:p>
+            <a:pPr algn="ctr"/>
+            <a:endParaRPr lang="en-US"/>
+          </a:p>
+        </p:txBody>
+      </p:sp>
+      <p:sp>
+        <p:nvSpPr>
+          <p:cNvPr id="12" name="Isosceles Triangle 11">
+            <a:extLst>
+              <a:ext uri="{FF2B5EF4-FFF2-40B4-BE49-F238E27FC236}">
+                <a16:creationId xmlns:a16="http://schemas.microsoft.com/office/drawing/2014/main" id="{A580F890-B085-4E95-96AA-55AEBEC5CE6E}"/>
+              </a:ext>
+              <a:ext uri="{C183D7F6-B498-43B3-948B-1728B52AA6E4}">
+                <adec:decorative xmlns:adec="http://schemas.microsoft.com/office/drawing/2017/decorative" val="1"/>
+              </a:ext>
+            </a:extLst>
+          </p:cNvPr>
+          <p:cNvSpPr>
+            <a:spLocks noGrp="1" noRot="1" noChangeAspect="1" noMove="1" noResize="1" noEditPoints="1" noAdjustHandles="1" noChangeArrowheads="1" noChangeShapeType="1" noTextEdit="1"/>
+          </p:cNvSpPr>
+          <p:nvPr>
+            <p:extLst>
+              <p:ext uri="{386F3935-93C4-4BCD-93E2-E3B085C9AB24}">
+                <p16:designElem xmlns:p16="http://schemas.microsoft.com/office/powerpoint/2015/main" val="1"/>
+              </p:ext>
+            </p:extLst>
+          </p:nvPr>
+        </p:nvSpPr>
+        <p:spPr>
+          <a:xfrm rot="16200000">
+            <a:off x="10289068" y="1343027"/>
+            <a:ext cx="2532832" cy="1273032"/>
+          </a:xfrm>
+          <a:prstGeom prst="triangle">
+            <a:avLst>
+              <a:gd name="adj" fmla="val 50000"/>
+            </a:avLst>
+          </a:prstGeom>
+          <a:solidFill>
+            <a:schemeClr val="accent4">
+              <a:alpha val="30000"/>
+            </a:schemeClr>
+          </a:solidFill>
+          <a:ln>
+            <a:noFill/>
+          </a:ln>
+        </p:spPr>
+        <p:style>
+          <a:lnRef idx="2">
+            <a:schemeClr val="accent1">
+              <a:shade val="50000"/>
+            </a:schemeClr>
+          </a:lnRef>
+          <a:fillRef idx="1">
+            <a:schemeClr val="accent1"/>
+          </a:fillRef>
+          <a:effectRef idx="0">
+            <a:schemeClr val="accent1"/>
+          </a:effectRef>
+          <a:fontRef idx="minor">
+            <a:schemeClr val="lt1"/>
+          </a:fontRef>
+        </p:style>
+        <p:txBody>
+          <a:bodyPr rtlCol="0" anchor="ctr"/>
+          <a:lstStyle/>
+          <a:p>
+            <a:pPr algn="ctr"/>
+            <a:endParaRPr lang="en-US"/>
+          </a:p>
+        </p:txBody>
+      </p:sp>
+      <p:sp>
+        <p:nvSpPr>
+          <p:cNvPr id="14" name="Isosceles Triangle 13">
+            <a:extLst>
+              <a:ext uri="{FF2B5EF4-FFF2-40B4-BE49-F238E27FC236}">
+                <a16:creationId xmlns:a16="http://schemas.microsoft.com/office/drawing/2014/main" id="{D3F51FEB-38FB-4F6C-9F7B-2F2AFAB65463}"/>
+              </a:ext>
+              <a:ext uri="{C183D7F6-B498-43B3-948B-1728B52AA6E4}">
+                <adec:decorative xmlns:adec="http://schemas.microsoft.com/office/drawing/2017/decorative" val="1"/>
+              </a:ext>
+            </a:extLst>
+          </p:cNvPr>
+          <p:cNvSpPr>
+            <a:spLocks noGrp="1" noRot="1" noChangeAspect="1" noMove="1" noResize="1" noEditPoints="1" noAdjustHandles="1" noChangeArrowheads="1" noChangeShapeType="1" noTextEdit="1"/>
+          </p:cNvSpPr>
+          <p:nvPr>
+            <p:extLst>
+              <p:ext uri="{386F3935-93C4-4BCD-93E2-E3B085C9AB24}">
+                <p16:designElem xmlns:p16="http://schemas.microsoft.com/office/powerpoint/2015/main" val="1"/>
+              </p:ext>
+            </p:extLst>
+          </p:nvPr>
+        </p:nvSpPr>
+        <p:spPr>
+          <a:xfrm rot="5400000">
+            <a:off x="-501760" y="5103257"/>
+            <a:ext cx="2017580" cy="1014060"/>
+          </a:xfrm>
+          <a:prstGeom prst="triangle">
+            <a:avLst>
+              <a:gd name="adj" fmla="val 50000"/>
+            </a:avLst>
+          </a:prstGeom>
+          <a:solidFill>
+            <a:schemeClr val="accent1">
+              <a:alpha val="30000"/>
+            </a:schemeClr>
+          </a:solidFill>
+          <a:ln>
+            <a:noFill/>
+          </a:ln>
+        </p:spPr>
+        <p:style>
+          <a:lnRef idx="2">
+            <a:schemeClr val="accent1">
+              <a:shade val="50000"/>
+            </a:schemeClr>
+          </a:lnRef>
+          <a:fillRef idx="1">
+            <a:schemeClr val="accent1"/>
+          </a:fillRef>
+          <a:effectRef idx="0">
+            <a:schemeClr val="accent1"/>
+          </a:effectRef>
+          <a:fontRef idx="minor">
+            <a:schemeClr val="lt1"/>
+          </a:fontRef>
+        </p:style>
+        <p:txBody>
+          <a:bodyPr wrap="square" rtlCol="0" anchor="ctr">
+            <a:noAutofit/>
+          </a:bodyPr>
+          <a:lstStyle/>
+          <a:p>
+            <a:pPr algn="ctr"/>
+            <a:endParaRPr lang="en-US"/>
+          </a:p>
+        </p:txBody>
+      </p:sp>
+      <p:sp>
+        <p:nvSpPr>
+          <p:cNvPr id="16" name="Rectangle 15">
+            <a:extLst>
+              <a:ext uri="{FF2B5EF4-FFF2-40B4-BE49-F238E27FC236}">
+                <a16:creationId xmlns:a16="http://schemas.microsoft.com/office/drawing/2014/main" id="{1E547BA6-BAE0-43BB-A7CA-60F69CE252F0}"/>
+              </a:ext>
+              <a:ext uri="{C183D7F6-B498-43B3-948B-1728B52AA6E4}">
+                <adec:decorative xmlns:adec="http://schemas.microsoft.com/office/drawing/2017/decorative" val="1"/>
+              </a:ext>
+            </a:extLst>
+          </p:cNvPr>
+          <p:cNvSpPr>
+            <a:spLocks noGrp="1" noRot="1" noChangeAspect="1" noMove="1" noResize="1" noEditPoints="1" noAdjustHandles="1" noChangeArrowheads="1" noChangeShapeType="1" noTextEdit="1"/>
+          </p:cNvSpPr>
+          <p:nvPr>
+            <p:extLst>
+              <p:ext uri="{386F3935-93C4-4BCD-93E2-E3B085C9AB24}">
+                <p16:designElem xmlns:p16="http://schemas.microsoft.com/office/powerpoint/2015/main" val="1"/>
+              </p:ext>
+            </p:extLst>
+          </p:nvPr>
+        </p:nvSpPr>
+        <p:spPr>
+          <a:xfrm rot="2700000">
+            <a:off x="427916" y="5728708"/>
+            <a:ext cx="485578" cy="485578"/>
+          </a:xfrm>
+          <a:prstGeom prst="rect">
+            <a:avLst/>
+          </a:prstGeom>
+          <a:solidFill>
+            <a:schemeClr val="accent1">
+              <a:alpha val="30000"/>
+            </a:schemeClr>
+          </a:solidFill>
+          <a:ln>
+            <a:noFill/>
+          </a:ln>
+        </p:spPr>
+        <p:style>
+          <a:lnRef idx="2">
+            <a:schemeClr val="accent1">
+              <a:shade val="50000"/>
+            </a:schemeClr>
+          </a:lnRef>
+          <a:fillRef idx="1">
+            <a:schemeClr val="accent1"/>
+          </a:fillRef>
+          <a:effectRef idx="0">
+            <a:schemeClr val="accent1"/>
+          </a:effectRef>
+          <a:fontRef idx="minor">
+            <a:schemeClr val="lt1"/>
+          </a:fontRef>
+        </p:style>
+        <p:txBody>
+          <a:bodyPr wrap="square" rtlCol="0" anchor="ctr">
+            <a:noAutofit/>
+          </a:bodyPr>
+          <a:lstStyle/>
+          <a:p>
+            <a:pPr algn="ctr"/>
+            <a:endParaRPr lang="en-US"/>
           </a:p>
         </p:txBody>
       </p:sp>
     </p:spTree>
     <p:extLst>
       <p:ext uri="{BB962C8B-B14F-4D97-AF65-F5344CB8AC3E}">
-        <p14:creationId xmlns:p14="http://schemas.microsoft.com/office/powerpoint/2010/main" val="4167736196"/>
-      </p:ext>
-    </p:extLst>
-  </p:cSld>
-  <p:clrMapOvr>
-    <a:masterClrMapping/>
-  </p:clrMapOvr>
-</p:sld>
-</file>
-
-<file path=ppt/slides/slide15.xml><?xml version="1.0" encoding="utf-8"?>
-<p:sld xmlns:a="http://schemas.openxmlformats.org/drawingml/2006/main" xmlns:r="http://schemas.openxmlformats.org/officeDocument/2006/relationships" xmlns:p="http://schemas.openxmlformats.org/presentationml/2006/main">
-  <p:cSld>
-    <p:spTree>
-      <p:nvGrpSpPr>
-        <p:cNvPr id="1" name=""/>
-        <p:cNvGrpSpPr/>
-        <p:nvPr/>
-      </p:nvGrpSpPr>
-      <p:grpSpPr>
-        <a:xfrm>
-          <a:off x="0" y="0"/>
-          <a:ext cx="0" cy="0"/>
-          <a:chOff x="0" y="0"/>
-          <a:chExt cx="0" cy="0"/>
-        </a:xfrm>
-      </p:grpSpPr>
-      <p:sp>
-        <p:nvSpPr>
-          <p:cNvPr id="2" name="タイトル 1">
-            <a:extLst>
-              <a:ext uri="{FF2B5EF4-FFF2-40B4-BE49-F238E27FC236}">
-                <a16:creationId xmlns:a16="http://schemas.microsoft.com/office/drawing/2014/main" id="{B2BD4848-5057-4D00-9FC6-67CE26D3DA9A}"/>
-              </a:ext>
-            </a:extLst>
-          </p:cNvPr>
-          <p:cNvSpPr>
-            <a:spLocks noGrp="1"/>
-          </p:cNvSpPr>
-          <p:nvPr>
-            <p:ph type="title"/>
-          </p:nvPr>
-        </p:nvSpPr>
-        <p:spPr>
-          <a:xfrm>
-            <a:off x="838200" y="365126"/>
-            <a:ext cx="10515600" cy="904382"/>
-          </a:xfrm>
-        </p:spPr>
-        <p:txBody>
-          <a:bodyPr/>
-          <a:lstStyle/>
-          <a:p>
-            <a:r>
-              <a:rPr lang="en-US" dirty="0"/>
-              <a:t>Proof of Work</a:t>
-            </a:r>
-          </a:p>
-        </p:txBody>
-      </p:sp>
-      <p:sp>
-        <p:nvSpPr>
-          <p:cNvPr id="3" name="コンテンツ プレースホルダー 2">
-            <a:extLst>
-              <a:ext uri="{FF2B5EF4-FFF2-40B4-BE49-F238E27FC236}">
-                <a16:creationId xmlns:a16="http://schemas.microsoft.com/office/drawing/2014/main" id="{6E00CFB9-67BF-4F8F-99C5-3F4184906618}"/>
-              </a:ext>
-            </a:extLst>
-          </p:cNvPr>
-          <p:cNvSpPr>
-            <a:spLocks noGrp="1"/>
-          </p:cNvSpPr>
-          <p:nvPr>
-            <p:ph idx="1"/>
-          </p:nvPr>
-        </p:nvSpPr>
-        <p:spPr>
-          <a:xfrm>
-            <a:off x="838200" y="1367161"/>
-            <a:ext cx="10515600" cy="4809802"/>
-          </a:xfrm>
-        </p:spPr>
-        <p:txBody>
-          <a:bodyPr/>
-          <a:lstStyle/>
-          <a:p>
-            <a:r>
-              <a:rPr lang="en-US" dirty="0"/>
-              <a:t>The bitcoin force miners to search for a valid nonce whose value is adjusted by miners until the hash of the block is less than or equal to the current target difficulty of the block.</a:t>
-            </a:r>
-          </a:p>
-          <a:p>
-            <a:endParaRPr lang="en-US" dirty="0"/>
-          </a:p>
-          <a:p>
-            <a:endParaRPr lang="en-US" dirty="0"/>
-          </a:p>
-          <a:p>
-            <a:endParaRPr lang="en-US" dirty="0"/>
-          </a:p>
-          <a:p>
-            <a:endParaRPr lang="en-US" dirty="0"/>
-          </a:p>
-          <a:p>
-            <a:endParaRPr lang="en-US" dirty="0"/>
-          </a:p>
-          <a:p>
-            <a:r>
-              <a:rPr lang="en-US" dirty="0"/>
-              <a:t>A Miner who find the valid nonce broadcasts it to the network </a:t>
-            </a:r>
-          </a:p>
-        </p:txBody>
-      </p:sp>
-      <p:pic>
-        <p:nvPicPr>
-          <p:cNvPr id="5" name="図 4">
-            <a:extLst>
-              <a:ext uri="{FF2B5EF4-FFF2-40B4-BE49-F238E27FC236}">
-                <a16:creationId xmlns:a16="http://schemas.microsoft.com/office/drawing/2014/main" id="{5CEEDEB6-AB4B-46E2-8358-D27B6EBCBBE0}"/>
-              </a:ext>
-            </a:extLst>
-          </p:cNvPr>
-          <p:cNvPicPr>
-            <a:picLocks noChangeAspect="1"/>
-          </p:cNvPicPr>
-          <p:nvPr/>
-        </p:nvPicPr>
-        <p:blipFill>
-          <a:blip r:embed="rId2"/>
-          <a:stretch>
-            <a:fillRect/>
-          </a:stretch>
-        </p:blipFill>
-        <p:spPr>
-          <a:xfrm>
-            <a:off x="1628749" y="2817734"/>
-            <a:ext cx="8934502" cy="2174144"/>
-          </a:xfrm>
-          <a:prstGeom prst="rect">
-            <a:avLst/>
-          </a:prstGeom>
-        </p:spPr>
-      </p:pic>
-    </p:spTree>
-    <p:extLst>
-      <p:ext uri="{BB962C8B-B14F-4D97-AF65-F5344CB8AC3E}">
-        <p14:creationId xmlns:p14="http://schemas.microsoft.com/office/powerpoint/2010/main" val="1084007103"/>
-      </p:ext>
-    </p:extLst>
-  </p:cSld>
-  <p:clrMapOvr>
-    <a:masterClrMapping/>
-  </p:clrMapOvr>
-</p:sld>
-</file>
-
-<file path=ppt/slides/slide16.xml><?xml version="1.0" encoding="utf-8"?>
-<p:sld xmlns:a="http://schemas.openxmlformats.org/drawingml/2006/main" xmlns:r="http://schemas.openxmlformats.org/officeDocument/2006/relationships" xmlns:p="http://schemas.openxmlformats.org/presentationml/2006/main">
-  <p:cSld>
-    <p:spTree>
-      <p:nvGrpSpPr>
-        <p:cNvPr id="1" name=""/>
-        <p:cNvGrpSpPr/>
-        <p:nvPr/>
-      </p:nvGrpSpPr>
-      <p:grpSpPr>
-        <a:xfrm>
-          <a:off x="0" y="0"/>
-          <a:ext cx="0" cy="0"/>
-          <a:chOff x="0" y="0"/>
-          <a:chExt cx="0" cy="0"/>
-        </a:xfrm>
-      </p:grpSpPr>
-      <p:pic>
-        <p:nvPicPr>
-          <p:cNvPr id="7" name="図 6">
-            <a:extLst>
-              <a:ext uri="{FF2B5EF4-FFF2-40B4-BE49-F238E27FC236}">
-                <a16:creationId xmlns:a16="http://schemas.microsoft.com/office/drawing/2014/main" id="{72B92076-34DC-497C-92EE-FE65A766636D}"/>
-              </a:ext>
-            </a:extLst>
-          </p:cNvPr>
-          <p:cNvPicPr>
-            <a:picLocks noChangeAspect="1"/>
-          </p:cNvPicPr>
-          <p:nvPr/>
-        </p:nvPicPr>
-        <p:blipFill>
-          <a:blip r:embed="rId2"/>
-          <a:stretch>
-            <a:fillRect/>
-          </a:stretch>
-        </p:blipFill>
-        <p:spPr>
-          <a:xfrm>
-            <a:off x="6289394" y="2721037"/>
-            <a:ext cx="5144635" cy="2621314"/>
-          </a:xfrm>
-          <a:prstGeom prst="rect">
-            <a:avLst/>
-          </a:prstGeom>
-        </p:spPr>
-      </p:pic>
-      <p:sp>
-        <p:nvSpPr>
-          <p:cNvPr id="2" name="Title 1">
-            <a:extLst>
-              <a:ext uri="{FF2B5EF4-FFF2-40B4-BE49-F238E27FC236}">
-                <a16:creationId xmlns:a16="http://schemas.microsoft.com/office/drawing/2014/main" id="{E9503C6F-A5AD-7C50-1130-58E0FF20400C}"/>
-              </a:ext>
-            </a:extLst>
-          </p:cNvPr>
-          <p:cNvSpPr>
-            <a:spLocks noGrp="1"/>
-          </p:cNvSpPr>
-          <p:nvPr>
-            <p:ph type="title"/>
-          </p:nvPr>
-        </p:nvSpPr>
-        <p:spPr>
-          <a:xfrm>
-            <a:off x="838200" y="365125"/>
-            <a:ext cx="10515600" cy="900004"/>
-          </a:xfrm>
-        </p:spPr>
-        <p:txBody>
-          <a:bodyPr/>
-          <a:lstStyle/>
-          <a:p>
-            <a:r>
-              <a:rPr lang="en-JP" dirty="0"/>
-              <a:t>Forks and consensus chain</a:t>
-            </a:r>
-          </a:p>
-        </p:txBody>
-      </p:sp>
-      <p:sp>
-        <p:nvSpPr>
-          <p:cNvPr id="3" name="Content Placeholder 2">
-            <a:extLst>
-              <a:ext uri="{FF2B5EF4-FFF2-40B4-BE49-F238E27FC236}">
-                <a16:creationId xmlns:a16="http://schemas.microsoft.com/office/drawing/2014/main" id="{8F9001BE-E2DA-3DEA-C4DE-E55C76FFE289}"/>
-              </a:ext>
-            </a:extLst>
-          </p:cNvPr>
-          <p:cNvSpPr>
-            <a:spLocks noGrp="1"/>
-          </p:cNvSpPr>
-          <p:nvPr>
-            <p:ph idx="1"/>
-          </p:nvPr>
-        </p:nvSpPr>
-        <p:spPr>
-          <a:xfrm>
-            <a:off x="838200" y="1515649"/>
-            <a:ext cx="10515600" cy="4661314"/>
-          </a:xfrm>
-        </p:spPr>
-        <p:txBody>
-          <a:bodyPr>
-            <a:normAutofit/>
-          </a:bodyPr>
-          <a:lstStyle/>
-          <a:p>
-            <a:r>
-              <a:rPr lang="en-US" dirty="0"/>
-              <a:t>A fork happens when two or more valid blocks refer to the same parent.</a:t>
-            </a:r>
-          </a:p>
-          <a:p>
-            <a:endParaRPr lang="en-US" dirty="0"/>
-          </a:p>
-          <a:p>
-            <a:endParaRPr lang="en-US" dirty="0"/>
-          </a:p>
-          <a:p>
-            <a:r>
-              <a:rPr lang="en-US" b="0" i="0" dirty="0">
-                <a:effectLst/>
-                <a:latin typeface="Times New Roman" panose="02020603050405020304" pitchFamily="18" charset="0"/>
-              </a:rPr>
-              <a:t>A selection rule is required.</a:t>
-            </a:r>
-          </a:p>
-          <a:p>
-            <a:endParaRPr lang="en-US" b="0" i="0" dirty="0">
-              <a:effectLst/>
-              <a:latin typeface="Times New Roman" panose="02020603050405020304" pitchFamily="18" charset="0"/>
-            </a:endParaRPr>
-          </a:p>
-          <a:p>
-            <a:r>
-              <a:rPr lang="en-US" dirty="0">
-                <a:latin typeface="Times New Roman" panose="02020603050405020304" pitchFamily="18" charset="0"/>
-              </a:rPr>
-              <a:t>the branch with the longest </a:t>
-            </a:r>
-          </a:p>
-          <a:p>
-            <a:pPr marL="0" indent="0">
-              <a:buNone/>
-            </a:pPr>
-            <a:r>
-              <a:rPr lang="en-US" dirty="0">
-                <a:latin typeface="Times New Roman" panose="02020603050405020304" pitchFamily="18" charset="0"/>
-              </a:rPr>
-              <a:t>cumulative proof-of-work </a:t>
-            </a:r>
-          </a:p>
-          <a:p>
-            <a:pPr marL="0" indent="0">
-              <a:buNone/>
-            </a:pPr>
-            <a:r>
-              <a:rPr lang="en-US" dirty="0">
-                <a:latin typeface="Times New Roman" panose="02020603050405020304" pitchFamily="18" charset="0"/>
-              </a:rPr>
-              <a:t>difficulty is the one that is chosen as the consensus chain</a:t>
-            </a:r>
-          </a:p>
-        </p:txBody>
-      </p:sp>
-    </p:spTree>
-    <p:extLst>
-      <p:ext uri="{BB962C8B-B14F-4D97-AF65-F5344CB8AC3E}">
-        <p14:creationId xmlns:p14="http://schemas.microsoft.com/office/powerpoint/2010/main" val="641126142"/>
+        <p14:creationId xmlns:p14="http://schemas.microsoft.com/office/powerpoint/2010/main" val="4233985986"/>
       </p:ext>
     </p:extLst>
   </p:cSld>
@@ -4892,42 +6163,98 @@
       </p:grpSpPr>
       <p:sp>
         <p:nvSpPr>
-          <p:cNvPr id="2" name="Title 1">
-            <a:extLst>
-              <a:ext uri="{FF2B5EF4-FFF2-40B4-BE49-F238E27FC236}">
-                <a16:creationId xmlns:a16="http://schemas.microsoft.com/office/drawing/2014/main" id="{5C85BED1-6402-7164-915D-0E1B3C8D41DB}"/>
-              </a:ext>
-            </a:extLst>
-          </p:cNvPr>
-          <p:cNvSpPr>
-            <a:spLocks noGrp="1"/>
-          </p:cNvSpPr>
-          <p:nvPr>
-            <p:ph type="title"/>
+          <p:cNvPr id="8" name="Rectangle 7">
+            <a:extLst>
+              <a:ext uri="{FF2B5EF4-FFF2-40B4-BE49-F238E27FC236}">
+                <a16:creationId xmlns:a16="http://schemas.microsoft.com/office/drawing/2014/main" id="{2B566528-1B12-4246-9431-5C2D7D081168}"/>
+              </a:ext>
+              <a:ext uri="{C183D7F6-B498-43B3-948B-1728B52AA6E4}">
+                <adec:decorative xmlns:adec="http://schemas.microsoft.com/office/drawing/2017/decorative" val="1"/>
+              </a:ext>
+            </a:extLst>
+          </p:cNvPr>
+          <p:cNvSpPr>
+            <a:spLocks noGrp="1" noRot="1" noChangeAspect="1" noMove="1" noResize="1" noEditPoints="1" noAdjustHandles="1" noChangeArrowheads="1" noChangeShapeType="1" noTextEdit="1"/>
+          </p:cNvSpPr>
+          <p:nvPr>
+            <p:extLst>
+              <p:ext uri="{386F3935-93C4-4BCD-93E2-E3B085C9AB24}">
+                <p16:designElem xmlns:p16="http://schemas.microsoft.com/office/powerpoint/2015/main" val="1"/>
+              </p:ext>
+            </p:extLst>
           </p:nvPr>
         </p:nvSpPr>
         <p:spPr>
           <a:xfrm>
-            <a:off x="838199" y="291090"/>
-            <a:ext cx="10515599" cy="932688"/>
-          </a:xfrm>
+            <a:off x="0" y="0"/>
+            <a:ext cx="12192000" cy="6858000"/>
+          </a:xfrm>
+          <a:prstGeom prst="rect">
+            <a:avLst/>
+          </a:prstGeom>
+          <a:solidFill>
+            <a:schemeClr val="bg1"/>
+          </a:solidFill>
+          <a:ln>
+            <a:noFill/>
+          </a:ln>
         </p:spPr>
-        <p:txBody>
-          <a:bodyPr vert="horz" lIns="91440" tIns="45720" rIns="91440" bIns="45720" rtlCol="0" anchor="b">
+        <p:style>
+          <a:lnRef idx="2">
+            <a:schemeClr val="accent1">
+              <a:shade val="50000"/>
+            </a:schemeClr>
+          </a:lnRef>
+          <a:fillRef idx="1">
+            <a:schemeClr val="accent1"/>
+          </a:fillRef>
+          <a:effectRef idx="0">
+            <a:schemeClr val="accent1"/>
+          </a:effectRef>
+          <a:fontRef idx="minor">
+            <a:schemeClr val="lt1"/>
+          </a:fontRef>
+        </p:style>
+        <p:txBody>
+          <a:bodyPr rtlCol="0" anchor="ctr"/>
+          <a:lstStyle/>
+          <a:p>
+            <a:pPr algn="ctr"/>
+            <a:endParaRPr lang="en-US" dirty="0"/>
+          </a:p>
+        </p:txBody>
+      </p:sp>
+      <p:sp>
+        <p:nvSpPr>
+          <p:cNvPr id="2" name="Title 1">
+            <a:extLst>
+              <a:ext uri="{FF2B5EF4-FFF2-40B4-BE49-F238E27FC236}">
+                <a16:creationId xmlns:a16="http://schemas.microsoft.com/office/drawing/2014/main" id="{E11F57DF-60CF-9B21-464B-5AD774288B78}"/>
+              </a:ext>
+            </a:extLst>
+          </p:cNvPr>
+          <p:cNvSpPr>
+            <a:spLocks noGrp="1"/>
+          </p:cNvSpPr>
+          <p:nvPr>
+            <p:ph type="title"/>
+          </p:nvPr>
+        </p:nvSpPr>
+        <p:spPr>
+          <a:xfrm>
+            <a:off x="643467" y="321734"/>
+            <a:ext cx="10905066" cy="1135737"/>
+          </a:xfrm>
+        </p:spPr>
+        <p:txBody>
+          <a:bodyPr>
             <a:normAutofit/>
           </a:bodyPr>
           <a:lstStyle/>
           <a:p>
             <a:r>
-              <a:rPr lang="en-US" sz="5400" kern="1200" dirty="0">
-                <a:solidFill>
-                  <a:schemeClr val="tx1"/>
-                </a:solidFill>
-                <a:latin typeface="+mj-lt"/>
-                <a:ea typeface="+mj-ea"/>
-                <a:cs typeface="+mj-cs"/>
-              </a:rPr>
-              <a:t>Define coin (base idea)</a:t>
+              <a:rPr lang="en-JP" sz="3600"/>
+              <a:t>Majority votes and Sybil attack</a:t>
             </a:r>
           </a:p>
         </p:txBody>
@@ -4937,7 +6264,7 @@
           <p:cNvPr id="3" name="Content Placeholder 2">
             <a:extLst>
               <a:ext uri="{FF2B5EF4-FFF2-40B4-BE49-F238E27FC236}">
-                <a16:creationId xmlns:a16="http://schemas.microsoft.com/office/drawing/2014/main" id="{BE2134EF-6582-F741-B26D-B9C970501260}"/>
+                <a16:creationId xmlns:a16="http://schemas.microsoft.com/office/drawing/2014/main" id="{843C7291-EF46-1B58-DE89-CB0908E36E80}"/>
               </a:ext>
             </a:extLst>
           </p:cNvPr>
@@ -4950,39 +6277,918 @@
         </p:nvSpPr>
         <p:spPr>
           <a:xfrm>
-            <a:off x="838199" y="1335726"/>
-            <a:ext cx="10515599" cy="420624"/>
+            <a:off x="643467" y="1782981"/>
+            <a:ext cx="10905066" cy="4393982"/>
           </a:xfrm>
         </p:spPr>
         <p:txBody>
-          <a:bodyPr vert="horz" lIns="91440" tIns="45720" rIns="91440" bIns="45720" rtlCol="0">
+          <a:bodyPr>
             <a:normAutofit/>
           </a:bodyPr>
           <a:lstStyle/>
           <a:p>
-            <a:pPr marL="0" indent="0">
-              <a:buNone/>
-            </a:pPr>
-            <a:r>
-              <a:rPr lang="en-US" sz="2400" kern="1200" dirty="0">
-                <a:solidFill>
-                  <a:schemeClr val="tx1"/>
-                </a:solidFill>
-                <a:latin typeface="+mn-lt"/>
-                <a:ea typeface="+mn-ea"/>
-                <a:cs typeface="+mn-cs"/>
-              </a:rPr>
-              <a:t>In the paper, electronic coin is defined as a chain of digital signatures.</a:t>
+            <a:r>
+              <a:rPr lang="en-JP" sz="2400" dirty="0"/>
+              <a:t>Each nodes vote for the proper chain. </a:t>
+            </a:r>
+          </a:p>
+          <a:p>
+            <a:endParaRPr lang="en-JP" sz="2400" dirty="0"/>
+          </a:p>
+          <a:p>
+            <a:r>
+              <a:rPr lang="en-US" sz="2400" dirty="0"/>
+              <a:t>This algorithm b</a:t>
+            </a:r>
+            <a:r>
+              <a:rPr lang="en-JP" sz="2400" dirty="0"/>
+              <a:t>reak down if attacker can increase number of pseudonymous identities at will. </a:t>
+            </a:r>
+          </a:p>
+          <a:p>
+            <a:endParaRPr lang="en-JP" sz="2400" dirty="0"/>
+          </a:p>
+          <a:p>
+            <a:r>
+              <a:rPr lang="en-JP" sz="2400" dirty="0"/>
+              <a:t>In fact, because blockchain is permissionless, they can append many nodes </a:t>
+            </a:r>
+            <a:r>
+              <a:rPr lang="en-US" sz="2400" dirty="0"/>
+              <a:t>as much as they want </a:t>
+            </a:r>
+            <a:r>
+              <a:rPr lang="en-JP" sz="2400" dirty="0"/>
+              <a:t>and influence on the outcome of an agreement.</a:t>
+            </a:r>
+          </a:p>
+          <a:p>
+            <a:endParaRPr lang="en-JP" sz="2000" dirty="0"/>
+          </a:p>
+          <a:p>
+            <a:endParaRPr lang="en-JP" sz="2000" dirty="0"/>
+          </a:p>
+        </p:txBody>
+      </p:sp>
+      <p:sp>
+        <p:nvSpPr>
+          <p:cNvPr id="10" name="Rectangle 9">
+            <a:extLst>
+              <a:ext uri="{FF2B5EF4-FFF2-40B4-BE49-F238E27FC236}">
+                <a16:creationId xmlns:a16="http://schemas.microsoft.com/office/drawing/2014/main" id="{2E80C965-DB6D-4F81-9E9E-B027384D0BD6}"/>
+              </a:ext>
+              <a:ext uri="{C183D7F6-B498-43B3-948B-1728B52AA6E4}">
+                <adec:decorative xmlns:adec="http://schemas.microsoft.com/office/drawing/2017/decorative" val="1"/>
+              </a:ext>
+            </a:extLst>
+          </p:cNvPr>
+          <p:cNvSpPr>
+            <a:spLocks noGrp="1" noRot="1" noChangeAspect="1" noMove="1" noResize="1" noEditPoints="1" noAdjustHandles="1" noChangeArrowheads="1" noChangeShapeType="1" noTextEdit="1"/>
+          </p:cNvSpPr>
+          <p:nvPr>
+            <p:extLst>
+              <p:ext uri="{386F3935-93C4-4BCD-93E2-E3B085C9AB24}">
+                <p16:designElem xmlns:p16="http://schemas.microsoft.com/office/powerpoint/2015/main" val="1"/>
+              </p:ext>
+            </p:extLst>
+          </p:nvPr>
+        </p:nvSpPr>
+        <p:spPr>
+          <a:xfrm rot="2700000">
+            <a:off x="11052629" y="2120024"/>
+            <a:ext cx="645368" cy="645368"/>
+          </a:xfrm>
+          <a:prstGeom prst="rect">
+            <a:avLst/>
+          </a:prstGeom>
+          <a:solidFill>
+            <a:schemeClr val="accent4">
+              <a:alpha val="30000"/>
+            </a:schemeClr>
+          </a:solidFill>
+          <a:ln>
+            <a:noFill/>
+          </a:ln>
+        </p:spPr>
+        <p:style>
+          <a:lnRef idx="2">
+            <a:schemeClr val="accent1">
+              <a:shade val="50000"/>
+            </a:schemeClr>
+          </a:lnRef>
+          <a:fillRef idx="1">
+            <a:schemeClr val="accent1"/>
+          </a:fillRef>
+          <a:effectRef idx="0">
+            <a:schemeClr val="accent1"/>
+          </a:effectRef>
+          <a:fontRef idx="minor">
+            <a:schemeClr val="lt1"/>
+          </a:fontRef>
+        </p:style>
+        <p:txBody>
+          <a:bodyPr rtlCol="0" anchor="ctr"/>
+          <a:lstStyle/>
+          <a:p>
+            <a:pPr algn="ctr"/>
+            <a:endParaRPr lang="en-US"/>
+          </a:p>
+        </p:txBody>
+      </p:sp>
+      <p:sp>
+        <p:nvSpPr>
+          <p:cNvPr id="12" name="Isosceles Triangle 11">
+            <a:extLst>
+              <a:ext uri="{FF2B5EF4-FFF2-40B4-BE49-F238E27FC236}">
+                <a16:creationId xmlns:a16="http://schemas.microsoft.com/office/drawing/2014/main" id="{A580F890-B085-4E95-96AA-55AEBEC5CE6E}"/>
+              </a:ext>
+              <a:ext uri="{C183D7F6-B498-43B3-948B-1728B52AA6E4}">
+                <adec:decorative xmlns:adec="http://schemas.microsoft.com/office/drawing/2017/decorative" val="1"/>
+              </a:ext>
+            </a:extLst>
+          </p:cNvPr>
+          <p:cNvSpPr>
+            <a:spLocks noGrp="1" noRot="1" noChangeAspect="1" noMove="1" noResize="1" noEditPoints="1" noAdjustHandles="1" noChangeArrowheads="1" noChangeShapeType="1" noTextEdit="1"/>
+          </p:cNvSpPr>
+          <p:nvPr>
+            <p:extLst>
+              <p:ext uri="{386F3935-93C4-4BCD-93E2-E3B085C9AB24}">
+                <p16:designElem xmlns:p16="http://schemas.microsoft.com/office/powerpoint/2015/main" val="1"/>
+              </p:ext>
+            </p:extLst>
+          </p:nvPr>
+        </p:nvSpPr>
+        <p:spPr>
+          <a:xfrm rot="16200000">
+            <a:off x="10289068" y="1343027"/>
+            <a:ext cx="2532832" cy="1273032"/>
+          </a:xfrm>
+          <a:prstGeom prst="triangle">
+            <a:avLst>
+              <a:gd name="adj" fmla="val 50000"/>
+            </a:avLst>
+          </a:prstGeom>
+          <a:solidFill>
+            <a:schemeClr val="accent4">
+              <a:alpha val="30000"/>
+            </a:schemeClr>
+          </a:solidFill>
+          <a:ln>
+            <a:noFill/>
+          </a:ln>
+        </p:spPr>
+        <p:style>
+          <a:lnRef idx="2">
+            <a:schemeClr val="accent1">
+              <a:shade val="50000"/>
+            </a:schemeClr>
+          </a:lnRef>
+          <a:fillRef idx="1">
+            <a:schemeClr val="accent1"/>
+          </a:fillRef>
+          <a:effectRef idx="0">
+            <a:schemeClr val="accent1"/>
+          </a:effectRef>
+          <a:fontRef idx="minor">
+            <a:schemeClr val="lt1"/>
+          </a:fontRef>
+        </p:style>
+        <p:txBody>
+          <a:bodyPr rtlCol="0" anchor="ctr"/>
+          <a:lstStyle/>
+          <a:p>
+            <a:pPr algn="ctr"/>
+            <a:endParaRPr lang="en-US"/>
+          </a:p>
+        </p:txBody>
+      </p:sp>
+      <p:sp>
+        <p:nvSpPr>
+          <p:cNvPr id="14" name="Isosceles Triangle 13">
+            <a:extLst>
+              <a:ext uri="{FF2B5EF4-FFF2-40B4-BE49-F238E27FC236}">
+                <a16:creationId xmlns:a16="http://schemas.microsoft.com/office/drawing/2014/main" id="{D3F51FEB-38FB-4F6C-9F7B-2F2AFAB65463}"/>
+              </a:ext>
+              <a:ext uri="{C183D7F6-B498-43B3-948B-1728B52AA6E4}">
+                <adec:decorative xmlns:adec="http://schemas.microsoft.com/office/drawing/2017/decorative" val="1"/>
+              </a:ext>
+            </a:extLst>
+          </p:cNvPr>
+          <p:cNvSpPr>
+            <a:spLocks noGrp="1" noRot="1" noChangeAspect="1" noMove="1" noResize="1" noEditPoints="1" noAdjustHandles="1" noChangeArrowheads="1" noChangeShapeType="1" noTextEdit="1"/>
+          </p:cNvSpPr>
+          <p:nvPr>
+            <p:extLst>
+              <p:ext uri="{386F3935-93C4-4BCD-93E2-E3B085C9AB24}">
+                <p16:designElem xmlns:p16="http://schemas.microsoft.com/office/powerpoint/2015/main" val="1"/>
+              </p:ext>
+            </p:extLst>
+          </p:nvPr>
+        </p:nvSpPr>
+        <p:spPr>
+          <a:xfrm rot="5400000">
+            <a:off x="-501760" y="5103257"/>
+            <a:ext cx="2017580" cy="1014060"/>
+          </a:xfrm>
+          <a:prstGeom prst="triangle">
+            <a:avLst>
+              <a:gd name="adj" fmla="val 50000"/>
+            </a:avLst>
+          </a:prstGeom>
+          <a:solidFill>
+            <a:schemeClr val="accent1">
+              <a:alpha val="30000"/>
+            </a:schemeClr>
+          </a:solidFill>
+          <a:ln>
+            <a:noFill/>
+          </a:ln>
+        </p:spPr>
+        <p:style>
+          <a:lnRef idx="2">
+            <a:schemeClr val="accent1">
+              <a:shade val="50000"/>
+            </a:schemeClr>
+          </a:lnRef>
+          <a:fillRef idx="1">
+            <a:schemeClr val="accent1"/>
+          </a:fillRef>
+          <a:effectRef idx="0">
+            <a:schemeClr val="accent1"/>
+          </a:effectRef>
+          <a:fontRef idx="minor">
+            <a:schemeClr val="lt1"/>
+          </a:fontRef>
+        </p:style>
+        <p:txBody>
+          <a:bodyPr wrap="square" rtlCol="0" anchor="ctr">
+            <a:noAutofit/>
+          </a:bodyPr>
+          <a:lstStyle/>
+          <a:p>
+            <a:pPr algn="ctr"/>
+            <a:endParaRPr lang="en-US"/>
+          </a:p>
+        </p:txBody>
+      </p:sp>
+      <p:sp>
+        <p:nvSpPr>
+          <p:cNvPr id="16" name="Rectangle 15">
+            <a:extLst>
+              <a:ext uri="{FF2B5EF4-FFF2-40B4-BE49-F238E27FC236}">
+                <a16:creationId xmlns:a16="http://schemas.microsoft.com/office/drawing/2014/main" id="{1E547BA6-BAE0-43BB-A7CA-60F69CE252F0}"/>
+              </a:ext>
+              <a:ext uri="{C183D7F6-B498-43B3-948B-1728B52AA6E4}">
+                <adec:decorative xmlns:adec="http://schemas.microsoft.com/office/drawing/2017/decorative" val="1"/>
+              </a:ext>
+            </a:extLst>
+          </p:cNvPr>
+          <p:cNvSpPr>
+            <a:spLocks noGrp="1" noRot="1" noChangeAspect="1" noMove="1" noResize="1" noEditPoints="1" noAdjustHandles="1" noChangeArrowheads="1" noChangeShapeType="1" noTextEdit="1"/>
+          </p:cNvSpPr>
+          <p:nvPr>
+            <p:extLst>
+              <p:ext uri="{386F3935-93C4-4BCD-93E2-E3B085C9AB24}">
+                <p16:designElem xmlns:p16="http://schemas.microsoft.com/office/powerpoint/2015/main" val="1"/>
+              </p:ext>
+            </p:extLst>
+          </p:nvPr>
+        </p:nvSpPr>
+        <p:spPr>
+          <a:xfrm rot="2700000">
+            <a:off x="427916" y="5728708"/>
+            <a:ext cx="485578" cy="485578"/>
+          </a:xfrm>
+          <a:prstGeom prst="rect">
+            <a:avLst/>
+          </a:prstGeom>
+          <a:solidFill>
+            <a:schemeClr val="accent1">
+              <a:alpha val="30000"/>
+            </a:schemeClr>
+          </a:solidFill>
+          <a:ln>
+            <a:noFill/>
+          </a:ln>
+        </p:spPr>
+        <p:style>
+          <a:lnRef idx="2">
+            <a:schemeClr val="accent1">
+              <a:shade val="50000"/>
+            </a:schemeClr>
+          </a:lnRef>
+          <a:fillRef idx="1">
+            <a:schemeClr val="accent1"/>
+          </a:fillRef>
+          <a:effectRef idx="0">
+            <a:schemeClr val="accent1"/>
+          </a:effectRef>
+          <a:fontRef idx="minor">
+            <a:schemeClr val="lt1"/>
+          </a:fontRef>
+        </p:style>
+        <p:txBody>
+          <a:bodyPr wrap="square" rtlCol="0" anchor="ctr">
+            <a:noAutofit/>
+          </a:bodyPr>
+          <a:lstStyle/>
+          <a:p>
+            <a:pPr algn="ctr"/>
+            <a:endParaRPr lang="en-US"/>
+          </a:p>
+        </p:txBody>
+      </p:sp>
+    </p:spTree>
+    <p:extLst>
+      <p:ext uri="{BB962C8B-B14F-4D97-AF65-F5344CB8AC3E}">
+        <p14:creationId xmlns:p14="http://schemas.microsoft.com/office/powerpoint/2010/main" val="336812131"/>
+      </p:ext>
+    </p:extLst>
+  </p:cSld>
+  <p:clrMapOvr>
+    <a:masterClrMapping/>
+  </p:clrMapOvr>
+</p:sld>
+</file>
+
+<file path=ppt/slides/slide18.xml><?xml version="1.0" encoding="utf-8"?>
+<p:sld xmlns:a="http://schemas.openxmlformats.org/drawingml/2006/main" xmlns:r="http://schemas.openxmlformats.org/officeDocument/2006/relationships" xmlns:p="http://schemas.openxmlformats.org/presentationml/2006/main">
+  <p:cSld>
+    <p:bg>
+      <p:bgPr>
+        <a:solidFill>
+          <a:schemeClr val="bg1"/>
+        </a:solidFill>
+        <a:effectLst/>
+      </p:bgPr>
+    </p:bg>
+    <p:spTree>
+      <p:nvGrpSpPr>
+        <p:cNvPr id="1" name=""/>
+        <p:cNvGrpSpPr/>
+        <p:nvPr/>
+      </p:nvGrpSpPr>
+      <p:grpSpPr>
+        <a:xfrm>
+          <a:off x="0" y="0"/>
+          <a:ext cx="0" cy="0"/>
+          <a:chOff x="0" y="0"/>
+          <a:chExt cx="0" cy="0"/>
+        </a:xfrm>
+      </p:grpSpPr>
+      <p:sp>
+        <p:nvSpPr>
+          <p:cNvPr id="8" name="Rectangle 7">
+            <a:extLst>
+              <a:ext uri="{FF2B5EF4-FFF2-40B4-BE49-F238E27FC236}">
+                <a16:creationId xmlns:a16="http://schemas.microsoft.com/office/drawing/2014/main" id="{2B566528-1B12-4246-9431-5C2D7D081168}"/>
+              </a:ext>
+              <a:ext uri="{C183D7F6-B498-43B3-948B-1728B52AA6E4}">
+                <adec:decorative xmlns:adec="http://schemas.microsoft.com/office/drawing/2017/decorative" val="1"/>
+              </a:ext>
+            </a:extLst>
+          </p:cNvPr>
+          <p:cNvSpPr>
+            <a:spLocks noGrp="1" noRot="1" noChangeAspect="1" noMove="1" noResize="1" noEditPoints="1" noAdjustHandles="1" noChangeArrowheads="1" noChangeShapeType="1" noTextEdit="1"/>
+          </p:cNvSpPr>
+          <p:nvPr>
+            <p:extLst>
+              <p:ext uri="{386F3935-93C4-4BCD-93E2-E3B085C9AB24}">
+                <p16:designElem xmlns:p16="http://schemas.microsoft.com/office/powerpoint/2015/main" val="1"/>
+              </p:ext>
+            </p:extLst>
+          </p:nvPr>
+        </p:nvSpPr>
+        <p:spPr>
+          <a:xfrm>
+            <a:off x="0" y="0"/>
+            <a:ext cx="12192000" cy="6858000"/>
+          </a:xfrm>
+          <a:prstGeom prst="rect">
+            <a:avLst/>
+          </a:prstGeom>
+          <a:solidFill>
+            <a:schemeClr val="bg1"/>
+          </a:solidFill>
+          <a:ln>
+            <a:noFill/>
+          </a:ln>
+        </p:spPr>
+        <p:style>
+          <a:lnRef idx="2">
+            <a:schemeClr val="accent1">
+              <a:shade val="50000"/>
+            </a:schemeClr>
+          </a:lnRef>
+          <a:fillRef idx="1">
+            <a:schemeClr val="accent1"/>
+          </a:fillRef>
+          <a:effectRef idx="0">
+            <a:schemeClr val="accent1"/>
+          </a:effectRef>
+          <a:fontRef idx="minor">
+            <a:schemeClr val="lt1"/>
+          </a:fontRef>
+        </p:style>
+        <p:txBody>
+          <a:bodyPr rtlCol="0" anchor="ctr"/>
+          <a:lstStyle/>
+          <a:p>
+            <a:pPr algn="ctr"/>
+            <a:endParaRPr lang="en-US" dirty="0"/>
+          </a:p>
+        </p:txBody>
+      </p:sp>
+      <p:sp>
+        <p:nvSpPr>
+          <p:cNvPr id="2" name="Title 1">
+            <a:extLst>
+              <a:ext uri="{FF2B5EF4-FFF2-40B4-BE49-F238E27FC236}">
+                <a16:creationId xmlns:a16="http://schemas.microsoft.com/office/drawing/2014/main" id="{59F17DFE-ECC4-6DDB-AD7A-E6DB8397E0B4}"/>
+              </a:ext>
+            </a:extLst>
+          </p:cNvPr>
+          <p:cNvSpPr>
+            <a:spLocks noGrp="1"/>
+          </p:cNvSpPr>
+          <p:nvPr>
+            <p:ph type="title"/>
+          </p:nvPr>
+        </p:nvSpPr>
+        <p:spPr>
+          <a:xfrm>
+            <a:off x="643467" y="321734"/>
+            <a:ext cx="10905066" cy="1135737"/>
+          </a:xfrm>
+        </p:spPr>
+        <p:txBody>
+          <a:bodyPr>
+            <a:normAutofit/>
+          </a:bodyPr>
+          <a:lstStyle/>
+          <a:p>
+            <a:r>
+              <a:rPr lang="en-JP" sz="3600"/>
+              <a:t>Proof of work</a:t>
+            </a:r>
+          </a:p>
+        </p:txBody>
+      </p:sp>
+      <p:sp>
+        <p:nvSpPr>
+          <p:cNvPr id="3" name="Content Placeholder 2">
+            <a:extLst>
+              <a:ext uri="{FF2B5EF4-FFF2-40B4-BE49-F238E27FC236}">
+                <a16:creationId xmlns:a16="http://schemas.microsoft.com/office/drawing/2014/main" id="{3307D7FB-464C-5C27-442B-F2FB0FCC9E18}"/>
+              </a:ext>
+            </a:extLst>
+          </p:cNvPr>
+          <p:cNvSpPr>
+            <a:spLocks noGrp="1"/>
+          </p:cNvSpPr>
+          <p:nvPr>
+            <p:ph idx="1"/>
+          </p:nvPr>
+        </p:nvSpPr>
+        <p:spPr>
+          <a:xfrm>
+            <a:off x="643467" y="1782981"/>
+            <a:ext cx="10905066" cy="4393982"/>
+          </a:xfrm>
+        </p:spPr>
+        <p:txBody>
+          <a:bodyPr>
+            <a:normAutofit/>
+          </a:bodyPr>
+          <a:lstStyle/>
+          <a:p>
+            <a:r>
+              <a:rPr lang="en-JP" sz="2400" dirty="0"/>
+              <a:t>How network-wide agreement may be reached even if one can artificially multiply the nodes and there is no reason  to trust other participants.</a:t>
+            </a:r>
+          </a:p>
+          <a:p>
+            <a:endParaRPr lang="en-JP" sz="2400" dirty="0"/>
+          </a:p>
+          <a:p>
+            <a:r>
+              <a:rPr lang="en-JP" sz="2400" dirty="0"/>
+              <a:t>Bitcoin setup a protocol where voting requires computational costs together with the system encouraging clients to attend voting</a:t>
+            </a:r>
+            <a:r>
+              <a:rPr lang="en-US" sz="2400" dirty="0"/>
+              <a:t> (initiative)</a:t>
+            </a:r>
+            <a:endParaRPr lang="en-JP" sz="2400" dirty="0"/>
+          </a:p>
+          <a:p>
+            <a:endParaRPr lang="en-JP" sz="2400" dirty="0"/>
+          </a:p>
+          <a:p>
+            <a:r>
+              <a:rPr lang="en-JP" sz="2400" dirty="0"/>
+              <a:t>Difficulty of work will be adjusted from time to time</a:t>
+            </a:r>
+          </a:p>
+          <a:p>
+            <a:endParaRPr lang="en-JP" sz="2000" dirty="0"/>
+          </a:p>
+          <a:p>
+            <a:endParaRPr lang="en-JP" sz="2000" dirty="0"/>
+          </a:p>
+        </p:txBody>
+      </p:sp>
+      <p:sp>
+        <p:nvSpPr>
+          <p:cNvPr id="10" name="Rectangle 9">
+            <a:extLst>
+              <a:ext uri="{FF2B5EF4-FFF2-40B4-BE49-F238E27FC236}">
+                <a16:creationId xmlns:a16="http://schemas.microsoft.com/office/drawing/2014/main" id="{2E80C965-DB6D-4F81-9E9E-B027384D0BD6}"/>
+              </a:ext>
+              <a:ext uri="{C183D7F6-B498-43B3-948B-1728B52AA6E4}">
+                <adec:decorative xmlns:adec="http://schemas.microsoft.com/office/drawing/2017/decorative" val="1"/>
+              </a:ext>
+            </a:extLst>
+          </p:cNvPr>
+          <p:cNvSpPr>
+            <a:spLocks noGrp="1" noRot="1" noChangeAspect="1" noMove="1" noResize="1" noEditPoints="1" noAdjustHandles="1" noChangeArrowheads="1" noChangeShapeType="1" noTextEdit="1"/>
+          </p:cNvSpPr>
+          <p:nvPr>
+            <p:extLst>
+              <p:ext uri="{386F3935-93C4-4BCD-93E2-E3B085C9AB24}">
+                <p16:designElem xmlns:p16="http://schemas.microsoft.com/office/powerpoint/2015/main" val="1"/>
+              </p:ext>
+            </p:extLst>
+          </p:nvPr>
+        </p:nvSpPr>
+        <p:spPr>
+          <a:xfrm rot="2700000">
+            <a:off x="11052629" y="2120024"/>
+            <a:ext cx="645368" cy="645368"/>
+          </a:xfrm>
+          <a:prstGeom prst="rect">
+            <a:avLst/>
+          </a:prstGeom>
+          <a:solidFill>
+            <a:schemeClr val="accent4">
+              <a:alpha val="30000"/>
+            </a:schemeClr>
+          </a:solidFill>
+          <a:ln>
+            <a:noFill/>
+          </a:ln>
+        </p:spPr>
+        <p:style>
+          <a:lnRef idx="2">
+            <a:schemeClr val="accent1">
+              <a:shade val="50000"/>
+            </a:schemeClr>
+          </a:lnRef>
+          <a:fillRef idx="1">
+            <a:schemeClr val="accent1"/>
+          </a:fillRef>
+          <a:effectRef idx="0">
+            <a:schemeClr val="accent1"/>
+          </a:effectRef>
+          <a:fontRef idx="minor">
+            <a:schemeClr val="lt1"/>
+          </a:fontRef>
+        </p:style>
+        <p:txBody>
+          <a:bodyPr rtlCol="0" anchor="ctr"/>
+          <a:lstStyle/>
+          <a:p>
+            <a:pPr algn="ctr"/>
+            <a:endParaRPr lang="en-US"/>
+          </a:p>
+        </p:txBody>
+      </p:sp>
+      <p:sp>
+        <p:nvSpPr>
+          <p:cNvPr id="12" name="Isosceles Triangle 11">
+            <a:extLst>
+              <a:ext uri="{FF2B5EF4-FFF2-40B4-BE49-F238E27FC236}">
+                <a16:creationId xmlns:a16="http://schemas.microsoft.com/office/drawing/2014/main" id="{A580F890-B085-4E95-96AA-55AEBEC5CE6E}"/>
+              </a:ext>
+              <a:ext uri="{C183D7F6-B498-43B3-948B-1728B52AA6E4}">
+                <adec:decorative xmlns:adec="http://schemas.microsoft.com/office/drawing/2017/decorative" val="1"/>
+              </a:ext>
+            </a:extLst>
+          </p:cNvPr>
+          <p:cNvSpPr>
+            <a:spLocks noGrp="1" noRot="1" noChangeAspect="1" noMove="1" noResize="1" noEditPoints="1" noAdjustHandles="1" noChangeArrowheads="1" noChangeShapeType="1" noTextEdit="1"/>
+          </p:cNvSpPr>
+          <p:nvPr>
+            <p:extLst>
+              <p:ext uri="{386F3935-93C4-4BCD-93E2-E3B085C9AB24}">
+                <p16:designElem xmlns:p16="http://schemas.microsoft.com/office/powerpoint/2015/main" val="1"/>
+              </p:ext>
+            </p:extLst>
+          </p:nvPr>
+        </p:nvSpPr>
+        <p:spPr>
+          <a:xfrm rot="16200000">
+            <a:off x="10289068" y="1343027"/>
+            <a:ext cx="2532832" cy="1273032"/>
+          </a:xfrm>
+          <a:prstGeom prst="triangle">
+            <a:avLst>
+              <a:gd name="adj" fmla="val 50000"/>
+            </a:avLst>
+          </a:prstGeom>
+          <a:solidFill>
+            <a:schemeClr val="accent4">
+              <a:alpha val="30000"/>
+            </a:schemeClr>
+          </a:solidFill>
+          <a:ln>
+            <a:noFill/>
+          </a:ln>
+        </p:spPr>
+        <p:style>
+          <a:lnRef idx="2">
+            <a:schemeClr val="accent1">
+              <a:shade val="50000"/>
+            </a:schemeClr>
+          </a:lnRef>
+          <a:fillRef idx="1">
+            <a:schemeClr val="accent1"/>
+          </a:fillRef>
+          <a:effectRef idx="0">
+            <a:schemeClr val="accent1"/>
+          </a:effectRef>
+          <a:fontRef idx="minor">
+            <a:schemeClr val="lt1"/>
+          </a:fontRef>
+        </p:style>
+        <p:txBody>
+          <a:bodyPr rtlCol="0" anchor="ctr"/>
+          <a:lstStyle/>
+          <a:p>
+            <a:pPr algn="ctr"/>
+            <a:endParaRPr lang="en-US"/>
+          </a:p>
+        </p:txBody>
+      </p:sp>
+      <p:sp>
+        <p:nvSpPr>
+          <p:cNvPr id="14" name="Isosceles Triangle 13">
+            <a:extLst>
+              <a:ext uri="{FF2B5EF4-FFF2-40B4-BE49-F238E27FC236}">
+                <a16:creationId xmlns:a16="http://schemas.microsoft.com/office/drawing/2014/main" id="{D3F51FEB-38FB-4F6C-9F7B-2F2AFAB65463}"/>
+              </a:ext>
+              <a:ext uri="{C183D7F6-B498-43B3-948B-1728B52AA6E4}">
+                <adec:decorative xmlns:adec="http://schemas.microsoft.com/office/drawing/2017/decorative" val="1"/>
+              </a:ext>
+            </a:extLst>
+          </p:cNvPr>
+          <p:cNvSpPr>
+            <a:spLocks noGrp="1" noRot="1" noChangeAspect="1" noMove="1" noResize="1" noEditPoints="1" noAdjustHandles="1" noChangeArrowheads="1" noChangeShapeType="1" noTextEdit="1"/>
+          </p:cNvSpPr>
+          <p:nvPr>
+            <p:extLst>
+              <p:ext uri="{386F3935-93C4-4BCD-93E2-E3B085C9AB24}">
+                <p16:designElem xmlns:p16="http://schemas.microsoft.com/office/powerpoint/2015/main" val="1"/>
+              </p:ext>
+            </p:extLst>
+          </p:nvPr>
+        </p:nvSpPr>
+        <p:spPr>
+          <a:xfrm rot="5400000">
+            <a:off x="-501760" y="5103257"/>
+            <a:ext cx="2017580" cy="1014060"/>
+          </a:xfrm>
+          <a:prstGeom prst="triangle">
+            <a:avLst>
+              <a:gd name="adj" fmla="val 50000"/>
+            </a:avLst>
+          </a:prstGeom>
+          <a:solidFill>
+            <a:schemeClr val="accent1">
+              <a:alpha val="30000"/>
+            </a:schemeClr>
+          </a:solidFill>
+          <a:ln>
+            <a:noFill/>
+          </a:ln>
+        </p:spPr>
+        <p:style>
+          <a:lnRef idx="2">
+            <a:schemeClr val="accent1">
+              <a:shade val="50000"/>
+            </a:schemeClr>
+          </a:lnRef>
+          <a:fillRef idx="1">
+            <a:schemeClr val="accent1"/>
+          </a:fillRef>
+          <a:effectRef idx="0">
+            <a:schemeClr val="accent1"/>
+          </a:effectRef>
+          <a:fontRef idx="minor">
+            <a:schemeClr val="lt1"/>
+          </a:fontRef>
+        </p:style>
+        <p:txBody>
+          <a:bodyPr wrap="square" rtlCol="0" anchor="ctr">
+            <a:noAutofit/>
+          </a:bodyPr>
+          <a:lstStyle/>
+          <a:p>
+            <a:pPr algn="ctr"/>
+            <a:endParaRPr lang="en-US"/>
+          </a:p>
+        </p:txBody>
+      </p:sp>
+      <p:sp>
+        <p:nvSpPr>
+          <p:cNvPr id="16" name="Rectangle 15">
+            <a:extLst>
+              <a:ext uri="{FF2B5EF4-FFF2-40B4-BE49-F238E27FC236}">
+                <a16:creationId xmlns:a16="http://schemas.microsoft.com/office/drawing/2014/main" id="{1E547BA6-BAE0-43BB-A7CA-60F69CE252F0}"/>
+              </a:ext>
+              <a:ext uri="{C183D7F6-B498-43B3-948B-1728B52AA6E4}">
+                <adec:decorative xmlns:adec="http://schemas.microsoft.com/office/drawing/2017/decorative" val="1"/>
+              </a:ext>
+            </a:extLst>
+          </p:cNvPr>
+          <p:cNvSpPr>
+            <a:spLocks noGrp="1" noRot="1" noChangeAspect="1" noMove="1" noResize="1" noEditPoints="1" noAdjustHandles="1" noChangeArrowheads="1" noChangeShapeType="1" noTextEdit="1"/>
+          </p:cNvSpPr>
+          <p:nvPr>
+            <p:extLst>
+              <p:ext uri="{386F3935-93C4-4BCD-93E2-E3B085C9AB24}">
+                <p16:designElem xmlns:p16="http://schemas.microsoft.com/office/powerpoint/2015/main" val="1"/>
+              </p:ext>
+            </p:extLst>
+          </p:nvPr>
+        </p:nvSpPr>
+        <p:spPr>
+          <a:xfrm rot="2700000">
+            <a:off x="427916" y="5728708"/>
+            <a:ext cx="485578" cy="485578"/>
+          </a:xfrm>
+          <a:prstGeom prst="rect">
+            <a:avLst/>
+          </a:prstGeom>
+          <a:solidFill>
+            <a:schemeClr val="accent1">
+              <a:alpha val="30000"/>
+            </a:schemeClr>
+          </a:solidFill>
+          <a:ln>
+            <a:noFill/>
+          </a:ln>
+        </p:spPr>
+        <p:style>
+          <a:lnRef idx="2">
+            <a:schemeClr val="accent1">
+              <a:shade val="50000"/>
+            </a:schemeClr>
+          </a:lnRef>
+          <a:fillRef idx="1">
+            <a:schemeClr val="accent1"/>
+          </a:fillRef>
+          <a:effectRef idx="0">
+            <a:schemeClr val="accent1"/>
+          </a:effectRef>
+          <a:fontRef idx="minor">
+            <a:schemeClr val="lt1"/>
+          </a:fontRef>
+        </p:style>
+        <p:txBody>
+          <a:bodyPr wrap="square" rtlCol="0" anchor="ctr">
+            <a:noAutofit/>
+          </a:bodyPr>
+          <a:lstStyle/>
+          <a:p>
+            <a:pPr algn="ctr"/>
+            <a:endParaRPr lang="en-US"/>
+          </a:p>
+        </p:txBody>
+      </p:sp>
+    </p:spTree>
+    <p:extLst>
+      <p:ext uri="{BB962C8B-B14F-4D97-AF65-F5344CB8AC3E}">
+        <p14:creationId xmlns:p14="http://schemas.microsoft.com/office/powerpoint/2010/main" val="4167736196"/>
+      </p:ext>
+    </p:extLst>
+  </p:cSld>
+  <p:clrMapOvr>
+    <a:masterClrMapping/>
+  </p:clrMapOvr>
+</p:sld>
+</file>
+
+<file path=ppt/slides/slide19.xml><?xml version="1.0" encoding="utf-8"?>
+<p:sld xmlns:a="http://schemas.openxmlformats.org/drawingml/2006/main" xmlns:r="http://schemas.openxmlformats.org/officeDocument/2006/relationships" xmlns:p="http://schemas.openxmlformats.org/presentationml/2006/main">
+  <p:cSld>
+    <p:spTree>
+      <p:nvGrpSpPr>
+        <p:cNvPr id="1" name=""/>
+        <p:cNvGrpSpPr/>
+        <p:nvPr/>
+      </p:nvGrpSpPr>
+      <p:grpSpPr>
+        <a:xfrm>
+          <a:off x="0" y="0"/>
+          <a:ext cx="0" cy="0"/>
+          <a:chOff x="0" y="0"/>
+          <a:chExt cx="0" cy="0"/>
+        </a:xfrm>
+      </p:grpSpPr>
+      <p:sp>
+        <p:nvSpPr>
+          <p:cNvPr id="2" name="タイトル 1">
+            <a:extLst>
+              <a:ext uri="{FF2B5EF4-FFF2-40B4-BE49-F238E27FC236}">
+                <a16:creationId xmlns:a16="http://schemas.microsoft.com/office/drawing/2014/main" id="{B2BD4848-5057-4D00-9FC6-67CE26D3DA9A}"/>
+              </a:ext>
+            </a:extLst>
+          </p:cNvPr>
+          <p:cNvSpPr>
+            <a:spLocks noGrp="1"/>
+          </p:cNvSpPr>
+          <p:nvPr>
+            <p:ph type="title"/>
+          </p:nvPr>
+        </p:nvSpPr>
+        <p:spPr>
+          <a:xfrm>
+            <a:off x="838200" y="365126"/>
+            <a:ext cx="10515600" cy="904382"/>
+          </a:xfrm>
+        </p:spPr>
+        <p:txBody>
+          <a:bodyPr/>
+          <a:lstStyle/>
+          <a:p>
+            <a:r>
+              <a:rPr lang="en-US" dirty="0"/>
+              <a:t>Proof of Work</a:t>
+            </a:r>
+          </a:p>
+        </p:txBody>
+      </p:sp>
+      <p:sp>
+        <p:nvSpPr>
+          <p:cNvPr id="3" name="コンテンツ プレースホルダー 2">
+            <a:extLst>
+              <a:ext uri="{FF2B5EF4-FFF2-40B4-BE49-F238E27FC236}">
+                <a16:creationId xmlns:a16="http://schemas.microsoft.com/office/drawing/2014/main" id="{6E00CFB9-67BF-4F8F-99C5-3F4184906618}"/>
+              </a:ext>
+            </a:extLst>
+          </p:cNvPr>
+          <p:cNvSpPr>
+            <a:spLocks noGrp="1"/>
+          </p:cNvSpPr>
+          <p:nvPr>
+            <p:ph idx="1"/>
+          </p:nvPr>
+        </p:nvSpPr>
+        <p:spPr>
+          <a:xfrm>
+            <a:off x="838200" y="1367161"/>
+            <a:ext cx="10515600" cy="4809802"/>
+          </a:xfrm>
+        </p:spPr>
+        <p:txBody>
+          <a:bodyPr/>
+          <a:lstStyle/>
+          <a:p>
+            <a:r>
+              <a:rPr lang="en-US" dirty="0"/>
+              <a:t>The bitcoin force miners to search for a valid nonce whose value is adjusted by miners until the hash of the block is less than or equal to the current target difficulty of the block.</a:t>
+            </a:r>
+          </a:p>
+          <a:p>
+            <a:endParaRPr lang="en-US" dirty="0"/>
+          </a:p>
+          <a:p>
+            <a:endParaRPr lang="en-US" dirty="0"/>
+          </a:p>
+          <a:p>
+            <a:endParaRPr lang="en-US" dirty="0"/>
+          </a:p>
+          <a:p>
+            <a:endParaRPr lang="en-US" dirty="0"/>
+          </a:p>
+          <a:p>
+            <a:endParaRPr lang="en-US" dirty="0"/>
+          </a:p>
+          <a:p>
+            <a:r>
+              <a:rPr lang="en-US" dirty="0"/>
+              <a:t>A Miner who find the valid nonce broadcasts it to the network </a:t>
             </a:r>
           </a:p>
         </p:txBody>
       </p:sp>
       <p:pic>
         <p:nvPicPr>
-          <p:cNvPr id="5" name="Picture 4" descr="Diagram&#10;&#10;Description automatically generated">
-            <a:extLst>
-              <a:ext uri="{FF2B5EF4-FFF2-40B4-BE49-F238E27FC236}">
-                <a16:creationId xmlns:a16="http://schemas.microsoft.com/office/drawing/2014/main" id="{ACCC51F1-3CED-F324-E370-67AAB157C313}"/>
+          <p:cNvPr id="5" name="図 4">
+            <a:extLst>
+              <a:ext uri="{FF2B5EF4-FFF2-40B4-BE49-F238E27FC236}">
+                <a16:creationId xmlns:a16="http://schemas.microsoft.com/office/drawing/2014/main" id="{5CEEDEB6-AB4B-46E2-8358-D27B6EBCBBE0}"/>
               </a:ext>
             </a:extLst>
           </p:cNvPr>
@@ -4999,57 +7205,18 @@
         </p:blipFill>
         <p:spPr>
           <a:xfrm>
-            <a:off x="1020686" y="2003486"/>
-            <a:ext cx="6677187" cy="4006311"/>
+            <a:off x="1628749" y="2817734"/>
+            <a:ext cx="8934502" cy="2174144"/>
           </a:xfrm>
           <a:prstGeom prst="rect">
             <a:avLst/>
           </a:prstGeom>
         </p:spPr>
       </p:pic>
-      <p:sp>
-        <p:nvSpPr>
-          <p:cNvPr id="7" name="TextBox 6">
-            <a:extLst>
-              <a:ext uri="{FF2B5EF4-FFF2-40B4-BE49-F238E27FC236}">
-                <a16:creationId xmlns:a16="http://schemas.microsoft.com/office/drawing/2014/main" id="{5190FB44-710A-B9DC-1F51-DDBDBE6FB5CC}"/>
-              </a:ext>
-            </a:extLst>
-          </p:cNvPr>
-          <p:cNvSpPr txBox="1"/>
-          <p:nvPr/>
-        </p:nvSpPr>
-        <p:spPr>
-          <a:xfrm>
-            <a:off x="7697873" y="2446638"/>
-            <a:ext cx="4148595" cy="400110"/>
-          </a:xfrm>
-          <a:prstGeom prst="rect">
-            <a:avLst/>
-          </a:prstGeom>
-          <a:noFill/>
-        </p:spPr>
-        <p:txBody>
-          <a:bodyPr wrap="square" rtlCol="0">
-            <a:spAutoFit/>
-          </a:bodyPr>
-          <a:lstStyle/>
-          <a:p>
-            <a:r>
-              <a:rPr lang="en-US" sz="2000" dirty="0"/>
-              <a:t>S</a:t>
-            </a:r>
-            <a:r>
-              <a:rPr lang="en-JP" sz="2000" dirty="0"/>
-              <a:t>hare this chain over all nodes(peers)</a:t>
-            </a:r>
-          </a:p>
-        </p:txBody>
-      </p:sp>
     </p:spTree>
     <p:extLst>
       <p:ext uri="{BB962C8B-B14F-4D97-AF65-F5344CB8AC3E}">
-        <p14:creationId xmlns:p14="http://schemas.microsoft.com/office/powerpoint/2010/main" val="2314253525"/>
+        <p14:creationId xmlns:p14="http://schemas.microsoft.com/office/powerpoint/2010/main" val="1084007103"/>
       </p:ext>
     </p:extLst>
   </p:cSld>
@@ -5675,6 +7842,379 @@
     <p:extLst>
       <p:ext uri="{BB962C8B-B14F-4D97-AF65-F5344CB8AC3E}">
         <p14:creationId xmlns:p14="http://schemas.microsoft.com/office/powerpoint/2010/main" val="1279887739"/>
+      </p:ext>
+    </p:extLst>
+  </p:cSld>
+  <p:clrMapOvr>
+    <a:masterClrMapping/>
+  </p:clrMapOvr>
+</p:sld>
+</file>
+
+<file path=ppt/slides/slide20.xml><?xml version="1.0" encoding="utf-8"?>
+<p:sld xmlns:a="http://schemas.openxmlformats.org/drawingml/2006/main" xmlns:r="http://schemas.openxmlformats.org/officeDocument/2006/relationships" xmlns:p="http://schemas.openxmlformats.org/presentationml/2006/main">
+  <p:cSld>
+    <p:spTree>
+      <p:nvGrpSpPr>
+        <p:cNvPr id="1" name=""/>
+        <p:cNvGrpSpPr/>
+        <p:nvPr/>
+      </p:nvGrpSpPr>
+      <p:grpSpPr>
+        <a:xfrm>
+          <a:off x="0" y="0"/>
+          <a:ext cx="0" cy="0"/>
+          <a:chOff x="0" y="0"/>
+          <a:chExt cx="0" cy="0"/>
+        </a:xfrm>
+      </p:grpSpPr>
+      <p:pic>
+        <p:nvPicPr>
+          <p:cNvPr id="7" name="図 6">
+            <a:extLst>
+              <a:ext uri="{FF2B5EF4-FFF2-40B4-BE49-F238E27FC236}">
+                <a16:creationId xmlns:a16="http://schemas.microsoft.com/office/drawing/2014/main" id="{72B92076-34DC-497C-92EE-FE65A766636D}"/>
+              </a:ext>
+            </a:extLst>
+          </p:cNvPr>
+          <p:cNvPicPr>
+            <a:picLocks noChangeAspect="1"/>
+          </p:cNvPicPr>
+          <p:nvPr/>
+        </p:nvPicPr>
+        <p:blipFill>
+          <a:blip r:embed="rId2"/>
+          <a:stretch>
+            <a:fillRect/>
+          </a:stretch>
+        </p:blipFill>
+        <p:spPr>
+          <a:xfrm>
+            <a:off x="6289394" y="2721037"/>
+            <a:ext cx="5144635" cy="2621314"/>
+          </a:xfrm>
+          <a:prstGeom prst="rect">
+            <a:avLst/>
+          </a:prstGeom>
+        </p:spPr>
+      </p:pic>
+      <p:sp>
+        <p:nvSpPr>
+          <p:cNvPr id="2" name="Title 1">
+            <a:extLst>
+              <a:ext uri="{FF2B5EF4-FFF2-40B4-BE49-F238E27FC236}">
+                <a16:creationId xmlns:a16="http://schemas.microsoft.com/office/drawing/2014/main" id="{E9503C6F-A5AD-7C50-1130-58E0FF20400C}"/>
+              </a:ext>
+            </a:extLst>
+          </p:cNvPr>
+          <p:cNvSpPr>
+            <a:spLocks noGrp="1"/>
+          </p:cNvSpPr>
+          <p:nvPr>
+            <p:ph type="title"/>
+          </p:nvPr>
+        </p:nvSpPr>
+        <p:spPr>
+          <a:xfrm>
+            <a:off x="838200" y="365125"/>
+            <a:ext cx="10515600" cy="900004"/>
+          </a:xfrm>
+        </p:spPr>
+        <p:txBody>
+          <a:bodyPr/>
+          <a:lstStyle/>
+          <a:p>
+            <a:r>
+              <a:rPr lang="en-JP" dirty="0"/>
+              <a:t>Forks and consensus chain</a:t>
+            </a:r>
+          </a:p>
+        </p:txBody>
+      </p:sp>
+      <p:sp>
+        <p:nvSpPr>
+          <p:cNvPr id="3" name="Content Placeholder 2">
+            <a:extLst>
+              <a:ext uri="{FF2B5EF4-FFF2-40B4-BE49-F238E27FC236}">
+                <a16:creationId xmlns:a16="http://schemas.microsoft.com/office/drawing/2014/main" id="{8F9001BE-E2DA-3DEA-C4DE-E55C76FFE289}"/>
+              </a:ext>
+            </a:extLst>
+          </p:cNvPr>
+          <p:cNvSpPr>
+            <a:spLocks noGrp="1"/>
+          </p:cNvSpPr>
+          <p:nvPr>
+            <p:ph idx="1"/>
+          </p:nvPr>
+        </p:nvSpPr>
+        <p:spPr>
+          <a:xfrm>
+            <a:off x="838200" y="1515649"/>
+            <a:ext cx="10515600" cy="4661314"/>
+          </a:xfrm>
+        </p:spPr>
+        <p:txBody>
+          <a:bodyPr>
+            <a:normAutofit/>
+          </a:bodyPr>
+          <a:lstStyle/>
+          <a:p>
+            <a:r>
+              <a:rPr lang="en-US" dirty="0"/>
+              <a:t>A fork happens when two or more valid blocks refer to the same parent.</a:t>
+            </a:r>
+          </a:p>
+          <a:p>
+            <a:endParaRPr lang="en-US" dirty="0"/>
+          </a:p>
+          <a:p>
+            <a:endParaRPr lang="en-US" dirty="0"/>
+          </a:p>
+          <a:p>
+            <a:r>
+              <a:rPr lang="en-US" b="0" i="0" dirty="0">
+                <a:effectLst/>
+                <a:latin typeface="Times New Roman" panose="02020603050405020304" pitchFamily="18" charset="0"/>
+              </a:rPr>
+              <a:t>A selection rule is required.</a:t>
+            </a:r>
+          </a:p>
+          <a:p>
+            <a:endParaRPr lang="en-US" b="0" i="0" dirty="0">
+              <a:effectLst/>
+              <a:latin typeface="Times New Roman" panose="02020603050405020304" pitchFamily="18" charset="0"/>
+            </a:endParaRPr>
+          </a:p>
+          <a:p>
+            <a:r>
+              <a:rPr lang="en-US" dirty="0">
+                <a:latin typeface="Times New Roman" panose="02020603050405020304" pitchFamily="18" charset="0"/>
+              </a:rPr>
+              <a:t>the branch with the longest </a:t>
+            </a:r>
+          </a:p>
+          <a:p>
+            <a:pPr marL="0" indent="0">
+              <a:buNone/>
+            </a:pPr>
+            <a:r>
+              <a:rPr lang="en-US" dirty="0">
+                <a:latin typeface="Times New Roman" panose="02020603050405020304" pitchFamily="18" charset="0"/>
+              </a:rPr>
+              <a:t>cumulative proof-of-work </a:t>
+            </a:r>
+          </a:p>
+          <a:p>
+            <a:pPr marL="0" indent="0">
+              <a:buNone/>
+            </a:pPr>
+            <a:r>
+              <a:rPr lang="en-US" dirty="0">
+                <a:latin typeface="Times New Roman" panose="02020603050405020304" pitchFamily="18" charset="0"/>
+              </a:rPr>
+              <a:t>difficulty is the one that is chosen as the consensus chain</a:t>
+            </a:r>
+          </a:p>
+        </p:txBody>
+      </p:sp>
+    </p:spTree>
+    <p:extLst>
+      <p:ext uri="{BB962C8B-B14F-4D97-AF65-F5344CB8AC3E}">
+        <p14:creationId xmlns:p14="http://schemas.microsoft.com/office/powerpoint/2010/main" val="641126142"/>
+      </p:ext>
+    </p:extLst>
+  </p:cSld>
+  <p:clrMapOvr>
+    <a:masterClrMapping/>
+  </p:clrMapOvr>
+</p:sld>
+</file>
+
+<file path=ppt/slides/slide21.xml><?xml version="1.0" encoding="utf-8"?>
+<p:sld xmlns:a="http://schemas.openxmlformats.org/drawingml/2006/main" xmlns:r="http://schemas.openxmlformats.org/officeDocument/2006/relationships" xmlns:p="http://schemas.openxmlformats.org/presentationml/2006/main">
+  <p:cSld>
+    <p:bg>
+      <p:bgPr>
+        <a:solidFill>
+          <a:schemeClr val="bg1"/>
+        </a:solidFill>
+        <a:effectLst/>
+      </p:bgPr>
+    </p:bg>
+    <p:spTree>
+      <p:nvGrpSpPr>
+        <p:cNvPr id="1" name=""/>
+        <p:cNvGrpSpPr/>
+        <p:nvPr/>
+      </p:nvGrpSpPr>
+      <p:grpSpPr>
+        <a:xfrm>
+          <a:off x="0" y="0"/>
+          <a:ext cx="0" cy="0"/>
+          <a:chOff x="0" y="0"/>
+          <a:chExt cx="0" cy="0"/>
+        </a:xfrm>
+      </p:grpSpPr>
+      <p:sp>
+        <p:nvSpPr>
+          <p:cNvPr id="2" name="Title 1">
+            <a:extLst>
+              <a:ext uri="{FF2B5EF4-FFF2-40B4-BE49-F238E27FC236}">
+                <a16:creationId xmlns:a16="http://schemas.microsoft.com/office/drawing/2014/main" id="{5C85BED1-6402-7164-915D-0E1B3C8D41DB}"/>
+              </a:ext>
+            </a:extLst>
+          </p:cNvPr>
+          <p:cNvSpPr>
+            <a:spLocks noGrp="1"/>
+          </p:cNvSpPr>
+          <p:nvPr>
+            <p:ph type="title"/>
+          </p:nvPr>
+        </p:nvSpPr>
+        <p:spPr>
+          <a:xfrm>
+            <a:off x="838199" y="291090"/>
+            <a:ext cx="10515599" cy="932688"/>
+          </a:xfrm>
+        </p:spPr>
+        <p:txBody>
+          <a:bodyPr vert="horz" lIns="91440" tIns="45720" rIns="91440" bIns="45720" rtlCol="0" anchor="b">
+            <a:normAutofit/>
+          </a:bodyPr>
+          <a:lstStyle/>
+          <a:p>
+            <a:r>
+              <a:rPr lang="en-US" sz="5400" kern="1200" dirty="0">
+                <a:solidFill>
+                  <a:schemeClr val="tx1"/>
+                </a:solidFill>
+                <a:latin typeface="+mj-lt"/>
+                <a:ea typeface="+mj-ea"/>
+                <a:cs typeface="+mj-cs"/>
+              </a:rPr>
+              <a:t>Define coin (base idea)</a:t>
+            </a:r>
+          </a:p>
+        </p:txBody>
+      </p:sp>
+      <p:sp>
+        <p:nvSpPr>
+          <p:cNvPr id="3" name="Content Placeholder 2">
+            <a:extLst>
+              <a:ext uri="{FF2B5EF4-FFF2-40B4-BE49-F238E27FC236}">
+                <a16:creationId xmlns:a16="http://schemas.microsoft.com/office/drawing/2014/main" id="{BE2134EF-6582-F741-B26D-B9C970501260}"/>
+              </a:ext>
+            </a:extLst>
+          </p:cNvPr>
+          <p:cNvSpPr>
+            <a:spLocks noGrp="1"/>
+          </p:cNvSpPr>
+          <p:nvPr>
+            <p:ph idx="1"/>
+          </p:nvPr>
+        </p:nvSpPr>
+        <p:spPr>
+          <a:xfrm>
+            <a:off x="838199" y="1335726"/>
+            <a:ext cx="10515599" cy="420624"/>
+          </a:xfrm>
+        </p:spPr>
+        <p:txBody>
+          <a:bodyPr vert="horz" lIns="91440" tIns="45720" rIns="91440" bIns="45720" rtlCol="0">
+            <a:normAutofit/>
+          </a:bodyPr>
+          <a:lstStyle/>
+          <a:p>
+            <a:pPr marL="0" indent="0">
+              <a:buNone/>
+            </a:pPr>
+            <a:r>
+              <a:rPr lang="en-US" sz="2400" kern="1200" dirty="0">
+                <a:solidFill>
+                  <a:schemeClr val="tx1"/>
+                </a:solidFill>
+                <a:latin typeface="+mn-lt"/>
+                <a:ea typeface="+mn-ea"/>
+                <a:cs typeface="+mn-cs"/>
+              </a:rPr>
+              <a:t>In the paper, electronic coin is defined as a chain of digital signatures.</a:t>
+            </a:r>
+          </a:p>
+        </p:txBody>
+      </p:sp>
+      <p:pic>
+        <p:nvPicPr>
+          <p:cNvPr id="5" name="Picture 4" descr="Diagram&#10;&#10;Description automatically generated">
+            <a:extLst>
+              <a:ext uri="{FF2B5EF4-FFF2-40B4-BE49-F238E27FC236}">
+                <a16:creationId xmlns:a16="http://schemas.microsoft.com/office/drawing/2014/main" id="{ACCC51F1-3CED-F324-E370-67AAB157C313}"/>
+              </a:ext>
+            </a:extLst>
+          </p:cNvPr>
+          <p:cNvPicPr>
+            <a:picLocks noChangeAspect="1"/>
+          </p:cNvPicPr>
+          <p:nvPr/>
+        </p:nvPicPr>
+        <p:blipFill>
+          <a:blip r:embed="rId2"/>
+          <a:stretch>
+            <a:fillRect/>
+          </a:stretch>
+        </p:blipFill>
+        <p:spPr>
+          <a:xfrm>
+            <a:off x="1020686" y="2003486"/>
+            <a:ext cx="6677187" cy="4006311"/>
+          </a:xfrm>
+          <a:prstGeom prst="rect">
+            <a:avLst/>
+          </a:prstGeom>
+        </p:spPr>
+      </p:pic>
+      <p:sp>
+        <p:nvSpPr>
+          <p:cNvPr id="7" name="TextBox 6">
+            <a:extLst>
+              <a:ext uri="{FF2B5EF4-FFF2-40B4-BE49-F238E27FC236}">
+                <a16:creationId xmlns:a16="http://schemas.microsoft.com/office/drawing/2014/main" id="{5190FB44-710A-B9DC-1F51-DDBDBE6FB5CC}"/>
+              </a:ext>
+            </a:extLst>
+          </p:cNvPr>
+          <p:cNvSpPr txBox="1"/>
+          <p:nvPr/>
+        </p:nvSpPr>
+        <p:spPr>
+          <a:xfrm>
+            <a:off x="7697873" y="2446638"/>
+            <a:ext cx="4148595" cy="400110"/>
+          </a:xfrm>
+          <a:prstGeom prst="rect">
+            <a:avLst/>
+          </a:prstGeom>
+          <a:noFill/>
+        </p:spPr>
+        <p:txBody>
+          <a:bodyPr wrap="square" rtlCol="0">
+            <a:spAutoFit/>
+          </a:bodyPr>
+          <a:lstStyle/>
+          <a:p>
+            <a:r>
+              <a:rPr lang="en-US" sz="2000" dirty="0"/>
+              <a:t>S</a:t>
+            </a:r>
+            <a:r>
+              <a:rPr lang="en-JP" sz="2000" dirty="0"/>
+              <a:t>hare this chain over all nodes(peers)</a:t>
+            </a:r>
+          </a:p>
+        </p:txBody>
+      </p:sp>
+    </p:spTree>
+    <p:extLst>
+      <p:ext uri="{BB962C8B-B14F-4D97-AF65-F5344CB8AC3E}">
+        <p14:creationId xmlns:p14="http://schemas.microsoft.com/office/powerpoint/2010/main" val="2314253525"/>
       </p:ext>
     </p:extLst>
   </p:cSld>
@@ -8408,6 +10948,14 @@
 <file path=ppt/slides/slide7.xml><?xml version="1.0" encoding="utf-8"?>
 <p:sld xmlns:a="http://schemas.openxmlformats.org/drawingml/2006/main" xmlns:r="http://schemas.openxmlformats.org/officeDocument/2006/relationships" xmlns:p="http://schemas.openxmlformats.org/presentationml/2006/main">
   <p:cSld>
+    <p:bg>
+      <p:bgPr>
+        <a:solidFill>
+          <a:schemeClr val="bg1"/>
+        </a:solidFill>
+        <a:effectLst/>
+      </p:bgPr>
+    </p:bg>
     <p:spTree>
       <p:nvGrpSpPr>
         <p:cNvPr id="1" name=""/>
@@ -8424,43 +10972,73 @@
       </p:grpSpPr>
       <p:sp>
         <p:nvSpPr>
-          <p:cNvPr id="2" name="Title 1">
-            <a:extLst>
-              <a:ext uri="{FF2B5EF4-FFF2-40B4-BE49-F238E27FC236}">
-                <a16:creationId xmlns:a16="http://schemas.microsoft.com/office/drawing/2014/main" id="{107CA472-69A5-F477-F5CB-289056E6EF25}"/>
-              </a:ext>
-            </a:extLst>
-          </p:cNvPr>
-          <p:cNvSpPr>
-            <a:spLocks noGrp="1"/>
-          </p:cNvSpPr>
-          <p:nvPr>
-            <p:ph type="title"/>
+          <p:cNvPr id="8" name="Rectangle 7">
+            <a:extLst>
+              <a:ext uri="{FF2B5EF4-FFF2-40B4-BE49-F238E27FC236}">
+                <a16:creationId xmlns:a16="http://schemas.microsoft.com/office/drawing/2014/main" id="{2B566528-1B12-4246-9431-5C2D7D081168}"/>
+              </a:ext>
+              <a:ext uri="{C183D7F6-B498-43B3-948B-1728B52AA6E4}">
+                <adec:decorative xmlns:adec="http://schemas.microsoft.com/office/drawing/2017/decorative" val="1"/>
+              </a:ext>
+            </a:extLst>
+          </p:cNvPr>
+          <p:cNvSpPr>
+            <a:spLocks noGrp="1" noRot="1" noChangeAspect="1" noMove="1" noResize="1" noEditPoints="1" noAdjustHandles="1" noChangeArrowheads="1" noChangeShapeType="1" noTextEdit="1"/>
+          </p:cNvSpPr>
+          <p:nvPr>
+            <p:extLst>
+              <p:ext uri="{386F3935-93C4-4BCD-93E2-E3B085C9AB24}">
+                <p16:designElem xmlns:p16="http://schemas.microsoft.com/office/powerpoint/2015/main" val="1"/>
+              </p:ext>
+            </p:extLst>
           </p:nvPr>
         </p:nvSpPr>
         <p:spPr>
           <a:xfrm>
-            <a:off x="838200" y="365126"/>
-            <a:ext cx="10515600" cy="1037790"/>
-          </a:xfrm>
+            <a:off x="0" y="0"/>
+            <a:ext cx="12192000" cy="6858000"/>
+          </a:xfrm>
+          <a:prstGeom prst="rect">
+            <a:avLst/>
+          </a:prstGeom>
+          <a:solidFill>
+            <a:schemeClr val="bg1"/>
+          </a:solidFill>
+          <a:ln>
+            <a:noFill/>
+          </a:ln>
         </p:spPr>
-        <p:txBody>
-          <a:bodyPr/>
-          <a:lstStyle/>
-          <a:p>
-            <a:r>
-              <a:rPr lang="en-JP" dirty="0"/>
-              <a:t>Distribute ledger across Peers</a:t>
-            </a:r>
-          </a:p>
-        </p:txBody>
-      </p:sp>
-      <p:sp>
-        <p:nvSpPr>
-          <p:cNvPr id="3" name="Content Placeholder 2">
-            <a:extLst>
-              <a:ext uri="{FF2B5EF4-FFF2-40B4-BE49-F238E27FC236}">
-                <a16:creationId xmlns:a16="http://schemas.microsoft.com/office/drawing/2014/main" id="{4C5A13F3-FA75-47FE-93CD-542C8E08481A}"/>
+        <p:style>
+          <a:lnRef idx="2">
+            <a:schemeClr val="accent1">
+              <a:shade val="50000"/>
+            </a:schemeClr>
+          </a:lnRef>
+          <a:fillRef idx="1">
+            <a:schemeClr val="accent1"/>
+          </a:fillRef>
+          <a:effectRef idx="0">
+            <a:schemeClr val="accent1"/>
+          </a:effectRef>
+          <a:fontRef idx="minor">
+            <a:schemeClr val="lt1"/>
+          </a:fontRef>
+        </p:style>
+        <p:txBody>
+          <a:bodyPr rtlCol="0" anchor="ctr"/>
+          <a:lstStyle/>
+          <a:p>
+            <a:pPr algn="ctr"/>
+            <a:endParaRPr lang="en-US" dirty="0"/>
+          </a:p>
+        </p:txBody>
+      </p:sp>
+      <p:sp>
+        <p:nvSpPr>
+          <p:cNvPr id="2" name="Title 1">
+            <a:extLst>
+              <a:ext uri="{FF2B5EF4-FFF2-40B4-BE49-F238E27FC236}">
+                <a16:creationId xmlns:a16="http://schemas.microsoft.com/office/drawing/2014/main" id="{107CA472-69A5-F477-F5CB-289056E6EF25}"/>
               </a:ext>
             </a:extLst>
           </p:cNvPr>
@@ -8468,21 +11046,58 @@
             <a:spLocks noGrp="1"/>
           </p:cNvSpPr>
           <p:nvPr>
-            <p:ph idx="1"/>
+            <p:ph type="title"/>
           </p:nvPr>
         </p:nvSpPr>
         <p:spPr>
           <a:xfrm>
-            <a:off x="838200" y="1553227"/>
-            <a:ext cx="10515600" cy="4623736"/>
+            <a:off x="643467" y="321734"/>
+            <a:ext cx="10905066" cy="1135737"/>
           </a:xfrm>
         </p:spPr>
         <p:txBody>
-          <a:bodyPr/>
-          <a:lstStyle/>
-          <a:p>
-            <a:r>
-              <a:rPr lang="en-JP" dirty="0">
+          <a:bodyPr>
+            <a:normAutofit/>
+          </a:bodyPr>
+          <a:lstStyle/>
+          <a:p>
+            <a:r>
+              <a:rPr lang="en-JP" sz="3600"/>
+              <a:t>Distribute ledger across Peers</a:t>
+            </a:r>
+          </a:p>
+        </p:txBody>
+      </p:sp>
+      <p:sp>
+        <p:nvSpPr>
+          <p:cNvPr id="3" name="Content Placeholder 2">
+            <a:extLst>
+              <a:ext uri="{FF2B5EF4-FFF2-40B4-BE49-F238E27FC236}">
+                <a16:creationId xmlns:a16="http://schemas.microsoft.com/office/drawing/2014/main" id="{4C5A13F3-FA75-47FE-93CD-542C8E08481A}"/>
+              </a:ext>
+            </a:extLst>
+          </p:cNvPr>
+          <p:cNvSpPr>
+            <a:spLocks noGrp="1"/>
+          </p:cNvSpPr>
+          <p:nvPr>
+            <p:ph idx="1"/>
+          </p:nvPr>
+        </p:nvSpPr>
+        <p:spPr>
+          <a:xfrm>
+            <a:off x="643467" y="1782981"/>
+            <a:ext cx="10905066" cy="4393982"/>
+          </a:xfrm>
+        </p:spPr>
+        <p:txBody>
+          <a:bodyPr>
+            <a:normAutofit/>
+          </a:bodyPr>
+          <a:lstStyle/>
+          <a:p>
+            <a:r>
+              <a:rPr lang="en-JP" sz="2000" dirty="0">
                 <a:latin typeface="Times New Roman" panose="02020603050405020304" pitchFamily="18" charset="0"/>
                 <a:cs typeface="Times New Roman" panose="02020603050405020304" pitchFamily="18" charset="0"/>
               </a:rPr>
@@ -8490,90 +11105,324 @@
             </a:r>
           </a:p>
           <a:p>
-            <a:endParaRPr lang="en-JP" dirty="0">
+            <a:endParaRPr lang="en-JP" sz="2000" dirty="0">
               <a:latin typeface="Times New Roman" panose="02020603050405020304" pitchFamily="18" charset="0"/>
               <a:cs typeface="Times New Roman" panose="02020603050405020304" pitchFamily="18" charset="0"/>
             </a:endParaRPr>
           </a:p>
           <a:p>
             <a:r>
-              <a:rPr lang="en-JP" dirty="0">
+              <a:rPr lang="en-JP" sz="2000" dirty="0">
                 <a:latin typeface="Times New Roman" panose="02020603050405020304" pitchFamily="18" charset="0"/>
                 <a:cs typeface="Times New Roman" panose="02020603050405020304" pitchFamily="18" charset="0"/>
               </a:rPr>
-              <a:t>Satoshi publish </a:t>
-            </a:r>
-            <a:r>
-              <a:rPr lang="en-JP" dirty="0">
-                <a:solidFill>
-                  <a:srgbClr val="FF0000"/>
-                </a:solidFill>
-                <a:latin typeface="Times New Roman" panose="02020603050405020304" pitchFamily="18" charset="0"/>
-                <a:cs typeface="Times New Roman" panose="02020603050405020304" pitchFamily="18" charset="0"/>
-              </a:rPr>
-              <a:t>a model with blockchain data structure</a:t>
-            </a:r>
-            <a:r>
-              <a:rPr lang="en-JP" dirty="0">
-                <a:latin typeface="Times New Roman" panose="02020603050405020304" pitchFamily="18" charset="0"/>
-                <a:cs typeface="Times New Roman" panose="02020603050405020304" pitchFamily="18" charset="0"/>
-              </a:rPr>
-              <a:t> for fully decentralized, permissionless and secure ledger</a:t>
-            </a:r>
-          </a:p>
-          <a:p>
-            <a:endParaRPr lang="en-JP" dirty="0">
+              <a:t>Satoshi publish a model with blockchain data structure for fully decentralized, permissionless and secure ledger</a:t>
+            </a:r>
+          </a:p>
+          <a:p>
+            <a:endParaRPr lang="en-JP" sz="2000" dirty="0">
               <a:latin typeface="Times New Roman" panose="02020603050405020304" pitchFamily="18" charset="0"/>
               <a:cs typeface="Times New Roman" panose="02020603050405020304" pitchFamily="18" charset="0"/>
             </a:endParaRPr>
           </a:p>
           <a:p>
             <a:r>
-              <a:rPr lang="en-US" dirty="0">
+              <a:rPr lang="en-US" sz="2000" dirty="0">
                 <a:latin typeface="Times New Roman" panose="02020603050405020304" pitchFamily="18" charset="0"/>
                 <a:cs typeface="Times New Roman" panose="02020603050405020304" pitchFamily="18" charset="0"/>
               </a:rPr>
               <a:t>R</a:t>
             </a:r>
             <a:r>
-              <a:rPr lang="en-JP" dirty="0">
+              <a:rPr lang="en-JP" sz="2000" dirty="0">
                 <a:latin typeface="Times New Roman" panose="02020603050405020304" pitchFamily="18" charset="0"/>
                 <a:cs typeface="Times New Roman" panose="02020603050405020304" pitchFamily="18" charset="0"/>
               </a:rPr>
-              <a:t>egardless of models, distribution is the best assurance against risks of </a:t>
-            </a:r>
-            <a:r>
-              <a:rPr lang="en-JP" dirty="0">
-                <a:solidFill>
-                  <a:srgbClr val="FF0000"/>
-                </a:solidFill>
-                <a:latin typeface="Times New Roman" panose="02020603050405020304" pitchFamily="18" charset="0"/>
-                <a:cs typeface="Times New Roman" panose="02020603050405020304" pitchFamily="18" charset="0"/>
-              </a:rPr>
-              <a:t>data loss, and tampering</a:t>
-            </a:r>
-            <a:r>
-              <a:rPr lang="en-JP" dirty="0">
-                <a:latin typeface="Times New Roman" panose="02020603050405020304" pitchFamily="18" charset="0"/>
-                <a:cs typeface="Times New Roman" panose="02020603050405020304" pitchFamily="18" charset="0"/>
-              </a:rPr>
-              <a:t>.</a:t>
+              <a:t>egardless of models, distribution is the best assurance against risks of data loss, and tampering.</a:t>
             </a:r>
           </a:p>
           <a:p>
             <a:pPr marL="0" indent="0">
               <a:buNone/>
             </a:pPr>
-            <a:endParaRPr lang="en-JP" dirty="0">
+            <a:endParaRPr lang="en-JP" sz="2000" dirty="0">
               <a:latin typeface="Times New Roman" panose="02020603050405020304" pitchFamily="18" charset="0"/>
               <a:cs typeface="Times New Roman" panose="02020603050405020304" pitchFamily="18" charset="0"/>
             </a:endParaRPr>
           </a:p>
           <a:p>
-            <a:endParaRPr lang="en-JP" dirty="0">
+            <a:endParaRPr lang="en-JP" sz="2000" dirty="0">
               <a:latin typeface="Times New Roman" panose="02020603050405020304" pitchFamily="18" charset="0"/>
               <a:cs typeface="Times New Roman" panose="02020603050405020304" pitchFamily="18" charset="0"/>
             </a:endParaRPr>
+          </a:p>
+        </p:txBody>
+      </p:sp>
+      <p:sp>
+        <p:nvSpPr>
+          <p:cNvPr id="10" name="Rectangle 9">
+            <a:extLst>
+              <a:ext uri="{FF2B5EF4-FFF2-40B4-BE49-F238E27FC236}">
+                <a16:creationId xmlns:a16="http://schemas.microsoft.com/office/drawing/2014/main" id="{2E80C965-DB6D-4F81-9E9E-B027384D0BD6}"/>
+              </a:ext>
+              <a:ext uri="{C183D7F6-B498-43B3-948B-1728B52AA6E4}">
+                <adec:decorative xmlns:adec="http://schemas.microsoft.com/office/drawing/2017/decorative" val="1"/>
+              </a:ext>
+            </a:extLst>
+          </p:cNvPr>
+          <p:cNvSpPr>
+            <a:spLocks noGrp="1" noRot="1" noChangeAspect="1" noMove="1" noResize="1" noEditPoints="1" noAdjustHandles="1" noChangeArrowheads="1" noChangeShapeType="1" noTextEdit="1"/>
+          </p:cNvSpPr>
+          <p:nvPr>
+            <p:extLst>
+              <p:ext uri="{386F3935-93C4-4BCD-93E2-E3B085C9AB24}">
+                <p16:designElem xmlns:p16="http://schemas.microsoft.com/office/powerpoint/2015/main" val="1"/>
+              </p:ext>
+            </p:extLst>
+          </p:nvPr>
+        </p:nvSpPr>
+        <p:spPr>
+          <a:xfrm rot="2700000">
+            <a:off x="11052629" y="2120024"/>
+            <a:ext cx="645368" cy="645368"/>
+          </a:xfrm>
+          <a:prstGeom prst="rect">
+            <a:avLst/>
+          </a:prstGeom>
+          <a:solidFill>
+            <a:schemeClr val="accent4">
+              <a:alpha val="30000"/>
+            </a:schemeClr>
+          </a:solidFill>
+          <a:ln>
+            <a:noFill/>
+          </a:ln>
+        </p:spPr>
+        <p:style>
+          <a:lnRef idx="2">
+            <a:schemeClr val="accent1">
+              <a:shade val="50000"/>
+            </a:schemeClr>
+          </a:lnRef>
+          <a:fillRef idx="1">
+            <a:schemeClr val="accent1"/>
+          </a:fillRef>
+          <a:effectRef idx="0">
+            <a:schemeClr val="accent1"/>
+          </a:effectRef>
+          <a:fontRef idx="minor">
+            <a:schemeClr val="lt1"/>
+          </a:fontRef>
+        </p:style>
+        <p:txBody>
+          <a:bodyPr rtlCol="0" anchor="ctr"/>
+          <a:lstStyle/>
+          <a:p>
+            <a:pPr algn="ctr"/>
+            <a:endParaRPr lang="en-US"/>
+          </a:p>
+        </p:txBody>
+      </p:sp>
+      <p:sp>
+        <p:nvSpPr>
+          <p:cNvPr id="12" name="Isosceles Triangle 11">
+            <a:extLst>
+              <a:ext uri="{FF2B5EF4-FFF2-40B4-BE49-F238E27FC236}">
+                <a16:creationId xmlns:a16="http://schemas.microsoft.com/office/drawing/2014/main" id="{A580F890-B085-4E95-96AA-55AEBEC5CE6E}"/>
+              </a:ext>
+              <a:ext uri="{C183D7F6-B498-43B3-948B-1728B52AA6E4}">
+                <adec:decorative xmlns:adec="http://schemas.microsoft.com/office/drawing/2017/decorative" val="1"/>
+              </a:ext>
+            </a:extLst>
+          </p:cNvPr>
+          <p:cNvSpPr>
+            <a:spLocks noGrp="1" noRot="1" noChangeAspect="1" noMove="1" noResize="1" noEditPoints="1" noAdjustHandles="1" noChangeArrowheads="1" noChangeShapeType="1" noTextEdit="1"/>
+          </p:cNvSpPr>
+          <p:nvPr>
+            <p:extLst>
+              <p:ext uri="{386F3935-93C4-4BCD-93E2-E3B085C9AB24}">
+                <p16:designElem xmlns:p16="http://schemas.microsoft.com/office/powerpoint/2015/main" val="1"/>
+              </p:ext>
+            </p:extLst>
+          </p:nvPr>
+        </p:nvSpPr>
+        <p:spPr>
+          <a:xfrm rot="16200000">
+            <a:off x="10289068" y="1343027"/>
+            <a:ext cx="2532832" cy="1273032"/>
+          </a:xfrm>
+          <a:prstGeom prst="triangle">
+            <a:avLst>
+              <a:gd name="adj" fmla="val 50000"/>
+            </a:avLst>
+          </a:prstGeom>
+          <a:solidFill>
+            <a:schemeClr val="accent4">
+              <a:alpha val="30000"/>
+            </a:schemeClr>
+          </a:solidFill>
+          <a:ln>
+            <a:noFill/>
+          </a:ln>
+        </p:spPr>
+        <p:style>
+          <a:lnRef idx="2">
+            <a:schemeClr val="accent1">
+              <a:shade val="50000"/>
+            </a:schemeClr>
+          </a:lnRef>
+          <a:fillRef idx="1">
+            <a:schemeClr val="accent1"/>
+          </a:fillRef>
+          <a:effectRef idx="0">
+            <a:schemeClr val="accent1"/>
+          </a:effectRef>
+          <a:fontRef idx="minor">
+            <a:schemeClr val="lt1"/>
+          </a:fontRef>
+        </p:style>
+        <p:txBody>
+          <a:bodyPr rtlCol="0" anchor="ctr"/>
+          <a:lstStyle/>
+          <a:p>
+            <a:pPr algn="ctr"/>
+            <a:endParaRPr lang="en-US"/>
+          </a:p>
+        </p:txBody>
+      </p:sp>
+      <p:sp>
+        <p:nvSpPr>
+          <p:cNvPr id="14" name="Isosceles Triangle 13">
+            <a:extLst>
+              <a:ext uri="{FF2B5EF4-FFF2-40B4-BE49-F238E27FC236}">
+                <a16:creationId xmlns:a16="http://schemas.microsoft.com/office/drawing/2014/main" id="{D3F51FEB-38FB-4F6C-9F7B-2F2AFAB65463}"/>
+              </a:ext>
+              <a:ext uri="{C183D7F6-B498-43B3-948B-1728B52AA6E4}">
+                <adec:decorative xmlns:adec="http://schemas.microsoft.com/office/drawing/2017/decorative" val="1"/>
+              </a:ext>
+            </a:extLst>
+          </p:cNvPr>
+          <p:cNvSpPr>
+            <a:spLocks noGrp="1" noRot="1" noChangeAspect="1" noMove="1" noResize="1" noEditPoints="1" noAdjustHandles="1" noChangeArrowheads="1" noChangeShapeType="1" noTextEdit="1"/>
+          </p:cNvSpPr>
+          <p:nvPr>
+            <p:extLst>
+              <p:ext uri="{386F3935-93C4-4BCD-93E2-E3B085C9AB24}">
+                <p16:designElem xmlns:p16="http://schemas.microsoft.com/office/powerpoint/2015/main" val="1"/>
+              </p:ext>
+            </p:extLst>
+          </p:nvPr>
+        </p:nvSpPr>
+        <p:spPr>
+          <a:xfrm rot="5400000">
+            <a:off x="-501760" y="5103257"/>
+            <a:ext cx="2017580" cy="1014060"/>
+          </a:xfrm>
+          <a:prstGeom prst="triangle">
+            <a:avLst>
+              <a:gd name="adj" fmla="val 50000"/>
+            </a:avLst>
+          </a:prstGeom>
+          <a:solidFill>
+            <a:schemeClr val="accent1">
+              <a:alpha val="30000"/>
+            </a:schemeClr>
+          </a:solidFill>
+          <a:ln>
+            <a:noFill/>
+          </a:ln>
+        </p:spPr>
+        <p:style>
+          <a:lnRef idx="2">
+            <a:schemeClr val="accent1">
+              <a:shade val="50000"/>
+            </a:schemeClr>
+          </a:lnRef>
+          <a:fillRef idx="1">
+            <a:schemeClr val="accent1"/>
+          </a:fillRef>
+          <a:effectRef idx="0">
+            <a:schemeClr val="accent1"/>
+          </a:effectRef>
+          <a:fontRef idx="minor">
+            <a:schemeClr val="lt1"/>
+          </a:fontRef>
+        </p:style>
+        <p:txBody>
+          <a:bodyPr wrap="square" rtlCol="0" anchor="ctr">
+            <a:noAutofit/>
+          </a:bodyPr>
+          <a:lstStyle/>
+          <a:p>
+            <a:pPr algn="ctr"/>
+            <a:endParaRPr lang="en-US"/>
+          </a:p>
+        </p:txBody>
+      </p:sp>
+      <p:sp>
+        <p:nvSpPr>
+          <p:cNvPr id="16" name="Rectangle 15">
+            <a:extLst>
+              <a:ext uri="{FF2B5EF4-FFF2-40B4-BE49-F238E27FC236}">
+                <a16:creationId xmlns:a16="http://schemas.microsoft.com/office/drawing/2014/main" id="{1E547BA6-BAE0-43BB-A7CA-60F69CE252F0}"/>
+              </a:ext>
+              <a:ext uri="{C183D7F6-B498-43B3-948B-1728B52AA6E4}">
+                <adec:decorative xmlns:adec="http://schemas.microsoft.com/office/drawing/2017/decorative" val="1"/>
+              </a:ext>
+            </a:extLst>
+          </p:cNvPr>
+          <p:cNvSpPr>
+            <a:spLocks noGrp="1" noRot="1" noChangeAspect="1" noMove="1" noResize="1" noEditPoints="1" noAdjustHandles="1" noChangeArrowheads="1" noChangeShapeType="1" noTextEdit="1"/>
+          </p:cNvSpPr>
+          <p:nvPr>
+            <p:extLst>
+              <p:ext uri="{386F3935-93C4-4BCD-93E2-E3B085C9AB24}">
+                <p16:designElem xmlns:p16="http://schemas.microsoft.com/office/powerpoint/2015/main" val="1"/>
+              </p:ext>
+            </p:extLst>
+          </p:nvPr>
+        </p:nvSpPr>
+        <p:spPr>
+          <a:xfrm rot="2700000">
+            <a:off x="427916" y="5728708"/>
+            <a:ext cx="485578" cy="485578"/>
+          </a:xfrm>
+          <a:prstGeom prst="rect">
+            <a:avLst/>
+          </a:prstGeom>
+          <a:solidFill>
+            <a:schemeClr val="accent1">
+              <a:alpha val="30000"/>
+            </a:schemeClr>
+          </a:solidFill>
+          <a:ln>
+            <a:noFill/>
+          </a:ln>
+        </p:spPr>
+        <p:style>
+          <a:lnRef idx="2">
+            <a:schemeClr val="accent1">
+              <a:shade val="50000"/>
+            </a:schemeClr>
+          </a:lnRef>
+          <a:fillRef idx="1">
+            <a:schemeClr val="accent1"/>
+          </a:fillRef>
+          <a:effectRef idx="0">
+            <a:schemeClr val="accent1"/>
+          </a:effectRef>
+          <a:fontRef idx="minor">
+            <a:schemeClr val="lt1"/>
+          </a:fontRef>
+        </p:style>
+        <p:txBody>
+          <a:bodyPr wrap="square" rtlCol="0" anchor="ctr">
+            <a:noAutofit/>
+          </a:bodyPr>
+          <a:lstStyle/>
+          <a:p>
+            <a:pPr algn="ctr"/>
+            <a:endParaRPr lang="en-US"/>
           </a:p>
         </p:txBody>
       </p:sp>
@@ -8761,9 +11610,6 @@
             </a:r>
           </a:p>
           <a:p>
-            <a:pPr marL="0" indent="0">
-              <a:buNone/>
-            </a:pPr>
             <a:endParaRPr lang="en-US" sz="2400" dirty="0">
               <a:latin typeface="Times New Roman" panose="02020603050405020304" pitchFamily="18" charset="0"/>
               <a:cs typeface="Times New Roman" panose="02020603050405020304" pitchFamily="18" charset="0"/>
@@ -8775,20 +11621,11 @@
                 <a:latin typeface="Times New Roman" panose="02020603050405020304" pitchFamily="18" charset="0"/>
                 <a:cs typeface="Times New Roman" panose="02020603050405020304" pitchFamily="18" charset="0"/>
               </a:rPr>
-              <a:t>This model is called UTXO</a:t>
-            </a:r>
-            <a:r>
-              <a:rPr lang="en-US" sz="2400" b="0" i="0" dirty="0">
-                <a:effectLst/>
-                <a:latin typeface="Times New Roman" panose="02020603050405020304" pitchFamily="18" charset="0"/>
-                <a:cs typeface="Times New Roman" panose="02020603050405020304" pitchFamily="18" charset="0"/>
-              </a:rPr>
-              <a:t>(unspent transaction outputs) model.</a:t>
-            </a:r>
-          </a:p>
-          <a:p>
-            <a:endParaRPr lang="en-US" sz="2400" b="0" i="0" dirty="0">
-              <a:effectLst/>
+              <a:t>Let’s try to send 0.0001 BTC from Alice to Bob</a:t>
+            </a:r>
+          </a:p>
+          <a:p>
+            <a:endParaRPr lang="en-US" sz="2400" dirty="0">
               <a:latin typeface="Times New Roman" panose="02020603050405020304" pitchFamily="18" charset="0"/>
               <a:cs typeface="Times New Roman" panose="02020603050405020304" pitchFamily="18" charset="0"/>
             </a:endParaRPr>
@@ -8799,22 +11636,7 @@
                 <a:latin typeface="Times New Roman" panose="02020603050405020304" pitchFamily="18" charset="0"/>
                 <a:cs typeface="Times New Roman" panose="02020603050405020304" pitchFamily="18" charset="0"/>
               </a:rPr>
-              <a:t>Client doesn’t store an explicit balance for each address.</a:t>
-            </a:r>
-          </a:p>
-          <a:p>
-            <a:endParaRPr lang="en-US" sz="2400" dirty="0">
-              <a:latin typeface="Times New Roman" panose="02020603050405020304" pitchFamily="18" charset="0"/>
-              <a:cs typeface="Times New Roman" panose="02020603050405020304" pitchFamily="18" charset="0"/>
-            </a:endParaRPr>
-          </a:p>
-          <a:p>
-            <a:r>
-              <a:rPr lang="en-US" sz="2400" dirty="0">
-                <a:latin typeface="Times New Roman" panose="02020603050405020304" pitchFamily="18" charset="0"/>
-                <a:cs typeface="Times New Roman" panose="02020603050405020304" pitchFamily="18" charset="0"/>
-              </a:rPr>
-              <a:t>Ethereum use Account model.</a:t>
+              <a:t>Each transaction is managed by TXID</a:t>
             </a:r>
           </a:p>
         </p:txBody>
@@ -8951,36 +11773,6 @@
           </a:p>
         </p:txBody>
       </p:sp>
-      <p:pic>
-        <p:nvPicPr>
-          <p:cNvPr id="5" name="図 4">
-            <a:extLst>
-              <a:ext uri="{FF2B5EF4-FFF2-40B4-BE49-F238E27FC236}">
-                <a16:creationId xmlns:a16="http://schemas.microsoft.com/office/drawing/2014/main" id="{A78C2FB3-62C4-41A8-8D14-9B4984242B18}"/>
-              </a:ext>
-            </a:extLst>
-          </p:cNvPr>
-          <p:cNvPicPr>
-            <a:picLocks noChangeAspect="1"/>
-          </p:cNvPicPr>
-          <p:nvPr/>
-        </p:nvPicPr>
-        <p:blipFill>
-          <a:blip r:embed="rId2"/>
-          <a:stretch>
-            <a:fillRect/>
-          </a:stretch>
-        </p:blipFill>
-        <p:spPr>
-          <a:xfrm>
-            <a:off x="6784908" y="1130065"/>
-            <a:ext cx="5290720" cy="3131008"/>
-          </a:xfrm>
-          <a:prstGeom prst="rect">
-            <a:avLst/>
-          </a:prstGeom>
-        </p:spPr>
-      </p:pic>
       <p:grpSp>
         <p:nvGrpSpPr>
           <p:cNvPr id="16" name="Group 15">
@@ -9141,6 +11933,36 @@
           </p:txBody>
         </p:sp>
       </p:grpSp>
+      <p:pic>
+        <p:nvPicPr>
+          <p:cNvPr id="6" name="図 5">
+            <a:extLst>
+              <a:ext uri="{FF2B5EF4-FFF2-40B4-BE49-F238E27FC236}">
+                <a16:creationId xmlns:a16="http://schemas.microsoft.com/office/drawing/2014/main" id="{E2039EA7-B7FC-4618-B6EA-FBF17E06D271}"/>
+              </a:ext>
+            </a:extLst>
+          </p:cNvPr>
+          <p:cNvPicPr>
+            <a:picLocks noChangeAspect="1"/>
+          </p:cNvPicPr>
+          <p:nvPr/>
+        </p:nvPicPr>
+        <p:blipFill>
+          <a:blip r:embed="rId2"/>
+          <a:stretch>
+            <a:fillRect/>
+          </a:stretch>
+        </p:blipFill>
+        <p:spPr>
+          <a:xfrm>
+            <a:off x="6544083" y="1827050"/>
+            <a:ext cx="5595794" cy="3079516"/>
+          </a:xfrm>
+          <a:prstGeom prst="rect">
+            <a:avLst/>
+          </a:prstGeom>
+        </p:spPr>
+      </p:pic>
     </p:spTree>
     <p:extLst>
       <p:ext uri="{BB962C8B-B14F-4D97-AF65-F5344CB8AC3E}">
@@ -9173,10 +11995,10 @@
       </p:grpSpPr>
       <p:sp>
         <p:nvSpPr>
-          <p:cNvPr id="2" name="Title 1">
-            <a:extLst>
-              <a:ext uri="{FF2B5EF4-FFF2-40B4-BE49-F238E27FC236}">
-                <a16:creationId xmlns:a16="http://schemas.microsoft.com/office/drawing/2014/main" id="{54271C34-1E6B-93C3-2948-DA299D4E40D9}"/>
+          <p:cNvPr id="2" name="タイトル 1">
+            <a:extLst>
+              <a:ext uri="{FF2B5EF4-FFF2-40B4-BE49-F238E27FC236}">
+                <a16:creationId xmlns:a16="http://schemas.microsoft.com/office/drawing/2014/main" id="{35E11EE5-997F-4E4D-B5EF-09CECD3ED249}"/>
               </a:ext>
             </a:extLst>
           </p:cNvPr>
@@ -9190,7 +12012,7 @@
         <p:spPr>
           <a:xfrm>
             <a:off x="838200" y="365126"/>
-            <a:ext cx="10515600" cy="824848"/>
+            <a:ext cx="10515600" cy="966042"/>
           </a:xfrm>
         </p:spPr>
         <p:txBody>
@@ -9199,21 +12021,17 @@
           <a:p>
             <a:r>
               <a:rPr lang="en-US" dirty="0"/>
-              <a:t>B</a:t>
-            </a:r>
-            <a:r>
-              <a:rPr lang="en-JP" dirty="0"/>
-              <a:t>lockchain data structure</a:t>
-            </a:r>
-          </a:p>
-        </p:txBody>
-      </p:sp>
-      <p:sp>
-        <p:nvSpPr>
-          <p:cNvPr id="3" name="Content Placeholder 2">
-            <a:extLst>
-              <a:ext uri="{FF2B5EF4-FFF2-40B4-BE49-F238E27FC236}">
-                <a16:creationId xmlns:a16="http://schemas.microsoft.com/office/drawing/2014/main" id="{90575792-901E-F80E-FF91-CEDF9FFF5D56}"/>
+              <a:t>Transaction</a:t>
+            </a:r>
+          </a:p>
+        </p:txBody>
+      </p:sp>
+      <p:sp>
+        <p:nvSpPr>
+          <p:cNvPr id="3" name="コンテンツ プレースホルダー 2">
+            <a:extLst>
+              <a:ext uri="{FF2B5EF4-FFF2-40B4-BE49-F238E27FC236}">
+                <a16:creationId xmlns:a16="http://schemas.microsoft.com/office/drawing/2014/main" id="{EE552AF7-CC38-479C-BEED-E34E7AC7994B}"/>
               </a:ext>
             </a:extLst>
           </p:cNvPr>
@@ -9226,105 +12044,250 @@
         </p:nvSpPr>
         <p:spPr>
           <a:xfrm>
-            <a:off x="838200" y="1365337"/>
-            <a:ext cx="10515600" cy="4811626"/>
+            <a:off x="838200" y="1194318"/>
+            <a:ext cx="10515600" cy="5130282"/>
           </a:xfrm>
         </p:spPr>
         <p:txBody>
-          <a:bodyPr/>
-          <a:lstStyle/>
-          <a:p>
-            <a:r>
-              <a:rPr lang="en-JP" dirty="0"/>
-              <a:t>A cryptographic chain of data blocks.</a:t>
-            </a:r>
-          </a:p>
-          <a:p>
-            <a:endParaRPr lang="en-US" dirty="0"/>
-          </a:p>
-          <a:p>
-            <a:r>
-              <a:rPr lang="en-US" dirty="0"/>
-              <a:t>Each nodes receiving broadcasted transaction need to verify them and include them to the block.</a:t>
-            </a:r>
-          </a:p>
-          <a:p>
-            <a:endParaRPr lang="en-JP" dirty="0"/>
-          </a:p>
-          <a:p>
-            <a:r>
-              <a:rPr lang="en-JP" dirty="0"/>
-              <a:t>Each block includes bunch of </a:t>
-            </a:r>
-            <a:endParaRPr lang="en-US" dirty="0"/>
-          </a:p>
+          <a:bodyPr>
+            <a:normAutofit fontScale="92500" lnSpcReduction="10000"/>
+          </a:bodyPr>
+          <a:lstStyle/>
           <a:p>
             <a:pPr marL="0" indent="0">
               <a:buNone/>
             </a:pPr>
-            <a:r>
-              <a:rPr lang="en-US" dirty="0"/>
-              <a:t>  </a:t>
-            </a:r>
-            <a:r>
-              <a:rPr lang="en-JP" dirty="0"/>
-              <a:t>transactions, parent blocks and</a:t>
-            </a:r>
-            <a:endParaRPr lang="en-US" dirty="0"/>
-          </a:p>
-          <a:p>
-            <a:pPr marL="0" indent="0">
-              <a:buNone/>
-            </a:pPr>
-            <a:r>
-              <a:rPr lang="en-US" dirty="0"/>
+            <a:endParaRPr lang="en-US" sz="2800" dirty="0">
+              <a:latin typeface="Times New Roman" panose="02020603050405020304" pitchFamily="18" charset="0"/>
+              <a:cs typeface="Times New Roman" panose="02020603050405020304" pitchFamily="18" charset="0"/>
+            </a:endParaRPr>
+          </a:p>
+          <a:p>
+            <a:r>
+              <a:rPr lang="en-US" dirty="0">
+                <a:latin typeface="Times New Roman" panose="02020603050405020304" pitchFamily="18" charset="0"/>
+                <a:cs typeface="Times New Roman" panose="02020603050405020304" pitchFamily="18" charset="0"/>
+              </a:rPr>
+              <a:t>Each user has unique public &amp; private key pairs.</a:t>
+            </a:r>
+          </a:p>
+          <a:p>
+            <a:r>
+              <a:rPr lang="en-US" dirty="0">
+                <a:latin typeface="Times New Roman" panose="02020603050405020304" pitchFamily="18" charset="0"/>
+                <a:cs typeface="Times New Roman" panose="02020603050405020304" pitchFamily="18" charset="0"/>
+              </a:rPr>
+              <a:t>Users ID are public key.</a:t>
+            </a:r>
+            <a:endParaRPr lang="en-US" sz="2800" dirty="0">
+              <a:latin typeface="Times New Roman" panose="02020603050405020304" pitchFamily="18" charset="0"/>
+              <a:cs typeface="Times New Roman" panose="02020603050405020304" pitchFamily="18" charset="0"/>
+            </a:endParaRPr>
+          </a:p>
+          <a:p>
+            <a:r>
+              <a:rPr lang="en-US" dirty="0">
+                <a:latin typeface="Times New Roman" panose="02020603050405020304" pitchFamily="18" charset="0"/>
+                <a:cs typeface="Times New Roman" panose="02020603050405020304" pitchFamily="18" charset="0"/>
+              </a:rPr>
+              <a:t>In the naïve bitcoin model, </a:t>
+            </a:r>
+            <a:r>
+              <a:rPr lang="en-US" sz="2800" dirty="0">
+                <a:latin typeface="Times New Roman" panose="02020603050405020304" pitchFamily="18" charset="0"/>
+                <a:cs typeface="Times New Roman" panose="02020603050405020304" pitchFamily="18" charset="0"/>
+              </a:rPr>
+              <a:t>1 bitcoin</a:t>
+            </a:r>
+            <a:r>
+              <a:rPr lang="en-US" dirty="0">
+                <a:latin typeface="Times New Roman" panose="02020603050405020304" pitchFamily="18" charset="0"/>
+                <a:cs typeface="Times New Roman" panose="02020603050405020304" pitchFamily="18" charset="0"/>
+              </a:rPr>
+              <a:t> is sent from </a:t>
+            </a:r>
+            <a:r>
+              <a:rPr lang="en-US" sz="2800" dirty="0">
+                <a:latin typeface="Times New Roman" panose="02020603050405020304" pitchFamily="18" charset="0"/>
+                <a:cs typeface="Times New Roman" panose="02020603050405020304" pitchFamily="18" charset="0"/>
+              </a:rPr>
+              <a:t>Alice’s public key to Bob’s public key.</a:t>
+            </a:r>
+          </a:p>
+          <a:p>
+            <a:r>
+              <a:rPr lang="en-US" dirty="0">
+                <a:latin typeface="Times New Roman" panose="02020603050405020304" pitchFamily="18" charset="0"/>
+                <a:cs typeface="Times New Roman" panose="02020603050405020304" pitchFamily="18" charset="0"/>
+              </a:rPr>
+              <a:t>When making transaction we need to create </a:t>
+            </a:r>
+            <a:r>
+              <a:rPr lang="en-US" dirty="0" err="1">
+                <a:latin typeface="Times New Roman" panose="02020603050405020304" pitchFamily="18" charset="0"/>
+                <a:cs typeface="Times New Roman" panose="02020603050405020304" pitchFamily="18" charset="0"/>
+              </a:rPr>
+              <a:t>json</a:t>
+            </a:r>
+            <a:r>
+              <a:rPr lang="en-US" dirty="0">
+                <a:latin typeface="Times New Roman" panose="02020603050405020304" pitchFamily="18" charset="0"/>
+                <a:cs typeface="Times New Roman" panose="02020603050405020304" pitchFamily="18" charset="0"/>
+              </a:rPr>
+              <a:t> file that contains</a:t>
+            </a:r>
+          </a:p>
+          <a:p>
+            <a:pPr lvl="1"/>
+            <a:r>
+              <a:rPr lang="en-US" dirty="0">
+                <a:latin typeface="Times New Roman" panose="02020603050405020304" pitchFamily="18" charset="0"/>
+                <a:cs typeface="Times New Roman" panose="02020603050405020304" pitchFamily="18" charset="0"/>
+              </a:rPr>
+              <a:t>Input TXID’s </a:t>
+            </a:r>
+          </a:p>
+          <a:p>
+            <a:pPr lvl="1"/>
+            <a:r>
+              <a:rPr lang="en-US" dirty="0">
+                <a:latin typeface="Times New Roman" panose="02020603050405020304" pitchFamily="18" charset="0"/>
+                <a:cs typeface="Times New Roman" panose="02020603050405020304" pitchFamily="18" charset="0"/>
+              </a:rPr>
+              <a:t>Output amount </a:t>
+            </a:r>
+          </a:p>
+          <a:p>
+            <a:pPr lvl="1"/>
+            <a:r>
+              <a:rPr lang="en-US" dirty="0">
+                <a:latin typeface="Times New Roman" panose="02020603050405020304" pitchFamily="18" charset="0"/>
+                <a:cs typeface="Times New Roman" panose="02020603050405020304" pitchFamily="18" charset="0"/>
+              </a:rPr>
+              <a:t>Output address (Bob’s </a:t>
+            </a:r>
+            <a:r>
+              <a:rPr lang="en-US" dirty="0" err="1">
+                <a:latin typeface="Times New Roman" panose="02020603050405020304" pitchFamily="18" charset="0"/>
+                <a:cs typeface="Times New Roman" panose="02020603050405020304" pitchFamily="18" charset="0"/>
+              </a:rPr>
+              <a:t>pubkey</a:t>
+            </a:r>
+            <a:r>
+              <a:rPr lang="en-US" dirty="0">
+                <a:latin typeface="Times New Roman" panose="02020603050405020304" pitchFamily="18" charset="0"/>
+                <a:cs typeface="Times New Roman" panose="02020603050405020304" pitchFamily="18" charset="0"/>
+              </a:rPr>
+              <a:t>)</a:t>
+            </a:r>
+          </a:p>
+          <a:p>
+            <a:pPr lvl="1"/>
+            <a:r>
+              <a:rPr lang="en-US" dirty="0">
+                <a:latin typeface="Times New Roman" panose="02020603050405020304" pitchFamily="18" charset="0"/>
+                <a:cs typeface="Times New Roman" panose="02020603050405020304" pitchFamily="18" charset="0"/>
+              </a:rPr>
+              <a:t>Digital signature of Alice. </a:t>
+            </a:r>
+          </a:p>
+          <a:p>
+            <a:r>
+              <a:rPr lang="en-US" sz="2400" dirty="0">
+                <a:latin typeface="Times New Roman" panose="02020603050405020304" pitchFamily="18" charset="0"/>
+                <a:cs typeface="Times New Roman" panose="02020603050405020304" pitchFamily="18" charset="0"/>
+              </a:rPr>
+              <a:t>After creation, Alice </a:t>
+            </a:r>
+            <a:r>
+              <a:rPr lang="en-US" sz="2400" dirty="0" err="1">
+                <a:latin typeface="Times New Roman" panose="02020603050405020304" pitchFamily="18" charset="0"/>
+                <a:cs typeface="Times New Roman" panose="02020603050405020304" pitchFamily="18" charset="0"/>
+              </a:rPr>
+              <a:t>gonna</a:t>
+            </a:r>
+            <a:r>
+              <a:rPr lang="en-US" sz="2400" dirty="0">
+                <a:latin typeface="Times New Roman" panose="02020603050405020304" pitchFamily="18" charset="0"/>
+                <a:cs typeface="Times New Roman" panose="02020603050405020304" pitchFamily="18" charset="0"/>
+              </a:rPr>
+              <a:t> broadcast them to whole p2p network.</a:t>
+            </a:r>
+          </a:p>
+          <a:p>
+            <a:r>
+              <a:rPr lang="en-US" sz="2400" dirty="0">
+                <a:latin typeface="Times New Roman" panose="02020603050405020304" pitchFamily="18" charset="0"/>
+                <a:cs typeface="Times New Roman" panose="02020603050405020304" pitchFamily="18" charset="0"/>
+              </a:rPr>
+              <a:t>Nodes receiving the TX need to check if the </a:t>
+            </a:r>
+            <a:r>
+              <a:rPr lang="en-US" sz="2400" dirty="0">
+                <a:solidFill>
+                  <a:srgbClr val="FF0000"/>
+                </a:solidFill>
+                <a:latin typeface="Times New Roman" panose="02020603050405020304" pitchFamily="18" charset="0"/>
+                <a:cs typeface="Times New Roman" panose="02020603050405020304" pitchFamily="18" charset="0"/>
+              </a:rPr>
+              <a:t>input</a:t>
+            </a:r>
+            <a:r>
+              <a:rPr lang="en-US" sz="2400" dirty="0">
+                <a:latin typeface="Times New Roman" panose="02020603050405020304" pitchFamily="18" charset="0"/>
+                <a:cs typeface="Times New Roman" panose="02020603050405020304" pitchFamily="18" charset="0"/>
+              </a:rPr>
               <a:t> </a:t>
             </a:r>
             <a:r>
-              <a:rPr lang="en-JP" dirty="0"/>
-              <a:t> some additional information.</a:t>
-            </a:r>
-            <a:endParaRPr lang="en-US" dirty="0"/>
-          </a:p>
-          <a:p>
-            <a:endParaRPr lang="en-US" dirty="0"/>
-          </a:p>
-        </p:txBody>
-      </p:sp>
-      <p:pic>
-        <p:nvPicPr>
-          <p:cNvPr id="5" name="Picture 4" descr="Diagram&#10;&#10;Description automatically generated">
-            <a:extLst>
-              <a:ext uri="{FF2B5EF4-FFF2-40B4-BE49-F238E27FC236}">
-                <a16:creationId xmlns:a16="http://schemas.microsoft.com/office/drawing/2014/main" id="{F48E0F7B-50F0-20D7-F719-E8E8FF18D2C9}"/>
-              </a:ext>
-            </a:extLst>
-          </p:cNvPr>
-          <p:cNvPicPr>
-            <a:picLocks noChangeAspect="1"/>
-          </p:cNvPicPr>
-          <p:nvPr/>
-        </p:nvPicPr>
-        <p:blipFill>
-          <a:blip r:embed="rId3"/>
-          <a:stretch>
-            <a:fillRect/>
-          </a:stretch>
-        </p:blipFill>
-        <p:spPr>
-          <a:xfrm>
-            <a:off x="6011059" y="2901422"/>
-            <a:ext cx="5753100" cy="3591452"/>
-          </a:xfrm>
-          <a:prstGeom prst="rect">
-            <a:avLst/>
-          </a:prstGeom>
-        </p:spPr>
-      </p:pic>
+              <a:rPr lang="en-US" sz="2400" dirty="0">
+                <a:solidFill>
+                  <a:srgbClr val="FF0000"/>
+                </a:solidFill>
+                <a:latin typeface="Times New Roman" panose="02020603050405020304" pitchFamily="18" charset="0"/>
+                <a:cs typeface="Times New Roman" panose="02020603050405020304" pitchFamily="18" charset="0"/>
+              </a:rPr>
+              <a:t>TXID’s and Digital signature </a:t>
+            </a:r>
+            <a:r>
+              <a:rPr lang="en-US" sz="2400" dirty="0">
+                <a:latin typeface="Times New Roman" panose="02020603050405020304" pitchFamily="18" charset="0"/>
+                <a:cs typeface="Times New Roman" panose="02020603050405020304" pitchFamily="18" charset="0"/>
+              </a:rPr>
+              <a:t>are valid (in many sense)</a:t>
+            </a:r>
+          </a:p>
+          <a:p>
+            <a:pPr lvl="1"/>
+            <a:endParaRPr lang="en-US" dirty="0">
+              <a:latin typeface="Times New Roman" panose="02020603050405020304" pitchFamily="18" charset="0"/>
+              <a:cs typeface="Times New Roman" panose="02020603050405020304" pitchFamily="18" charset="0"/>
+            </a:endParaRPr>
+          </a:p>
+          <a:p>
+            <a:endParaRPr lang="en-US" sz="2800" dirty="0">
+              <a:latin typeface="Times New Roman" panose="02020603050405020304" pitchFamily="18" charset="0"/>
+              <a:cs typeface="Times New Roman" panose="02020603050405020304" pitchFamily="18" charset="0"/>
+            </a:endParaRPr>
+          </a:p>
+          <a:p>
+            <a:endParaRPr lang="en-US" sz="2800" dirty="0">
+              <a:latin typeface="Times New Roman" panose="02020603050405020304" pitchFamily="18" charset="0"/>
+              <a:cs typeface="Times New Roman" panose="02020603050405020304" pitchFamily="18" charset="0"/>
+            </a:endParaRPr>
+          </a:p>
+          <a:p>
+            <a:endParaRPr lang="en-US" dirty="0">
+              <a:latin typeface="Times New Roman" panose="02020603050405020304" pitchFamily="18" charset="0"/>
+              <a:cs typeface="Times New Roman" panose="02020603050405020304" pitchFamily="18" charset="0"/>
+            </a:endParaRPr>
+          </a:p>
+        </p:txBody>
+      </p:sp>
     </p:spTree>
     <p:extLst>
       <p:ext uri="{BB962C8B-B14F-4D97-AF65-F5344CB8AC3E}">
-        <p14:creationId xmlns:p14="http://schemas.microsoft.com/office/powerpoint/2010/main" val="3332371617"/>
+        <p14:creationId xmlns:p14="http://schemas.microsoft.com/office/powerpoint/2010/main" val="4121252707"/>
       </p:ext>
     </p:extLst>
   </p:cSld>

--- a/blockchain/bitcoin.pptx
+++ b/blockchain/bitcoin.pptx
@@ -5,30 +5,33 @@
     <p:sldMasterId id="2147483648" r:id="rId1"/>
   </p:sldMasterIdLst>
   <p:notesMasterIdLst>
-    <p:notesMasterId r:id="rId23"/>
+    <p:notesMasterId r:id="rId26"/>
   </p:notesMasterIdLst>
   <p:sldIdLst>
-    <p:sldId id="256" r:id="rId2"/>
-    <p:sldId id="258" r:id="rId3"/>
-    <p:sldId id="257" r:id="rId4"/>
-    <p:sldId id="259" r:id="rId5"/>
-    <p:sldId id="260" r:id="rId6"/>
-    <p:sldId id="261" r:id="rId7"/>
-    <p:sldId id="263" r:id="rId8"/>
-    <p:sldId id="271" r:id="rId9"/>
-    <p:sldId id="274" r:id="rId10"/>
-    <p:sldId id="275" r:id="rId11"/>
-    <p:sldId id="276" r:id="rId12"/>
-    <p:sldId id="273" r:id="rId13"/>
-    <p:sldId id="264" r:id="rId14"/>
-    <p:sldId id="272" r:id="rId15"/>
-    <p:sldId id="265" r:id="rId16"/>
-    <p:sldId id="266" r:id="rId17"/>
-    <p:sldId id="268" r:id="rId18"/>
-    <p:sldId id="267" r:id="rId19"/>
-    <p:sldId id="270" r:id="rId20"/>
-    <p:sldId id="269" r:id="rId21"/>
-    <p:sldId id="262" r:id="rId22"/>
+    <p:sldId id="279" r:id="rId2"/>
+    <p:sldId id="277" r:id="rId3"/>
+    <p:sldId id="278" r:id="rId4"/>
+    <p:sldId id="256" r:id="rId5"/>
+    <p:sldId id="258" r:id="rId6"/>
+    <p:sldId id="257" r:id="rId7"/>
+    <p:sldId id="259" r:id="rId8"/>
+    <p:sldId id="260" r:id="rId9"/>
+    <p:sldId id="261" r:id="rId10"/>
+    <p:sldId id="263" r:id="rId11"/>
+    <p:sldId id="271" r:id="rId12"/>
+    <p:sldId id="274" r:id="rId13"/>
+    <p:sldId id="275" r:id="rId14"/>
+    <p:sldId id="276" r:id="rId15"/>
+    <p:sldId id="273" r:id="rId16"/>
+    <p:sldId id="264" r:id="rId17"/>
+    <p:sldId id="272" r:id="rId18"/>
+    <p:sldId id="265" r:id="rId19"/>
+    <p:sldId id="266" r:id="rId20"/>
+    <p:sldId id="268" r:id="rId21"/>
+    <p:sldId id="267" r:id="rId22"/>
+    <p:sldId id="270" r:id="rId23"/>
+    <p:sldId id="269" r:id="rId24"/>
+    <p:sldId id="262" r:id="rId25"/>
   </p:sldIdLst>
   <p:sldSz cx="12192000" cy="6858000"/>
   <p:notesSz cx="6858000" cy="9144000"/>
@@ -504,7 +507,7 @@
       </p:grpSpPr>
       <p:sp>
         <p:nvSpPr>
-          <p:cNvPr id="2" name="Slide Image Placeholder 1"/>
+          <p:cNvPr id="2" name="スライド イメージ プレースホルダー 1"/>
           <p:cNvSpPr>
             <a:spLocks noGrp="1" noRot="1" noChangeAspect="1"/>
           </p:cNvSpPr>
@@ -516,7 +519,7 @@
       </p:sp>
       <p:sp>
         <p:nvSpPr>
-          <p:cNvPr id="3" name="Notes Placeholder 2"/>
+          <p:cNvPr id="3" name="ノート プレースホルダー 2"/>
           <p:cNvSpPr>
             <a:spLocks noGrp="1"/>
           </p:cNvSpPr>
@@ -529,13 +532,13 @@
           <a:bodyPr/>
           <a:lstStyle/>
           <a:p>
-            <a:endParaRPr lang="en-JP" dirty="0"/>
-          </a:p>
-        </p:txBody>
-      </p:sp>
-      <p:sp>
-        <p:nvSpPr>
-          <p:cNvPr id="4" name="Slide Number Placeholder 3"/>
+            <a:endParaRPr lang="en-US" dirty="0"/>
+          </a:p>
+        </p:txBody>
+      </p:sp>
+      <p:sp>
+        <p:nvSpPr>
+          <p:cNvPr id="4" name="スライド番号プレースホルダー 3"/>
           <p:cNvSpPr>
             <a:spLocks noGrp="1"/>
           </p:cNvSpPr>
@@ -550,7 +553,91 @@
           <a:p>
             <a:fld id="{5DD538E7-D075-F241-85B9-7A431FD607D4}" type="slidenum">
               <a:rPr lang="en-JP" smtClean="0"/>
-              <a:t>13</a:t>
+              <a:t>7</a:t>
+            </a:fld>
+            <a:endParaRPr lang="en-JP"/>
+          </a:p>
+        </p:txBody>
+      </p:sp>
+    </p:spTree>
+    <p:extLst>
+      <p:ext uri="{BB962C8B-B14F-4D97-AF65-F5344CB8AC3E}">
+        <p14:creationId xmlns:p14="http://schemas.microsoft.com/office/powerpoint/2010/main" val="837255733"/>
+      </p:ext>
+    </p:extLst>
+  </p:cSld>
+  <p:clrMapOvr>
+    <a:masterClrMapping/>
+  </p:clrMapOvr>
+</p:notes>
+</file>
+
+<file path=ppt/notesSlides/notesSlide2.xml><?xml version="1.0" encoding="utf-8"?>
+<p:notes xmlns:a="http://schemas.openxmlformats.org/drawingml/2006/main" xmlns:r="http://schemas.openxmlformats.org/officeDocument/2006/relationships" xmlns:p="http://schemas.openxmlformats.org/presentationml/2006/main">
+  <p:cSld>
+    <p:spTree>
+      <p:nvGrpSpPr>
+        <p:cNvPr id="1" name=""/>
+        <p:cNvGrpSpPr/>
+        <p:nvPr/>
+      </p:nvGrpSpPr>
+      <p:grpSpPr>
+        <a:xfrm>
+          <a:off x="0" y="0"/>
+          <a:ext cx="0" cy="0"/>
+          <a:chOff x="0" y="0"/>
+          <a:chExt cx="0" cy="0"/>
+        </a:xfrm>
+      </p:grpSpPr>
+      <p:sp>
+        <p:nvSpPr>
+          <p:cNvPr id="2" name="Slide Image Placeholder 1"/>
+          <p:cNvSpPr>
+            <a:spLocks noGrp="1" noRot="1" noChangeAspect="1"/>
+          </p:cNvSpPr>
+          <p:nvPr>
+            <p:ph type="sldImg"/>
+          </p:nvPr>
+        </p:nvSpPr>
+        <p:spPr/>
+      </p:sp>
+      <p:sp>
+        <p:nvSpPr>
+          <p:cNvPr id="3" name="Notes Placeholder 2"/>
+          <p:cNvSpPr>
+            <a:spLocks noGrp="1"/>
+          </p:cNvSpPr>
+          <p:nvPr>
+            <p:ph type="body" idx="1"/>
+          </p:nvPr>
+        </p:nvSpPr>
+        <p:spPr/>
+        <p:txBody>
+          <a:bodyPr/>
+          <a:lstStyle/>
+          <a:p>
+            <a:endParaRPr lang="en-JP" dirty="0"/>
+          </a:p>
+        </p:txBody>
+      </p:sp>
+      <p:sp>
+        <p:nvSpPr>
+          <p:cNvPr id="4" name="Slide Number Placeholder 3"/>
+          <p:cNvSpPr>
+            <a:spLocks noGrp="1"/>
+          </p:cNvSpPr>
+          <p:nvPr>
+            <p:ph type="sldNum" sz="quarter" idx="5"/>
+          </p:nvPr>
+        </p:nvSpPr>
+        <p:spPr/>
+        <p:txBody>
+          <a:bodyPr/>
+          <a:lstStyle/>
+          <a:p>
+            <a:fld id="{5DD538E7-D075-F241-85B9-7A431FD607D4}" type="slidenum">
+              <a:rPr lang="en-JP" smtClean="0"/>
+              <a:t>16</a:t>
             </a:fld>
             <a:endParaRPr lang="en-JP"/>
           </a:p>
@@ -3806,10 +3893,10 @@
       </p:grpSpPr>
       <p:sp>
         <p:nvSpPr>
-          <p:cNvPr id="2" name="Title 1">
-            <a:extLst>
-              <a:ext uri="{FF2B5EF4-FFF2-40B4-BE49-F238E27FC236}">
-                <a16:creationId xmlns:a16="http://schemas.microsoft.com/office/drawing/2014/main" id="{4737580F-F3BF-7C0E-709D-AA33A1DE135A}"/>
+          <p:cNvPr id="2" name="タイトル 1">
+            <a:extLst>
+              <a:ext uri="{FF2B5EF4-FFF2-40B4-BE49-F238E27FC236}">
+                <a16:creationId xmlns:a16="http://schemas.microsoft.com/office/drawing/2014/main" id="{9AFE1117-803A-4E8B-AF2C-0D313467A0F7}"/>
               </a:ext>
             </a:extLst>
           </p:cNvPr>
@@ -3826,18 +3913,18 @@
           <a:lstStyle/>
           <a:p>
             <a:r>
-              <a:rPr lang="en-JP" dirty="0"/>
-              <a:t>Theory of Blockchain</a:t>
-            </a:r>
-          </a:p>
-        </p:txBody>
-      </p:sp>
-      <p:sp>
-        <p:nvSpPr>
-          <p:cNvPr id="3" name="Subtitle 2">
-            <a:extLst>
-              <a:ext uri="{FF2B5EF4-FFF2-40B4-BE49-F238E27FC236}">
-                <a16:creationId xmlns:a16="http://schemas.microsoft.com/office/drawing/2014/main" id="{2D56319F-1E1F-722D-A1BF-F141CF00ED9E}"/>
+              <a:rPr lang="en-US" dirty="0"/>
+              <a:t>Lunch meeting</a:t>
+            </a:r>
+          </a:p>
+        </p:txBody>
+      </p:sp>
+      <p:sp>
+        <p:nvSpPr>
+          <p:cNvPr id="3" name="字幕 2">
+            <a:extLst>
+              <a:ext uri="{FF2B5EF4-FFF2-40B4-BE49-F238E27FC236}">
+                <a16:creationId xmlns:a16="http://schemas.microsoft.com/office/drawing/2014/main" id="{DF9775E5-0A80-40FD-BB95-4F3D5787C3A0}"/>
               </a:ext>
             </a:extLst>
           </p:cNvPr>
@@ -3853,14 +3940,33 @@
           <a:bodyPr/>
           <a:lstStyle/>
           <a:p>
-            <a:endParaRPr lang="en-JP"/>
+            <a:r>
+              <a:rPr lang="en-US" dirty="0"/>
+              <a:t>April 27</a:t>
+            </a:r>
+            <a:r>
+              <a:rPr lang="en-US" baseline="30000" dirty="0"/>
+              <a:t>th</a:t>
+            </a:r>
+            <a:endParaRPr lang="en-US" dirty="0"/>
+          </a:p>
+          <a:p>
+            <a:r>
+              <a:rPr lang="en-US" dirty="0"/>
+              <a:t>Keisuke </a:t>
+            </a:r>
+            <a:r>
+              <a:rPr lang="en-US" dirty="0" err="1"/>
+              <a:t>Murota</a:t>
+            </a:r>
+            <a:endParaRPr lang="en-US" dirty="0"/>
           </a:p>
         </p:txBody>
       </p:sp>
     </p:spTree>
     <p:extLst>
       <p:ext uri="{BB962C8B-B14F-4D97-AF65-F5344CB8AC3E}">
-        <p14:creationId xmlns:p14="http://schemas.microsoft.com/office/powerpoint/2010/main" val="1402149663"/>
+        <p14:creationId xmlns:p14="http://schemas.microsoft.com/office/powerpoint/2010/main" val="2103221484"/>
       </p:ext>
     </p:extLst>
   </p:cSld>
@@ -3871,6 +3977,1674 @@
 </file>
 
 <file path=ppt/slides/slide10.xml><?xml version="1.0" encoding="utf-8"?>
+<p:sld xmlns:a="http://schemas.openxmlformats.org/drawingml/2006/main" xmlns:r="http://schemas.openxmlformats.org/officeDocument/2006/relationships" xmlns:p="http://schemas.openxmlformats.org/presentationml/2006/main">
+  <p:cSld>
+    <p:bg>
+      <p:bgPr>
+        <a:solidFill>
+          <a:schemeClr val="bg1"/>
+        </a:solidFill>
+        <a:effectLst/>
+      </p:bgPr>
+    </p:bg>
+    <p:spTree>
+      <p:nvGrpSpPr>
+        <p:cNvPr id="1" name=""/>
+        <p:cNvGrpSpPr/>
+        <p:nvPr/>
+      </p:nvGrpSpPr>
+      <p:grpSpPr>
+        <a:xfrm>
+          <a:off x="0" y="0"/>
+          <a:ext cx="0" cy="0"/>
+          <a:chOff x="0" y="0"/>
+          <a:chExt cx="0" cy="0"/>
+        </a:xfrm>
+      </p:grpSpPr>
+      <p:sp>
+        <p:nvSpPr>
+          <p:cNvPr id="8" name="Rectangle 7">
+            <a:extLst>
+              <a:ext uri="{FF2B5EF4-FFF2-40B4-BE49-F238E27FC236}">
+                <a16:creationId xmlns:a16="http://schemas.microsoft.com/office/drawing/2014/main" id="{2B566528-1B12-4246-9431-5C2D7D081168}"/>
+              </a:ext>
+              <a:ext uri="{C183D7F6-B498-43B3-948B-1728B52AA6E4}">
+                <adec:decorative xmlns:adec="http://schemas.microsoft.com/office/drawing/2017/decorative" val="1"/>
+              </a:ext>
+            </a:extLst>
+          </p:cNvPr>
+          <p:cNvSpPr>
+            <a:spLocks noGrp="1" noRot="1" noChangeAspect="1" noMove="1" noResize="1" noEditPoints="1" noAdjustHandles="1" noChangeArrowheads="1" noChangeShapeType="1" noTextEdit="1"/>
+          </p:cNvSpPr>
+          <p:nvPr>
+            <p:extLst>
+              <p:ext uri="{386F3935-93C4-4BCD-93E2-E3B085C9AB24}">
+                <p16:designElem xmlns:p16="http://schemas.microsoft.com/office/powerpoint/2015/main" val="1"/>
+              </p:ext>
+            </p:extLst>
+          </p:nvPr>
+        </p:nvSpPr>
+        <p:spPr>
+          <a:xfrm>
+            <a:off x="0" y="0"/>
+            <a:ext cx="12192000" cy="6858000"/>
+          </a:xfrm>
+          <a:prstGeom prst="rect">
+            <a:avLst/>
+          </a:prstGeom>
+          <a:solidFill>
+            <a:schemeClr val="bg1"/>
+          </a:solidFill>
+          <a:ln>
+            <a:noFill/>
+          </a:ln>
+        </p:spPr>
+        <p:style>
+          <a:lnRef idx="2">
+            <a:schemeClr val="accent1">
+              <a:shade val="50000"/>
+            </a:schemeClr>
+          </a:lnRef>
+          <a:fillRef idx="1">
+            <a:schemeClr val="accent1"/>
+          </a:fillRef>
+          <a:effectRef idx="0">
+            <a:schemeClr val="accent1"/>
+          </a:effectRef>
+          <a:fontRef idx="minor">
+            <a:schemeClr val="lt1"/>
+          </a:fontRef>
+        </p:style>
+        <p:txBody>
+          <a:bodyPr rtlCol="0" anchor="ctr"/>
+          <a:lstStyle/>
+          <a:p>
+            <a:pPr algn="ctr"/>
+            <a:endParaRPr lang="en-US" dirty="0"/>
+          </a:p>
+        </p:txBody>
+      </p:sp>
+      <p:sp>
+        <p:nvSpPr>
+          <p:cNvPr id="2" name="Title 1">
+            <a:extLst>
+              <a:ext uri="{FF2B5EF4-FFF2-40B4-BE49-F238E27FC236}">
+                <a16:creationId xmlns:a16="http://schemas.microsoft.com/office/drawing/2014/main" id="{107CA472-69A5-F477-F5CB-289056E6EF25}"/>
+              </a:ext>
+            </a:extLst>
+          </p:cNvPr>
+          <p:cNvSpPr>
+            <a:spLocks noGrp="1"/>
+          </p:cNvSpPr>
+          <p:nvPr>
+            <p:ph type="title"/>
+          </p:nvPr>
+        </p:nvSpPr>
+        <p:spPr>
+          <a:xfrm>
+            <a:off x="643467" y="321734"/>
+            <a:ext cx="10905066" cy="1135737"/>
+          </a:xfrm>
+        </p:spPr>
+        <p:txBody>
+          <a:bodyPr>
+            <a:normAutofit/>
+          </a:bodyPr>
+          <a:lstStyle/>
+          <a:p>
+            <a:r>
+              <a:rPr lang="en-JP" sz="3600"/>
+              <a:t>Distribute ledger across Peers</a:t>
+            </a:r>
+          </a:p>
+        </p:txBody>
+      </p:sp>
+      <p:sp>
+        <p:nvSpPr>
+          <p:cNvPr id="3" name="Content Placeholder 2">
+            <a:extLst>
+              <a:ext uri="{FF2B5EF4-FFF2-40B4-BE49-F238E27FC236}">
+                <a16:creationId xmlns:a16="http://schemas.microsoft.com/office/drawing/2014/main" id="{4C5A13F3-FA75-47FE-93CD-542C8E08481A}"/>
+              </a:ext>
+            </a:extLst>
+          </p:cNvPr>
+          <p:cNvSpPr>
+            <a:spLocks noGrp="1"/>
+          </p:cNvSpPr>
+          <p:nvPr>
+            <p:ph idx="1"/>
+          </p:nvPr>
+        </p:nvSpPr>
+        <p:spPr>
+          <a:xfrm>
+            <a:off x="643467" y="1782981"/>
+            <a:ext cx="10905066" cy="4393982"/>
+          </a:xfrm>
+        </p:spPr>
+        <p:txBody>
+          <a:bodyPr>
+            <a:normAutofit/>
+          </a:bodyPr>
+          <a:lstStyle/>
+          <a:p>
+            <a:r>
+              <a:rPr lang="en-JP" sz="2400" dirty="0">
+                <a:latin typeface="Times New Roman" panose="02020603050405020304" pitchFamily="18" charset="0"/>
+                <a:cs typeface="Times New Roman" panose="02020603050405020304" pitchFamily="18" charset="0"/>
+              </a:rPr>
+              <a:t>New node downloads the entire ledger history.</a:t>
+            </a:r>
+          </a:p>
+          <a:p>
+            <a:endParaRPr lang="en-JP" sz="2400" dirty="0">
+              <a:latin typeface="Times New Roman" panose="02020603050405020304" pitchFamily="18" charset="0"/>
+              <a:cs typeface="Times New Roman" panose="02020603050405020304" pitchFamily="18" charset="0"/>
+            </a:endParaRPr>
+          </a:p>
+          <a:p>
+            <a:r>
+              <a:rPr lang="en-JP" sz="2400" dirty="0">
+                <a:latin typeface="Times New Roman" panose="02020603050405020304" pitchFamily="18" charset="0"/>
+                <a:cs typeface="Times New Roman" panose="02020603050405020304" pitchFamily="18" charset="0"/>
+              </a:rPr>
+              <a:t>Satoshi publish a model with blockchain data structure for fully decentralized, permissionless and secure ledger</a:t>
+            </a:r>
+            <a:r>
+              <a:rPr lang="en-US" sz="2400" dirty="0">
+                <a:latin typeface="Times New Roman" panose="02020603050405020304" pitchFamily="18" charset="0"/>
+                <a:cs typeface="Times New Roman" panose="02020603050405020304" pitchFamily="18" charset="0"/>
+              </a:rPr>
+              <a:t>.</a:t>
+            </a:r>
+            <a:endParaRPr lang="en-JP" sz="2400" dirty="0">
+              <a:latin typeface="Times New Roman" panose="02020603050405020304" pitchFamily="18" charset="0"/>
+              <a:cs typeface="Times New Roman" panose="02020603050405020304" pitchFamily="18" charset="0"/>
+            </a:endParaRPr>
+          </a:p>
+          <a:p>
+            <a:endParaRPr lang="en-JP" sz="2400" dirty="0">
+              <a:latin typeface="Times New Roman" panose="02020603050405020304" pitchFamily="18" charset="0"/>
+              <a:cs typeface="Times New Roman" panose="02020603050405020304" pitchFamily="18" charset="0"/>
+            </a:endParaRPr>
+          </a:p>
+          <a:p>
+            <a:r>
+              <a:rPr lang="en-US" sz="2400" dirty="0">
+                <a:latin typeface="Times New Roman" panose="02020603050405020304" pitchFamily="18" charset="0"/>
+                <a:cs typeface="Times New Roman" panose="02020603050405020304" pitchFamily="18" charset="0"/>
+              </a:rPr>
+              <a:t>R</a:t>
+            </a:r>
+            <a:r>
+              <a:rPr lang="en-JP" sz="2400" dirty="0">
+                <a:latin typeface="Times New Roman" panose="02020603050405020304" pitchFamily="18" charset="0"/>
+                <a:cs typeface="Times New Roman" panose="02020603050405020304" pitchFamily="18" charset="0"/>
+              </a:rPr>
+              <a:t>egardless of models, distribution is the best assurance against risks of data loss, and tampering.</a:t>
+            </a:r>
+          </a:p>
+          <a:p>
+            <a:pPr marL="0" indent="0">
+              <a:buNone/>
+            </a:pPr>
+            <a:endParaRPr lang="en-JP" sz="2400" dirty="0">
+              <a:latin typeface="Times New Roman" panose="02020603050405020304" pitchFamily="18" charset="0"/>
+              <a:cs typeface="Times New Roman" panose="02020603050405020304" pitchFamily="18" charset="0"/>
+            </a:endParaRPr>
+          </a:p>
+          <a:p>
+            <a:endParaRPr lang="en-JP" sz="2400" dirty="0">
+              <a:latin typeface="Times New Roman" panose="02020603050405020304" pitchFamily="18" charset="0"/>
+              <a:cs typeface="Times New Roman" panose="02020603050405020304" pitchFamily="18" charset="0"/>
+            </a:endParaRPr>
+          </a:p>
+        </p:txBody>
+      </p:sp>
+      <p:sp>
+        <p:nvSpPr>
+          <p:cNvPr id="10" name="Rectangle 9">
+            <a:extLst>
+              <a:ext uri="{FF2B5EF4-FFF2-40B4-BE49-F238E27FC236}">
+                <a16:creationId xmlns:a16="http://schemas.microsoft.com/office/drawing/2014/main" id="{2E80C965-DB6D-4F81-9E9E-B027384D0BD6}"/>
+              </a:ext>
+              <a:ext uri="{C183D7F6-B498-43B3-948B-1728B52AA6E4}">
+                <adec:decorative xmlns:adec="http://schemas.microsoft.com/office/drawing/2017/decorative" val="1"/>
+              </a:ext>
+            </a:extLst>
+          </p:cNvPr>
+          <p:cNvSpPr>
+            <a:spLocks noGrp="1" noRot="1" noChangeAspect="1" noMove="1" noResize="1" noEditPoints="1" noAdjustHandles="1" noChangeArrowheads="1" noChangeShapeType="1" noTextEdit="1"/>
+          </p:cNvSpPr>
+          <p:nvPr>
+            <p:extLst>
+              <p:ext uri="{386F3935-93C4-4BCD-93E2-E3B085C9AB24}">
+                <p16:designElem xmlns:p16="http://schemas.microsoft.com/office/powerpoint/2015/main" val="1"/>
+              </p:ext>
+            </p:extLst>
+          </p:nvPr>
+        </p:nvSpPr>
+        <p:spPr>
+          <a:xfrm rot="2700000">
+            <a:off x="11052629" y="2120024"/>
+            <a:ext cx="645368" cy="645368"/>
+          </a:xfrm>
+          <a:prstGeom prst="rect">
+            <a:avLst/>
+          </a:prstGeom>
+          <a:solidFill>
+            <a:schemeClr val="accent4">
+              <a:alpha val="30000"/>
+            </a:schemeClr>
+          </a:solidFill>
+          <a:ln>
+            <a:noFill/>
+          </a:ln>
+        </p:spPr>
+        <p:style>
+          <a:lnRef idx="2">
+            <a:schemeClr val="accent1">
+              <a:shade val="50000"/>
+            </a:schemeClr>
+          </a:lnRef>
+          <a:fillRef idx="1">
+            <a:schemeClr val="accent1"/>
+          </a:fillRef>
+          <a:effectRef idx="0">
+            <a:schemeClr val="accent1"/>
+          </a:effectRef>
+          <a:fontRef idx="minor">
+            <a:schemeClr val="lt1"/>
+          </a:fontRef>
+        </p:style>
+        <p:txBody>
+          <a:bodyPr rtlCol="0" anchor="ctr"/>
+          <a:lstStyle/>
+          <a:p>
+            <a:pPr algn="ctr"/>
+            <a:endParaRPr lang="en-US"/>
+          </a:p>
+        </p:txBody>
+      </p:sp>
+      <p:sp>
+        <p:nvSpPr>
+          <p:cNvPr id="12" name="Isosceles Triangle 11">
+            <a:extLst>
+              <a:ext uri="{FF2B5EF4-FFF2-40B4-BE49-F238E27FC236}">
+                <a16:creationId xmlns:a16="http://schemas.microsoft.com/office/drawing/2014/main" id="{A580F890-B085-4E95-96AA-55AEBEC5CE6E}"/>
+              </a:ext>
+              <a:ext uri="{C183D7F6-B498-43B3-948B-1728B52AA6E4}">
+                <adec:decorative xmlns:adec="http://schemas.microsoft.com/office/drawing/2017/decorative" val="1"/>
+              </a:ext>
+            </a:extLst>
+          </p:cNvPr>
+          <p:cNvSpPr>
+            <a:spLocks noGrp="1" noRot="1" noChangeAspect="1" noMove="1" noResize="1" noEditPoints="1" noAdjustHandles="1" noChangeArrowheads="1" noChangeShapeType="1" noTextEdit="1"/>
+          </p:cNvSpPr>
+          <p:nvPr>
+            <p:extLst>
+              <p:ext uri="{386F3935-93C4-4BCD-93E2-E3B085C9AB24}">
+                <p16:designElem xmlns:p16="http://schemas.microsoft.com/office/powerpoint/2015/main" val="1"/>
+              </p:ext>
+            </p:extLst>
+          </p:nvPr>
+        </p:nvSpPr>
+        <p:spPr>
+          <a:xfrm rot="16200000">
+            <a:off x="10289068" y="1343027"/>
+            <a:ext cx="2532832" cy="1273032"/>
+          </a:xfrm>
+          <a:prstGeom prst="triangle">
+            <a:avLst>
+              <a:gd name="adj" fmla="val 50000"/>
+            </a:avLst>
+          </a:prstGeom>
+          <a:solidFill>
+            <a:schemeClr val="accent4">
+              <a:alpha val="30000"/>
+            </a:schemeClr>
+          </a:solidFill>
+          <a:ln>
+            <a:noFill/>
+          </a:ln>
+        </p:spPr>
+        <p:style>
+          <a:lnRef idx="2">
+            <a:schemeClr val="accent1">
+              <a:shade val="50000"/>
+            </a:schemeClr>
+          </a:lnRef>
+          <a:fillRef idx="1">
+            <a:schemeClr val="accent1"/>
+          </a:fillRef>
+          <a:effectRef idx="0">
+            <a:schemeClr val="accent1"/>
+          </a:effectRef>
+          <a:fontRef idx="minor">
+            <a:schemeClr val="lt1"/>
+          </a:fontRef>
+        </p:style>
+        <p:txBody>
+          <a:bodyPr rtlCol="0" anchor="ctr"/>
+          <a:lstStyle/>
+          <a:p>
+            <a:pPr algn="ctr"/>
+            <a:endParaRPr lang="en-US"/>
+          </a:p>
+        </p:txBody>
+      </p:sp>
+      <p:sp>
+        <p:nvSpPr>
+          <p:cNvPr id="14" name="Isosceles Triangle 13">
+            <a:extLst>
+              <a:ext uri="{FF2B5EF4-FFF2-40B4-BE49-F238E27FC236}">
+                <a16:creationId xmlns:a16="http://schemas.microsoft.com/office/drawing/2014/main" id="{D3F51FEB-38FB-4F6C-9F7B-2F2AFAB65463}"/>
+              </a:ext>
+              <a:ext uri="{C183D7F6-B498-43B3-948B-1728B52AA6E4}">
+                <adec:decorative xmlns:adec="http://schemas.microsoft.com/office/drawing/2017/decorative" val="1"/>
+              </a:ext>
+            </a:extLst>
+          </p:cNvPr>
+          <p:cNvSpPr>
+            <a:spLocks noGrp="1" noRot="1" noChangeAspect="1" noMove="1" noResize="1" noEditPoints="1" noAdjustHandles="1" noChangeArrowheads="1" noChangeShapeType="1" noTextEdit="1"/>
+          </p:cNvSpPr>
+          <p:nvPr>
+            <p:extLst>
+              <p:ext uri="{386F3935-93C4-4BCD-93E2-E3B085C9AB24}">
+                <p16:designElem xmlns:p16="http://schemas.microsoft.com/office/powerpoint/2015/main" val="1"/>
+              </p:ext>
+            </p:extLst>
+          </p:nvPr>
+        </p:nvSpPr>
+        <p:spPr>
+          <a:xfrm rot="5400000">
+            <a:off x="-501760" y="5103257"/>
+            <a:ext cx="2017580" cy="1014060"/>
+          </a:xfrm>
+          <a:prstGeom prst="triangle">
+            <a:avLst>
+              <a:gd name="adj" fmla="val 50000"/>
+            </a:avLst>
+          </a:prstGeom>
+          <a:solidFill>
+            <a:schemeClr val="accent1">
+              <a:alpha val="30000"/>
+            </a:schemeClr>
+          </a:solidFill>
+          <a:ln>
+            <a:noFill/>
+          </a:ln>
+        </p:spPr>
+        <p:style>
+          <a:lnRef idx="2">
+            <a:schemeClr val="accent1">
+              <a:shade val="50000"/>
+            </a:schemeClr>
+          </a:lnRef>
+          <a:fillRef idx="1">
+            <a:schemeClr val="accent1"/>
+          </a:fillRef>
+          <a:effectRef idx="0">
+            <a:schemeClr val="accent1"/>
+          </a:effectRef>
+          <a:fontRef idx="minor">
+            <a:schemeClr val="lt1"/>
+          </a:fontRef>
+        </p:style>
+        <p:txBody>
+          <a:bodyPr wrap="square" rtlCol="0" anchor="ctr">
+            <a:noAutofit/>
+          </a:bodyPr>
+          <a:lstStyle/>
+          <a:p>
+            <a:pPr algn="ctr"/>
+            <a:endParaRPr lang="en-US"/>
+          </a:p>
+        </p:txBody>
+      </p:sp>
+      <p:sp>
+        <p:nvSpPr>
+          <p:cNvPr id="16" name="Rectangle 15">
+            <a:extLst>
+              <a:ext uri="{FF2B5EF4-FFF2-40B4-BE49-F238E27FC236}">
+                <a16:creationId xmlns:a16="http://schemas.microsoft.com/office/drawing/2014/main" id="{1E547BA6-BAE0-43BB-A7CA-60F69CE252F0}"/>
+              </a:ext>
+              <a:ext uri="{C183D7F6-B498-43B3-948B-1728B52AA6E4}">
+                <adec:decorative xmlns:adec="http://schemas.microsoft.com/office/drawing/2017/decorative" val="1"/>
+              </a:ext>
+            </a:extLst>
+          </p:cNvPr>
+          <p:cNvSpPr>
+            <a:spLocks noGrp="1" noRot="1" noChangeAspect="1" noMove="1" noResize="1" noEditPoints="1" noAdjustHandles="1" noChangeArrowheads="1" noChangeShapeType="1" noTextEdit="1"/>
+          </p:cNvSpPr>
+          <p:nvPr>
+            <p:extLst>
+              <p:ext uri="{386F3935-93C4-4BCD-93E2-E3B085C9AB24}">
+                <p16:designElem xmlns:p16="http://schemas.microsoft.com/office/powerpoint/2015/main" val="1"/>
+              </p:ext>
+            </p:extLst>
+          </p:nvPr>
+        </p:nvSpPr>
+        <p:spPr>
+          <a:xfrm rot="2700000">
+            <a:off x="427916" y="5728708"/>
+            <a:ext cx="485578" cy="485578"/>
+          </a:xfrm>
+          <a:prstGeom prst="rect">
+            <a:avLst/>
+          </a:prstGeom>
+          <a:solidFill>
+            <a:schemeClr val="accent1">
+              <a:alpha val="30000"/>
+            </a:schemeClr>
+          </a:solidFill>
+          <a:ln>
+            <a:noFill/>
+          </a:ln>
+        </p:spPr>
+        <p:style>
+          <a:lnRef idx="2">
+            <a:schemeClr val="accent1">
+              <a:shade val="50000"/>
+            </a:schemeClr>
+          </a:lnRef>
+          <a:fillRef idx="1">
+            <a:schemeClr val="accent1"/>
+          </a:fillRef>
+          <a:effectRef idx="0">
+            <a:schemeClr val="accent1"/>
+          </a:effectRef>
+          <a:fontRef idx="minor">
+            <a:schemeClr val="lt1"/>
+          </a:fontRef>
+        </p:style>
+        <p:txBody>
+          <a:bodyPr wrap="square" rtlCol="0" anchor="ctr">
+            <a:noAutofit/>
+          </a:bodyPr>
+          <a:lstStyle/>
+          <a:p>
+            <a:pPr algn="ctr"/>
+            <a:endParaRPr lang="en-US"/>
+          </a:p>
+        </p:txBody>
+      </p:sp>
+    </p:spTree>
+    <p:extLst>
+      <p:ext uri="{BB962C8B-B14F-4D97-AF65-F5344CB8AC3E}">
+        <p14:creationId xmlns:p14="http://schemas.microsoft.com/office/powerpoint/2010/main" val="1897338650"/>
+      </p:ext>
+    </p:extLst>
+  </p:cSld>
+  <p:clrMapOvr>
+    <a:masterClrMapping/>
+  </p:clrMapOvr>
+</p:sld>
+</file>
+
+<file path=ppt/slides/slide11.xml><?xml version="1.0" encoding="utf-8"?>
+<p:sld xmlns:a="http://schemas.openxmlformats.org/drawingml/2006/main" xmlns:r="http://schemas.openxmlformats.org/officeDocument/2006/relationships" xmlns:p="http://schemas.openxmlformats.org/presentationml/2006/main">
+  <p:cSld>
+    <p:bg>
+      <p:bgPr>
+        <a:solidFill>
+          <a:schemeClr val="bg1"/>
+        </a:solidFill>
+        <a:effectLst/>
+      </p:bgPr>
+    </p:bg>
+    <p:spTree>
+      <p:nvGrpSpPr>
+        <p:cNvPr id="1" name=""/>
+        <p:cNvGrpSpPr/>
+        <p:nvPr/>
+      </p:nvGrpSpPr>
+      <p:grpSpPr>
+        <a:xfrm>
+          <a:off x="0" y="0"/>
+          <a:ext cx="0" cy="0"/>
+          <a:chOff x="0" y="0"/>
+          <a:chExt cx="0" cy="0"/>
+        </a:xfrm>
+      </p:grpSpPr>
+      <p:sp>
+        <p:nvSpPr>
+          <p:cNvPr id="10" name="Rectangle 9">
+            <a:extLst>
+              <a:ext uri="{FF2B5EF4-FFF2-40B4-BE49-F238E27FC236}">
+                <a16:creationId xmlns:a16="http://schemas.microsoft.com/office/drawing/2014/main" id="{2B566528-1B12-4246-9431-5C2D7D081168}"/>
+              </a:ext>
+              <a:ext uri="{C183D7F6-B498-43B3-948B-1728B52AA6E4}">
+                <adec:decorative xmlns:adec="http://schemas.microsoft.com/office/drawing/2017/decorative" val="1"/>
+              </a:ext>
+            </a:extLst>
+          </p:cNvPr>
+          <p:cNvSpPr>
+            <a:spLocks noGrp="1" noRot="1" noChangeAspect="1" noMove="1" noResize="1" noEditPoints="1" noAdjustHandles="1" noChangeArrowheads="1" noChangeShapeType="1" noTextEdit="1"/>
+          </p:cNvSpPr>
+          <p:nvPr>
+            <p:extLst>
+              <p:ext uri="{386F3935-93C4-4BCD-93E2-E3B085C9AB24}">
+                <p16:designElem xmlns:p16="http://schemas.microsoft.com/office/powerpoint/2015/main" val="1"/>
+              </p:ext>
+            </p:extLst>
+          </p:nvPr>
+        </p:nvSpPr>
+        <p:spPr>
+          <a:xfrm>
+            <a:off x="0" y="0"/>
+            <a:ext cx="12192000" cy="6858000"/>
+          </a:xfrm>
+          <a:prstGeom prst="rect">
+            <a:avLst/>
+          </a:prstGeom>
+          <a:solidFill>
+            <a:schemeClr val="bg1"/>
+          </a:solidFill>
+          <a:ln>
+            <a:noFill/>
+          </a:ln>
+        </p:spPr>
+        <p:style>
+          <a:lnRef idx="2">
+            <a:schemeClr val="accent1">
+              <a:shade val="50000"/>
+            </a:schemeClr>
+          </a:lnRef>
+          <a:fillRef idx="1">
+            <a:schemeClr val="accent1"/>
+          </a:fillRef>
+          <a:effectRef idx="0">
+            <a:schemeClr val="accent1"/>
+          </a:effectRef>
+          <a:fontRef idx="minor">
+            <a:schemeClr val="lt1"/>
+          </a:fontRef>
+        </p:style>
+        <p:txBody>
+          <a:bodyPr rtlCol="0" anchor="ctr"/>
+          <a:lstStyle/>
+          <a:p>
+            <a:pPr algn="ctr"/>
+            <a:endParaRPr lang="en-US" dirty="0"/>
+          </a:p>
+        </p:txBody>
+      </p:sp>
+      <p:sp>
+        <p:nvSpPr>
+          <p:cNvPr id="2" name="タイトル 1">
+            <a:extLst>
+              <a:ext uri="{FF2B5EF4-FFF2-40B4-BE49-F238E27FC236}">
+                <a16:creationId xmlns:a16="http://schemas.microsoft.com/office/drawing/2014/main" id="{ECA8F139-642C-4E39-90DF-FB113B605F35}"/>
+              </a:ext>
+            </a:extLst>
+          </p:cNvPr>
+          <p:cNvSpPr>
+            <a:spLocks noGrp="1"/>
+          </p:cNvSpPr>
+          <p:nvPr>
+            <p:ph type="title"/>
+          </p:nvPr>
+        </p:nvSpPr>
+        <p:spPr>
+          <a:xfrm>
+            <a:off x="643467" y="321734"/>
+            <a:ext cx="4970877" cy="1135737"/>
+          </a:xfrm>
+        </p:spPr>
+        <p:txBody>
+          <a:bodyPr>
+            <a:normAutofit/>
+          </a:bodyPr>
+          <a:lstStyle/>
+          <a:p>
+            <a:r>
+              <a:rPr lang="en-US" sz="3600">
+                <a:latin typeface="Times New Roman" panose="02020603050405020304" pitchFamily="18" charset="0"/>
+                <a:cs typeface="Times New Roman" panose="02020603050405020304" pitchFamily="18" charset="0"/>
+              </a:rPr>
+              <a:t>Definition of the coin</a:t>
+            </a:r>
+          </a:p>
+        </p:txBody>
+      </p:sp>
+      <p:sp>
+        <p:nvSpPr>
+          <p:cNvPr id="3" name="コンテンツ プレースホルダー 2">
+            <a:extLst>
+              <a:ext uri="{FF2B5EF4-FFF2-40B4-BE49-F238E27FC236}">
+                <a16:creationId xmlns:a16="http://schemas.microsoft.com/office/drawing/2014/main" id="{7890FC9B-01F8-4C6E-AD6D-15D5757F8127}"/>
+              </a:ext>
+            </a:extLst>
+          </p:cNvPr>
+          <p:cNvSpPr>
+            <a:spLocks noGrp="1"/>
+          </p:cNvSpPr>
+          <p:nvPr>
+            <p:ph idx="1"/>
+          </p:nvPr>
+        </p:nvSpPr>
+        <p:spPr>
+          <a:xfrm>
+            <a:off x="643468" y="1782981"/>
+            <a:ext cx="5766385" cy="4393982"/>
+          </a:xfrm>
+        </p:spPr>
+        <p:txBody>
+          <a:bodyPr>
+            <a:normAutofit/>
+          </a:bodyPr>
+          <a:lstStyle/>
+          <a:p>
+            <a:r>
+              <a:rPr lang="en-US" sz="2400" b="0" i="0" dirty="0">
+                <a:effectLst/>
+                <a:latin typeface="Times New Roman" panose="02020603050405020304" pitchFamily="18" charset="0"/>
+                <a:cs typeface="Times New Roman" panose="02020603050405020304" pitchFamily="18" charset="0"/>
+              </a:rPr>
+              <a:t>Satoshi</a:t>
+            </a:r>
+            <a:r>
+              <a:rPr lang="en-US" sz="2400" dirty="0">
+                <a:latin typeface="Times New Roman" panose="02020603050405020304" pitchFamily="18" charset="0"/>
+                <a:cs typeface="Times New Roman" panose="02020603050405020304" pitchFamily="18" charset="0"/>
+              </a:rPr>
+              <a:t> define an electronic coin as a chain of transaction (digital signature).</a:t>
+            </a:r>
+          </a:p>
+          <a:p>
+            <a:endParaRPr lang="en-US" sz="2400" dirty="0">
+              <a:latin typeface="Times New Roman" panose="02020603050405020304" pitchFamily="18" charset="0"/>
+              <a:cs typeface="Times New Roman" panose="02020603050405020304" pitchFamily="18" charset="0"/>
+            </a:endParaRPr>
+          </a:p>
+          <a:p>
+            <a:r>
+              <a:rPr lang="en-US" sz="2400" dirty="0">
+                <a:latin typeface="Times New Roman" panose="02020603050405020304" pitchFamily="18" charset="0"/>
+                <a:cs typeface="Times New Roman" panose="02020603050405020304" pitchFamily="18" charset="0"/>
+              </a:rPr>
+              <a:t>Each transaction is managed by TXID</a:t>
+            </a:r>
+          </a:p>
+          <a:p>
+            <a:pPr marL="0" indent="0">
+              <a:buNone/>
+            </a:pPr>
+            <a:endParaRPr lang="en-US" sz="2400" dirty="0">
+              <a:latin typeface="Times New Roman" panose="02020603050405020304" pitchFamily="18" charset="0"/>
+              <a:cs typeface="Times New Roman" panose="02020603050405020304" pitchFamily="18" charset="0"/>
+            </a:endParaRPr>
+          </a:p>
+          <a:p>
+            <a:r>
+              <a:rPr lang="en-US" sz="2400" dirty="0">
+                <a:latin typeface="Times New Roman" panose="02020603050405020304" pitchFamily="18" charset="0"/>
+                <a:cs typeface="Times New Roman" panose="02020603050405020304" pitchFamily="18" charset="0"/>
+              </a:rPr>
+              <a:t>Let’s try to send 0.0001 BTC from Alice to Bob</a:t>
+            </a:r>
+          </a:p>
+          <a:p>
+            <a:endParaRPr lang="en-US" sz="2400" dirty="0">
+              <a:latin typeface="Times New Roman" panose="02020603050405020304" pitchFamily="18" charset="0"/>
+              <a:cs typeface="Times New Roman" panose="02020603050405020304" pitchFamily="18" charset="0"/>
+            </a:endParaRPr>
+          </a:p>
+        </p:txBody>
+      </p:sp>
+      <p:sp>
+        <p:nvSpPr>
+          <p:cNvPr id="12" name="Isosceles Triangle 11">
+            <a:extLst>
+              <a:ext uri="{FF2B5EF4-FFF2-40B4-BE49-F238E27FC236}">
+                <a16:creationId xmlns:a16="http://schemas.microsoft.com/office/drawing/2014/main" id="{D3F51FEB-38FB-4F6C-9F7B-2F2AFAB65463}"/>
+              </a:ext>
+              <a:ext uri="{C183D7F6-B498-43B3-948B-1728B52AA6E4}">
+                <adec:decorative xmlns:adec="http://schemas.microsoft.com/office/drawing/2017/decorative" val="1"/>
+              </a:ext>
+            </a:extLst>
+          </p:cNvPr>
+          <p:cNvSpPr>
+            <a:spLocks noGrp="1" noRot="1" noChangeAspect="1" noMove="1" noResize="1" noEditPoints="1" noAdjustHandles="1" noChangeArrowheads="1" noChangeShapeType="1" noTextEdit="1"/>
+          </p:cNvSpPr>
+          <p:nvPr>
+            <p:extLst>
+              <p:ext uri="{386F3935-93C4-4BCD-93E2-E3B085C9AB24}">
+                <p16:designElem xmlns:p16="http://schemas.microsoft.com/office/powerpoint/2015/main" val="1"/>
+              </p:ext>
+            </p:extLst>
+          </p:nvPr>
+        </p:nvSpPr>
+        <p:spPr>
+          <a:xfrm rot="5400000">
+            <a:off x="-501760" y="5103257"/>
+            <a:ext cx="2017580" cy="1014060"/>
+          </a:xfrm>
+          <a:prstGeom prst="triangle">
+            <a:avLst>
+              <a:gd name="adj" fmla="val 50000"/>
+            </a:avLst>
+          </a:prstGeom>
+          <a:solidFill>
+            <a:schemeClr val="accent1">
+              <a:alpha val="30000"/>
+            </a:schemeClr>
+          </a:solidFill>
+          <a:ln>
+            <a:noFill/>
+          </a:ln>
+        </p:spPr>
+        <p:style>
+          <a:lnRef idx="2">
+            <a:schemeClr val="accent1">
+              <a:shade val="50000"/>
+            </a:schemeClr>
+          </a:lnRef>
+          <a:fillRef idx="1">
+            <a:schemeClr val="accent1"/>
+          </a:fillRef>
+          <a:effectRef idx="0">
+            <a:schemeClr val="accent1"/>
+          </a:effectRef>
+          <a:fontRef idx="minor">
+            <a:schemeClr val="lt1"/>
+          </a:fontRef>
+        </p:style>
+        <p:txBody>
+          <a:bodyPr rtlCol="0" anchor="ctr"/>
+          <a:lstStyle/>
+          <a:p>
+            <a:pPr algn="ctr"/>
+            <a:endParaRPr lang="en-US"/>
+          </a:p>
+        </p:txBody>
+      </p:sp>
+      <p:sp>
+        <p:nvSpPr>
+          <p:cNvPr id="14" name="Rectangle 13">
+            <a:extLst>
+              <a:ext uri="{FF2B5EF4-FFF2-40B4-BE49-F238E27FC236}">
+                <a16:creationId xmlns:a16="http://schemas.microsoft.com/office/drawing/2014/main" id="{1E547BA6-BAE0-43BB-A7CA-60F69CE252F0}"/>
+              </a:ext>
+              <a:ext uri="{C183D7F6-B498-43B3-948B-1728B52AA6E4}">
+                <adec:decorative xmlns:adec="http://schemas.microsoft.com/office/drawing/2017/decorative" val="1"/>
+              </a:ext>
+            </a:extLst>
+          </p:cNvPr>
+          <p:cNvSpPr>
+            <a:spLocks noGrp="1" noRot="1" noChangeAspect="1" noMove="1" noResize="1" noEditPoints="1" noAdjustHandles="1" noChangeArrowheads="1" noChangeShapeType="1" noTextEdit="1"/>
+          </p:cNvSpPr>
+          <p:nvPr>
+            <p:extLst>
+              <p:ext uri="{386F3935-93C4-4BCD-93E2-E3B085C9AB24}">
+                <p16:designElem xmlns:p16="http://schemas.microsoft.com/office/powerpoint/2015/main" val="1"/>
+              </p:ext>
+            </p:extLst>
+          </p:nvPr>
+        </p:nvSpPr>
+        <p:spPr>
+          <a:xfrm rot="2700000">
+            <a:off x="427916" y="5728708"/>
+            <a:ext cx="485578" cy="485578"/>
+          </a:xfrm>
+          <a:prstGeom prst="rect">
+            <a:avLst/>
+          </a:prstGeom>
+          <a:solidFill>
+            <a:schemeClr val="accent1">
+              <a:alpha val="30000"/>
+            </a:schemeClr>
+          </a:solidFill>
+          <a:ln>
+            <a:noFill/>
+          </a:ln>
+        </p:spPr>
+        <p:style>
+          <a:lnRef idx="2">
+            <a:schemeClr val="accent1">
+              <a:shade val="50000"/>
+            </a:schemeClr>
+          </a:lnRef>
+          <a:fillRef idx="1">
+            <a:schemeClr val="accent1"/>
+          </a:fillRef>
+          <a:effectRef idx="0">
+            <a:schemeClr val="accent1"/>
+          </a:effectRef>
+          <a:fontRef idx="minor">
+            <a:schemeClr val="lt1"/>
+          </a:fontRef>
+        </p:style>
+        <p:txBody>
+          <a:bodyPr rtlCol="0" anchor="ctr"/>
+          <a:lstStyle/>
+          <a:p>
+            <a:pPr algn="ctr"/>
+            <a:endParaRPr lang="en-US"/>
+          </a:p>
+        </p:txBody>
+      </p:sp>
+      <p:grpSp>
+        <p:nvGrpSpPr>
+          <p:cNvPr id="16" name="Group 15">
+            <a:extLst>
+              <a:ext uri="{FF2B5EF4-FFF2-40B4-BE49-F238E27FC236}">
+                <a16:creationId xmlns:a16="http://schemas.microsoft.com/office/drawing/2014/main" id="{15CBE6EC-46EF-45D9-8E16-DCDC5917CA31}"/>
+              </a:ext>
+              <a:ext uri="{C183D7F6-B498-43B3-948B-1728B52AA6E4}">
+                <adec:decorative xmlns:adec="http://schemas.microsoft.com/office/drawing/2017/decorative" val="1"/>
+              </a:ext>
+            </a:extLst>
+          </p:cNvPr>
+          <p:cNvGrpSpPr>
+            <a:grpSpLocks noGrp="1" noUngrp="1" noRot="1" noChangeAspect="1" noMove="1" noResize="1"/>
+          </p:cNvGrpSpPr>
+          <p:nvPr>
+            <p:extLst>
+              <p:ext uri="{386F3935-93C4-4BCD-93E2-E3B085C9AB24}">
+                <p16:designElem xmlns:p16="http://schemas.microsoft.com/office/powerpoint/2015/main" val="1"/>
+              </p:ext>
+            </p:extLst>
+          </p:nvPr>
+        </p:nvGrpSpPr>
+        <p:grpSpPr>
+          <a:xfrm>
+            <a:off x="11094720" y="0"/>
+            <a:ext cx="1097280" cy="1097280"/>
+            <a:chOff x="11094720" y="0"/>
+            <a:chExt cx="1097280" cy="1097280"/>
+          </a:xfrm>
+        </p:grpSpPr>
+        <p:sp>
+          <p:nvSpPr>
+            <p:cNvPr id="17" name="Isosceles Triangle 16">
+              <a:extLst>
+                <a:ext uri="{FF2B5EF4-FFF2-40B4-BE49-F238E27FC236}">
+                  <a16:creationId xmlns:a16="http://schemas.microsoft.com/office/drawing/2014/main" id="{DEEDCD65-9740-4F34-BDF1-9C068E0532C0}"/>
+                </a:ext>
+                <a:ext uri="{C183D7F6-B498-43B3-948B-1728B52AA6E4}">
+                  <adec:decorative xmlns:adec="http://schemas.microsoft.com/office/drawing/2017/decorative" val="1"/>
+                </a:ext>
+              </a:extLst>
+            </p:cNvPr>
+            <p:cNvSpPr/>
+            <p:nvPr>
+              <p:extLst>
+                <p:ext uri="{386F3935-93C4-4BCD-93E2-E3B085C9AB24}">
+                  <p16:designElem xmlns:p16="http://schemas.microsoft.com/office/powerpoint/2015/main" val="1"/>
+                </p:ext>
+              </p:extLst>
+            </p:nvPr>
+          </p:nvSpPr>
+          <p:spPr>
+            <a:xfrm rot="16200000">
+              <a:off x="11094720" y="0"/>
+              <a:ext cx="1097280" cy="1097280"/>
+            </a:xfrm>
+            <a:prstGeom prst="triangle">
+              <a:avLst>
+                <a:gd name="adj" fmla="val 100000"/>
+              </a:avLst>
+            </a:prstGeom>
+            <a:solidFill>
+              <a:schemeClr val="accent4">
+                <a:alpha val="30000"/>
+              </a:schemeClr>
+            </a:solidFill>
+            <a:ln>
+              <a:noFill/>
+            </a:ln>
+          </p:spPr>
+          <p:style>
+            <a:lnRef idx="2">
+              <a:schemeClr val="accent1">
+                <a:shade val="50000"/>
+              </a:schemeClr>
+            </a:lnRef>
+            <a:fillRef idx="1">
+              <a:schemeClr val="accent1"/>
+            </a:fillRef>
+            <a:effectRef idx="0">
+              <a:schemeClr val="accent1"/>
+            </a:effectRef>
+            <a:fontRef idx="minor">
+              <a:schemeClr val="lt1"/>
+            </a:fontRef>
+          </p:style>
+          <p:txBody>
+            <a:bodyPr rtlCol="0" anchor="ctr"/>
+            <a:lstStyle/>
+            <a:p>
+              <a:pPr algn="ctr"/>
+              <a:endParaRPr lang="en-US" dirty="0"/>
+            </a:p>
+          </p:txBody>
+        </p:sp>
+        <p:sp>
+          <p:nvSpPr>
+            <p:cNvPr id="18" name="Rectangle 17">
+              <a:extLst>
+                <a:ext uri="{FF2B5EF4-FFF2-40B4-BE49-F238E27FC236}">
+                  <a16:creationId xmlns:a16="http://schemas.microsoft.com/office/drawing/2014/main" id="{4B3DA7FD-5CC0-46D1-9DFB-5BAF6BE249C8}"/>
+                </a:ext>
+                <a:ext uri="{C183D7F6-B498-43B3-948B-1728B52AA6E4}">
+                  <adec:decorative xmlns:adec="http://schemas.microsoft.com/office/drawing/2017/decorative" val="1"/>
+                </a:ext>
+              </a:extLst>
+            </p:cNvPr>
+            <p:cNvSpPr/>
+            <p:nvPr>
+              <p:extLst>
+                <p:ext uri="{386F3935-93C4-4BCD-93E2-E3B085C9AB24}">
+                  <p16:designElem xmlns:p16="http://schemas.microsoft.com/office/powerpoint/2015/main" val="1"/>
+                </p:ext>
+              </p:extLst>
+            </p:nvPr>
+          </p:nvSpPr>
+          <p:spPr>
+            <a:xfrm rot="2700000">
+              <a:off x="11189552" y="127618"/>
+              <a:ext cx="457894" cy="457894"/>
+            </a:xfrm>
+            <a:prstGeom prst="rect">
+              <a:avLst/>
+            </a:prstGeom>
+            <a:solidFill>
+              <a:schemeClr val="accent4">
+                <a:alpha val="30000"/>
+              </a:schemeClr>
+            </a:solidFill>
+            <a:ln>
+              <a:noFill/>
+            </a:ln>
+          </p:spPr>
+          <p:style>
+            <a:lnRef idx="2">
+              <a:schemeClr val="accent1">
+                <a:shade val="50000"/>
+              </a:schemeClr>
+            </a:lnRef>
+            <a:fillRef idx="1">
+              <a:schemeClr val="accent1"/>
+            </a:fillRef>
+            <a:effectRef idx="0">
+              <a:schemeClr val="accent1"/>
+            </a:effectRef>
+            <a:fontRef idx="minor">
+              <a:schemeClr val="lt1"/>
+            </a:fontRef>
+          </p:style>
+          <p:txBody>
+            <a:bodyPr rtlCol="0" anchor="ctr"/>
+            <a:lstStyle/>
+            <a:p>
+              <a:pPr algn="ctr"/>
+              <a:endParaRPr lang="en-US"/>
+            </a:p>
+          </p:txBody>
+        </p:sp>
+      </p:grpSp>
+      <p:pic>
+        <p:nvPicPr>
+          <p:cNvPr id="6" name="図 5">
+            <a:extLst>
+              <a:ext uri="{FF2B5EF4-FFF2-40B4-BE49-F238E27FC236}">
+                <a16:creationId xmlns:a16="http://schemas.microsoft.com/office/drawing/2014/main" id="{E2039EA7-B7FC-4618-B6EA-FBF17E06D271}"/>
+              </a:ext>
+            </a:extLst>
+          </p:cNvPr>
+          <p:cNvPicPr>
+            <a:picLocks noChangeAspect="1"/>
+          </p:cNvPicPr>
+          <p:nvPr/>
+        </p:nvPicPr>
+        <p:blipFill>
+          <a:blip r:embed="rId2"/>
+          <a:stretch>
+            <a:fillRect/>
+          </a:stretch>
+        </p:blipFill>
+        <p:spPr>
+          <a:xfrm>
+            <a:off x="6544083" y="1827050"/>
+            <a:ext cx="5595794" cy="3079516"/>
+          </a:xfrm>
+          <a:prstGeom prst="rect">
+            <a:avLst/>
+          </a:prstGeom>
+        </p:spPr>
+      </p:pic>
+    </p:spTree>
+    <p:extLst>
+      <p:ext uri="{BB962C8B-B14F-4D97-AF65-F5344CB8AC3E}">
+        <p14:creationId xmlns:p14="http://schemas.microsoft.com/office/powerpoint/2010/main" val="3060171733"/>
+      </p:ext>
+    </p:extLst>
+  </p:cSld>
+  <p:clrMapOvr>
+    <a:masterClrMapping/>
+  </p:clrMapOvr>
+</p:sld>
+</file>
+
+<file path=ppt/slides/slide12.xml><?xml version="1.0" encoding="utf-8"?>
+<p:sld xmlns:a="http://schemas.openxmlformats.org/drawingml/2006/main" xmlns:r="http://schemas.openxmlformats.org/officeDocument/2006/relationships" xmlns:p="http://schemas.openxmlformats.org/presentationml/2006/main">
+  <p:cSld>
+    <p:bg>
+      <p:bgPr>
+        <a:solidFill>
+          <a:schemeClr val="bg1"/>
+        </a:solidFill>
+        <a:effectLst/>
+      </p:bgPr>
+    </p:bg>
+    <p:spTree>
+      <p:nvGrpSpPr>
+        <p:cNvPr id="1" name=""/>
+        <p:cNvGrpSpPr/>
+        <p:nvPr/>
+      </p:nvGrpSpPr>
+      <p:grpSpPr>
+        <a:xfrm>
+          <a:off x="0" y="0"/>
+          <a:ext cx="0" cy="0"/>
+          <a:chOff x="0" y="0"/>
+          <a:chExt cx="0" cy="0"/>
+        </a:xfrm>
+      </p:grpSpPr>
+      <p:sp>
+        <p:nvSpPr>
+          <p:cNvPr id="8" name="Rectangle 7">
+            <a:extLst>
+              <a:ext uri="{FF2B5EF4-FFF2-40B4-BE49-F238E27FC236}">
+                <a16:creationId xmlns:a16="http://schemas.microsoft.com/office/drawing/2014/main" id="{2B566528-1B12-4246-9431-5C2D7D081168}"/>
+              </a:ext>
+              <a:ext uri="{C183D7F6-B498-43B3-948B-1728B52AA6E4}">
+                <adec:decorative xmlns:adec="http://schemas.microsoft.com/office/drawing/2017/decorative" val="1"/>
+              </a:ext>
+            </a:extLst>
+          </p:cNvPr>
+          <p:cNvSpPr>
+            <a:spLocks noGrp="1" noRot="1" noChangeAspect="1" noMove="1" noResize="1" noEditPoints="1" noAdjustHandles="1" noChangeArrowheads="1" noChangeShapeType="1" noTextEdit="1"/>
+          </p:cNvSpPr>
+          <p:nvPr>
+            <p:extLst>
+              <p:ext uri="{386F3935-93C4-4BCD-93E2-E3B085C9AB24}">
+                <p16:designElem xmlns:p16="http://schemas.microsoft.com/office/powerpoint/2015/main" val="1"/>
+              </p:ext>
+            </p:extLst>
+          </p:nvPr>
+        </p:nvSpPr>
+        <p:spPr>
+          <a:xfrm>
+            <a:off x="0" y="0"/>
+            <a:ext cx="12192000" cy="6858000"/>
+          </a:xfrm>
+          <a:prstGeom prst="rect">
+            <a:avLst/>
+          </a:prstGeom>
+          <a:solidFill>
+            <a:schemeClr val="bg1"/>
+          </a:solidFill>
+          <a:ln>
+            <a:noFill/>
+          </a:ln>
+        </p:spPr>
+        <p:style>
+          <a:lnRef idx="2">
+            <a:schemeClr val="accent1">
+              <a:shade val="50000"/>
+            </a:schemeClr>
+          </a:lnRef>
+          <a:fillRef idx="1">
+            <a:schemeClr val="accent1"/>
+          </a:fillRef>
+          <a:effectRef idx="0">
+            <a:schemeClr val="accent1"/>
+          </a:effectRef>
+          <a:fontRef idx="minor">
+            <a:schemeClr val="lt1"/>
+          </a:fontRef>
+        </p:style>
+        <p:txBody>
+          <a:bodyPr rtlCol="0" anchor="ctr"/>
+          <a:lstStyle/>
+          <a:p>
+            <a:pPr algn="ctr"/>
+            <a:endParaRPr lang="en-US" dirty="0"/>
+          </a:p>
+        </p:txBody>
+      </p:sp>
+      <p:sp>
+        <p:nvSpPr>
+          <p:cNvPr id="2" name="タイトル 1">
+            <a:extLst>
+              <a:ext uri="{FF2B5EF4-FFF2-40B4-BE49-F238E27FC236}">
+                <a16:creationId xmlns:a16="http://schemas.microsoft.com/office/drawing/2014/main" id="{35E11EE5-997F-4E4D-B5EF-09CECD3ED249}"/>
+              </a:ext>
+            </a:extLst>
+          </p:cNvPr>
+          <p:cNvSpPr>
+            <a:spLocks noGrp="1"/>
+          </p:cNvSpPr>
+          <p:nvPr>
+            <p:ph type="title"/>
+          </p:nvPr>
+        </p:nvSpPr>
+        <p:spPr>
+          <a:xfrm>
+            <a:off x="643467" y="321734"/>
+            <a:ext cx="10905066" cy="1135737"/>
+          </a:xfrm>
+        </p:spPr>
+        <p:txBody>
+          <a:bodyPr>
+            <a:normAutofit/>
+          </a:bodyPr>
+          <a:lstStyle/>
+          <a:p>
+            <a:r>
+              <a:rPr lang="en-US" sz="3600" dirty="0"/>
+              <a:t>Transaction</a:t>
+            </a:r>
+          </a:p>
+        </p:txBody>
+      </p:sp>
+      <p:sp>
+        <p:nvSpPr>
+          <p:cNvPr id="3" name="コンテンツ プレースホルダー 2">
+            <a:extLst>
+              <a:ext uri="{FF2B5EF4-FFF2-40B4-BE49-F238E27FC236}">
+                <a16:creationId xmlns:a16="http://schemas.microsoft.com/office/drawing/2014/main" id="{EE552AF7-CC38-479C-BEED-E34E7AC7994B}"/>
+              </a:ext>
+            </a:extLst>
+          </p:cNvPr>
+          <p:cNvSpPr>
+            <a:spLocks noGrp="1"/>
+          </p:cNvSpPr>
+          <p:nvPr>
+            <p:ph idx="1"/>
+          </p:nvPr>
+        </p:nvSpPr>
+        <p:spPr>
+          <a:xfrm>
+            <a:off x="507030" y="1070786"/>
+            <a:ext cx="10905066" cy="4393982"/>
+          </a:xfrm>
+        </p:spPr>
+        <p:txBody>
+          <a:bodyPr>
+            <a:noAutofit/>
+          </a:bodyPr>
+          <a:lstStyle/>
+          <a:p>
+            <a:pPr marL="0" indent="0">
+              <a:buNone/>
+            </a:pPr>
+            <a:endParaRPr lang="en-US" sz="2400" dirty="0">
+              <a:latin typeface="Times New Roman" panose="02020603050405020304" pitchFamily="18" charset="0"/>
+              <a:cs typeface="Times New Roman" panose="02020603050405020304" pitchFamily="18" charset="0"/>
+            </a:endParaRPr>
+          </a:p>
+          <a:p>
+            <a:r>
+              <a:rPr lang="en-US" sz="2400" dirty="0">
+                <a:latin typeface="Times New Roman" panose="02020603050405020304" pitchFamily="18" charset="0"/>
+                <a:cs typeface="Times New Roman" panose="02020603050405020304" pitchFamily="18" charset="0"/>
+              </a:rPr>
+              <a:t>Each user has unique public &amp; private key pairs.</a:t>
+            </a:r>
+          </a:p>
+          <a:p>
+            <a:r>
+              <a:rPr lang="en-US" sz="2400" dirty="0">
+                <a:latin typeface="Times New Roman" panose="02020603050405020304" pitchFamily="18" charset="0"/>
+                <a:cs typeface="Times New Roman" panose="02020603050405020304" pitchFamily="18" charset="0"/>
+              </a:rPr>
+              <a:t>Users ID are public key.</a:t>
+            </a:r>
+          </a:p>
+          <a:p>
+            <a:r>
+              <a:rPr lang="en-US" sz="2400" dirty="0">
+                <a:latin typeface="Times New Roman" panose="02020603050405020304" pitchFamily="18" charset="0"/>
+                <a:cs typeface="Times New Roman" panose="02020603050405020304" pitchFamily="18" charset="0"/>
+              </a:rPr>
+              <a:t>In the naïve bitcoin model, a bitcoin is sent from Alice’s public key to Bob’s public key.</a:t>
+            </a:r>
+          </a:p>
+          <a:p>
+            <a:r>
+              <a:rPr lang="en-US" sz="2400" dirty="0">
+                <a:latin typeface="Times New Roman" panose="02020603050405020304" pitchFamily="18" charset="0"/>
+                <a:cs typeface="Times New Roman" panose="02020603050405020304" pitchFamily="18" charset="0"/>
+              </a:rPr>
+              <a:t>When making transaction we need to create </a:t>
+            </a:r>
+            <a:r>
+              <a:rPr lang="en-US" sz="2400" dirty="0" err="1">
+                <a:latin typeface="Times New Roman" panose="02020603050405020304" pitchFamily="18" charset="0"/>
+                <a:cs typeface="Times New Roman" panose="02020603050405020304" pitchFamily="18" charset="0"/>
+              </a:rPr>
+              <a:t>json</a:t>
+            </a:r>
+            <a:r>
+              <a:rPr lang="en-US" sz="2400" dirty="0">
+                <a:latin typeface="Times New Roman" panose="02020603050405020304" pitchFamily="18" charset="0"/>
+                <a:cs typeface="Times New Roman" panose="02020603050405020304" pitchFamily="18" charset="0"/>
+              </a:rPr>
+              <a:t> file that contains</a:t>
+            </a:r>
+          </a:p>
+          <a:p>
+            <a:pPr lvl="1"/>
+            <a:r>
+              <a:rPr lang="en-US" dirty="0">
+                <a:latin typeface="Times New Roman" panose="02020603050405020304" pitchFamily="18" charset="0"/>
+                <a:cs typeface="Times New Roman" panose="02020603050405020304" pitchFamily="18" charset="0"/>
+              </a:rPr>
+              <a:t>Input TXID’s </a:t>
+            </a:r>
+          </a:p>
+          <a:p>
+            <a:pPr lvl="1"/>
+            <a:r>
+              <a:rPr lang="en-US" dirty="0">
+                <a:latin typeface="Times New Roman" panose="02020603050405020304" pitchFamily="18" charset="0"/>
+                <a:cs typeface="Times New Roman" panose="02020603050405020304" pitchFamily="18" charset="0"/>
+              </a:rPr>
+              <a:t>Output amount </a:t>
+            </a:r>
+          </a:p>
+          <a:p>
+            <a:pPr lvl="1"/>
+            <a:r>
+              <a:rPr lang="en-US" dirty="0">
+                <a:latin typeface="Times New Roman" panose="02020603050405020304" pitchFamily="18" charset="0"/>
+                <a:cs typeface="Times New Roman" panose="02020603050405020304" pitchFamily="18" charset="0"/>
+              </a:rPr>
+              <a:t>Output address (Bob’s </a:t>
+            </a:r>
+            <a:r>
+              <a:rPr lang="en-US" dirty="0" err="1">
+                <a:latin typeface="Times New Roman" panose="02020603050405020304" pitchFamily="18" charset="0"/>
+                <a:cs typeface="Times New Roman" panose="02020603050405020304" pitchFamily="18" charset="0"/>
+              </a:rPr>
+              <a:t>pubkey</a:t>
+            </a:r>
+            <a:r>
+              <a:rPr lang="en-US" dirty="0">
+                <a:latin typeface="Times New Roman" panose="02020603050405020304" pitchFamily="18" charset="0"/>
+                <a:cs typeface="Times New Roman" panose="02020603050405020304" pitchFamily="18" charset="0"/>
+              </a:rPr>
+              <a:t>)</a:t>
+            </a:r>
+          </a:p>
+          <a:p>
+            <a:pPr lvl="1"/>
+            <a:r>
+              <a:rPr lang="en-US" dirty="0">
+                <a:latin typeface="Times New Roman" panose="02020603050405020304" pitchFamily="18" charset="0"/>
+                <a:cs typeface="Times New Roman" panose="02020603050405020304" pitchFamily="18" charset="0"/>
+              </a:rPr>
+              <a:t>Digital signature of Alice. </a:t>
+            </a:r>
+          </a:p>
+          <a:p>
+            <a:r>
+              <a:rPr lang="en-US" sz="2400" dirty="0">
+                <a:latin typeface="Times New Roman" panose="02020603050405020304" pitchFamily="18" charset="0"/>
+                <a:cs typeface="Times New Roman" panose="02020603050405020304" pitchFamily="18" charset="0"/>
+              </a:rPr>
+              <a:t>After writing the </a:t>
+            </a:r>
+            <a:r>
+              <a:rPr lang="en-US" sz="2400" dirty="0" err="1">
+                <a:latin typeface="Times New Roman" panose="02020603050405020304" pitchFamily="18" charset="0"/>
+                <a:cs typeface="Times New Roman" panose="02020603050405020304" pitchFamily="18" charset="0"/>
+              </a:rPr>
+              <a:t>json</a:t>
+            </a:r>
+            <a:r>
+              <a:rPr lang="en-US" sz="2400" dirty="0">
+                <a:latin typeface="Times New Roman" panose="02020603050405020304" pitchFamily="18" charset="0"/>
+                <a:cs typeface="Times New Roman" panose="02020603050405020304" pitchFamily="18" charset="0"/>
+              </a:rPr>
+              <a:t>, Alice </a:t>
+            </a:r>
+            <a:r>
+              <a:rPr lang="en-US" sz="2400" dirty="0" err="1">
+                <a:latin typeface="Times New Roman" panose="02020603050405020304" pitchFamily="18" charset="0"/>
+                <a:cs typeface="Times New Roman" panose="02020603050405020304" pitchFamily="18" charset="0"/>
+              </a:rPr>
+              <a:t>gonna</a:t>
+            </a:r>
+            <a:r>
+              <a:rPr lang="en-US" sz="2400" dirty="0">
+                <a:latin typeface="Times New Roman" panose="02020603050405020304" pitchFamily="18" charset="0"/>
+                <a:cs typeface="Times New Roman" panose="02020603050405020304" pitchFamily="18" charset="0"/>
+              </a:rPr>
+              <a:t> broadcast them to whole p2p network.</a:t>
+            </a:r>
+          </a:p>
+          <a:p>
+            <a:r>
+              <a:rPr lang="en-US" sz="2400" dirty="0">
+                <a:latin typeface="Times New Roman" panose="02020603050405020304" pitchFamily="18" charset="0"/>
+                <a:cs typeface="Times New Roman" panose="02020603050405020304" pitchFamily="18" charset="0"/>
+              </a:rPr>
+              <a:t>Nodes receiving the TXs need to check if the input TXID’s and Digital signature are valid (in many sense)</a:t>
+            </a:r>
+          </a:p>
+          <a:p>
+            <a:pPr lvl="1"/>
+            <a:endParaRPr lang="en-US" dirty="0">
+              <a:latin typeface="Times New Roman" panose="02020603050405020304" pitchFamily="18" charset="0"/>
+              <a:cs typeface="Times New Roman" panose="02020603050405020304" pitchFamily="18" charset="0"/>
+            </a:endParaRPr>
+          </a:p>
+          <a:p>
+            <a:endParaRPr lang="en-US" sz="2400" dirty="0">
+              <a:latin typeface="Times New Roman" panose="02020603050405020304" pitchFamily="18" charset="0"/>
+              <a:cs typeface="Times New Roman" panose="02020603050405020304" pitchFamily="18" charset="0"/>
+            </a:endParaRPr>
+          </a:p>
+          <a:p>
+            <a:endParaRPr lang="en-US" sz="2400" dirty="0">
+              <a:latin typeface="Times New Roman" panose="02020603050405020304" pitchFamily="18" charset="0"/>
+              <a:cs typeface="Times New Roman" panose="02020603050405020304" pitchFamily="18" charset="0"/>
+            </a:endParaRPr>
+          </a:p>
+          <a:p>
+            <a:endParaRPr lang="en-US" sz="2400" dirty="0">
+              <a:latin typeface="Times New Roman" panose="02020603050405020304" pitchFamily="18" charset="0"/>
+              <a:cs typeface="Times New Roman" panose="02020603050405020304" pitchFamily="18" charset="0"/>
+            </a:endParaRPr>
+          </a:p>
+        </p:txBody>
+      </p:sp>
+      <p:sp>
+        <p:nvSpPr>
+          <p:cNvPr id="10" name="Rectangle 9">
+            <a:extLst>
+              <a:ext uri="{FF2B5EF4-FFF2-40B4-BE49-F238E27FC236}">
+                <a16:creationId xmlns:a16="http://schemas.microsoft.com/office/drawing/2014/main" id="{2E80C965-DB6D-4F81-9E9E-B027384D0BD6}"/>
+              </a:ext>
+              <a:ext uri="{C183D7F6-B498-43B3-948B-1728B52AA6E4}">
+                <adec:decorative xmlns:adec="http://schemas.microsoft.com/office/drawing/2017/decorative" val="1"/>
+              </a:ext>
+            </a:extLst>
+          </p:cNvPr>
+          <p:cNvSpPr>
+            <a:spLocks noGrp="1" noRot="1" noChangeAspect="1" noMove="1" noResize="1" noEditPoints="1" noAdjustHandles="1" noChangeArrowheads="1" noChangeShapeType="1" noTextEdit="1"/>
+          </p:cNvSpPr>
+          <p:nvPr>
+            <p:extLst>
+              <p:ext uri="{386F3935-93C4-4BCD-93E2-E3B085C9AB24}">
+                <p16:designElem xmlns:p16="http://schemas.microsoft.com/office/powerpoint/2015/main" val="1"/>
+              </p:ext>
+            </p:extLst>
+          </p:nvPr>
+        </p:nvSpPr>
+        <p:spPr>
+          <a:xfrm rot="2700000">
+            <a:off x="11052629" y="2120024"/>
+            <a:ext cx="645368" cy="645368"/>
+          </a:xfrm>
+          <a:prstGeom prst="rect">
+            <a:avLst/>
+          </a:prstGeom>
+          <a:solidFill>
+            <a:schemeClr val="accent4">
+              <a:alpha val="30000"/>
+            </a:schemeClr>
+          </a:solidFill>
+          <a:ln>
+            <a:noFill/>
+          </a:ln>
+        </p:spPr>
+        <p:style>
+          <a:lnRef idx="2">
+            <a:schemeClr val="accent1">
+              <a:shade val="50000"/>
+            </a:schemeClr>
+          </a:lnRef>
+          <a:fillRef idx="1">
+            <a:schemeClr val="accent1"/>
+          </a:fillRef>
+          <a:effectRef idx="0">
+            <a:schemeClr val="accent1"/>
+          </a:effectRef>
+          <a:fontRef idx="minor">
+            <a:schemeClr val="lt1"/>
+          </a:fontRef>
+        </p:style>
+        <p:txBody>
+          <a:bodyPr rtlCol="0" anchor="ctr"/>
+          <a:lstStyle/>
+          <a:p>
+            <a:pPr algn="ctr"/>
+            <a:endParaRPr lang="en-US"/>
+          </a:p>
+        </p:txBody>
+      </p:sp>
+      <p:sp>
+        <p:nvSpPr>
+          <p:cNvPr id="12" name="Isosceles Triangle 11">
+            <a:extLst>
+              <a:ext uri="{FF2B5EF4-FFF2-40B4-BE49-F238E27FC236}">
+                <a16:creationId xmlns:a16="http://schemas.microsoft.com/office/drawing/2014/main" id="{A580F890-B085-4E95-96AA-55AEBEC5CE6E}"/>
+              </a:ext>
+              <a:ext uri="{C183D7F6-B498-43B3-948B-1728B52AA6E4}">
+                <adec:decorative xmlns:adec="http://schemas.microsoft.com/office/drawing/2017/decorative" val="1"/>
+              </a:ext>
+            </a:extLst>
+          </p:cNvPr>
+          <p:cNvSpPr>
+            <a:spLocks noGrp="1" noRot="1" noChangeAspect="1" noMove="1" noResize="1" noEditPoints="1" noAdjustHandles="1" noChangeArrowheads="1" noChangeShapeType="1" noTextEdit="1"/>
+          </p:cNvSpPr>
+          <p:nvPr>
+            <p:extLst>
+              <p:ext uri="{386F3935-93C4-4BCD-93E2-E3B085C9AB24}">
+                <p16:designElem xmlns:p16="http://schemas.microsoft.com/office/powerpoint/2015/main" val="1"/>
+              </p:ext>
+            </p:extLst>
+          </p:nvPr>
+        </p:nvSpPr>
+        <p:spPr>
+          <a:xfrm rot="16200000">
+            <a:off x="10289068" y="1343027"/>
+            <a:ext cx="2532832" cy="1273032"/>
+          </a:xfrm>
+          <a:prstGeom prst="triangle">
+            <a:avLst>
+              <a:gd name="adj" fmla="val 50000"/>
+            </a:avLst>
+          </a:prstGeom>
+          <a:solidFill>
+            <a:schemeClr val="accent4">
+              <a:alpha val="30000"/>
+            </a:schemeClr>
+          </a:solidFill>
+          <a:ln>
+            <a:noFill/>
+          </a:ln>
+        </p:spPr>
+        <p:style>
+          <a:lnRef idx="2">
+            <a:schemeClr val="accent1">
+              <a:shade val="50000"/>
+            </a:schemeClr>
+          </a:lnRef>
+          <a:fillRef idx="1">
+            <a:schemeClr val="accent1"/>
+          </a:fillRef>
+          <a:effectRef idx="0">
+            <a:schemeClr val="accent1"/>
+          </a:effectRef>
+          <a:fontRef idx="minor">
+            <a:schemeClr val="lt1"/>
+          </a:fontRef>
+        </p:style>
+        <p:txBody>
+          <a:bodyPr rtlCol="0" anchor="ctr"/>
+          <a:lstStyle/>
+          <a:p>
+            <a:pPr algn="ctr"/>
+            <a:endParaRPr lang="en-US"/>
+          </a:p>
+        </p:txBody>
+      </p:sp>
+      <p:sp>
+        <p:nvSpPr>
+          <p:cNvPr id="14" name="Isosceles Triangle 13">
+            <a:extLst>
+              <a:ext uri="{FF2B5EF4-FFF2-40B4-BE49-F238E27FC236}">
+                <a16:creationId xmlns:a16="http://schemas.microsoft.com/office/drawing/2014/main" id="{D3F51FEB-38FB-4F6C-9F7B-2F2AFAB65463}"/>
+              </a:ext>
+              <a:ext uri="{C183D7F6-B498-43B3-948B-1728B52AA6E4}">
+                <adec:decorative xmlns:adec="http://schemas.microsoft.com/office/drawing/2017/decorative" val="1"/>
+              </a:ext>
+            </a:extLst>
+          </p:cNvPr>
+          <p:cNvSpPr>
+            <a:spLocks noGrp="1" noRot="1" noChangeAspect="1" noMove="1" noResize="1" noEditPoints="1" noAdjustHandles="1" noChangeArrowheads="1" noChangeShapeType="1" noTextEdit="1"/>
+          </p:cNvSpPr>
+          <p:nvPr>
+            <p:extLst>
+              <p:ext uri="{386F3935-93C4-4BCD-93E2-E3B085C9AB24}">
+                <p16:designElem xmlns:p16="http://schemas.microsoft.com/office/powerpoint/2015/main" val="1"/>
+              </p:ext>
+            </p:extLst>
+          </p:nvPr>
+        </p:nvSpPr>
+        <p:spPr>
+          <a:xfrm rot="5400000">
+            <a:off x="-501760" y="5103257"/>
+            <a:ext cx="2017580" cy="1014060"/>
+          </a:xfrm>
+          <a:prstGeom prst="triangle">
+            <a:avLst>
+              <a:gd name="adj" fmla="val 50000"/>
+            </a:avLst>
+          </a:prstGeom>
+          <a:solidFill>
+            <a:schemeClr val="accent1">
+              <a:alpha val="30000"/>
+            </a:schemeClr>
+          </a:solidFill>
+          <a:ln>
+            <a:noFill/>
+          </a:ln>
+        </p:spPr>
+        <p:style>
+          <a:lnRef idx="2">
+            <a:schemeClr val="accent1">
+              <a:shade val="50000"/>
+            </a:schemeClr>
+          </a:lnRef>
+          <a:fillRef idx="1">
+            <a:schemeClr val="accent1"/>
+          </a:fillRef>
+          <a:effectRef idx="0">
+            <a:schemeClr val="accent1"/>
+          </a:effectRef>
+          <a:fontRef idx="minor">
+            <a:schemeClr val="lt1"/>
+          </a:fontRef>
+        </p:style>
+        <p:txBody>
+          <a:bodyPr wrap="square" rtlCol="0" anchor="ctr">
+            <a:noAutofit/>
+          </a:bodyPr>
+          <a:lstStyle/>
+          <a:p>
+            <a:pPr algn="ctr"/>
+            <a:endParaRPr lang="en-US"/>
+          </a:p>
+        </p:txBody>
+      </p:sp>
+      <p:sp>
+        <p:nvSpPr>
+          <p:cNvPr id="16" name="Rectangle 15">
+            <a:extLst>
+              <a:ext uri="{FF2B5EF4-FFF2-40B4-BE49-F238E27FC236}">
+                <a16:creationId xmlns:a16="http://schemas.microsoft.com/office/drawing/2014/main" id="{1E547BA6-BAE0-43BB-A7CA-60F69CE252F0}"/>
+              </a:ext>
+              <a:ext uri="{C183D7F6-B498-43B3-948B-1728B52AA6E4}">
+                <adec:decorative xmlns:adec="http://schemas.microsoft.com/office/drawing/2017/decorative" val="1"/>
+              </a:ext>
+            </a:extLst>
+          </p:cNvPr>
+          <p:cNvSpPr>
+            <a:spLocks noGrp="1" noRot="1" noChangeAspect="1" noMove="1" noResize="1" noEditPoints="1" noAdjustHandles="1" noChangeArrowheads="1" noChangeShapeType="1" noTextEdit="1"/>
+          </p:cNvSpPr>
+          <p:nvPr>
+            <p:extLst>
+              <p:ext uri="{386F3935-93C4-4BCD-93E2-E3B085C9AB24}">
+                <p16:designElem xmlns:p16="http://schemas.microsoft.com/office/powerpoint/2015/main" val="1"/>
+              </p:ext>
+            </p:extLst>
+          </p:nvPr>
+        </p:nvSpPr>
+        <p:spPr>
+          <a:xfrm rot="2700000">
+            <a:off x="427916" y="5728708"/>
+            <a:ext cx="485578" cy="485578"/>
+          </a:xfrm>
+          <a:prstGeom prst="rect">
+            <a:avLst/>
+          </a:prstGeom>
+          <a:solidFill>
+            <a:schemeClr val="accent1">
+              <a:alpha val="30000"/>
+            </a:schemeClr>
+          </a:solidFill>
+          <a:ln>
+            <a:noFill/>
+          </a:ln>
+        </p:spPr>
+        <p:style>
+          <a:lnRef idx="2">
+            <a:schemeClr val="accent1">
+              <a:shade val="50000"/>
+            </a:schemeClr>
+          </a:lnRef>
+          <a:fillRef idx="1">
+            <a:schemeClr val="accent1"/>
+          </a:fillRef>
+          <a:effectRef idx="0">
+            <a:schemeClr val="accent1"/>
+          </a:effectRef>
+          <a:fontRef idx="minor">
+            <a:schemeClr val="lt1"/>
+          </a:fontRef>
+        </p:style>
+        <p:txBody>
+          <a:bodyPr wrap="square" rtlCol="0" anchor="ctr">
+            <a:noAutofit/>
+          </a:bodyPr>
+          <a:lstStyle/>
+          <a:p>
+            <a:pPr algn="ctr"/>
+            <a:endParaRPr lang="en-US"/>
+          </a:p>
+        </p:txBody>
+      </p:sp>
+    </p:spTree>
+    <p:extLst>
+      <p:ext uri="{BB962C8B-B14F-4D97-AF65-F5344CB8AC3E}">
+        <p14:creationId xmlns:p14="http://schemas.microsoft.com/office/powerpoint/2010/main" val="4121252707"/>
+      </p:ext>
+    </p:extLst>
+  </p:cSld>
+  <p:clrMapOvr>
+    <a:masterClrMapping/>
+  </p:clrMapOvr>
+</p:sld>
+</file>
+
+<file path=ppt/slides/slide13.xml><?xml version="1.0" encoding="utf-8"?>
 <p:sld xmlns:a="http://schemas.openxmlformats.org/drawingml/2006/main" xmlns:r="http://schemas.openxmlformats.org/officeDocument/2006/relationships" xmlns:p="http://schemas.openxmlformats.org/presentationml/2006/main">
   <p:cSld>
     <p:spTree>
@@ -3990,7 +5764,7 @@
 </p:sld>
 </file>
 
-<file path=ppt/slides/slide11.xml><?xml version="1.0" encoding="utf-8"?>
+<file path=ppt/slides/slide14.xml><?xml version="1.0" encoding="utf-8"?>
 <p:sld xmlns:a="http://schemas.openxmlformats.org/drawingml/2006/main" xmlns:r="http://schemas.openxmlformats.org/officeDocument/2006/relationships" xmlns:p="http://schemas.openxmlformats.org/presentationml/2006/main">
   <p:cSld>
     <p:spTree>
@@ -4130,7 +5904,7 @@
 </p:sld>
 </file>
 
-<file path=ppt/slides/slide12.xml><?xml version="1.0" encoding="utf-8"?>
+<file path=ppt/slides/slide15.xml><?xml version="1.0" encoding="utf-8"?>
 <p:sld xmlns:a="http://schemas.openxmlformats.org/drawingml/2006/main" xmlns:r="http://schemas.openxmlformats.org/officeDocument/2006/relationships" xmlns:p="http://schemas.openxmlformats.org/presentationml/2006/main">
   <p:cSld>
     <p:spTree>
@@ -4283,7 +6057,7 @@
 </p:sld>
 </file>
 
-<file path=ppt/slides/slide13.xml><?xml version="1.0" encoding="utf-8"?>
+<file path=ppt/slides/slide16.xml><?xml version="1.0" encoding="utf-8"?>
 <p:sld xmlns:a="http://schemas.openxmlformats.org/drawingml/2006/main" xmlns:r="http://schemas.openxmlformats.org/officeDocument/2006/relationships" xmlns:p="http://schemas.openxmlformats.org/presentationml/2006/main">
   <p:cSld>
     <p:bg>
@@ -4954,7 +6728,7 @@
 </p:sld>
 </file>
 
-<file path=ppt/slides/slide14.xml><?xml version="1.0" encoding="utf-8"?>
+<file path=ppt/slides/slide17.xml><?xml version="1.0" encoding="utf-8"?>
 <p:sld xmlns:a="http://schemas.openxmlformats.org/drawingml/2006/main" xmlns:r="http://schemas.openxmlformats.org/officeDocument/2006/relationships" xmlns:p="http://schemas.openxmlformats.org/presentationml/2006/main">
   <p:cSld>
     <p:bg>
@@ -5447,1161 +7221,6 @@
     <p:extLst>
       <p:ext uri="{BB962C8B-B14F-4D97-AF65-F5344CB8AC3E}">
         <p14:creationId xmlns:p14="http://schemas.microsoft.com/office/powerpoint/2010/main" val="3356296509"/>
-      </p:ext>
-    </p:extLst>
-  </p:cSld>
-  <p:clrMapOvr>
-    <a:masterClrMapping/>
-  </p:clrMapOvr>
-</p:sld>
-</file>
-
-<file path=ppt/slides/slide15.xml><?xml version="1.0" encoding="utf-8"?>
-<p:sld xmlns:a="http://schemas.openxmlformats.org/drawingml/2006/main" xmlns:r="http://schemas.openxmlformats.org/officeDocument/2006/relationships" xmlns:p="http://schemas.openxmlformats.org/presentationml/2006/main" show="0">
-  <p:cSld>
-    <p:spTree>
-      <p:nvGrpSpPr>
-        <p:cNvPr id="1" name=""/>
-        <p:cNvGrpSpPr/>
-        <p:nvPr/>
-      </p:nvGrpSpPr>
-      <p:grpSpPr>
-        <a:xfrm>
-          <a:off x="0" y="0"/>
-          <a:ext cx="0" cy="0"/>
-          <a:chOff x="0" y="0"/>
-          <a:chExt cx="0" cy="0"/>
-        </a:xfrm>
-      </p:grpSpPr>
-      <p:sp>
-        <p:nvSpPr>
-          <p:cNvPr id="2" name="Title 1">
-            <a:extLst>
-              <a:ext uri="{FF2B5EF4-FFF2-40B4-BE49-F238E27FC236}">
-                <a16:creationId xmlns:a16="http://schemas.microsoft.com/office/drawing/2014/main" id="{A915EA7A-4BF4-8253-AB42-6D7EE79C0AEA}"/>
-              </a:ext>
-            </a:extLst>
-          </p:cNvPr>
-          <p:cNvSpPr>
-            <a:spLocks noGrp="1"/>
-          </p:cNvSpPr>
-          <p:nvPr>
-            <p:ph type="title"/>
-          </p:nvPr>
-        </p:nvSpPr>
-        <p:spPr>
-          <a:xfrm>
-            <a:off x="838200" y="365126"/>
-            <a:ext cx="10515600" cy="787270"/>
-          </a:xfrm>
-        </p:spPr>
-        <p:txBody>
-          <a:bodyPr/>
-          <a:lstStyle/>
-          <a:p>
-            <a:r>
-              <a:rPr lang="en-US" dirty="0"/>
-              <a:t>Multiple</a:t>
-            </a:r>
-            <a:r>
-              <a:rPr lang="en-JP" dirty="0"/>
-              <a:t> spending</a:t>
-            </a:r>
-          </a:p>
-        </p:txBody>
-      </p:sp>
-      <p:sp>
-        <p:nvSpPr>
-          <p:cNvPr id="3" name="Content Placeholder 2">
-            <a:extLst>
-              <a:ext uri="{FF2B5EF4-FFF2-40B4-BE49-F238E27FC236}">
-                <a16:creationId xmlns:a16="http://schemas.microsoft.com/office/drawing/2014/main" id="{83C1C254-1B88-5597-BFA1-428004A13FD5}"/>
-              </a:ext>
-            </a:extLst>
-          </p:cNvPr>
-          <p:cNvSpPr>
-            <a:spLocks noGrp="1"/>
-          </p:cNvSpPr>
-          <p:nvPr>
-            <p:ph idx="1"/>
-          </p:nvPr>
-        </p:nvSpPr>
-        <p:spPr>
-          <a:xfrm>
-            <a:off x="838200" y="1315233"/>
-            <a:ext cx="10515600" cy="4861730"/>
-          </a:xfrm>
-        </p:spPr>
-        <p:txBody>
-          <a:bodyPr/>
-          <a:lstStyle/>
-          <a:p>
-            <a:r>
-              <a:rPr lang="en-JP" dirty="0"/>
-              <a:t>Attack</a:t>
-            </a:r>
-            <a:r>
-              <a:rPr lang="en-US" dirty="0"/>
-              <a:t>errs try to create another chain on purpose in order to </a:t>
-            </a:r>
-            <a:r>
-              <a:rPr lang="en-JP" dirty="0"/>
-              <a:t>modify or cancel a transaction</a:t>
-            </a:r>
-            <a:r>
-              <a:rPr lang="en-US" dirty="0"/>
-              <a:t>.</a:t>
-            </a:r>
-            <a:endParaRPr lang="en-JP" dirty="0"/>
-          </a:p>
-          <a:p>
-            <a:endParaRPr lang="en-JP" dirty="0"/>
-          </a:p>
-          <a:p>
-            <a:r>
-              <a:rPr lang="en-JP" dirty="0"/>
-              <a:t>No Multiple spending for TTP model</a:t>
-            </a:r>
-            <a:r>
-              <a:rPr lang="en-US" dirty="0"/>
-              <a:t>.</a:t>
-            </a:r>
-            <a:endParaRPr lang="en-JP" dirty="0"/>
-          </a:p>
-          <a:p>
-            <a:pPr marL="0" indent="0">
-              <a:buNone/>
-            </a:pPr>
-            <a:endParaRPr lang="en-JP" dirty="0"/>
-          </a:p>
-          <a:p>
-            <a:r>
-              <a:rPr lang="en-US" dirty="0"/>
-              <a:t>There is no guarantee that we can prevent the appearance of new chain yet, t</a:t>
-            </a:r>
-            <a:r>
-              <a:rPr lang="en-JP" dirty="0"/>
-              <a:t>here is multiple spend in</a:t>
-            </a:r>
-            <a:r>
-              <a:rPr lang="en-US" dirty="0"/>
-              <a:t> </a:t>
-            </a:r>
-            <a:r>
-              <a:rPr lang="en-JP" dirty="0"/>
-              <a:t>decentralized setup</a:t>
-            </a:r>
-            <a:r>
-              <a:rPr lang="en-US" dirty="0"/>
-              <a:t>.</a:t>
-            </a:r>
-            <a:endParaRPr lang="en-JP" dirty="0"/>
-          </a:p>
-          <a:p>
-            <a:endParaRPr lang="en-JP" dirty="0"/>
-          </a:p>
-          <a:p>
-            <a:endParaRPr lang="en-JP" dirty="0"/>
-          </a:p>
-          <a:p>
-            <a:endParaRPr lang="en-JP" dirty="0"/>
-          </a:p>
-          <a:p>
-            <a:endParaRPr lang="en-JP" dirty="0"/>
-          </a:p>
-        </p:txBody>
-      </p:sp>
-    </p:spTree>
-    <p:extLst>
-      <p:ext uri="{BB962C8B-B14F-4D97-AF65-F5344CB8AC3E}">
-        <p14:creationId xmlns:p14="http://schemas.microsoft.com/office/powerpoint/2010/main" val="280019012"/>
-      </p:ext>
-    </p:extLst>
-  </p:cSld>
-  <p:clrMapOvr>
-    <a:masterClrMapping/>
-  </p:clrMapOvr>
-</p:sld>
-</file>
-
-<file path=ppt/slides/slide16.xml><?xml version="1.0" encoding="utf-8"?>
-<p:sld xmlns:a="http://schemas.openxmlformats.org/drawingml/2006/main" xmlns:r="http://schemas.openxmlformats.org/officeDocument/2006/relationships" xmlns:p="http://schemas.openxmlformats.org/presentationml/2006/main">
-  <p:cSld>
-    <p:bg>
-      <p:bgPr>
-        <a:solidFill>
-          <a:schemeClr val="bg1"/>
-        </a:solidFill>
-        <a:effectLst/>
-      </p:bgPr>
-    </p:bg>
-    <p:spTree>
-      <p:nvGrpSpPr>
-        <p:cNvPr id="1" name=""/>
-        <p:cNvGrpSpPr/>
-        <p:nvPr/>
-      </p:nvGrpSpPr>
-      <p:grpSpPr>
-        <a:xfrm>
-          <a:off x="0" y="0"/>
-          <a:ext cx="0" cy="0"/>
-          <a:chOff x="0" y="0"/>
-          <a:chExt cx="0" cy="0"/>
-        </a:xfrm>
-      </p:grpSpPr>
-      <p:sp>
-        <p:nvSpPr>
-          <p:cNvPr id="8" name="Rectangle 7">
-            <a:extLst>
-              <a:ext uri="{FF2B5EF4-FFF2-40B4-BE49-F238E27FC236}">
-                <a16:creationId xmlns:a16="http://schemas.microsoft.com/office/drawing/2014/main" id="{2B566528-1B12-4246-9431-5C2D7D081168}"/>
-              </a:ext>
-              <a:ext uri="{C183D7F6-B498-43B3-948B-1728B52AA6E4}">
-                <adec:decorative xmlns:adec="http://schemas.microsoft.com/office/drawing/2017/decorative" val="1"/>
-              </a:ext>
-            </a:extLst>
-          </p:cNvPr>
-          <p:cNvSpPr>
-            <a:spLocks noGrp="1" noRot="1" noChangeAspect="1" noMove="1" noResize="1" noEditPoints="1" noAdjustHandles="1" noChangeArrowheads="1" noChangeShapeType="1" noTextEdit="1"/>
-          </p:cNvSpPr>
-          <p:nvPr>
-            <p:extLst>
-              <p:ext uri="{386F3935-93C4-4BCD-93E2-E3B085C9AB24}">
-                <p16:designElem xmlns:p16="http://schemas.microsoft.com/office/powerpoint/2015/main" val="1"/>
-              </p:ext>
-            </p:extLst>
-          </p:nvPr>
-        </p:nvSpPr>
-        <p:spPr>
-          <a:xfrm>
-            <a:off x="0" y="0"/>
-            <a:ext cx="12192000" cy="6858000"/>
-          </a:xfrm>
-          <a:prstGeom prst="rect">
-            <a:avLst/>
-          </a:prstGeom>
-          <a:solidFill>
-            <a:schemeClr val="bg1"/>
-          </a:solidFill>
-          <a:ln>
-            <a:noFill/>
-          </a:ln>
-        </p:spPr>
-        <p:style>
-          <a:lnRef idx="2">
-            <a:schemeClr val="accent1">
-              <a:shade val="50000"/>
-            </a:schemeClr>
-          </a:lnRef>
-          <a:fillRef idx="1">
-            <a:schemeClr val="accent1"/>
-          </a:fillRef>
-          <a:effectRef idx="0">
-            <a:schemeClr val="accent1"/>
-          </a:effectRef>
-          <a:fontRef idx="minor">
-            <a:schemeClr val="lt1"/>
-          </a:fontRef>
-        </p:style>
-        <p:txBody>
-          <a:bodyPr rtlCol="0" anchor="ctr"/>
-          <a:lstStyle/>
-          <a:p>
-            <a:pPr algn="ctr"/>
-            <a:endParaRPr lang="en-US" dirty="0"/>
-          </a:p>
-        </p:txBody>
-      </p:sp>
-      <p:sp>
-        <p:nvSpPr>
-          <p:cNvPr id="2" name="Title 1">
-            <a:extLst>
-              <a:ext uri="{FF2B5EF4-FFF2-40B4-BE49-F238E27FC236}">
-                <a16:creationId xmlns:a16="http://schemas.microsoft.com/office/drawing/2014/main" id="{B4B227BD-A5DB-3381-F8A3-CAD574A56551}"/>
-              </a:ext>
-            </a:extLst>
-          </p:cNvPr>
-          <p:cNvSpPr>
-            <a:spLocks noGrp="1"/>
-          </p:cNvSpPr>
-          <p:nvPr>
-            <p:ph type="title"/>
-          </p:nvPr>
-        </p:nvSpPr>
-        <p:spPr>
-          <a:xfrm>
-            <a:off x="643467" y="321734"/>
-            <a:ext cx="10905066" cy="1135737"/>
-          </a:xfrm>
-        </p:spPr>
-        <p:txBody>
-          <a:bodyPr>
-            <a:normAutofit/>
-          </a:bodyPr>
-          <a:lstStyle/>
-          <a:p>
-            <a:r>
-              <a:rPr lang="en-JP" sz="3600" dirty="0"/>
-              <a:t>Network consensus</a:t>
-            </a:r>
-          </a:p>
-        </p:txBody>
-      </p:sp>
-      <p:sp>
-        <p:nvSpPr>
-          <p:cNvPr id="3" name="Content Placeholder 2">
-            <a:extLst>
-              <a:ext uri="{FF2B5EF4-FFF2-40B4-BE49-F238E27FC236}">
-                <a16:creationId xmlns:a16="http://schemas.microsoft.com/office/drawing/2014/main" id="{58979D12-838A-EAC1-D606-B20E13D7752B}"/>
-              </a:ext>
-            </a:extLst>
-          </p:cNvPr>
-          <p:cNvSpPr>
-            <a:spLocks noGrp="1"/>
-          </p:cNvSpPr>
-          <p:nvPr>
-            <p:ph idx="1"/>
-          </p:nvPr>
-        </p:nvSpPr>
-        <p:spPr>
-          <a:xfrm>
-            <a:off x="643467" y="1782981"/>
-            <a:ext cx="10905066" cy="4393982"/>
-          </a:xfrm>
-        </p:spPr>
-        <p:txBody>
-          <a:bodyPr>
-            <a:normAutofit/>
-          </a:bodyPr>
-          <a:lstStyle/>
-          <a:p>
-            <a:r>
-              <a:rPr lang="en-US" sz="2400" dirty="0">
-                <a:latin typeface="Times New Roman" panose="02020603050405020304" pitchFamily="18" charset="0"/>
-                <a:cs typeface="Times New Roman" panose="02020603050405020304" pitchFamily="18" charset="0"/>
-              </a:rPr>
-              <a:t>Although D</a:t>
-            </a:r>
-            <a:r>
-              <a:rPr lang="en-JP" sz="2400" dirty="0">
-                <a:latin typeface="Times New Roman" panose="02020603050405020304" pitchFamily="18" charset="0"/>
-                <a:cs typeface="Times New Roman" panose="02020603050405020304" pitchFamily="18" charset="0"/>
-              </a:rPr>
-              <a:t>istributed ledger is robust for any other problems, it is fragile to multiple spending</a:t>
-            </a:r>
-          </a:p>
-          <a:p>
-            <a:endParaRPr lang="en-JP" sz="2400" dirty="0">
-              <a:latin typeface="Times New Roman" panose="02020603050405020304" pitchFamily="18" charset="0"/>
-              <a:cs typeface="Times New Roman" panose="02020603050405020304" pitchFamily="18" charset="0"/>
-            </a:endParaRPr>
-          </a:p>
-          <a:p>
-            <a:r>
-              <a:rPr lang="en-JP" sz="2400" dirty="0">
-                <a:latin typeface="Times New Roman" panose="02020603050405020304" pitchFamily="18" charset="0"/>
-                <a:cs typeface="Times New Roman" panose="02020603050405020304" pitchFamily="18" charset="0"/>
-              </a:rPr>
-              <a:t>So, it needs consensus algorithm that is also resilient to the other problems.</a:t>
-            </a:r>
-          </a:p>
-          <a:p>
-            <a:pPr marL="0" indent="0">
-              <a:buNone/>
-            </a:pPr>
-            <a:endParaRPr lang="en-JP" sz="2400" dirty="0">
-              <a:latin typeface="Times New Roman" panose="02020603050405020304" pitchFamily="18" charset="0"/>
-              <a:cs typeface="Times New Roman" panose="02020603050405020304" pitchFamily="18" charset="0"/>
-            </a:endParaRPr>
-          </a:p>
-          <a:p>
-            <a:r>
-              <a:rPr lang="en-JP" sz="2400" dirty="0">
-                <a:latin typeface="Times New Roman" panose="02020603050405020304" pitchFamily="18" charset="0"/>
-                <a:cs typeface="Times New Roman" panose="02020603050405020304" pitchFamily="18" charset="0"/>
-              </a:rPr>
-              <a:t>Many such algorithm can be considered</a:t>
-            </a:r>
-          </a:p>
-          <a:p>
-            <a:pPr lvl="1"/>
-            <a:r>
-              <a:rPr lang="en-JP" dirty="0">
-                <a:latin typeface="Times New Roman" panose="02020603050405020304" pitchFamily="18" charset="0"/>
-                <a:cs typeface="Times New Roman" panose="02020603050405020304" pitchFamily="18" charset="0"/>
-              </a:rPr>
-              <a:t>Majority votes </a:t>
-            </a:r>
-          </a:p>
-          <a:p>
-            <a:pPr lvl="1"/>
-            <a:r>
-              <a:rPr lang="en-JP" dirty="0">
-                <a:latin typeface="Times New Roman" panose="02020603050405020304" pitchFamily="18" charset="0"/>
-                <a:cs typeface="Times New Roman" panose="02020603050405020304" pitchFamily="18" charset="0"/>
-              </a:rPr>
-              <a:t>Proof of work</a:t>
-            </a:r>
-          </a:p>
-          <a:p>
-            <a:pPr lvl="1"/>
-            <a:r>
-              <a:rPr lang="en-JP" dirty="0">
-                <a:latin typeface="Times New Roman" panose="02020603050405020304" pitchFamily="18" charset="0"/>
-                <a:cs typeface="Times New Roman" panose="02020603050405020304" pitchFamily="18" charset="0"/>
-              </a:rPr>
-              <a:t>Proof of stake</a:t>
-            </a:r>
-          </a:p>
-        </p:txBody>
-      </p:sp>
-      <p:sp>
-        <p:nvSpPr>
-          <p:cNvPr id="10" name="Rectangle 9">
-            <a:extLst>
-              <a:ext uri="{FF2B5EF4-FFF2-40B4-BE49-F238E27FC236}">
-                <a16:creationId xmlns:a16="http://schemas.microsoft.com/office/drawing/2014/main" id="{2E80C965-DB6D-4F81-9E9E-B027384D0BD6}"/>
-              </a:ext>
-              <a:ext uri="{C183D7F6-B498-43B3-948B-1728B52AA6E4}">
-                <adec:decorative xmlns:adec="http://schemas.microsoft.com/office/drawing/2017/decorative" val="1"/>
-              </a:ext>
-            </a:extLst>
-          </p:cNvPr>
-          <p:cNvSpPr>
-            <a:spLocks noGrp="1" noRot="1" noChangeAspect="1" noMove="1" noResize="1" noEditPoints="1" noAdjustHandles="1" noChangeArrowheads="1" noChangeShapeType="1" noTextEdit="1"/>
-          </p:cNvSpPr>
-          <p:nvPr>
-            <p:extLst>
-              <p:ext uri="{386F3935-93C4-4BCD-93E2-E3B085C9AB24}">
-                <p16:designElem xmlns:p16="http://schemas.microsoft.com/office/powerpoint/2015/main" val="1"/>
-              </p:ext>
-            </p:extLst>
-          </p:nvPr>
-        </p:nvSpPr>
-        <p:spPr>
-          <a:xfrm rot="2700000">
-            <a:off x="11052629" y="2120024"/>
-            <a:ext cx="645368" cy="645368"/>
-          </a:xfrm>
-          <a:prstGeom prst="rect">
-            <a:avLst/>
-          </a:prstGeom>
-          <a:solidFill>
-            <a:schemeClr val="accent4">
-              <a:alpha val="30000"/>
-            </a:schemeClr>
-          </a:solidFill>
-          <a:ln>
-            <a:noFill/>
-          </a:ln>
-        </p:spPr>
-        <p:style>
-          <a:lnRef idx="2">
-            <a:schemeClr val="accent1">
-              <a:shade val="50000"/>
-            </a:schemeClr>
-          </a:lnRef>
-          <a:fillRef idx="1">
-            <a:schemeClr val="accent1"/>
-          </a:fillRef>
-          <a:effectRef idx="0">
-            <a:schemeClr val="accent1"/>
-          </a:effectRef>
-          <a:fontRef idx="minor">
-            <a:schemeClr val="lt1"/>
-          </a:fontRef>
-        </p:style>
-        <p:txBody>
-          <a:bodyPr rtlCol="0" anchor="ctr"/>
-          <a:lstStyle/>
-          <a:p>
-            <a:pPr algn="ctr"/>
-            <a:endParaRPr lang="en-US"/>
-          </a:p>
-        </p:txBody>
-      </p:sp>
-      <p:sp>
-        <p:nvSpPr>
-          <p:cNvPr id="12" name="Isosceles Triangle 11">
-            <a:extLst>
-              <a:ext uri="{FF2B5EF4-FFF2-40B4-BE49-F238E27FC236}">
-                <a16:creationId xmlns:a16="http://schemas.microsoft.com/office/drawing/2014/main" id="{A580F890-B085-4E95-96AA-55AEBEC5CE6E}"/>
-              </a:ext>
-              <a:ext uri="{C183D7F6-B498-43B3-948B-1728B52AA6E4}">
-                <adec:decorative xmlns:adec="http://schemas.microsoft.com/office/drawing/2017/decorative" val="1"/>
-              </a:ext>
-            </a:extLst>
-          </p:cNvPr>
-          <p:cNvSpPr>
-            <a:spLocks noGrp="1" noRot="1" noChangeAspect="1" noMove="1" noResize="1" noEditPoints="1" noAdjustHandles="1" noChangeArrowheads="1" noChangeShapeType="1" noTextEdit="1"/>
-          </p:cNvSpPr>
-          <p:nvPr>
-            <p:extLst>
-              <p:ext uri="{386F3935-93C4-4BCD-93E2-E3B085C9AB24}">
-                <p16:designElem xmlns:p16="http://schemas.microsoft.com/office/powerpoint/2015/main" val="1"/>
-              </p:ext>
-            </p:extLst>
-          </p:nvPr>
-        </p:nvSpPr>
-        <p:spPr>
-          <a:xfrm rot="16200000">
-            <a:off x="10289068" y="1343027"/>
-            <a:ext cx="2532832" cy="1273032"/>
-          </a:xfrm>
-          <a:prstGeom prst="triangle">
-            <a:avLst>
-              <a:gd name="adj" fmla="val 50000"/>
-            </a:avLst>
-          </a:prstGeom>
-          <a:solidFill>
-            <a:schemeClr val="accent4">
-              <a:alpha val="30000"/>
-            </a:schemeClr>
-          </a:solidFill>
-          <a:ln>
-            <a:noFill/>
-          </a:ln>
-        </p:spPr>
-        <p:style>
-          <a:lnRef idx="2">
-            <a:schemeClr val="accent1">
-              <a:shade val="50000"/>
-            </a:schemeClr>
-          </a:lnRef>
-          <a:fillRef idx="1">
-            <a:schemeClr val="accent1"/>
-          </a:fillRef>
-          <a:effectRef idx="0">
-            <a:schemeClr val="accent1"/>
-          </a:effectRef>
-          <a:fontRef idx="minor">
-            <a:schemeClr val="lt1"/>
-          </a:fontRef>
-        </p:style>
-        <p:txBody>
-          <a:bodyPr rtlCol="0" anchor="ctr"/>
-          <a:lstStyle/>
-          <a:p>
-            <a:pPr algn="ctr"/>
-            <a:endParaRPr lang="en-US"/>
-          </a:p>
-        </p:txBody>
-      </p:sp>
-      <p:sp>
-        <p:nvSpPr>
-          <p:cNvPr id="14" name="Isosceles Triangle 13">
-            <a:extLst>
-              <a:ext uri="{FF2B5EF4-FFF2-40B4-BE49-F238E27FC236}">
-                <a16:creationId xmlns:a16="http://schemas.microsoft.com/office/drawing/2014/main" id="{D3F51FEB-38FB-4F6C-9F7B-2F2AFAB65463}"/>
-              </a:ext>
-              <a:ext uri="{C183D7F6-B498-43B3-948B-1728B52AA6E4}">
-                <adec:decorative xmlns:adec="http://schemas.microsoft.com/office/drawing/2017/decorative" val="1"/>
-              </a:ext>
-            </a:extLst>
-          </p:cNvPr>
-          <p:cNvSpPr>
-            <a:spLocks noGrp="1" noRot="1" noChangeAspect="1" noMove="1" noResize="1" noEditPoints="1" noAdjustHandles="1" noChangeArrowheads="1" noChangeShapeType="1" noTextEdit="1"/>
-          </p:cNvSpPr>
-          <p:nvPr>
-            <p:extLst>
-              <p:ext uri="{386F3935-93C4-4BCD-93E2-E3B085C9AB24}">
-                <p16:designElem xmlns:p16="http://schemas.microsoft.com/office/powerpoint/2015/main" val="1"/>
-              </p:ext>
-            </p:extLst>
-          </p:nvPr>
-        </p:nvSpPr>
-        <p:spPr>
-          <a:xfrm rot="5400000">
-            <a:off x="-501760" y="5103257"/>
-            <a:ext cx="2017580" cy="1014060"/>
-          </a:xfrm>
-          <a:prstGeom prst="triangle">
-            <a:avLst>
-              <a:gd name="adj" fmla="val 50000"/>
-            </a:avLst>
-          </a:prstGeom>
-          <a:solidFill>
-            <a:schemeClr val="accent1">
-              <a:alpha val="30000"/>
-            </a:schemeClr>
-          </a:solidFill>
-          <a:ln>
-            <a:noFill/>
-          </a:ln>
-        </p:spPr>
-        <p:style>
-          <a:lnRef idx="2">
-            <a:schemeClr val="accent1">
-              <a:shade val="50000"/>
-            </a:schemeClr>
-          </a:lnRef>
-          <a:fillRef idx="1">
-            <a:schemeClr val="accent1"/>
-          </a:fillRef>
-          <a:effectRef idx="0">
-            <a:schemeClr val="accent1"/>
-          </a:effectRef>
-          <a:fontRef idx="minor">
-            <a:schemeClr val="lt1"/>
-          </a:fontRef>
-        </p:style>
-        <p:txBody>
-          <a:bodyPr wrap="square" rtlCol="0" anchor="ctr">
-            <a:noAutofit/>
-          </a:bodyPr>
-          <a:lstStyle/>
-          <a:p>
-            <a:pPr algn="ctr"/>
-            <a:endParaRPr lang="en-US"/>
-          </a:p>
-        </p:txBody>
-      </p:sp>
-      <p:sp>
-        <p:nvSpPr>
-          <p:cNvPr id="16" name="Rectangle 15">
-            <a:extLst>
-              <a:ext uri="{FF2B5EF4-FFF2-40B4-BE49-F238E27FC236}">
-                <a16:creationId xmlns:a16="http://schemas.microsoft.com/office/drawing/2014/main" id="{1E547BA6-BAE0-43BB-A7CA-60F69CE252F0}"/>
-              </a:ext>
-              <a:ext uri="{C183D7F6-B498-43B3-948B-1728B52AA6E4}">
-                <adec:decorative xmlns:adec="http://schemas.microsoft.com/office/drawing/2017/decorative" val="1"/>
-              </a:ext>
-            </a:extLst>
-          </p:cNvPr>
-          <p:cNvSpPr>
-            <a:spLocks noGrp="1" noRot="1" noChangeAspect="1" noMove="1" noResize="1" noEditPoints="1" noAdjustHandles="1" noChangeArrowheads="1" noChangeShapeType="1" noTextEdit="1"/>
-          </p:cNvSpPr>
-          <p:nvPr>
-            <p:extLst>
-              <p:ext uri="{386F3935-93C4-4BCD-93E2-E3B085C9AB24}">
-                <p16:designElem xmlns:p16="http://schemas.microsoft.com/office/powerpoint/2015/main" val="1"/>
-              </p:ext>
-            </p:extLst>
-          </p:nvPr>
-        </p:nvSpPr>
-        <p:spPr>
-          <a:xfrm rot="2700000">
-            <a:off x="427916" y="5728708"/>
-            <a:ext cx="485578" cy="485578"/>
-          </a:xfrm>
-          <a:prstGeom prst="rect">
-            <a:avLst/>
-          </a:prstGeom>
-          <a:solidFill>
-            <a:schemeClr val="accent1">
-              <a:alpha val="30000"/>
-            </a:schemeClr>
-          </a:solidFill>
-          <a:ln>
-            <a:noFill/>
-          </a:ln>
-        </p:spPr>
-        <p:style>
-          <a:lnRef idx="2">
-            <a:schemeClr val="accent1">
-              <a:shade val="50000"/>
-            </a:schemeClr>
-          </a:lnRef>
-          <a:fillRef idx="1">
-            <a:schemeClr val="accent1"/>
-          </a:fillRef>
-          <a:effectRef idx="0">
-            <a:schemeClr val="accent1"/>
-          </a:effectRef>
-          <a:fontRef idx="minor">
-            <a:schemeClr val="lt1"/>
-          </a:fontRef>
-        </p:style>
-        <p:txBody>
-          <a:bodyPr wrap="square" rtlCol="0" anchor="ctr">
-            <a:noAutofit/>
-          </a:bodyPr>
-          <a:lstStyle/>
-          <a:p>
-            <a:pPr algn="ctr"/>
-            <a:endParaRPr lang="en-US"/>
-          </a:p>
-        </p:txBody>
-      </p:sp>
-    </p:spTree>
-    <p:extLst>
-      <p:ext uri="{BB962C8B-B14F-4D97-AF65-F5344CB8AC3E}">
-        <p14:creationId xmlns:p14="http://schemas.microsoft.com/office/powerpoint/2010/main" val="4233985986"/>
-      </p:ext>
-    </p:extLst>
-  </p:cSld>
-  <p:clrMapOvr>
-    <a:masterClrMapping/>
-  </p:clrMapOvr>
-</p:sld>
-</file>
-
-<file path=ppt/slides/slide17.xml><?xml version="1.0" encoding="utf-8"?>
-<p:sld xmlns:a="http://schemas.openxmlformats.org/drawingml/2006/main" xmlns:r="http://schemas.openxmlformats.org/officeDocument/2006/relationships" xmlns:p="http://schemas.openxmlformats.org/presentationml/2006/main">
-  <p:cSld>
-    <p:bg>
-      <p:bgPr>
-        <a:solidFill>
-          <a:schemeClr val="bg1"/>
-        </a:solidFill>
-        <a:effectLst/>
-      </p:bgPr>
-    </p:bg>
-    <p:spTree>
-      <p:nvGrpSpPr>
-        <p:cNvPr id="1" name=""/>
-        <p:cNvGrpSpPr/>
-        <p:nvPr/>
-      </p:nvGrpSpPr>
-      <p:grpSpPr>
-        <a:xfrm>
-          <a:off x="0" y="0"/>
-          <a:ext cx="0" cy="0"/>
-          <a:chOff x="0" y="0"/>
-          <a:chExt cx="0" cy="0"/>
-        </a:xfrm>
-      </p:grpSpPr>
-      <p:sp>
-        <p:nvSpPr>
-          <p:cNvPr id="8" name="Rectangle 7">
-            <a:extLst>
-              <a:ext uri="{FF2B5EF4-FFF2-40B4-BE49-F238E27FC236}">
-                <a16:creationId xmlns:a16="http://schemas.microsoft.com/office/drawing/2014/main" id="{2B566528-1B12-4246-9431-5C2D7D081168}"/>
-              </a:ext>
-              <a:ext uri="{C183D7F6-B498-43B3-948B-1728B52AA6E4}">
-                <adec:decorative xmlns:adec="http://schemas.microsoft.com/office/drawing/2017/decorative" val="1"/>
-              </a:ext>
-            </a:extLst>
-          </p:cNvPr>
-          <p:cNvSpPr>
-            <a:spLocks noGrp="1" noRot="1" noChangeAspect="1" noMove="1" noResize="1" noEditPoints="1" noAdjustHandles="1" noChangeArrowheads="1" noChangeShapeType="1" noTextEdit="1"/>
-          </p:cNvSpPr>
-          <p:nvPr>
-            <p:extLst>
-              <p:ext uri="{386F3935-93C4-4BCD-93E2-E3B085C9AB24}">
-                <p16:designElem xmlns:p16="http://schemas.microsoft.com/office/powerpoint/2015/main" val="1"/>
-              </p:ext>
-            </p:extLst>
-          </p:nvPr>
-        </p:nvSpPr>
-        <p:spPr>
-          <a:xfrm>
-            <a:off x="0" y="0"/>
-            <a:ext cx="12192000" cy="6858000"/>
-          </a:xfrm>
-          <a:prstGeom prst="rect">
-            <a:avLst/>
-          </a:prstGeom>
-          <a:solidFill>
-            <a:schemeClr val="bg1"/>
-          </a:solidFill>
-          <a:ln>
-            <a:noFill/>
-          </a:ln>
-        </p:spPr>
-        <p:style>
-          <a:lnRef idx="2">
-            <a:schemeClr val="accent1">
-              <a:shade val="50000"/>
-            </a:schemeClr>
-          </a:lnRef>
-          <a:fillRef idx="1">
-            <a:schemeClr val="accent1"/>
-          </a:fillRef>
-          <a:effectRef idx="0">
-            <a:schemeClr val="accent1"/>
-          </a:effectRef>
-          <a:fontRef idx="minor">
-            <a:schemeClr val="lt1"/>
-          </a:fontRef>
-        </p:style>
-        <p:txBody>
-          <a:bodyPr rtlCol="0" anchor="ctr"/>
-          <a:lstStyle/>
-          <a:p>
-            <a:pPr algn="ctr"/>
-            <a:endParaRPr lang="en-US" dirty="0"/>
-          </a:p>
-        </p:txBody>
-      </p:sp>
-      <p:sp>
-        <p:nvSpPr>
-          <p:cNvPr id="2" name="Title 1">
-            <a:extLst>
-              <a:ext uri="{FF2B5EF4-FFF2-40B4-BE49-F238E27FC236}">
-                <a16:creationId xmlns:a16="http://schemas.microsoft.com/office/drawing/2014/main" id="{E11F57DF-60CF-9B21-464B-5AD774288B78}"/>
-              </a:ext>
-            </a:extLst>
-          </p:cNvPr>
-          <p:cNvSpPr>
-            <a:spLocks noGrp="1"/>
-          </p:cNvSpPr>
-          <p:nvPr>
-            <p:ph type="title"/>
-          </p:nvPr>
-        </p:nvSpPr>
-        <p:spPr>
-          <a:xfrm>
-            <a:off x="643467" y="321734"/>
-            <a:ext cx="10905066" cy="1135737"/>
-          </a:xfrm>
-        </p:spPr>
-        <p:txBody>
-          <a:bodyPr>
-            <a:normAutofit/>
-          </a:bodyPr>
-          <a:lstStyle/>
-          <a:p>
-            <a:r>
-              <a:rPr lang="en-JP" sz="3600"/>
-              <a:t>Majority votes and Sybil attack</a:t>
-            </a:r>
-          </a:p>
-        </p:txBody>
-      </p:sp>
-      <p:sp>
-        <p:nvSpPr>
-          <p:cNvPr id="3" name="Content Placeholder 2">
-            <a:extLst>
-              <a:ext uri="{FF2B5EF4-FFF2-40B4-BE49-F238E27FC236}">
-                <a16:creationId xmlns:a16="http://schemas.microsoft.com/office/drawing/2014/main" id="{843C7291-EF46-1B58-DE89-CB0908E36E80}"/>
-              </a:ext>
-            </a:extLst>
-          </p:cNvPr>
-          <p:cNvSpPr>
-            <a:spLocks noGrp="1"/>
-          </p:cNvSpPr>
-          <p:nvPr>
-            <p:ph idx="1"/>
-          </p:nvPr>
-        </p:nvSpPr>
-        <p:spPr>
-          <a:xfrm>
-            <a:off x="643467" y="1782981"/>
-            <a:ext cx="10905066" cy="4393982"/>
-          </a:xfrm>
-        </p:spPr>
-        <p:txBody>
-          <a:bodyPr>
-            <a:normAutofit/>
-          </a:bodyPr>
-          <a:lstStyle/>
-          <a:p>
-            <a:r>
-              <a:rPr lang="en-JP" sz="2400" dirty="0"/>
-              <a:t>Each nodes vote for the proper chain. </a:t>
-            </a:r>
-          </a:p>
-          <a:p>
-            <a:endParaRPr lang="en-JP" sz="2400" dirty="0"/>
-          </a:p>
-          <a:p>
-            <a:r>
-              <a:rPr lang="en-US" sz="2400" dirty="0"/>
-              <a:t>This algorithm b</a:t>
-            </a:r>
-            <a:r>
-              <a:rPr lang="en-JP" sz="2400" dirty="0"/>
-              <a:t>reak down if attacker can increase number of pseudonymous identities at will. </a:t>
-            </a:r>
-          </a:p>
-          <a:p>
-            <a:endParaRPr lang="en-JP" sz="2400" dirty="0"/>
-          </a:p>
-          <a:p>
-            <a:r>
-              <a:rPr lang="en-JP" sz="2400" dirty="0"/>
-              <a:t>In fact, because blockchain is permissionless, they can append many nodes </a:t>
-            </a:r>
-            <a:r>
-              <a:rPr lang="en-US" sz="2400" dirty="0"/>
-              <a:t>as much as they want </a:t>
-            </a:r>
-            <a:r>
-              <a:rPr lang="en-JP" sz="2400" dirty="0"/>
-              <a:t>and influence on the outcome of an agreement.</a:t>
-            </a:r>
-          </a:p>
-          <a:p>
-            <a:endParaRPr lang="en-JP" sz="2000" dirty="0"/>
-          </a:p>
-          <a:p>
-            <a:endParaRPr lang="en-JP" sz="2000" dirty="0"/>
-          </a:p>
-        </p:txBody>
-      </p:sp>
-      <p:sp>
-        <p:nvSpPr>
-          <p:cNvPr id="10" name="Rectangle 9">
-            <a:extLst>
-              <a:ext uri="{FF2B5EF4-FFF2-40B4-BE49-F238E27FC236}">
-                <a16:creationId xmlns:a16="http://schemas.microsoft.com/office/drawing/2014/main" id="{2E80C965-DB6D-4F81-9E9E-B027384D0BD6}"/>
-              </a:ext>
-              <a:ext uri="{C183D7F6-B498-43B3-948B-1728B52AA6E4}">
-                <adec:decorative xmlns:adec="http://schemas.microsoft.com/office/drawing/2017/decorative" val="1"/>
-              </a:ext>
-            </a:extLst>
-          </p:cNvPr>
-          <p:cNvSpPr>
-            <a:spLocks noGrp="1" noRot="1" noChangeAspect="1" noMove="1" noResize="1" noEditPoints="1" noAdjustHandles="1" noChangeArrowheads="1" noChangeShapeType="1" noTextEdit="1"/>
-          </p:cNvSpPr>
-          <p:nvPr>
-            <p:extLst>
-              <p:ext uri="{386F3935-93C4-4BCD-93E2-E3B085C9AB24}">
-                <p16:designElem xmlns:p16="http://schemas.microsoft.com/office/powerpoint/2015/main" val="1"/>
-              </p:ext>
-            </p:extLst>
-          </p:nvPr>
-        </p:nvSpPr>
-        <p:spPr>
-          <a:xfrm rot="2700000">
-            <a:off x="11052629" y="2120024"/>
-            <a:ext cx="645368" cy="645368"/>
-          </a:xfrm>
-          <a:prstGeom prst="rect">
-            <a:avLst/>
-          </a:prstGeom>
-          <a:solidFill>
-            <a:schemeClr val="accent4">
-              <a:alpha val="30000"/>
-            </a:schemeClr>
-          </a:solidFill>
-          <a:ln>
-            <a:noFill/>
-          </a:ln>
-        </p:spPr>
-        <p:style>
-          <a:lnRef idx="2">
-            <a:schemeClr val="accent1">
-              <a:shade val="50000"/>
-            </a:schemeClr>
-          </a:lnRef>
-          <a:fillRef idx="1">
-            <a:schemeClr val="accent1"/>
-          </a:fillRef>
-          <a:effectRef idx="0">
-            <a:schemeClr val="accent1"/>
-          </a:effectRef>
-          <a:fontRef idx="minor">
-            <a:schemeClr val="lt1"/>
-          </a:fontRef>
-        </p:style>
-        <p:txBody>
-          <a:bodyPr rtlCol="0" anchor="ctr"/>
-          <a:lstStyle/>
-          <a:p>
-            <a:pPr algn="ctr"/>
-            <a:endParaRPr lang="en-US"/>
-          </a:p>
-        </p:txBody>
-      </p:sp>
-      <p:sp>
-        <p:nvSpPr>
-          <p:cNvPr id="12" name="Isosceles Triangle 11">
-            <a:extLst>
-              <a:ext uri="{FF2B5EF4-FFF2-40B4-BE49-F238E27FC236}">
-                <a16:creationId xmlns:a16="http://schemas.microsoft.com/office/drawing/2014/main" id="{A580F890-B085-4E95-96AA-55AEBEC5CE6E}"/>
-              </a:ext>
-              <a:ext uri="{C183D7F6-B498-43B3-948B-1728B52AA6E4}">
-                <adec:decorative xmlns:adec="http://schemas.microsoft.com/office/drawing/2017/decorative" val="1"/>
-              </a:ext>
-            </a:extLst>
-          </p:cNvPr>
-          <p:cNvSpPr>
-            <a:spLocks noGrp="1" noRot="1" noChangeAspect="1" noMove="1" noResize="1" noEditPoints="1" noAdjustHandles="1" noChangeArrowheads="1" noChangeShapeType="1" noTextEdit="1"/>
-          </p:cNvSpPr>
-          <p:nvPr>
-            <p:extLst>
-              <p:ext uri="{386F3935-93C4-4BCD-93E2-E3B085C9AB24}">
-                <p16:designElem xmlns:p16="http://schemas.microsoft.com/office/powerpoint/2015/main" val="1"/>
-              </p:ext>
-            </p:extLst>
-          </p:nvPr>
-        </p:nvSpPr>
-        <p:spPr>
-          <a:xfrm rot="16200000">
-            <a:off x="10289068" y="1343027"/>
-            <a:ext cx="2532832" cy="1273032"/>
-          </a:xfrm>
-          <a:prstGeom prst="triangle">
-            <a:avLst>
-              <a:gd name="adj" fmla="val 50000"/>
-            </a:avLst>
-          </a:prstGeom>
-          <a:solidFill>
-            <a:schemeClr val="accent4">
-              <a:alpha val="30000"/>
-            </a:schemeClr>
-          </a:solidFill>
-          <a:ln>
-            <a:noFill/>
-          </a:ln>
-        </p:spPr>
-        <p:style>
-          <a:lnRef idx="2">
-            <a:schemeClr val="accent1">
-              <a:shade val="50000"/>
-            </a:schemeClr>
-          </a:lnRef>
-          <a:fillRef idx="1">
-            <a:schemeClr val="accent1"/>
-          </a:fillRef>
-          <a:effectRef idx="0">
-            <a:schemeClr val="accent1"/>
-          </a:effectRef>
-          <a:fontRef idx="minor">
-            <a:schemeClr val="lt1"/>
-          </a:fontRef>
-        </p:style>
-        <p:txBody>
-          <a:bodyPr rtlCol="0" anchor="ctr"/>
-          <a:lstStyle/>
-          <a:p>
-            <a:pPr algn="ctr"/>
-            <a:endParaRPr lang="en-US"/>
-          </a:p>
-        </p:txBody>
-      </p:sp>
-      <p:sp>
-        <p:nvSpPr>
-          <p:cNvPr id="14" name="Isosceles Triangle 13">
-            <a:extLst>
-              <a:ext uri="{FF2B5EF4-FFF2-40B4-BE49-F238E27FC236}">
-                <a16:creationId xmlns:a16="http://schemas.microsoft.com/office/drawing/2014/main" id="{D3F51FEB-38FB-4F6C-9F7B-2F2AFAB65463}"/>
-              </a:ext>
-              <a:ext uri="{C183D7F6-B498-43B3-948B-1728B52AA6E4}">
-                <adec:decorative xmlns:adec="http://schemas.microsoft.com/office/drawing/2017/decorative" val="1"/>
-              </a:ext>
-            </a:extLst>
-          </p:cNvPr>
-          <p:cNvSpPr>
-            <a:spLocks noGrp="1" noRot="1" noChangeAspect="1" noMove="1" noResize="1" noEditPoints="1" noAdjustHandles="1" noChangeArrowheads="1" noChangeShapeType="1" noTextEdit="1"/>
-          </p:cNvSpPr>
-          <p:nvPr>
-            <p:extLst>
-              <p:ext uri="{386F3935-93C4-4BCD-93E2-E3B085C9AB24}">
-                <p16:designElem xmlns:p16="http://schemas.microsoft.com/office/powerpoint/2015/main" val="1"/>
-              </p:ext>
-            </p:extLst>
-          </p:nvPr>
-        </p:nvSpPr>
-        <p:spPr>
-          <a:xfrm rot="5400000">
-            <a:off x="-501760" y="5103257"/>
-            <a:ext cx="2017580" cy="1014060"/>
-          </a:xfrm>
-          <a:prstGeom prst="triangle">
-            <a:avLst>
-              <a:gd name="adj" fmla="val 50000"/>
-            </a:avLst>
-          </a:prstGeom>
-          <a:solidFill>
-            <a:schemeClr val="accent1">
-              <a:alpha val="30000"/>
-            </a:schemeClr>
-          </a:solidFill>
-          <a:ln>
-            <a:noFill/>
-          </a:ln>
-        </p:spPr>
-        <p:style>
-          <a:lnRef idx="2">
-            <a:schemeClr val="accent1">
-              <a:shade val="50000"/>
-            </a:schemeClr>
-          </a:lnRef>
-          <a:fillRef idx="1">
-            <a:schemeClr val="accent1"/>
-          </a:fillRef>
-          <a:effectRef idx="0">
-            <a:schemeClr val="accent1"/>
-          </a:effectRef>
-          <a:fontRef idx="minor">
-            <a:schemeClr val="lt1"/>
-          </a:fontRef>
-        </p:style>
-        <p:txBody>
-          <a:bodyPr wrap="square" rtlCol="0" anchor="ctr">
-            <a:noAutofit/>
-          </a:bodyPr>
-          <a:lstStyle/>
-          <a:p>
-            <a:pPr algn="ctr"/>
-            <a:endParaRPr lang="en-US"/>
-          </a:p>
-        </p:txBody>
-      </p:sp>
-      <p:sp>
-        <p:nvSpPr>
-          <p:cNvPr id="16" name="Rectangle 15">
-            <a:extLst>
-              <a:ext uri="{FF2B5EF4-FFF2-40B4-BE49-F238E27FC236}">
-                <a16:creationId xmlns:a16="http://schemas.microsoft.com/office/drawing/2014/main" id="{1E547BA6-BAE0-43BB-A7CA-60F69CE252F0}"/>
-              </a:ext>
-              <a:ext uri="{C183D7F6-B498-43B3-948B-1728B52AA6E4}">
-                <adec:decorative xmlns:adec="http://schemas.microsoft.com/office/drawing/2017/decorative" val="1"/>
-              </a:ext>
-            </a:extLst>
-          </p:cNvPr>
-          <p:cNvSpPr>
-            <a:spLocks noGrp="1" noRot="1" noChangeAspect="1" noMove="1" noResize="1" noEditPoints="1" noAdjustHandles="1" noChangeArrowheads="1" noChangeShapeType="1" noTextEdit="1"/>
-          </p:cNvSpPr>
-          <p:nvPr>
-            <p:extLst>
-              <p:ext uri="{386F3935-93C4-4BCD-93E2-E3B085C9AB24}">
-                <p16:designElem xmlns:p16="http://schemas.microsoft.com/office/powerpoint/2015/main" val="1"/>
-              </p:ext>
-            </p:extLst>
-          </p:nvPr>
-        </p:nvSpPr>
-        <p:spPr>
-          <a:xfrm rot="2700000">
-            <a:off x="427916" y="5728708"/>
-            <a:ext cx="485578" cy="485578"/>
-          </a:xfrm>
-          <a:prstGeom prst="rect">
-            <a:avLst/>
-          </a:prstGeom>
-          <a:solidFill>
-            <a:schemeClr val="accent1">
-              <a:alpha val="30000"/>
-            </a:schemeClr>
-          </a:solidFill>
-          <a:ln>
-            <a:noFill/>
-          </a:ln>
-        </p:spPr>
-        <p:style>
-          <a:lnRef idx="2">
-            <a:schemeClr val="accent1">
-              <a:shade val="50000"/>
-            </a:schemeClr>
-          </a:lnRef>
-          <a:fillRef idx="1">
-            <a:schemeClr val="accent1"/>
-          </a:fillRef>
-          <a:effectRef idx="0">
-            <a:schemeClr val="accent1"/>
-          </a:effectRef>
-          <a:fontRef idx="minor">
-            <a:schemeClr val="lt1"/>
-          </a:fontRef>
-        </p:style>
-        <p:txBody>
-          <a:bodyPr wrap="square" rtlCol="0" anchor="ctr">
-            <a:noAutofit/>
-          </a:bodyPr>
-          <a:lstStyle/>
-          <a:p>
-            <a:pPr algn="ctr"/>
-            <a:endParaRPr lang="en-US"/>
-          </a:p>
-        </p:txBody>
-      </p:sp>
-    </p:spTree>
-    <p:extLst>
-      <p:ext uri="{BB962C8B-B14F-4D97-AF65-F5344CB8AC3E}">
-        <p14:creationId xmlns:p14="http://schemas.microsoft.com/office/powerpoint/2010/main" val="336812131"/>
       </p:ext>
     </p:extLst>
   </p:cSld>
@@ -6704,7 +7323,7 @@
           <p:cNvPr id="2" name="Title 1">
             <a:extLst>
               <a:ext uri="{FF2B5EF4-FFF2-40B4-BE49-F238E27FC236}">
-                <a16:creationId xmlns:a16="http://schemas.microsoft.com/office/drawing/2014/main" id="{59F17DFE-ECC4-6DDB-AD7A-E6DB8397E0B4}"/>
+                <a16:creationId xmlns:a16="http://schemas.microsoft.com/office/drawing/2014/main" id="{A915EA7A-4BF4-8253-AB42-6D7EE79C0AEA}"/>
               </a:ext>
             </a:extLst>
           </p:cNvPr>
@@ -6728,8 +7347,12 @@
           <a:lstStyle/>
           <a:p>
             <a:r>
-              <a:rPr lang="en-JP" sz="3600"/>
-              <a:t>Proof of work</a:t>
+              <a:rPr lang="en-US" sz="3600" dirty="0"/>
+              <a:t>Multiple</a:t>
+            </a:r>
+            <a:r>
+              <a:rPr lang="en-JP" sz="3600" dirty="0"/>
+              <a:t> spending</a:t>
             </a:r>
           </a:p>
         </p:txBody>
@@ -6739,7 +7362,7 @@
           <p:cNvPr id="3" name="Content Placeholder 2">
             <a:extLst>
               <a:ext uri="{FF2B5EF4-FFF2-40B4-BE49-F238E27FC236}">
-                <a16:creationId xmlns:a16="http://schemas.microsoft.com/office/drawing/2014/main" id="{3307D7FB-464C-5C27-442B-F2FB0FCC9E18}"/>
+                <a16:creationId xmlns:a16="http://schemas.microsoft.com/office/drawing/2014/main" id="{83C1C254-1B88-5597-BFA1-428004A13FD5}"/>
               </a:ext>
             </a:extLst>
           </p:cNvPr>
@@ -6763,38 +7386,137 @@
           <a:lstStyle/>
           <a:p>
             <a:r>
-              <a:rPr lang="en-JP" sz="2400" dirty="0"/>
-              <a:t>How network-wide agreement may be reached even if one can artificially multiply the nodes and there is no reason  to trust other participants.</a:t>
-            </a:r>
-          </a:p>
-          <a:p>
-            <a:endParaRPr lang="en-JP" sz="2400" dirty="0"/>
-          </a:p>
-          <a:p>
-            <a:r>
-              <a:rPr lang="en-JP" sz="2400" dirty="0"/>
-              <a:t>Bitcoin setup a protocol where voting requires computational costs together with the system encouraging clients to attend voting</a:t>
-            </a:r>
-            <a:r>
-              <a:rPr lang="en-US" sz="2400" dirty="0"/>
-              <a:t> (initiative)</a:t>
-            </a:r>
-            <a:endParaRPr lang="en-JP" sz="2400" dirty="0"/>
-          </a:p>
-          <a:p>
-            <a:endParaRPr lang="en-JP" sz="2400" dirty="0"/>
-          </a:p>
-          <a:p>
-            <a:r>
-              <a:rPr lang="en-JP" sz="2400" dirty="0"/>
-              <a:t>Difficulty of work will be adjusted from time to time</a:t>
-            </a:r>
-          </a:p>
-          <a:p>
-            <a:endParaRPr lang="en-JP" sz="2000" dirty="0"/>
-          </a:p>
-          <a:p>
-            <a:endParaRPr lang="en-JP" sz="2000" dirty="0"/>
+              <a:rPr lang="en-JP" sz="2400" dirty="0">
+                <a:latin typeface="Times New Roman" panose="02020603050405020304" pitchFamily="18" charset="0"/>
+                <a:cs typeface="Times New Roman" panose="02020603050405020304" pitchFamily="18" charset="0"/>
+              </a:rPr>
+              <a:t>Attack</a:t>
+            </a:r>
+            <a:r>
+              <a:rPr lang="en-US" sz="2400" dirty="0">
+                <a:latin typeface="Times New Roman" panose="02020603050405020304" pitchFamily="18" charset="0"/>
+                <a:cs typeface="Times New Roman" panose="02020603050405020304" pitchFamily="18" charset="0"/>
+              </a:rPr>
+              <a:t>errs try to create another chain on purpose in order to </a:t>
+            </a:r>
+            <a:r>
+              <a:rPr lang="en-JP" sz="2400" dirty="0">
+                <a:latin typeface="Times New Roman" panose="02020603050405020304" pitchFamily="18" charset="0"/>
+                <a:cs typeface="Times New Roman" panose="02020603050405020304" pitchFamily="18" charset="0"/>
+              </a:rPr>
+              <a:t>modify or cancel a transaction</a:t>
+            </a:r>
+            <a:r>
+              <a:rPr lang="en-US" sz="2400" dirty="0">
+                <a:latin typeface="Times New Roman" panose="02020603050405020304" pitchFamily="18" charset="0"/>
+                <a:cs typeface="Times New Roman" panose="02020603050405020304" pitchFamily="18" charset="0"/>
+              </a:rPr>
+              <a:t>.</a:t>
+            </a:r>
+            <a:endParaRPr lang="en-JP" sz="2400" dirty="0">
+              <a:latin typeface="Times New Roman" panose="02020603050405020304" pitchFamily="18" charset="0"/>
+              <a:cs typeface="Times New Roman" panose="02020603050405020304" pitchFamily="18" charset="0"/>
+            </a:endParaRPr>
+          </a:p>
+          <a:p>
+            <a:endParaRPr lang="en-JP" sz="2400" dirty="0">
+              <a:latin typeface="Times New Roman" panose="02020603050405020304" pitchFamily="18" charset="0"/>
+              <a:cs typeface="Times New Roman" panose="02020603050405020304" pitchFamily="18" charset="0"/>
+            </a:endParaRPr>
+          </a:p>
+          <a:p>
+            <a:r>
+              <a:rPr lang="en-JP" sz="2400" dirty="0">
+                <a:latin typeface="Times New Roman" panose="02020603050405020304" pitchFamily="18" charset="0"/>
+                <a:cs typeface="Times New Roman" panose="02020603050405020304" pitchFamily="18" charset="0"/>
+              </a:rPr>
+              <a:t>No Multiple spending for TTP model</a:t>
+            </a:r>
+            <a:r>
+              <a:rPr lang="en-US" sz="2400" dirty="0">
+                <a:latin typeface="Times New Roman" panose="02020603050405020304" pitchFamily="18" charset="0"/>
+                <a:cs typeface="Times New Roman" panose="02020603050405020304" pitchFamily="18" charset="0"/>
+              </a:rPr>
+              <a:t>.</a:t>
+            </a:r>
+            <a:endParaRPr lang="en-JP" sz="2400" dirty="0">
+              <a:latin typeface="Times New Roman" panose="02020603050405020304" pitchFamily="18" charset="0"/>
+              <a:cs typeface="Times New Roman" panose="02020603050405020304" pitchFamily="18" charset="0"/>
+            </a:endParaRPr>
+          </a:p>
+          <a:p>
+            <a:pPr marL="0" indent="0">
+              <a:buNone/>
+            </a:pPr>
+            <a:endParaRPr lang="en-JP" sz="2400" dirty="0">
+              <a:latin typeface="Times New Roman" panose="02020603050405020304" pitchFamily="18" charset="0"/>
+              <a:cs typeface="Times New Roman" panose="02020603050405020304" pitchFamily="18" charset="0"/>
+            </a:endParaRPr>
+          </a:p>
+          <a:p>
+            <a:r>
+              <a:rPr lang="en-US" sz="2400" dirty="0">
+                <a:latin typeface="Times New Roman" panose="02020603050405020304" pitchFamily="18" charset="0"/>
+                <a:cs typeface="Times New Roman" panose="02020603050405020304" pitchFamily="18" charset="0"/>
+              </a:rPr>
+              <a:t>There is no guarantee that we can prevent the appearance of new chain yet, t</a:t>
+            </a:r>
+            <a:r>
+              <a:rPr lang="en-JP" sz="2400" dirty="0">
+                <a:latin typeface="Times New Roman" panose="02020603050405020304" pitchFamily="18" charset="0"/>
+                <a:cs typeface="Times New Roman" panose="02020603050405020304" pitchFamily="18" charset="0"/>
+              </a:rPr>
+              <a:t>here is multiple spend in</a:t>
+            </a:r>
+            <a:r>
+              <a:rPr lang="en-US" sz="2400" dirty="0">
+                <a:latin typeface="Times New Roman" panose="02020603050405020304" pitchFamily="18" charset="0"/>
+                <a:cs typeface="Times New Roman" panose="02020603050405020304" pitchFamily="18" charset="0"/>
+              </a:rPr>
+              <a:t> </a:t>
+            </a:r>
+            <a:r>
+              <a:rPr lang="en-JP" sz="2400" dirty="0">
+                <a:latin typeface="Times New Roman" panose="02020603050405020304" pitchFamily="18" charset="0"/>
+                <a:cs typeface="Times New Roman" panose="02020603050405020304" pitchFamily="18" charset="0"/>
+              </a:rPr>
+              <a:t>decentralized setup</a:t>
+            </a:r>
+            <a:r>
+              <a:rPr lang="en-US" sz="2400" dirty="0">
+                <a:latin typeface="Times New Roman" panose="02020603050405020304" pitchFamily="18" charset="0"/>
+                <a:cs typeface="Times New Roman" panose="02020603050405020304" pitchFamily="18" charset="0"/>
+              </a:rPr>
+              <a:t>.</a:t>
+            </a:r>
+            <a:endParaRPr lang="en-JP" sz="2400" dirty="0">
+              <a:latin typeface="Times New Roman" panose="02020603050405020304" pitchFamily="18" charset="0"/>
+              <a:cs typeface="Times New Roman" panose="02020603050405020304" pitchFamily="18" charset="0"/>
+            </a:endParaRPr>
+          </a:p>
+          <a:p>
+            <a:endParaRPr lang="en-JP" sz="2000" dirty="0">
+              <a:latin typeface="Times New Roman" panose="02020603050405020304" pitchFamily="18" charset="0"/>
+              <a:cs typeface="Times New Roman" panose="02020603050405020304" pitchFamily="18" charset="0"/>
+            </a:endParaRPr>
+          </a:p>
+          <a:p>
+            <a:endParaRPr lang="en-JP" sz="2000" dirty="0">
+              <a:latin typeface="Times New Roman" panose="02020603050405020304" pitchFamily="18" charset="0"/>
+              <a:cs typeface="Times New Roman" panose="02020603050405020304" pitchFamily="18" charset="0"/>
+            </a:endParaRPr>
+          </a:p>
+          <a:p>
+            <a:endParaRPr lang="en-JP" sz="2000" dirty="0">
+              <a:latin typeface="Times New Roman" panose="02020603050405020304" pitchFamily="18" charset="0"/>
+              <a:cs typeface="Times New Roman" panose="02020603050405020304" pitchFamily="18" charset="0"/>
+            </a:endParaRPr>
+          </a:p>
+          <a:p>
+            <a:endParaRPr lang="en-JP" sz="2000" dirty="0">
+              <a:latin typeface="Times New Roman" panose="02020603050405020304" pitchFamily="18" charset="0"/>
+              <a:cs typeface="Times New Roman" panose="02020603050405020304" pitchFamily="18" charset="0"/>
+            </a:endParaRPr>
           </a:p>
         </p:txBody>
       </p:sp>
@@ -7069,7 +7791,7 @@
     </p:spTree>
     <p:extLst>
       <p:ext uri="{BB962C8B-B14F-4D97-AF65-F5344CB8AC3E}">
-        <p14:creationId xmlns:p14="http://schemas.microsoft.com/office/powerpoint/2010/main" val="4167736196"/>
+        <p14:creationId xmlns:p14="http://schemas.microsoft.com/office/powerpoint/2010/main" val="280019012"/>
       </p:ext>
     </p:extLst>
   </p:cSld>
@@ -7082,6 +7804,14 @@
 <file path=ppt/slides/slide19.xml><?xml version="1.0" encoding="utf-8"?>
 <p:sld xmlns:a="http://schemas.openxmlformats.org/drawingml/2006/main" xmlns:r="http://schemas.openxmlformats.org/officeDocument/2006/relationships" xmlns:p="http://schemas.openxmlformats.org/presentationml/2006/main">
   <p:cSld>
+    <p:bg>
+      <p:bgPr>
+        <a:solidFill>
+          <a:schemeClr val="bg1"/>
+        </a:solidFill>
+        <a:effectLst/>
+      </p:bgPr>
+    </p:bg>
     <p:spTree>
       <p:nvGrpSpPr>
         <p:cNvPr id="1" name=""/>
@@ -7098,125 +7828,482 @@
       </p:grpSpPr>
       <p:sp>
         <p:nvSpPr>
-          <p:cNvPr id="2" name="タイトル 1">
-            <a:extLst>
-              <a:ext uri="{FF2B5EF4-FFF2-40B4-BE49-F238E27FC236}">
-                <a16:creationId xmlns:a16="http://schemas.microsoft.com/office/drawing/2014/main" id="{B2BD4848-5057-4D00-9FC6-67CE26D3DA9A}"/>
-              </a:ext>
-            </a:extLst>
-          </p:cNvPr>
-          <p:cNvSpPr>
-            <a:spLocks noGrp="1"/>
-          </p:cNvSpPr>
-          <p:nvPr>
-            <p:ph type="title"/>
+          <p:cNvPr id="8" name="Rectangle 7">
+            <a:extLst>
+              <a:ext uri="{FF2B5EF4-FFF2-40B4-BE49-F238E27FC236}">
+                <a16:creationId xmlns:a16="http://schemas.microsoft.com/office/drawing/2014/main" id="{2B566528-1B12-4246-9431-5C2D7D081168}"/>
+              </a:ext>
+              <a:ext uri="{C183D7F6-B498-43B3-948B-1728B52AA6E4}">
+                <adec:decorative xmlns:adec="http://schemas.microsoft.com/office/drawing/2017/decorative" val="1"/>
+              </a:ext>
+            </a:extLst>
+          </p:cNvPr>
+          <p:cNvSpPr>
+            <a:spLocks noGrp="1" noRot="1" noChangeAspect="1" noMove="1" noResize="1" noEditPoints="1" noAdjustHandles="1" noChangeArrowheads="1" noChangeShapeType="1" noTextEdit="1"/>
+          </p:cNvSpPr>
+          <p:nvPr>
+            <p:extLst>
+              <p:ext uri="{386F3935-93C4-4BCD-93E2-E3B085C9AB24}">
+                <p16:designElem xmlns:p16="http://schemas.microsoft.com/office/powerpoint/2015/main" val="1"/>
+              </p:ext>
+            </p:extLst>
           </p:nvPr>
         </p:nvSpPr>
         <p:spPr>
           <a:xfrm>
-            <a:off x="838200" y="365126"/>
-            <a:ext cx="10515600" cy="904382"/>
-          </a:xfrm>
-        </p:spPr>
-        <p:txBody>
-          <a:bodyPr/>
-          <a:lstStyle/>
-          <a:p>
-            <a:r>
-              <a:rPr lang="en-US" dirty="0"/>
-              <a:t>Proof of Work</a:t>
-            </a:r>
-          </a:p>
-        </p:txBody>
-      </p:sp>
-      <p:sp>
-        <p:nvSpPr>
-          <p:cNvPr id="3" name="コンテンツ プレースホルダー 2">
-            <a:extLst>
-              <a:ext uri="{FF2B5EF4-FFF2-40B4-BE49-F238E27FC236}">
-                <a16:creationId xmlns:a16="http://schemas.microsoft.com/office/drawing/2014/main" id="{6E00CFB9-67BF-4F8F-99C5-3F4184906618}"/>
-              </a:ext>
-            </a:extLst>
-          </p:cNvPr>
-          <p:cNvSpPr>
-            <a:spLocks noGrp="1"/>
-          </p:cNvSpPr>
-          <p:nvPr>
-            <p:ph idx="1"/>
-          </p:nvPr>
-        </p:nvSpPr>
-        <p:spPr>
-          <a:xfrm>
-            <a:off x="838200" y="1367161"/>
-            <a:ext cx="10515600" cy="4809802"/>
-          </a:xfrm>
-        </p:spPr>
-        <p:txBody>
-          <a:bodyPr/>
-          <a:lstStyle/>
-          <a:p>
-            <a:r>
-              <a:rPr lang="en-US" dirty="0"/>
-              <a:t>The bitcoin force miners to search for a valid nonce whose value is adjusted by miners until the hash of the block is less than or equal to the current target difficulty of the block.</a:t>
-            </a:r>
-          </a:p>
-          <a:p>
-            <a:endParaRPr lang="en-US" dirty="0"/>
-          </a:p>
-          <a:p>
-            <a:endParaRPr lang="en-US" dirty="0"/>
-          </a:p>
-          <a:p>
-            <a:endParaRPr lang="en-US" dirty="0"/>
-          </a:p>
-          <a:p>
-            <a:endParaRPr lang="en-US" dirty="0"/>
-          </a:p>
-          <a:p>
-            <a:endParaRPr lang="en-US" dirty="0"/>
-          </a:p>
-          <a:p>
-            <a:r>
-              <a:rPr lang="en-US" dirty="0"/>
-              <a:t>A Miner who find the valid nonce broadcasts it to the network </a:t>
-            </a:r>
-          </a:p>
-        </p:txBody>
-      </p:sp>
-      <p:pic>
-        <p:nvPicPr>
-          <p:cNvPr id="5" name="図 4">
-            <a:extLst>
-              <a:ext uri="{FF2B5EF4-FFF2-40B4-BE49-F238E27FC236}">
-                <a16:creationId xmlns:a16="http://schemas.microsoft.com/office/drawing/2014/main" id="{5CEEDEB6-AB4B-46E2-8358-D27B6EBCBBE0}"/>
-              </a:ext>
-            </a:extLst>
-          </p:cNvPr>
-          <p:cNvPicPr>
-            <a:picLocks noChangeAspect="1"/>
-          </p:cNvPicPr>
-          <p:nvPr/>
-        </p:nvPicPr>
-        <p:blipFill>
-          <a:blip r:embed="rId2"/>
-          <a:stretch>
-            <a:fillRect/>
-          </a:stretch>
-        </p:blipFill>
-        <p:spPr>
-          <a:xfrm>
-            <a:off x="1628749" y="2817734"/>
-            <a:ext cx="8934502" cy="2174144"/>
+            <a:off x="0" y="0"/>
+            <a:ext cx="12192000" cy="6858000"/>
           </a:xfrm>
           <a:prstGeom prst="rect">
             <a:avLst/>
           </a:prstGeom>
+          <a:solidFill>
+            <a:schemeClr val="bg1"/>
+          </a:solidFill>
+          <a:ln>
+            <a:noFill/>
+          </a:ln>
         </p:spPr>
-      </p:pic>
+        <p:style>
+          <a:lnRef idx="2">
+            <a:schemeClr val="accent1">
+              <a:shade val="50000"/>
+            </a:schemeClr>
+          </a:lnRef>
+          <a:fillRef idx="1">
+            <a:schemeClr val="accent1"/>
+          </a:fillRef>
+          <a:effectRef idx="0">
+            <a:schemeClr val="accent1"/>
+          </a:effectRef>
+          <a:fontRef idx="minor">
+            <a:schemeClr val="lt1"/>
+          </a:fontRef>
+        </p:style>
+        <p:txBody>
+          <a:bodyPr rtlCol="0" anchor="ctr"/>
+          <a:lstStyle/>
+          <a:p>
+            <a:pPr algn="ctr"/>
+            <a:endParaRPr lang="en-US" dirty="0"/>
+          </a:p>
+        </p:txBody>
+      </p:sp>
+      <p:sp>
+        <p:nvSpPr>
+          <p:cNvPr id="2" name="Title 1">
+            <a:extLst>
+              <a:ext uri="{FF2B5EF4-FFF2-40B4-BE49-F238E27FC236}">
+                <a16:creationId xmlns:a16="http://schemas.microsoft.com/office/drawing/2014/main" id="{B4B227BD-A5DB-3381-F8A3-CAD574A56551}"/>
+              </a:ext>
+            </a:extLst>
+          </p:cNvPr>
+          <p:cNvSpPr>
+            <a:spLocks noGrp="1"/>
+          </p:cNvSpPr>
+          <p:nvPr>
+            <p:ph type="title"/>
+          </p:nvPr>
+        </p:nvSpPr>
+        <p:spPr>
+          <a:xfrm>
+            <a:off x="643467" y="321734"/>
+            <a:ext cx="10905066" cy="1135737"/>
+          </a:xfrm>
+        </p:spPr>
+        <p:txBody>
+          <a:bodyPr>
+            <a:normAutofit/>
+          </a:bodyPr>
+          <a:lstStyle/>
+          <a:p>
+            <a:r>
+              <a:rPr lang="en-JP" sz="3600" dirty="0"/>
+              <a:t>Network consensus</a:t>
+            </a:r>
+          </a:p>
+        </p:txBody>
+      </p:sp>
+      <p:sp>
+        <p:nvSpPr>
+          <p:cNvPr id="3" name="Content Placeholder 2">
+            <a:extLst>
+              <a:ext uri="{FF2B5EF4-FFF2-40B4-BE49-F238E27FC236}">
+                <a16:creationId xmlns:a16="http://schemas.microsoft.com/office/drawing/2014/main" id="{58979D12-838A-EAC1-D606-B20E13D7752B}"/>
+              </a:ext>
+            </a:extLst>
+          </p:cNvPr>
+          <p:cNvSpPr>
+            <a:spLocks noGrp="1"/>
+          </p:cNvSpPr>
+          <p:nvPr>
+            <p:ph idx="1"/>
+          </p:nvPr>
+        </p:nvSpPr>
+        <p:spPr>
+          <a:xfrm>
+            <a:off x="643467" y="1782981"/>
+            <a:ext cx="10905066" cy="4393982"/>
+          </a:xfrm>
+        </p:spPr>
+        <p:txBody>
+          <a:bodyPr>
+            <a:normAutofit/>
+          </a:bodyPr>
+          <a:lstStyle/>
+          <a:p>
+            <a:r>
+              <a:rPr lang="en-US" sz="2400" dirty="0">
+                <a:latin typeface="Times New Roman" panose="02020603050405020304" pitchFamily="18" charset="0"/>
+                <a:cs typeface="Times New Roman" panose="02020603050405020304" pitchFamily="18" charset="0"/>
+              </a:rPr>
+              <a:t>Although D</a:t>
+            </a:r>
+            <a:r>
+              <a:rPr lang="en-JP" sz="2400" dirty="0">
+                <a:latin typeface="Times New Roman" panose="02020603050405020304" pitchFamily="18" charset="0"/>
+                <a:cs typeface="Times New Roman" panose="02020603050405020304" pitchFamily="18" charset="0"/>
+              </a:rPr>
+              <a:t>istributed ledger is robust for any other problems, it is fragile to multiple spending</a:t>
+            </a:r>
+          </a:p>
+          <a:p>
+            <a:endParaRPr lang="en-JP" sz="2400" dirty="0">
+              <a:latin typeface="Times New Roman" panose="02020603050405020304" pitchFamily="18" charset="0"/>
+              <a:cs typeface="Times New Roman" panose="02020603050405020304" pitchFamily="18" charset="0"/>
+            </a:endParaRPr>
+          </a:p>
+          <a:p>
+            <a:r>
+              <a:rPr lang="en-JP" sz="2400" dirty="0">
+                <a:latin typeface="Times New Roman" panose="02020603050405020304" pitchFamily="18" charset="0"/>
+                <a:cs typeface="Times New Roman" panose="02020603050405020304" pitchFamily="18" charset="0"/>
+              </a:rPr>
+              <a:t>So, it needs consensus algorithm that is also resilient to the other problems.</a:t>
+            </a:r>
+          </a:p>
+          <a:p>
+            <a:pPr marL="0" indent="0">
+              <a:buNone/>
+            </a:pPr>
+            <a:endParaRPr lang="en-JP" sz="2400" dirty="0">
+              <a:latin typeface="Times New Roman" panose="02020603050405020304" pitchFamily="18" charset="0"/>
+              <a:cs typeface="Times New Roman" panose="02020603050405020304" pitchFamily="18" charset="0"/>
+            </a:endParaRPr>
+          </a:p>
+          <a:p>
+            <a:r>
+              <a:rPr lang="en-JP" sz="2400" dirty="0">
+                <a:latin typeface="Times New Roman" panose="02020603050405020304" pitchFamily="18" charset="0"/>
+                <a:cs typeface="Times New Roman" panose="02020603050405020304" pitchFamily="18" charset="0"/>
+              </a:rPr>
+              <a:t>Many such algorithm can be considered</a:t>
+            </a:r>
+          </a:p>
+          <a:p>
+            <a:pPr lvl="1"/>
+            <a:r>
+              <a:rPr lang="en-JP" dirty="0">
+                <a:latin typeface="Times New Roman" panose="02020603050405020304" pitchFamily="18" charset="0"/>
+                <a:cs typeface="Times New Roman" panose="02020603050405020304" pitchFamily="18" charset="0"/>
+              </a:rPr>
+              <a:t>Majority votes </a:t>
+            </a:r>
+          </a:p>
+          <a:p>
+            <a:pPr lvl="1"/>
+            <a:r>
+              <a:rPr lang="en-JP" dirty="0">
+                <a:latin typeface="Times New Roman" panose="02020603050405020304" pitchFamily="18" charset="0"/>
+                <a:cs typeface="Times New Roman" panose="02020603050405020304" pitchFamily="18" charset="0"/>
+              </a:rPr>
+              <a:t>Proof of work</a:t>
+            </a:r>
+          </a:p>
+          <a:p>
+            <a:pPr lvl="1"/>
+            <a:r>
+              <a:rPr lang="en-JP" dirty="0">
+                <a:latin typeface="Times New Roman" panose="02020603050405020304" pitchFamily="18" charset="0"/>
+                <a:cs typeface="Times New Roman" panose="02020603050405020304" pitchFamily="18" charset="0"/>
+              </a:rPr>
+              <a:t>Proof of stake</a:t>
+            </a:r>
+          </a:p>
+        </p:txBody>
+      </p:sp>
+      <p:sp>
+        <p:nvSpPr>
+          <p:cNvPr id="10" name="Rectangle 9">
+            <a:extLst>
+              <a:ext uri="{FF2B5EF4-FFF2-40B4-BE49-F238E27FC236}">
+                <a16:creationId xmlns:a16="http://schemas.microsoft.com/office/drawing/2014/main" id="{2E80C965-DB6D-4F81-9E9E-B027384D0BD6}"/>
+              </a:ext>
+              <a:ext uri="{C183D7F6-B498-43B3-948B-1728B52AA6E4}">
+                <adec:decorative xmlns:adec="http://schemas.microsoft.com/office/drawing/2017/decorative" val="1"/>
+              </a:ext>
+            </a:extLst>
+          </p:cNvPr>
+          <p:cNvSpPr>
+            <a:spLocks noGrp="1" noRot="1" noChangeAspect="1" noMove="1" noResize="1" noEditPoints="1" noAdjustHandles="1" noChangeArrowheads="1" noChangeShapeType="1" noTextEdit="1"/>
+          </p:cNvSpPr>
+          <p:nvPr>
+            <p:extLst>
+              <p:ext uri="{386F3935-93C4-4BCD-93E2-E3B085C9AB24}">
+                <p16:designElem xmlns:p16="http://schemas.microsoft.com/office/powerpoint/2015/main" val="1"/>
+              </p:ext>
+            </p:extLst>
+          </p:nvPr>
+        </p:nvSpPr>
+        <p:spPr>
+          <a:xfrm rot="2700000">
+            <a:off x="11052629" y="2120024"/>
+            <a:ext cx="645368" cy="645368"/>
+          </a:xfrm>
+          <a:prstGeom prst="rect">
+            <a:avLst/>
+          </a:prstGeom>
+          <a:solidFill>
+            <a:schemeClr val="accent4">
+              <a:alpha val="30000"/>
+            </a:schemeClr>
+          </a:solidFill>
+          <a:ln>
+            <a:noFill/>
+          </a:ln>
+        </p:spPr>
+        <p:style>
+          <a:lnRef idx="2">
+            <a:schemeClr val="accent1">
+              <a:shade val="50000"/>
+            </a:schemeClr>
+          </a:lnRef>
+          <a:fillRef idx="1">
+            <a:schemeClr val="accent1"/>
+          </a:fillRef>
+          <a:effectRef idx="0">
+            <a:schemeClr val="accent1"/>
+          </a:effectRef>
+          <a:fontRef idx="minor">
+            <a:schemeClr val="lt1"/>
+          </a:fontRef>
+        </p:style>
+        <p:txBody>
+          <a:bodyPr rtlCol="0" anchor="ctr"/>
+          <a:lstStyle/>
+          <a:p>
+            <a:pPr algn="ctr"/>
+            <a:endParaRPr lang="en-US"/>
+          </a:p>
+        </p:txBody>
+      </p:sp>
+      <p:sp>
+        <p:nvSpPr>
+          <p:cNvPr id="12" name="Isosceles Triangle 11">
+            <a:extLst>
+              <a:ext uri="{FF2B5EF4-FFF2-40B4-BE49-F238E27FC236}">
+                <a16:creationId xmlns:a16="http://schemas.microsoft.com/office/drawing/2014/main" id="{A580F890-B085-4E95-96AA-55AEBEC5CE6E}"/>
+              </a:ext>
+              <a:ext uri="{C183D7F6-B498-43B3-948B-1728B52AA6E4}">
+                <adec:decorative xmlns:adec="http://schemas.microsoft.com/office/drawing/2017/decorative" val="1"/>
+              </a:ext>
+            </a:extLst>
+          </p:cNvPr>
+          <p:cNvSpPr>
+            <a:spLocks noGrp="1" noRot="1" noChangeAspect="1" noMove="1" noResize="1" noEditPoints="1" noAdjustHandles="1" noChangeArrowheads="1" noChangeShapeType="1" noTextEdit="1"/>
+          </p:cNvSpPr>
+          <p:nvPr>
+            <p:extLst>
+              <p:ext uri="{386F3935-93C4-4BCD-93E2-E3B085C9AB24}">
+                <p16:designElem xmlns:p16="http://schemas.microsoft.com/office/powerpoint/2015/main" val="1"/>
+              </p:ext>
+            </p:extLst>
+          </p:nvPr>
+        </p:nvSpPr>
+        <p:spPr>
+          <a:xfrm rot="16200000">
+            <a:off x="10289068" y="1343027"/>
+            <a:ext cx="2532832" cy="1273032"/>
+          </a:xfrm>
+          <a:prstGeom prst="triangle">
+            <a:avLst>
+              <a:gd name="adj" fmla="val 50000"/>
+            </a:avLst>
+          </a:prstGeom>
+          <a:solidFill>
+            <a:schemeClr val="accent4">
+              <a:alpha val="30000"/>
+            </a:schemeClr>
+          </a:solidFill>
+          <a:ln>
+            <a:noFill/>
+          </a:ln>
+        </p:spPr>
+        <p:style>
+          <a:lnRef idx="2">
+            <a:schemeClr val="accent1">
+              <a:shade val="50000"/>
+            </a:schemeClr>
+          </a:lnRef>
+          <a:fillRef idx="1">
+            <a:schemeClr val="accent1"/>
+          </a:fillRef>
+          <a:effectRef idx="0">
+            <a:schemeClr val="accent1"/>
+          </a:effectRef>
+          <a:fontRef idx="minor">
+            <a:schemeClr val="lt1"/>
+          </a:fontRef>
+        </p:style>
+        <p:txBody>
+          <a:bodyPr rtlCol="0" anchor="ctr"/>
+          <a:lstStyle/>
+          <a:p>
+            <a:pPr algn="ctr"/>
+            <a:endParaRPr lang="en-US"/>
+          </a:p>
+        </p:txBody>
+      </p:sp>
+      <p:sp>
+        <p:nvSpPr>
+          <p:cNvPr id="14" name="Isosceles Triangle 13">
+            <a:extLst>
+              <a:ext uri="{FF2B5EF4-FFF2-40B4-BE49-F238E27FC236}">
+                <a16:creationId xmlns:a16="http://schemas.microsoft.com/office/drawing/2014/main" id="{D3F51FEB-38FB-4F6C-9F7B-2F2AFAB65463}"/>
+              </a:ext>
+              <a:ext uri="{C183D7F6-B498-43B3-948B-1728B52AA6E4}">
+                <adec:decorative xmlns:adec="http://schemas.microsoft.com/office/drawing/2017/decorative" val="1"/>
+              </a:ext>
+            </a:extLst>
+          </p:cNvPr>
+          <p:cNvSpPr>
+            <a:spLocks noGrp="1" noRot="1" noChangeAspect="1" noMove="1" noResize="1" noEditPoints="1" noAdjustHandles="1" noChangeArrowheads="1" noChangeShapeType="1" noTextEdit="1"/>
+          </p:cNvSpPr>
+          <p:nvPr>
+            <p:extLst>
+              <p:ext uri="{386F3935-93C4-4BCD-93E2-E3B085C9AB24}">
+                <p16:designElem xmlns:p16="http://schemas.microsoft.com/office/powerpoint/2015/main" val="1"/>
+              </p:ext>
+            </p:extLst>
+          </p:nvPr>
+        </p:nvSpPr>
+        <p:spPr>
+          <a:xfrm rot="5400000">
+            <a:off x="-501760" y="5103257"/>
+            <a:ext cx="2017580" cy="1014060"/>
+          </a:xfrm>
+          <a:prstGeom prst="triangle">
+            <a:avLst>
+              <a:gd name="adj" fmla="val 50000"/>
+            </a:avLst>
+          </a:prstGeom>
+          <a:solidFill>
+            <a:schemeClr val="accent1">
+              <a:alpha val="30000"/>
+            </a:schemeClr>
+          </a:solidFill>
+          <a:ln>
+            <a:noFill/>
+          </a:ln>
+        </p:spPr>
+        <p:style>
+          <a:lnRef idx="2">
+            <a:schemeClr val="accent1">
+              <a:shade val="50000"/>
+            </a:schemeClr>
+          </a:lnRef>
+          <a:fillRef idx="1">
+            <a:schemeClr val="accent1"/>
+          </a:fillRef>
+          <a:effectRef idx="0">
+            <a:schemeClr val="accent1"/>
+          </a:effectRef>
+          <a:fontRef idx="minor">
+            <a:schemeClr val="lt1"/>
+          </a:fontRef>
+        </p:style>
+        <p:txBody>
+          <a:bodyPr wrap="square" rtlCol="0" anchor="ctr">
+            <a:noAutofit/>
+          </a:bodyPr>
+          <a:lstStyle/>
+          <a:p>
+            <a:pPr algn="ctr"/>
+            <a:endParaRPr lang="en-US"/>
+          </a:p>
+        </p:txBody>
+      </p:sp>
+      <p:sp>
+        <p:nvSpPr>
+          <p:cNvPr id="16" name="Rectangle 15">
+            <a:extLst>
+              <a:ext uri="{FF2B5EF4-FFF2-40B4-BE49-F238E27FC236}">
+                <a16:creationId xmlns:a16="http://schemas.microsoft.com/office/drawing/2014/main" id="{1E547BA6-BAE0-43BB-A7CA-60F69CE252F0}"/>
+              </a:ext>
+              <a:ext uri="{C183D7F6-B498-43B3-948B-1728B52AA6E4}">
+                <adec:decorative xmlns:adec="http://schemas.microsoft.com/office/drawing/2017/decorative" val="1"/>
+              </a:ext>
+            </a:extLst>
+          </p:cNvPr>
+          <p:cNvSpPr>
+            <a:spLocks noGrp="1" noRot="1" noChangeAspect="1" noMove="1" noResize="1" noEditPoints="1" noAdjustHandles="1" noChangeArrowheads="1" noChangeShapeType="1" noTextEdit="1"/>
+          </p:cNvSpPr>
+          <p:nvPr>
+            <p:extLst>
+              <p:ext uri="{386F3935-93C4-4BCD-93E2-E3B085C9AB24}">
+                <p16:designElem xmlns:p16="http://schemas.microsoft.com/office/powerpoint/2015/main" val="1"/>
+              </p:ext>
+            </p:extLst>
+          </p:nvPr>
+        </p:nvSpPr>
+        <p:spPr>
+          <a:xfrm rot="2700000">
+            <a:off x="427916" y="5728708"/>
+            <a:ext cx="485578" cy="485578"/>
+          </a:xfrm>
+          <a:prstGeom prst="rect">
+            <a:avLst/>
+          </a:prstGeom>
+          <a:solidFill>
+            <a:schemeClr val="accent1">
+              <a:alpha val="30000"/>
+            </a:schemeClr>
+          </a:solidFill>
+          <a:ln>
+            <a:noFill/>
+          </a:ln>
+        </p:spPr>
+        <p:style>
+          <a:lnRef idx="2">
+            <a:schemeClr val="accent1">
+              <a:shade val="50000"/>
+            </a:schemeClr>
+          </a:lnRef>
+          <a:fillRef idx="1">
+            <a:schemeClr val="accent1"/>
+          </a:fillRef>
+          <a:effectRef idx="0">
+            <a:schemeClr val="accent1"/>
+          </a:effectRef>
+          <a:fontRef idx="minor">
+            <a:schemeClr val="lt1"/>
+          </a:fontRef>
+        </p:style>
+        <p:txBody>
+          <a:bodyPr wrap="square" rtlCol="0" anchor="ctr">
+            <a:noAutofit/>
+          </a:bodyPr>
+          <a:lstStyle/>
+          <a:p>
+            <a:pPr algn="ctr"/>
+            <a:endParaRPr lang="en-US"/>
+          </a:p>
+        </p:txBody>
+      </p:sp>
     </p:spTree>
     <p:extLst>
       <p:ext uri="{BB962C8B-B14F-4D97-AF65-F5344CB8AC3E}">
-        <p14:creationId xmlns:p14="http://schemas.microsoft.com/office/powerpoint/2010/main" val="1084007103"/>
+        <p14:creationId xmlns:p14="http://schemas.microsoft.com/office/powerpoint/2010/main" val="4233985986"/>
       </p:ext>
     </p:extLst>
   </p:cSld>
@@ -7253,7 +8340,7 @@
       </p:grpSpPr>
       <p:sp>
         <p:nvSpPr>
-          <p:cNvPr id="9" name="Rectangle 8">
+          <p:cNvPr id="8" name="Rectangle 7">
             <a:extLst>
               <a:ext uri="{FF2B5EF4-FFF2-40B4-BE49-F238E27FC236}">
                 <a16:creationId xmlns:a16="http://schemas.microsoft.com/office/drawing/2014/main" id="{2B566528-1B12-4246-9431-5C2D7D081168}"/>
@@ -7316,10 +8403,10 @@
       </p:sp>
       <p:sp>
         <p:nvSpPr>
-          <p:cNvPr id="2" name="Title 1">
-            <a:extLst>
-              <a:ext uri="{FF2B5EF4-FFF2-40B4-BE49-F238E27FC236}">
-                <a16:creationId xmlns:a16="http://schemas.microsoft.com/office/drawing/2014/main" id="{F4EFB335-C567-65A1-C378-878D6284B9F7}"/>
+          <p:cNvPr id="2" name="タイトル 1">
+            <a:extLst>
+              <a:ext uri="{FF2B5EF4-FFF2-40B4-BE49-F238E27FC236}">
+                <a16:creationId xmlns:a16="http://schemas.microsoft.com/office/drawing/2014/main" id="{1C39FD52-B919-40E1-8B69-BCE30B5AFC90}"/>
               </a:ext>
             </a:extLst>
           </p:cNvPr>
@@ -7343,6 +8430,2980 @@
           <a:lstStyle/>
           <a:p>
             <a:r>
+              <a:rPr lang="en-US" sz="3600"/>
+              <a:t>My recent work</a:t>
+            </a:r>
+          </a:p>
+        </p:txBody>
+      </p:sp>
+      <p:sp>
+        <p:nvSpPr>
+          <p:cNvPr id="3" name="コンテンツ プレースホルダー 2">
+            <a:extLst>
+              <a:ext uri="{FF2B5EF4-FFF2-40B4-BE49-F238E27FC236}">
+                <a16:creationId xmlns:a16="http://schemas.microsoft.com/office/drawing/2014/main" id="{1039B9BB-81FC-4A75-80BB-3AC602E9749A}"/>
+              </a:ext>
+            </a:extLst>
+          </p:cNvPr>
+          <p:cNvSpPr>
+            <a:spLocks noGrp="1"/>
+          </p:cNvSpPr>
+          <p:nvPr>
+            <p:ph idx="1"/>
+          </p:nvPr>
+        </p:nvSpPr>
+        <p:spPr>
+          <a:xfrm>
+            <a:off x="643467" y="1782981"/>
+            <a:ext cx="10905066" cy="4393982"/>
+          </a:xfrm>
+        </p:spPr>
+        <p:txBody>
+          <a:bodyPr>
+            <a:normAutofit/>
+          </a:bodyPr>
+          <a:lstStyle/>
+          <a:p>
+            <a:r>
+              <a:rPr lang="en-US" dirty="0">
+                <a:latin typeface="Times New Roman" panose="02020603050405020304" pitchFamily="18" charset="0"/>
+                <a:cs typeface="Times New Roman" panose="02020603050405020304" pitchFamily="18" charset="0"/>
+              </a:rPr>
+              <a:t>Try to reduce negative sign on frustration-free quantum spin model by locally changes the basis and reweighting. (in progress)</a:t>
+            </a:r>
+          </a:p>
+          <a:p>
+            <a:endParaRPr lang="en-US" dirty="0">
+              <a:latin typeface="Times New Roman" panose="02020603050405020304" pitchFamily="18" charset="0"/>
+              <a:cs typeface="Times New Roman" panose="02020603050405020304" pitchFamily="18" charset="0"/>
+            </a:endParaRPr>
+          </a:p>
+          <a:p>
+            <a:r>
+              <a:rPr lang="en-US" dirty="0">
+                <a:latin typeface="Times New Roman" panose="02020603050405020304" pitchFamily="18" charset="0"/>
+                <a:cs typeface="Times New Roman" panose="02020603050405020304" pitchFamily="18" charset="0"/>
+              </a:rPr>
+              <a:t>Writing documents for Research Fellowships</a:t>
+            </a:r>
+            <a:r>
+              <a:rPr lang="ja-JP" altLang="en-US" dirty="0">
+                <a:latin typeface="Times New Roman" panose="02020603050405020304" pitchFamily="18" charset="0"/>
+                <a:cs typeface="Times New Roman" panose="02020603050405020304" pitchFamily="18" charset="0"/>
+              </a:rPr>
+              <a:t> </a:t>
+            </a:r>
+            <a:r>
+              <a:rPr lang="en-US" altLang="ja-JP" dirty="0">
+                <a:latin typeface="Times New Roman" panose="02020603050405020304" pitchFamily="18" charset="0"/>
+                <a:cs typeface="Times New Roman" panose="02020603050405020304" pitchFamily="18" charset="0"/>
+              </a:rPr>
+              <a:t>(DC1)</a:t>
+            </a:r>
+          </a:p>
+          <a:p>
+            <a:endParaRPr lang="en-US" dirty="0">
+              <a:latin typeface="Times New Roman" panose="02020603050405020304" pitchFamily="18" charset="0"/>
+              <a:cs typeface="Times New Roman" panose="02020603050405020304" pitchFamily="18" charset="0"/>
+            </a:endParaRPr>
+          </a:p>
+          <a:p>
+            <a:r>
+              <a:rPr lang="en-US" dirty="0">
+                <a:latin typeface="Times New Roman" panose="02020603050405020304" pitchFamily="18" charset="0"/>
+                <a:cs typeface="Times New Roman" panose="02020603050405020304" pitchFamily="18" charset="0"/>
+              </a:rPr>
+              <a:t>Published a book about basic statistical machine learning as a co-author</a:t>
+            </a:r>
+          </a:p>
+          <a:p>
+            <a:endParaRPr lang="en-US" dirty="0">
+              <a:latin typeface="Times New Roman" panose="02020603050405020304" pitchFamily="18" charset="0"/>
+              <a:cs typeface="Times New Roman" panose="02020603050405020304" pitchFamily="18" charset="0"/>
+            </a:endParaRPr>
+          </a:p>
+          <a:p>
+            <a:r>
+              <a:rPr lang="en-US" dirty="0">
+                <a:latin typeface="Times New Roman" panose="02020603050405020304" pitchFamily="18" charset="0"/>
+                <a:cs typeface="Times New Roman" panose="02020603050405020304" pitchFamily="18" charset="0"/>
+              </a:rPr>
+              <a:t>Developing New prediction model for limit order book (I haven’t touched it for a while) </a:t>
+            </a:r>
+          </a:p>
+          <a:p>
+            <a:endParaRPr lang="en-US" dirty="0">
+              <a:latin typeface="Times New Roman" panose="02020603050405020304" pitchFamily="18" charset="0"/>
+              <a:cs typeface="Times New Roman" panose="02020603050405020304" pitchFamily="18" charset="0"/>
+            </a:endParaRPr>
+          </a:p>
+          <a:p>
+            <a:endParaRPr lang="en-US" dirty="0">
+              <a:latin typeface="Times New Roman" panose="02020603050405020304" pitchFamily="18" charset="0"/>
+              <a:cs typeface="Times New Roman" panose="02020603050405020304" pitchFamily="18" charset="0"/>
+            </a:endParaRPr>
+          </a:p>
+        </p:txBody>
+      </p:sp>
+      <p:sp>
+        <p:nvSpPr>
+          <p:cNvPr id="10" name="Rectangle 9">
+            <a:extLst>
+              <a:ext uri="{FF2B5EF4-FFF2-40B4-BE49-F238E27FC236}">
+                <a16:creationId xmlns:a16="http://schemas.microsoft.com/office/drawing/2014/main" id="{2E80C965-DB6D-4F81-9E9E-B027384D0BD6}"/>
+              </a:ext>
+              <a:ext uri="{C183D7F6-B498-43B3-948B-1728B52AA6E4}">
+                <adec:decorative xmlns:adec="http://schemas.microsoft.com/office/drawing/2017/decorative" val="1"/>
+              </a:ext>
+            </a:extLst>
+          </p:cNvPr>
+          <p:cNvSpPr>
+            <a:spLocks noGrp="1" noRot="1" noChangeAspect="1" noMove="1" noResize="1" noEditPoints="1" noAdjustHandles="1" noChangeArrowheads="1" noChangeShapeType="1" noTextEdit="1"/>
+          </p:cNvSpPr>
+          <p:nvPr>
+            <p:extLst>
+              <p:ext uri="{386F3935-93C4-4BCD-93E2-E3B085C9AB24}">
+                <p16:designElem xmlns:p16="http://schemas.microsoft.com/office/powerpoint/2015/main" val="1"/>
+              </p:ext>
+            </p:extLst>
+          </p:nvPr>
+        </p:nvSpPr>
+        <p:spPr>
+          <a:xfrm rot="2700000">
+            <a:off x="11052629" y="2120024"/>
+            <a:ext cx="645368" cy="645368"/>
+          </a:xfrm>
+          <a:prstGeom prst="rect">
+            <a:avLst/>
+          </a:prstGeom>
+          <a:solidFill>
+            <a:schemeClr val="accent4">
+              <a:alpha val="30000"/>
+            </a:schemeClr>
+          </a:solidFill>
+          <a:ln>
+            <a:noFill/>
+          </a:ln>
+        </p:spPr>
+        <p:style>
+          <a:lnRef idx="2">
+            <a:schemeClr val="accent1">
+              <a:shade val="50000"/>
+            </a:schemeClr>
+          </a:lnRef>
+          <a:fillRef idx="1">
+            <a:schemeClr val="accent1"/>
+          </a:fillRef>
+          <a:effectRef idx="0">
+            <a:schemeClr val="accent1"/>
+          </a:effectRef>
+          <a:fontRef idx="minor">
+            <a:schemeClr val="lt1"/>
+          </a:fontRef>
+        </p:style>
+        <p:txBody>
+          <a:bodyPr rtlCol="0" anchor="ctr"/>
+          <a:lstStyle/>
+          <a:p>
+            <a:pPr algn="ctr"/>
+            <a:endParaRPr lang="en-US"/>
+          </a:p>
+        </p:txBody>
+      </p:sp>
+      <p:sp>
+        <p:nvSpPr>
+          <p:cNvPr id="12" name="Isosceles Triangle 11">
+            <a:extLst>
+              <a:ext uri="{FF2B5EF4-FFF2-40B4-BE49-F238E27FC236}">
+                <a16:creationId xmlns:a16="http://schemas.microsoft.com/office/drawing/2014/main" id="{A580F890-B085-4E95-96AA-55AEBEC5CE6E}"/>
+              </a:ext>
+              <a:ext uri="{C183D7F6-B498-43B3-948B-1728B52AA6E4}">
+                <adec:decorative xmlns:adec="http://schemas.microsoft.com/office/drawing/2017/decorative" val="1"/>
+              </a:ext>
+            </a:extLst>
+          </p:cNvPr>
+          <p:cNvSpPr>
+            <a:spLocks noGrp="1" noRot="1" noChangeAspect="1" noMove="1" noResize="1" noEditPoints="1" noAdjustHandles="1" noChangeArrowheads="1" noChangeShapeType="1" noTextEdit="1"/>
+          </p:cNvSpPr>
+          <p:nvPr>
+            <p:extLst>
+              <p:ext uri="{386F3935-93C4-4BCD-93E2-E3B085C9AB24}">
+                <p16:designElem xmlns:p16="http://schemas.microsoft.com/office/powerpoint/2015/main" val="1"/>
+              </p:ext>
+            </p:extLst>
+          </p:nvPr>
+        </p:nvSpPr>
+        <p:spPr>
+          <a:xfrm rot="16200000">
+            <a:off x="10289068" y="1343027"/>
+            <a:ext cx="2532832" cy="1273032"/>
+          </a:xfrm>
+          <a:prstGeom prst="triangle">
+            <a:avLst>
+              <a:gd name="adj" fmla="val 50000"/>
+            </a:avLst>
+          </a:prstGeom>
+          <a:solidFill>
+            <a:schemeClr val="accent4">
+              <a:alpha val="30000"/>
+            </a:schemeClr>
+          </a:solidFill>
+          <a:ln>
+            <a:noFill/>
+          </a:ln>
+        </p:spPr>
+        <p:style>
+          <a:lnRef idx="2">
+            <a:schemeClr val="accent1">
+              <a:shade val="50000"/>
+            </a:schemeClr>
+          </a:lnRef>
+          <a:fillRef idx="1">
+            <a:schemeClr val="accent1"/>
+          </a:fillRef>
+          <a:effectRef idx="0">
+            <a:schemeClr val="accent1"/>
+          </a:effectRef>
+          <a:fontRef idx="minor">
+            <a:schemeClr val="lt1"/>
+          </a:fontRef>
+        </p:style>
+        <p:txBody>
+          <a:bodyPr rtlCol="0" anchor="ctr"/>
+          <a:lstStyle/>
+          <a:p>
+            <a:pPr algn="ctr"/>
+            <a:endParaRPr lang="en-US"/>
+          </a:p>
+        </p:txBody>
+      </p:sp>
+      <p:sp>
+        <p:nvSpPr>
+          <p:cNvPr id="14" name="Isosceles Triangle 13">
+            <a:extLst>
+              <a:ext uri="{FF2B5EF4-FFF2-40B4-BE49-F238E27FC236}">
+                <a16:creationId xmlns:a16="http://schemas.microsoft.com/office/drawing/2014/main" id="{D3F51FEB-38FB-4F6C-9F7B-2F2AFAB65463}"/>
+              </a:ext>
+              <a:ext uri="{C183D7F6-B498-43B3-948B-1728B52AA6E4}">
+                <adec:decorative xmlns:adec="http://schemas.microsoft.com/office/drawing/2017/decorative" val="1"/>
+              </a:ext>
+            </a:extLst>
+          </p:cNvPr>
+          <p:cNvSpPr>
+            <a:spLocks noGrp="1" noRot="1" noChangeAspect="1" noMove="1" noResize="1" noEditPoints="1" noAdjustHandles="1" noChangeArrowheads="1" noChangeShapeType="1" noTextEdit="1"/>
+          </p:cNvSpPr>
+          <p:nvPr>
+            <p:extLst>
+              <p:ext uri="{386F3935-93C4-4BCD-93E2-E3B085C9AB24}">
+                <p16:designElem xmlns:p16="http://schemas.microsoft.com/office/powerpoint/2015/main" val="1"/>
+              </p:ext>
+            </p:extLst>
+          </p:nvPr>
+        </p:nvSpPr>
+        <p:spPr>
+          <a:xfrm rot="5400000">
+            <a:off x="-501760" y="5103257"/>
+            <a:ext cx="2017580" cy="1014060"/>
+          </a:xfrm>
+          <a:prstGeom prst="triangle">
+            <a:avLst>
+              <a:gd name="adj" fmla="val 50000"/>
+            </a:avLst>
+          </a:prstGeom>
+          <a:solidFill>
+            <a:schemeClr val="accent1">
+              <a:alpha val="30000"/>
+            </a:schemeClr>
+          </a:solidFill>
+          <a:ln>
+            <a:noFill/>
+          </a:ln>
+        </p:spPr>
+        <p:style>
+          <a:lnRef idx="2">
+            <a:schemeClr val="accent1">
+              <a:shade val="50000"/>
+            </a:schemeClr>
+          </a:lnRef>
+          <a:fillRef idx="1">
+            <a:schemeClr val="accent1"/>
+          </a:fillRef>
+          <a:effectRef idx="0">
+            <a:schemeClr val="accent1"/>
+          </a:effectRef>
+          <a:fontRef idx="minor">
+            <a:schemeClr val="lt1"/>
+          </a:fontRef>
+        </p:style>
+        <p:txBody>
+          <a:bodyPr wrap="square" rtlCol="0" anchor="ctr">
+            <a:noAutofit/>
+          </a:bodyPr>
+          <a:lstStyle/>
+          <a:p>
+            <a:pPr algn="ctr"/>
+            <a:endParaRPr lang="en-US"/>
+          </a:p>
+        </p:txBody>
+      </p:sp>
+      <p:sp>
+        <p:nvSpPr>
+          <p:cNvPr id="16" name="Rectangle 15">
+            <a:extLst>
+              <a:ext uri="{FF2B5EF4-FFF2-40B4-BE49-F238E27FC236}">
+                <a16:creationId xmlns:a16="http://schemas.microsoft.com/office/drawing/2014/main" id="{1E547BA6-BAE0-43BB-A7CA-60F69CE252F0}"/>
+              </a:ext>
+              <a:ext uri="{C183D7F6-B498-43B3-948B-1728B52AA6E4}">
+                <adec:decorative xmlns:adec="http://schemas.microsoft.com/office/drawing/2017/decorative" val="1"/>
+              </a:ext>
+            </a:extLst>
+          </p:cNvPr>
+          <p:cNvSpPr>
+            <a:spLocks noGrp="1" noRot="1" noChangeAspect="1" noMove="1" noResize="1" noEditPoints="1" noAdjustHandles="1" noChangeArrowheads="1" noChangeShapeType="1" noTextEdit="1"/>
+          </p:cNvSpPr>
+          <p:nvPr>
+            <p:extLst>
+              <p:ext uri="{386F3935-93C4-4BCD-93E2-E3B085C9AB24}">
+                <p16:designElem xmlns:p16="http://schemas.microsoft.com/office/powerpoint/2015/main" val="1"/>
+              </p:ext>
+            </p:extLst>
+          </p:nvPr>
+        </p:nvSpPr>
+        <p:spPr>
+          <a:xfrm rot="2700000">
+            <a:off x="427916" y="5728708"/>
+            <a:ext cx="485578" cy="485578"/>
+          </a:xfrm>
+          <a:prstGeom prst="rect">
+            <a:avLst/>
+          </a:prstGeom>
+          <a:solidFill>
+            <a:schemeClr val="accent1">
+              <a:alpha val="30000"/>
+            </a:schemeClr>
+          </a:solidFill>
+          <a:ln>
+            <a:noFill/>
+          </a:ln>
+        </p:spPr>
+        <p:style>
+          <a:lnRef idx="2">
+            <a:schemeClr val="accent1">
+              <a:shade val="50000"/>
+            </a:schemeClr>
+          </a:lnRef>
+          <a:fillRef idx="1">
+            <a:schemeClr val="accent1"/>
+          </a:fillRef>
+          <a:effectRef idx="0">
+            <a:schemeClr val="accent1"/>
+          </a:effectRef>
+          <a:fontRef idx="minor">
+            <a:schemeClr val="lt1"/>
+          </a:fontRef>
+        </p:style>
+        <p:txBody>
+          <a:bodyPr wrap="square" rtlCol="0" anchor="ctr">
+            <a:noAutofit/>
+          </a:bodyPr>
+          <a:lstStyle/>
+          <a:p>
+            <a:pPr algn="ctr"/>
+            <a:endParaRPr lang="en-US"/>
+          </a:p>
+        </p:txBody>
+      </p:sp>
+    </p:spTree>
+    <p:extLst>
+      <p:ext uri="{BB962C8B-B14F-4D97-AF65-F5344CB8AC3E}">
+        <p14:creationId xmlns:p14="http://schemas.microsoft.com/office/powerpoint/2010/main" val="2771214513"/>
+      </p:ext>
+    </p:extLst>
+  </p:cSld>
+  <p:clrMapOvr>
+    <a:masterClrMapping/>
+  </p:clrMapOvr>
+</p:sld>
+</file>
+
+<file path=ppt/slides/slide20.xml><?xml version="1.0" encoding="utf-8"?>
+<p:sld xmlns:a="http://schemas.openxmlformats.org/drawingml/2006/main" xmlns:r="http://schemas.openxmlformats.org/officeDocument/2006/relationships" xmlns:p="http://schemas.openxmlformats.org/presentationml/2006/main">
+  <p:cSld>
+    <p:bg>
+      <p:bgPr>
+        <a:solidFill>
+          <a:schemeClr val="bg1"/>
+        </a:solidFill>
+        <a:effectLst/>
+      </p:bgPr>
+    </p:bg>
+    <p:spTree>
+      <p:nvGrpSpPr>
+        <p:cNvPr id="1" name=""/>
+        <p:cNvGrpSpPr/>
+        <p:nvPr/>
+      </p:nvGrpSpPr>
+      <p:grpSpPr>
+        <a:xfrm>
+          <a:off x="0" y="0"/>
+          <a:ext cx="0" cy="0"/>
+          <a:chOff x="0" y="0"/>
+          <a:chExt cx="0" cy="0"/>
+        </a:xfrm>
+      </p:grpSpPr>
+      <p:sp>
+        <p:nvSpPr>
+          <p:cNvPr id="8" name="Rectangle 7">
+            <a:extLst>
+              <a:ext uri="{FF2B5EF4-FFF2-40B4-BE49-F238E27FC236}">
+                <a16:creationId xmlns:a16="http://schemas.microsoft.com/office/drawing/2014/main" id="{2B566528-1B12-4246-9431-5C2D7D081168}"/>
+              </a:ext>
+              <a:ext uri="{C183D7F6-B498-43B3-948B-1728B52AA6E4}">
+                <adec:decorative xmlns:adec="http://schemas.microsoft.com/office/drawing/2017/decorative" val="1"/>
+              </a:ext>
+            </a:extLst>
+          </p:cNvPr>
+          <p:cNvSpPr>
+            <a:spLocks noGrp="1" noRot="1" noChangeAspect="1" noMove="1" noResize="1" noEditPoints="1" noAdjustHandles="1" noChangeArrowheads="1" noChangeShapeType="1" noTextEdit="1"/>
+          </p:cNvSpPr>
+          <p:nvPr>
+            <p:extLst>
+              <p:ext uri="{386F3935-93C4-4BCD-93E2-E3B085C9AB24}">
+                <p16:designElem xmlns:p16="http://schemas.microsoft.com/office/powerpoint/2015/main" val="1"/>
+              </p:ext>
+            </p:extLst>
+          </p:nvPr>
+        </p:nvSpPr>
+        <p:spPr>
+          <a:xfrm>
+            <a:off x="0" y="0"/>
+            <a:ext cx="12192000" cy="6858000"/>
+          </a:xfrm>
+          <a:prstGeom prst="rect">
+            <a:avLst/>
+          </a:prstGeom>
+          <a:solidFill>
+            <a:schemeClr val="bg1"/>
+          </a:solidFill>
+          <a:ln>
+            <a:noFill/>
+          </a:ln>
+        </p:spPr>
+        <p:style>
+          <a:lnRef idx="2">
+            <a:schemeClr val="accent1">
+              <a:shade val="50000"/>
+            </a:schemeClr>
+          </a:lnRef>
+          <a:fillRef idx="1">
+            <a:schemeClr val="accent1"/>
+          </a:fillRef>
+          <a:effectRef idx="0">
+            <a:schemeClr val="accent1"/>
+          </a:effectRef>
+          <a:fontRef idx="minor">
+            <a:schemeClr val="lt1"/>
+          </a:fontRef>
+        </p:style>
+        <p:txBody>
+          <a:bodyPr rtlCol="0" anchor="ctr"/>
+          <a:lstStyle/>
+          <a:p>
+            <a:pPr algn="ctr"/>
+            <a:endParaRPr lang="en-US" dirty="0"/>
+          </a:p>
+        </p:txBody>
+      </p:sp>
+      <p:sp>
+        <p:nvSpPr>
+          <p:cNvPr id="2" name="Title 1">
+            <a:extLst>
+              <a:ext uri="{FF2B5EF4-FFF2-40B4-BE49-F238E27FC236}">
+                <a16:creationId xmlns:a16="http://schemas.microsoft.com/office/drawing/2014/main" id="{E11F57DF-60CF-9B21-464B-5AD774288B78}"/>
+              </a:ext>
+            </a:extLst>
+          </p:cNvPr>
+          <p:cNvSpPr>
+            <a:spLocks noGrp="1"/>
+          </p:cNvSpPr>
+          <p:nvPr>
+            <p:ph type="title"/>
+          </p:nvPr>
+        </p:nvSpPr>
+        <p:spPr>
+          <a:xfrm>
+            <a:off x="643467" y="321734"/>
+            <a:ext cx="10905066" cy="1135737"/>
+          </a:xfrm>
+        </p:spPr>
+        <p:txBody>
+          <a:bodyPr>
+            <a:normAutofit/>
+          </a:bodyPr>
+          <a:lstStyle/>
+          <a:p>
+            <a:r>
+              <a:rPr lang="en-JP" sz="3600"/>
+              <a:t>Majority votes and Sybil attack</a:t>
+            </a:r>
+          </a:p>
+        </p:txBody>
+      </p:sp>
+      <p:sp>
+        <p:nvSpPr>
+          <p:cNvPr id="3" name="Content Placeholder 2">
+            <a:extLst>
+              <a:ext uri="{FF2B5EF4-FFF2-40B4-BE49-F238E27FC236}">
+                <a16:creationId xmlns:a16="http://schemas.microsoft.com/office/drawing/2014/main" id="{843C7291-EF46-1B58-DE89-CB0908E36E80}"/>
+              </a:ext>
+            </a:extLst>
+          </p:cNvPr>
+          <p:cNvSpPr>
+            <a:spLocks noGrp="1"/>
+          </p:cNvSpPr>
+          <p:nvPr>
+            <p:ph idx="1"/>
+          </p:nvPr>
+        </p:nvSpPr>
+        <p:spPr>
+          <a:xfrm>
+            <a:off x="643467" y="1782981"/>
+            <a:ext cx="10905066" cy="4393982"/>
+          </a:xfrm>
+        </p:spPr>
+        <p:txBody>
+          <a:bodyPr>
+            <a:normAutofit/>
+          </a:bodyPr>
+          <a:lstStyle/>
+          <a:p>
+            <a:r>
+              <a:rPr lang="en-JP" sz="2400" dirty="0"/>
+              <a:t>Each nodes vote for the proper chain. </a:t>
+            </a:r>
+          </a:p>
+          <a:p>
+            <a:endParaRPr lang="en-JP" sz="2400" dirty="0"/>
+          </a:p>
+          <a:p>
+            <a:r>
+              <a:rPr lang="en-US" sz="2400" dirty="0"/>
+              <a:t>This algorithm b</a:t>
+            </a:r>
+            <a:r>
+              <a:rPr lang="en-JP" sz="2400" dirty="0"/>
+              <a:t>reak down if attacker can increase number of pseudonymous identities at will. </a:t>
+            </a:r>
+          </a:p>
+          <a:p>
+            <a:endParaRPr lang="en-JP" sz="2400" dirty="0"/>
+          </a:p>
+          <a:p>
+            <a:r>
+              <a:rPr lang="en-JP" sz="2400" dirty="0"/>
+              <a:t>In fact, because blockchain is permissionless, they can append many nodes </a:t>
+            </a:r>
+            <a:r>
+              <a:rPr lang="en-US" sz="2400" dirty="0"/>
+              <a:t>as much as they want </a:t>
+            </a:r>
+            <a:r>
+              <a:rPr lang="en-JP" sz="2400" dirty="0"/>
+              <a:t>and influence on the outcome of an agreement.</a:t>
+            </a:r>
+          </a:p>
+          <a:p>
+            <a:endParaRPr lang="en-JP" sz="2000" dirty="0"/>
+          </a:p>
+          <a:p>
+            <a:endParaRPr lang="en-JP" sz="2000" dirty="0"/>
+          </a:p>
+        </p:txBody>
+      </p:sp>
+      <p:sp>
+        <p:nvSpPr>
+          <p:cNvPr id="10" name="Rectangle 9">
+            <a:extLst>
+              <a:ext uri="{FF2B5EF4-FFF2-40B4-BE49-F238E27FC236}">
+                <a16:creationId xmlns:a16="http://schemas.microsoft.com/office/drawing/2014/main" id="{2E80C965-DB6D-4F81-9E9E-B027384D0BD6}"/>
+              </a:ext>
+              <a:ext uri="{C183D7F6-B498-43B3-948B-1728B52AA6E4}">
+                <adec:decorative xmlns:adec="http://schemas.microsoft.com/office/drawing/2017/decorative" val="1"/>
+              </a:ext>
+            </a:extLst>
+          </p:cNvPr>
+          <p:cNvSpPr>
+            <a:spLocks noGrp="1" noRot="1" noChangeAspect="1" noMove="1" noResize="1" noEditPoints="1" noAdjustHandles="1" noChangeArrowheads="1" noChangeShapeType="1" noTextEdit="1"/>
+          </p:cNvSpPr>
+          <p:nvPr>
+            <p:extLst>
+              <p:ext uri="{386F3935-93C4-4BCD-93E2-E3B085C9AB24}">
+                <p16:designElem xmlns:p16="http://schemas.microsoft.com/office/powerpoint/2015/main" val="1"/>
+              </p:ext>
+            </p:extLst>
+          </p:nvPr>
+        </p:nvSpPr>
+        <p:spPr>
+          <a:xfrm rot="2700000">
+            <a:off x="11052629" y="2120024"/>
+            <a:ext cx="645368" cy="645368"/>
+          </a:xfrm>
+          <a:prstGeom prst="rect">
+            <a:avLst/>
+          </a:prstGeom>
+          <a:solidFill>
+            <a:schemeClr val="accent4">
+              <a:alpha val="30000"/>
+            </a:schemeClr>
+          </a:solidFill>
+          <a:ln>
+            <a:noFill/>
+          </a:ln>
+        </p:spPr>
+        <p:style>
+          <a:lnRef idx="2">
+            <a:schemeClr val="accent1">
+              <a:shade val="50000"/>
+            </a:schemeClr>
+          </a:lnRef>
+          <a:fillRef idx="1">
+            <a:schemeClr val="accent1"/>
+          </a:fillRef>
+          <a:effectRef idx="0">
+            <a:schemeClr val="accent1"/>
+          </a:effectRef>
+          <a:fontRef idx="minor">
+            <a:schemeClr val="lt1"/>
+          </a:fontRef>
+        </p:style>
+        <p:txBody>
+          <a:bodyPr rtlCol="0" anchor="ctr"/>
+          <a:lstStyle/>
+          <a:p>
+            <a:pPr algn="ctr"/>
+            <a:endParaRPr lang="en-US"/>
+          </a:p>
+        </p:txBody>
+      </p:sp>
+      <p:sp>
+        <p:nvSpPr>
+          <p:cNvPr id="12" name="Isosceles Triangle 11">
+            <a:extLst>
+              <a:ext uri="{FF2B5EF4-FFF2-40B4-BE49-F238E27FC236}">
+                <a16:creationId xmlns:a16="http://schemas.microsoft.com/office/drawing/2014/main" id="{A580F890-B085-4E95-96AA-55AEBEC5CE6E}"/>
+              </a:ext>
+              <a:ext uri="{C183D7F6-B498-43B3-948B-1728B52AA6E4}">
+                <adec:decorative xmlns:adec="http://schemas.microsoft.com/office/drawing/2017/decorative" val="1"/>
+              </a:ext>
+            </a:extLst>
+          </p:cNvPr>
+          <p:cNvSpPr>
+            <a:spLocks noGrp="1" noRot="1" noChangeAspect="1" noMove="1" noResize="1" noEditPoints="1" noAdjustHandles="1" noChangeArrowheads="1" noChangeShapeType="1" noTextEdit="1"/>
+          </p:cNvSpPr>
+          <p:nvPr>
+            <p:extLst>
+              <p:ext uri="{386F3935-93C4-4BCD-93E2-E3B085C9AB24}">
+                <p16:designElem xmlns:p16="http://schemas.microsoft.com/office/powerpoint/2015/main" val="1"/>
+              </p:ext>
+            </p:extLst>
+          </p:nvPr>
+        </p:nvSpPr>
+        <p:spPr>
+          <a:xfrm rot="16200000">
+            <a:off x="10289068" y="1343027"/>
+            <a:ext cx="2532832" cy="1273032"/>
+          </a:xfrm>
+          <a:prstGeom prst="triangle">
+            <a:avLst>
+              <a:gd name="adj" fmla="val 50000"/>
+            </a:avLst>
+          </a:prstGeom>
+          <a:solidFill>
+            <a:schemeClr val="accent4">
+              <a:alpha val="30000"/>
+            </a:schemeClr>
+          </a:solidFill>
+          <a:ln>
+            <a:noFill/>
+          </a:ln>
+        </p:spPr>
+        <p:style>
+          <a:lnRef idx="2">
+            <a:schemeClr val="accent1">
+              <a:shade val="50000"/>
+            </a:schemeClr>
+          </a:lnRef>
+          <a:fillRef idx="1">
+            <a:schemeClr val="accent1"/>
+          </a:fillRef>
+          <a:effectRef idx="0">
+            <a:schemeClr val="accent1"/>
+          </a:effectRef>
+          <a:fontRef idx="minor">
+            <a:schemeClr val="lt1"/>
+          </a:fontRef>
+        </p:style>
+        <p:txBody>
+          <a:bodyPr rtlCol="0" anchor="ctr"/>
+          <a:lstStyle/>
+          <a:p>
+            <a:pPr algn="ctr"/>
+            <a:endParaRPr lang="en-US"/>
+          </a:p>
+        </p:txBody>
+      </p:sp>
+      <p:sp>
+        <p:nvSpPr>
+          <p:cNvPr id="14" name="Isosceles Triangle 13">
+            <a:extLst>
+              <a:ext uri="{FF2B5EF4-FFF2-40B4-BE49-F238E27FC236}">
+                <a16:creationId xmlns:a16="http://schemas.microsoft.com/office/drawing/2014/main" id="{D3F51FEB-38FB-4F6C-9F7B-2F2AFAB65463}"/>
+              </a:ext>
+              <a:ext uri="{C183D7F6-B498-43B3-948B-1728B52AA6E4}">
+                <adec:decorative xmlns:adec="http://schemas.microsoft.com/office/drawing/2017/decorative" val="1"/>
+              </a:ext>
+            </a:extLst>
+          </p:cNvPr>
+          <p:cNvSpPr>
+            <a:spLocks noGrp="1" noRot="1" noChangeAspect="1" noMove="1" noResize="1" noEditPoints="1" noAdjustHandles="1" noChangeArrowheads="1" noChangeShapeType="1" noTextEdit="1"/>
+          </p:cNvSpPr>
+          <p:nvPr>
+            <p:extLst>
+              <p:ext uri="{386F3935-93C4-4BCD-93E2-E3B085C9AB24}">
+                <p16:designElem xmlns:p16="http://schemas.microsoft.com/office/powerpoint/2015/main" val="1"/>
+              </p:ext>
+            </p:extLst>
+          </p:nvPr>
+        </p:nvSpPr>
+        <p:spPr>
+          <a:xfrm rot="5400000">
+            <a:off x="-501760" y="5103257"/>
+            <a:ext cx="2017580" cy="1014060"/>
+          </a:xfrm>
+          <a:prstGeom prst="triangle">
+            <a:avLst>
+              <a:gd name="adj" fmla="val 50000"/>
+            </a:avLst>
+          </a:prstGeom>
+          <a:solidFill>
+            <a:schemeClr val="accent1">
+              <a:alpha val="30000"/>
+            </a:schemeClr>
+          </a:solidFill>
+          <a:ln>
+            <a:noFill/>
+          </a:ln>
+        </p:spPr>
+        <p:style>
+          <a:lnRef idx="2">
+            <a:schemeClr val="accent1">
+              <a:shade val="50000"/>
+            </a:schemeClr>
+          </a:lnRef>
+          <a:fillRef idx="1">
+            <a:schemeClr val="accent1"/>
+          </a:fillRef>
+          <a:effectRef idx="0">
+            <a:schemeClr val="accent1"/>
+          </a:effectRef>
+          <a:fontRef idx="minor">
+            <a:schemeClr val="lt1"/>
+          </a:fontRef>
+        </p:style>
+        <p:txBody>
+          <a:bodyPr wrap="square" rtlCol="0" anchor="ctr">
+            <a:noAutofit/>
+          </a:bodyPr>
+          <a:lstStyle/>
+          <a:p>
+            <a:pPr algn="ctr"/>
+            <a:endParaRPr lang="en-US"/>
+          </a:p>
+        </p:txBody>
+      </p:sp>
+      <p:sp>
+        <p:nvSpPr>
+          <p:cNvPr id="16" name="Rectangle 15">
+            <a:extLst>
+              <a:ext uri="{FF2B5EF4-FFF2-40B4-BE49-F238E27FC236}">
+                <a16:creationId xmlns:a16="http://schemas.microsoft.com/office/drawing/2014/main" id="{1E547BA6-BAE0-43BB-A7CA-60F69CE252F0}"/>
+              </a:ext>
+              <a:ext uri="{C183D7F6-B498-43B3-948B-1728B52AA6E4}">
+                <adec:decorative xmlns:adec="http://schemas.microsoft.com/office/drawing/2017/decorative" val="1"/>
+              </a:ext>
+            </a:extLst>
+          </p:cNvPr>
+          <p:cNvSpPr>
+            <a:spLocks noGrp="1" noRot="1" noChangeAspect="1" noMove="1" noResize="1" noEditPoints="1" noAdjustHandles="1" noChangeArrowheads="1" noChangeShapeType="1" noTextEdit="1"/>
+          </p:cNvSpPr>
+          <p:nvPr>
+            <p:extLst>
+              <p:ext uri="{386F3935-93C4-4BCD-93E2-E3B085C9AB24}">
+                <p16:designElem xmlns:p16="http://schemas.microsoft.com/office/powerpoint/2015/main" val="1"/>
+              </p:ext>
+            </p:extLst>
+          </p:nvPr>
+        </p:nvSpPr>
+        <p:spPr>
+          <a:xfrm rot="2700000">
+            <a:off x="427916" y="5728708"/>
+            <a:ext cx="485578" cy="485578"/>
+          </a:xfrm>
+          <a:prstGeom prst="rect">
+            <a:avLst/>
+          </a:prstGeom>
+          <a:solidFill>
+            <a:schemeClr val="accent1">
+              <a:alpha val="30000"/>
+            </a:schemeClr>
+          </a:solidFill>
+          <a:ln>
+            <a:noFill/>
+          </a:ln>
+        </p:spPr>
+        <p:style>
+          <a:lnRef idx="2">
+            <a:schemeClr val="accent1">
+              <a:shade val="50000"/>
+            </a:schemeClr>
+          </a:lnRef>
+          <a:fillRef idx="1">
+            <a:schemeClr val="accent1"/>
+          </a:fillRef>
+          <a:effectRef idx="0">
+            <a:schemeClr val="accent1"/>
+          </a:effectRef>
+          <a:fontRef idx="minor">
+            <a:schemeClr val="lt1"/>
+          </a:fontRef>
+        </p:style>
+        <p:txBody>
+          <a:bodyPr wrap="square" rtlCol="0" anchor="ctr">
+            <a:noAutofit/>
+          </a:bodyPr>
+          <a:lstStyle/>
+          <a:p>
+            <a:pPr algn="ctr"/>
+            <a:endParaRPr lang="en-US"/>
+          </a:p>
+        </p:txBody>
+      </p:sp>
+    </p:spTree>
+    <p:extLst>
+      <p:ext uri="{BB962C8B-B14F-4D97-AF65-F5344CB8AC3E}">
+        <p14:creationId xmlns:p14="http://schemas.microsoft.com/office/powerpoint/2010/main" val="336812131"/>
+      </p:ext>
+    </p:extLst>
+  </p:cSld>
+  <p:clrMapOvr>
+    <a:masterClrMapping/>
+  </p:clrMapOvr>
+</p:sld>
+</file>
+
+<file path=ppt/slides/slide21.xml><?xml version="1.0" encoding="utf-8"?>
+<p:sld xmlns:a="http://schemas.openxmlformats.org/drawingml/2006/main" xmlns:r="http://schemas.openxmlformats.org/officeDocument/2006/relationships" xmlns:p="http://schemas.openxmlformats.org/presentationml/2006/main">
+  <p:cSld>
+    <p:bg>
+      <p:bgPr>
+        <a:solidFill>
+          <a:schemeClr val="bg1"/>
+        </a:solidFill>
+        <a:effectLst/>
+      </p:bgPr>
+    </p:bg>
+    <p:spTree>
+      <p:nvGrpSpPr>
+        <p:cNvPr id="1" name=""/>
+        <p:cNvGrpSpPr/>
+        <p:nvPr/>
+      </p:nvGrpSpPr>
+      <p:grpSpPr>
+        <a:xfrm>
+          <a:off x="0" y="0"/>
+          <a:ext cx="0" cy="0"/>
+          <a:chOff x="0" y="0"/>
+          <a:chExt cx="0" cy="0"/>
+        </a:xfrm>
+      </p:grpSpPr>
+      <p:sp>
+        <p:nvSpPr>
+          <p:cNvPr id="8" name="Rectangle 7">
+            <a:extLst>
+              <a:ext uri="{FF2B5EF4-FFF2-40B4-BE49-F238E27FC236}">
+                <a16:creationId xmlns:a16="http://schemas.microsoft.com/office/drawing/2014/main" id="{2B566528-1B12-4246-9431-5C2D7D081168}"/>
+              </a:ext>
+              <a:ext uri="{C183D7F6-B498-43B3-948B-1728B52AA6E4}">
+                <adec:decorative xmlns:adec="http://schemas.microsoft.com/office/drawing/2017/decorative" val="1"/>
+              </a:ext>
+            </a:extLst>
+          </p:cNvPr>
+          <p:cNvSpPr>
+            <a:spLocks noGrp="1" noRot="1" noChangeAspect="1" noMove="1" noResize="1" noEditPoints="1" noAdjustHandles="1" noChangeArrowheads="1" noChangeShapeType="1" noTextEdit="1"/>
+          </p:cNvSpPr>
+          <p:nvPr>
+            <p:extLst>
+              <p:ext uri="{386F3935-93C4-4BCD-93E2-E3B085C9AB24}">
+                <p16:designElem xmlns:p16="http://schemas.microsoft.com/office/powerpoint/2015/main" val="1"/>
+              </p:ext>
+            </p:extLst>
+          </p:nvPr>
+        </p:nvSpPr>
+        <p:spPr>
+          <a:xfrm>
+            <a:off x="0" y="0"/>
+            <a:ext cx="12192000" cy="6858000"/>
+          </a:xfrm>
+          <a:prstGeom prst="rect">
+            <a:avLst/>
+          </a:prstGeom>
+          <a:solidFill>
+            <a:schemeClr val="bg1"/>
+          </a:solidFill>
+          <a:ln>
+            <a:noFill/>
+          </a:ln>
+        </p:spPr>
+        <p:style>
+          <a:lnRef idx="2">
+            <a:schemeClr val="accent1">
+              <a:shade val="50000"/>
+            </a:schemeClr>
+          </a:lnRef>
+          <a:fillRef idx="1">
+            <a:schemeClr val="accent1"/>
+          </a:fillRef>
+          <a:effectRef idx="0">
+            <a:schemeClr val="accent1"/>
+          </a:effectRef>
+          <a:fontRef idx="minor">
+            <a:schemeClr val="lt1"/>
+          </a:fontRef>
+        </p:style>
+        <p:txBody>
+          <a:bodyPr rtlCol="0" anchor="ctr"/>
+          <a:lstStyle/>
+          <a:p>
+            <a:pPr algn="ctr"/>
+            <a:endParaRPr lang="en-US" dirty="0"/>
+          </a:p>
+        </p:txBody>
+      </p:sp>
+      <p:sp>
+        <p:nvSpPr>
+          <p:cNvPr id="2" name="Title 1">
+            <a:extLst>
+              <a:ext uri="{FF2B5EF4-FFF2-40B4-BE49-F238E27FC236}">
+                <a16:creationId xmlns:a16="http://schemas.microsoft.com/office/drawing/2014/main" id="{59F17DFE-ECC4-6DDB-AD7A-E6DB8397E0B4}"/>
+              </a:ext>
+            </a:extLst>
+          </p:cNvPr>
+          <p:cNvSpPr>
+            <a:spLocks noGrp="1"/>
+          </p:cNvSpPr>
+          <p:nvPr>
+            <p:ph type="title"/>
+          </p:nvPr>
+        </p:nvSpPr>
+        <p:spPr>
+          <a:xfrm>
+            <a:off x="643467" y="321734"/>
+            <a:ext cx="10905066" cy="1135737"/>
+          </a:xfrm>
+        </p:spPr>
+        <p:txBody>
+          <a:bodyPr>
+            <a:normAutofit/>
+          </a:bodyPr>
+          <a:lstStyle/>
+          <a:p>
+            <a:r>
+              <a:rPr lang="en-JP" sz="3600" dirty="0"/>
+              <a:t>Proof of work</a:t>
+            </a:r>
+          </a:p>
+        </p:txBody>
+      </p:sp>
+      <p:sp>
+        <p:nvSpPr>
+          <p:cNvPr id="3" name="Content Placeholder 2">
+            <a:extLst>
+              <a:ext uri="{FF2B5EF4-FFF2-40B4-BE49-F238E27FC236}">
+                <a16:creationId xmlns:a16="http://schemas.microsoft.com/office/drawing/2014/main" id="{3307D7FB-464C-5C27-442B-F2FB0FCC9E18}"/>
+              </a:ext>
+            </a:extLst>
+          </p:cNvPr>
+          <p:cNvSpPr>
+            <a:spLocks noGrp="1"/>
+          </p:cNvSpPr>
+          <p:nvPr>
+            <p:ph idx="1"/>
+          </p:nvPr>
+        </p:nvSpPr>
+        <p:spPr>
+          <a:xfrm>
+            <a:off x="643467" y="1782981"/>
+            <a:ext cx="10905066" cy="4393982"/>
+          </a:xfrm>
+        </p:spPr>
+        <p:txBody>
+          <a:bodyPr>
+            <a:normAutofit/>
+          </a:bodyPr>
+          <a:lstStyle/>
+          <a:p>
+            <a:r>
+              <a:rPr lang="en-JP" sz="2400" dirty="0">
+                <a:latin typeface="Times New Roman" panose="02020603050405020304" pitchFamily="18" charset="0"/>
+                <a:cs typeface="Times New Roman" panose="02020603050405020304" pitchFamily="18" charset="0"/>
+              </a:rPr>
+              <a:t>How network-wide agreement may be reached even if one can artificially multiply the nodes and there is no reason to trust other participants.</a:t>
+            </a:r>
+          </a:p>
+          <a:p>
+            <a:endParaRPr lang="en-JP" sz="2400" dirty="0">
+              <a:latin typeface="Times New Roman" panose="02020603050405020304" pitchFamily="18" charset="0"/>
+              <a:cs typeface="Times New Roman" panose="02020603050405020304" pitchFamily="18" charset="0"/>
+            </a:endParaRPr>
+          </a:p>
+          <a:p>
+            <a:r>
+              <a:rPr lang="en-JP" sz="2400" dirty="0">
+                <a:latin typeface="Times New Roman" panose="02020603050405020304" pitchFamily="18" charset="0"/>
+                <a:cs typeface="Times New Roman" panose="02020603050405020304" pitchFamily="18" charset="0"/>
+              </a:rPr>
+              <a:t>Bitcoin setup a protocol where voting requires computational costs together with the system encouraging clients to attend voting</a:t>
+            </a:r>
+            <a:r>
+              <a:rPr lang="en-US" sz="2400" dirty="0">
+                <a:latin typeface="Times New Roman" panose="02020603050405020304" pitchFamily="18" charset="0"/>
+                <a:cs typeface="Times New Roman" panose="02020603050405020304" pitchFamily="18" charset="0"/>
+              </a:rPr>
+              <a:t> (initiative)</a:t>
+            </a:r>
+            <a:endParaRPr lang="en-JP" sz="2400" dirty="0">
+              <a:latin typeface="Times New Roman" panose="02020603050405020304" pitchFamily="18" charset="0"/>
+              <a:cs typeface="Times New Roman" panose="02020603050405020304" pitchFamily="18" charset="0"/>
+            </a:endParaRPr>
+          </a:p>
+          <a:p>
+            <a:endParaRPr lang="en-JP" sz="2400" dirty="0">
+              <a:latin typeface="Times New Roman" panose="02020603050405020304" pitchFamily="18" charset="0"/>
+              <a:cs typeface="Times New Roman" panose="02020603050405020304" pitchFamily="18" charset="0"/>
+            </a:endParaRPr>
+          </a:p>
+          <a:p>
+            <a:r>
+              <a:rPr lang="en-JP" sz="2400" dirty="0">
+                <a:latin typeface="Times New Roman" panose="02020603050405020304" pitchFamily="18" charset="0"/>
+                <a:cs typeface="Times New Roman" panose="02020603050405020304" pitchFamily="18" charset="0"/>
+              </a:rPr>
+              <a:t>Difficulty of work will be adjusted from time to time</a:t>
+            </a:r>
+          </a:p>
+          <a:p>
+            <a:endParaRPr lang="en-JP" sz="2000" dirty="0">
+              <a:latin typeface="Times New Roman" panose="02020603050405020304" pitchFamily="18" charset="0"/>
+              <a:cs typeface="Times New Roman" panose="02020603050405020304" pitchFamily="18" charset="0"/>
+            </a:endParaRPr>
+          </a:p>
+          <a:p>
+            <a:endParaRPr lang="en-JP" sz="2000" dirty="0">
+              <a:latin typeface="Times New Roman" panose="02020603050405020304" pitchFamily="18" charset="0"/>
+              <a:cs typeface="Times New Roman" panose="02020603050405020304" pitchFamily="18" charset="0"/>
+            </a:endParaRPr>
+          </a:p>
+        </p:txBody>
+      </p:sp>
+      <p:sp>
+        <p:nvSpPr>
+          <p:cNvPr id="10" name="Rectangle 9">
+            <a:extLst>
+              <a:ext uri="{FF2B5EF4-FFF2-40B4-BE49-F238E27FC236}">
+                <a16:creationId xmlns:a16="http://schemas.microsoft.com/office/drawing/2014/main" id="{2E80C965-DB6D-4F81-9E9E-B027384D0BD6}"/>
+              </a:ext>
+              <a:ext uri="{C183D7F6-B498-43B3-948B-1728B52AA6E4}">
+                <adec:decorative xmlns:adec="http://schemas.microsoft.com/office/drawing/2017/decorative" val="1"/>
+              </a:ext>
+            </a:extLst>
+          </p:cNvPr>
+          <p:cNvSpPr>
+            <a:spLocks noGrp="1" noRot="1" noChangeAspect="1" noMove="1" noResize="1" noEditPoints="1" noAdjustHandles="1" noChangeArrowheads="1" noChangeShapeType="1" noTextEdit="1"/>
+          </p:cNvSpPr>
+          <p:nvPr>
+            <p:extLst>
+              <p:ext uri="{386F3935-93C4-4BCD-93E2-E3B085C9AB24}">
+                <p16:designElem xmlns:p16="http://schemas.microsoft.com/office/powerpoint/2015/main" val="1"/>
+              </p:ext>
+            </p:extLst>
+          </p:nvPr>
+        </p:nvSpPr>
+        <p:spPr>
+          <a:xfrm rot="2700000">
+            <a:off x="11052629" y="2120024"/>
+            <a:ext cx="645368" cy="645368"/>
+          </a:xfrm>
+          <a:prstGeom prst="rect">
+            <a:avLst/>
+          </a:prstGeom>
+          <a:solidFill>
+            <a:schemeClr val="accent4">
+              <a:alpha val="30000"/>
+            </a:schemeClr>
+          </a:solidFill>
+          <a:ln>
+            <a:noFill/>
+          </a:ln>
+        </p:spPr>
+        <p:style>
+          <a:lnRef idx="2">
+            <a:schemeClr val="accent1">
+              <a:shade val="50000"/>
+            </a:schemeClr>
+          </a:lnRef>
+          <a:fillRef idx="1">
+            <a:schemeClr val="accent1"/>
+          </a:fillRef>
+          <a:effectRef idx="0">
+            <a:schemeClr val="accent1"/>
+          </a:effectRef>
+          <a:fontRef idx="minor">
+            <a:schemeClr val="lt1"/>
+          </a:fontRef>
+        </p:style>
+        <p:txBody>
+          <a:bodyPr rtlCol="0" anchor="ctr"/>
+          <a:lstStyle/>
+          <a:p>
+            <a:pPr algn="ctr"/>
+            <a:endParaRPr lang="en-US"/>
+          </a:p>
+        </p:txBody>
+      </p:sp>
+      <p:sp>
+        <p:nvSpPr>
+          <p:cNvPr id="12" name="Isosceles Triangle 11">
+            <a:extLst>
+              <a:ext uri="{FF2B5EF4-FFF2-40B4-BE49-F238E27FC236}">
+                <a16:creationId xmlns:a16="http://schemas.microsoft.com/office/drawing/2014/main" id="{A580F890-B085-4E95-96AA-55AEBEC5CE6E}"/>
+              </a:ext>
+              <a:ext uri="{C183D7F6-B498-43B3-948B-1728B52AA6E4}">
+                <adec:decorative xmlns:adec="http://schemas.microsoft.com/office/drawing/2017/decorative" val="1"/>
+              </a:ext>
+            </a:extLst>
+          </p:cNvPr>
+          <p:cNvSpPr>
+            <a:spLocks noGrp="1" noRot="1" noChangeAspect="1" noMove="1" noResize="1" noEditPoints="1" noAdjustHandles="1" noChangeArrowheads="1" noChangeShapeType="1" noTextEdit="1"/>
+          </p:cNvSpPr>
+          <p:nvPr>
+            <p:extLst>
+              <p:ext uri="{386F3935-93C4-4BCD-93E2-E3B085C9AB24}">
+                <p16:designElem xmlns:p16="http://schemas.microsoft.com/office/powerpoint/2015/main" val="1"/>
+              </p:ext>
+            </p:extLst>
+          </p:nvPr>
+        </p:nvSpPr>
+        <p:spPr>
+          <a:xfrm rot="16200000">
+            <a:off x="10289068" y="1343027"/>
+            <a:ext cx="2532832" cy="1273032"/>
+          </a:xfrm>
+          <a:prstGeom prst="triangle">
+            <a:avLst>
+              <a:gd name="adj" fmla="val 50000"/>
+            </a:avLst>
+          </a:prstGeom>
+          <a:solidFill>
+            <a:schemeClr val="accent4">
+              <a:alpha val="30000"/>
+            </a:schemeClr>
+          </a:solidFill>
+          <a:ln>
+            <a:noFill/>
+          </a:ln>
+        </p:spPr>
+        <p:style>
+          <a:lnRef idx="2">
+            <a:schemeClr val="accent1">
+              <a:shade val="50000"/>
+            </a:schemeClr>
+          </a:lnRef>
+          <a:fillRef idx="1">
+            <a:schemeClr val="accent1"/>
+          </a:fillRef>
+          <a:effectRef idx="0">
+            <a:schemeClr val="accent1"/>
+          </a:effectRef>
+          <a:fontRef idx="minor">
+            <a:schemeClr val="lt1"/>
+          </a:fontRef>
+        </p:style>
+        <p:txBody>
+          <a:bodyPr rtlCol="0" anchor="ctr"/>
+          <a:lstStyle/>
+          <a:p>
+            <a:pPr algn="ctr"/>
+            <a:endParaRPr lang="en-US"/>
+          </a:p>
+        </p:txBody>
+      </p:sp>
+      <p:sp>
+        <p:nvSpPr>
+          <p:cNvPr id="14" name="Isosceles Triangle 13">
+            <a:extLst>
+              <a:ext uri="{FF2B5EF4-FFF2-40B4-BE49-F238E27FC236}">
+                <a16:creationId xmlns:a16="http://schemas.microsoft.com/office/drawing/2014/main" id="{D3F51FEB-38FB-4F6C-9F7B-2F2AFAB65463}"/>
+              </a:ext>
+              <a:ext uri="{C183D7F6-B498-43B3-948B-1728B52AA6E4}">
+                <adec:decorative xmlns:adec="http://schemas.microsoft.com/office/drawing/2017/decorative" val="1"/>
+              </a:ext>
+            </a:extLst>
+          </p:cNvPr>
+          <p:cNvSpPr>
+            <a:spLocks noGrp="1" noRot="1" noChangeAspect="1" noMove="1" noResize="1" noEditPoints="1" noAdjustHandles="1" noChangeArrowheads="1" noChangeShapeType="1" noTextEdit="1"/>
+          </p:cNvSpPr>
+          <p:nvPr>
+            <p:extLst>
+              <p:ext uri="{386F3935-93C4-4BCD-93E2-E3B085C9AB24}">
+                <p16:designElem xmlns:p16="http://schemas.microsoft.com/office/powerpoint/2015/main" val="1"/>
+              </p:ext>
+            </p:extLst>
+          </p:nvPr>
+        </p:nvSpPr>
+        <p:spPr>
+          <a:xfrm rot="5400000">
+            <a:off x="-501760" y="5103257"/>
+            <a:ext cx="2017580" cy="1014060"/>
+          </a:xfrm>
+          <a:prstGeom prst="triangle">
+            <a:avLst>
+              <a:gd name="adj" fmla="val 50000"/>
+            </a:avLst>
+          </a:prstGeom>
+          <a:solidFill>
+            <a:schemeClr val="accent1">
+              <a:alpha val="30000"/>
+            </a:schemeClr>
+          </a:solidFill>
+          <a:ln>
+            <a:noFill/>
+          </a:ln>
+        </p:spPr>
+        <p:style>
+          <a:lnRef idx="2">
+            <a:schemeClr val="accent1">
+              <a:shade val="50000"/>
+            </a:schemeClr>
+          </a:lnRef>
+          <a:fillRef idx="1">
+            <a:schemeClr val="accent1"/>
+          </a:fillRef>
+          <a:effectRef idx="0">
+            <a:schemeClr val="accent1"/>
+          </a:effectRef>
+          <a:fontRef idx="minor">
+            <a:schemeClr val="lt1"/>
+          </a:fontRef>
+        </p:style>
+        <p:txBody>
+          <a:bodyPr wrap="square" rtlCol="0" anchor="ctr">
+            <a:noAutofit/>
+          </a:bodyPr>
+          <a:lstStyle/>
+          <a:p>
+            <a:pPr algn="ctr"/>
+            <a:endParaRPr lang="en-US"/>
+          </a:p>
+        </p:txBody>
+      </p:sp>
+      <p:sp>
+        <p:nvSpPr>
+          <p:cNvPr id="16" name="Rectangle 15">
+            <a:extLst>
+              <a:ext uri="{FF2B5EF4-FFF2-40B4-BE49-F238E27FC236}">
+                <a16:creationId xmlns:a16="http://schemas.microsoft.com/office/drawing/2014/main" id="{1E547BA6-BAE0-43BB-A7CA-60F69CE252F0}"/>
+              </a:ext>
+              <a:ext uri="{C183D7F6-B498-43B3-948B-1728B52AA6E4}">
+                <adec:decorative xmlns:adec="http://schemas.microsoft.com/office/drawing/2017/decorative" val="1"/>
+              </a:ext>
+            </a:extLst>
+          </p:cNvPr>
+          <p:cNvSpPr>
+            <a:spLocks noGrp="1" noRot="1" noChangeAspect="1" noMove="1" noResize="1" noEditPoints="1" noAdjustHandles="1" noChangeArrowheads="1" noChangeShapeType="1" noTextEdit="1"/>
+          </p:cNvSpPr>
+          <p:nvPr>
+            <p:extLst>
+              <p:ext uri="{386F3935-93C4-4BCD-93E2-E3B085C9AB24}">
+                <p16:designElem xmlns:p16="http://schemas.microsoft.com/office/powerpoint/2015/main" val="1"/>
+              </p:ext>
+            </p:extLst>
+          </p:nvPr>
+        </p:nvSpPr>
+        <p:spPr>
+          <a:xfrm rot="2700000">
+            <a:off x="427916" y="5728708"/>
+            <a:ext cx="485578" cy="485578"/>
+          </a:xfrm>
+          <a:prstGeom prst="rect">
+            <a:avLst/>
+          </a:prstGeom>
+          <a:solidFill>
+            <a:schemeClr val="accent1">
+              <a:alpha val="30000"/>
+            </a:schemeClr>
+          </a:solidFill>
+          <a:ln>
+            <a:noFill/>
+          </a:ln>
+        </p:spPr>
+        <p:style>
+          <a:lnRef idx="2">
+            <a:schemeClr val="accent1">
+              <a:shade val="50000"/>
+            </a:schemeClr>
+          </a:lnRef>
+          <a:fillRef idx="1">
+            <a:schemeClr val="accent1"/>
+          </a:fillRef>
+          <a:effectRef idx="0">
+            <a:schemeClr val="accent1"/>
+          </a:effectRef>
+          <a:fontRef idx="minor">
+            <a:schemeClr val="lt1"/>
+          </a:fontRef>
+        </p:style>
+        <p:txBody>
+          <a:bodyPr wrap="square" rtlCol="0" anchor="ctr">
+            <a:noAutofit/>
+          </a:bodyPr>
+          <a:lstStyle/>
+          <a:p>
+            <a:pPr algn="ctr"/>
+            <a:endParaRPr lang="en-US"/>
+          </a:p>
+        </p:txBody>
+      </p:sp>
+    </p:spTree>
+    <p:extLst>
+      <p:ext uri="{BB962C8B-B14F-4D97-AF65-F5344CB8AC3E}">
+        <p14:creationId xmlns:p14="http://schemas.microsoft.com/office/powerpoint/2010/main" val="4167736196"/>
+      </p:ext>
+    </p:extLst>
+  </p:cSld>
+  <p:clrMapOvr>
+    <a:masterClrMapping/>
+  </p:clrMapOvr>
+</p:sld>
+</file>
+
+<file path=ppt/slides/slide22.xml><?xml version="1.0" encoding="utf-8"?>
+<p:sld xmlns:a="http://schemas.openxmlformats.org/drawingml/2006/main" xmlns:r="http://schemas.openxmlformats.org/officeDocument/2006/relationships" xmlns:p="http://schemas.openxmlformats.org/presentationml/2006/main">
+  <p:cSld>
+    <p:bg>
+      <p:bgPr>
+        <a:solidFill>
+          <a:schemeClr val="bg1"/>
+        </a:solidFill>
+        <a:effectLst/>
+      </p:bgPr>
+    </p:bg>
+    <p:spTree>
+      <p:nvGrpSpPr>
+        <p:cNvPr id="1" name=""/>
+        <p:cNvGrpSpPr/>
+        <p:nvPr/>
+      </p:nvGrpSpPr>
+      <p:grpSpPr>
+        <a:xfrm>
+          <a:off x="0" y="0"/>
+          <a:ext cx="0" cy="0"/>
+          <a:chOff x="0" y="0"/>
+          <a:chExt cx="0" cy="0"/>
+        </a:xfrm>
+      </p:grpSpPr>
+      <p:sp>
+        <p:nvSpPr>
+          <p:cNvPr id="10" name="Rectangle 9">
+            <a:extLst>
+              <a:ext uri="{FF2B5EF4-FFF2-40B4-BE49-F238E27FC236}">
+                <a16:creationId xmlns:a16="http://schemas.microsoft.com/office/drawing/2014/main" id="{2B566528-1B12-4246-9431-5C2D7D081168}"/>
+              </a:ext>
+              <a:ext uri="{C183D7F6-B498-43B3-948B-1728B52AA6E4}">
+                <adec:decorative xmlns:adec="http://schemas.microsoft.com/office/drawing/2017/decorative" val="1"/>
+              </a:ext>
+            </a:extLst>
+          </p:cNvPr>
+          <p:cNvSpPr>
+            <a:spLocks noGrp="1" noRot="1" noChangeAspect="1" noMove="1" noResize="1" noEditPoints="1" noAdjustHandles="1" noChangeArrowheads="1" noChangeShapeType="1" noTextEdit="1"/>
+          </p:cNvSpPr>
+          <p:nvPr>
+            <p:extLst>
+              <p:ext uri="{386F3935-93C4-4BCD-93E2-E3B085C9AB24}">
+                <p16:designElem xmlns:p16="http://schemas.microsoft.com/office/powerpoint/2015/main" val="1"/>
+              </p:ext>
+            </p:extLst>
+          </p:nvPr>
+        </p:nvSpPr>
+        <p:spPr>
+          <a:xfrm>
+            <a:off x="0" y="0"/>
+            <a:ext cx="12192000" cy="6858000"/>
+          </a:xfrm>
+          <a:prstGeom prst="rect">
+            <a:avLst/>
+          </a:prstGeom>
+          <a:solidFill>
+            <a:schemeClr val="bg1"/>
+          </a:solidFill>
+          <a:ln>
+            <a:noFill/>
+          </a:ln>
+        </p:spPr>
+        <p:style>
+          <a:lnRef idx="2">
+            <a:schemeClr val="accent1">
+              <a:shade val="50000"/>
+            </a:schemeClr>
+          </a:lnRef>
+          <a:fillRef idx="1">
+            <a:schemeClr val="accent1"/>
+          </a:fillRef>
+          <a:effectRef idx="0">
+            <a:schemeClr val="accent1"/>
+          </a:effectRef>
+          <a:fontRef idx="minor">
+            <a:schemeClr val="lt1"/>
+          </a:fontRef>
+        </p:style>
+        <p:txBody>
+          <a:bodyPr rtlCol="0" anchor="ctr"/>
+          <a:lstStyle/>
+          <a:p>
+            <a:pPr algn="ctr"/>
+            <a:endParaRPr lang="en-US" dirty="0"/>
+          </a:p>
+        </p:txBody>
+      </p:sp>
+      <p:sp>
+        <p:nvSpPr>
+          <p:cNvPr id="2" name="タイトル 1">
+            <a:extLst>
+              <a:ext uri="{FF2B5EF4-FFF2-40B4-BE49-F238E27FC236}">
+                <a16:creationId xmlns:a16="http://schemas.microsoft.com/office/drawing/2014/main" id="{B2BD4848-5057-4D00-9FC6-67CE26D3DA9A}"/>
+              </a:ext>
+            </a:extLst>
+          </p:cNvPr>
+          <p:cNvSpPr>
+            <a:spLocks noGrp="1"/>
+          </p:cNvSpPr>
+          <p:nvPr>
+            <p:ph type="title"/>
+          </p:nvPr>
+        </p:nvSpPr>
+        <p:spPr>
+          <a:xfrm>
+            <a:off x="643467" y="321734"/>
+            <a:ext cx="10905066" cy="1135737"/>
+          </a:xfrm>
+        </p:spPr>
+        <p:txBody>
+          <a:bodyPr>
+            <a:normAutofit/>
+          </a:bodyPr>
+          <a:lstStyle/>
+          <a:p>
+            <a:r>
+              <a:rPr lang="en-US" sz="3600" dirty="0"/>
+              <a:t>Proof of Work2</a:t>
+            </a:r>
+          </a:p>
+        </p:txBody>
+      </p:sp>
+      <p:sp>
+        <p:nvSpPr>
+          <p:cNvPr id="3" name="コンテンツ プレースホルダー 2">
+            <a:extLst>
+              <a:ext uri="{FF2B5EF4-FFF2-40B4-BE49-F238E27FC236}">
+                <a16:creationId xmlns:a16="http://schemas.microsoft.com/office/drawing/2014/main" id="{6E00CFB9-67BF-4F8F-99C5-3F4184906618}"/>
+              </a:ext>
+            </a:extLst>
+          </p:cNvPr>
+          <p:cNvSpPr>
+            <a:spLocks noGrp="1"/>
+          </p:cNvSpPr>
+          <p:nvPr>
+            <p:ph idx="1"/>
+          </p:nvPr>
+        </p:nvSpPr>
+        <p:spPr>
+          <a:xfrm>
+            <a:off x="643468" y="1782980"/>
+            <a:ext cx="9577770" cy="4655397"/>
+          </a:xfrm>
+        </p:spPr>
+        <p:txBody>
+          <a:bodyPr>
+            <a:noAutofit/>
+          </a:bodyPr>
+          <a:lstStyle/>
+          <a:p>
+            <a:r>
+              <a:rPr lang="en-US" sz="2400" dirty="0">
+                <a:latin typeface="Times New Roman" panose="02020603050405020304" pitchFamily="18" charset="0"/>
+                <a:cs typeface="Times New Roman" panose="02020603050405020304" pitchFamily="18" charset="0"/>
+              </a:rPr>
+              <a:t>The bitcoin force miners to search for a valid nonce whose value is adjusted by miners until the hash of the block is less than or equal to the current target difficulty of the block.</a:t>
+            </a:r>
+          </a:p>
+          <a:p>
+            <a:endParaRPr lang="en-US" sz="2400" dirty="0">
+              <a:latin typeface="Times New Roman" panose="02020603050405020304" pitchFamily="18" charset="0"/>
+              <a:cs typeface="Times New Roman" panose="02020603050405020304" pitchFamily="18" charset="0"/>
+            </a:endParaRPr>
+          </a:p>
+          <a:p>
+            <a:endParaRPr lang="en-US" sz="2400" dirty="0">
+              <a:latin typeface="Times New Roman" panose="02020603050405020304" pitchFamily="18" charset="0"/>
+              <a:cs typeface="Times New Roman" panose="02020603050405020304" pitchFamily="18" charset="0"/>
+            </a:endParaRPr>
+          </a:p>
+          <a:p>
+            <a:pPr marL="0" indent="0">
+              <a:buNone/>
+            </a:pPr>
+            <a:endParaRPr lang="en-US" sz="2400" dirty="0">
+              <a:latin typeface="Times New Roman" panose="02020603050405020304" pitchFamily="18" charset="0"/>
+              <a:cs typeface="Times New Roman" panose="02020603050405020304" pitchFamily="18" charset="0"/>
+            </a:endParaRPr>
+          </a:p>
+          <a:p>
+            <a:endParaRPr lang="en-US" sz="2400" dirty="0">
+              <a:latin typeface="Times New Roman" panose="02020603050405020304" pitchFamily="18" charset="0"/>
+              <a:cs typeface="Times New Roman" panose="02020603050405020304" pitchFamily="18" charset="0"/>
+            </a:endParaRPr>
+          </a:p>
+          <a:p>
+            <a:endParaRPr lang="en-US" sz="2400" dirty="0">
+              <a:latin typeface="Times New Roman" panose="02020603050405020304" pitchFamily="18" charset="0"/>
+              <a:cs typeface="Times New Roman" panose="02020603050405020304" pitchFamily="18" charset="0"/>
+            </a:endParaRPr>
+          </a:p>
+          <a:p>
+            <a:r>
+              <a:rPr lang="en-US" sz="2400" dirty="0">
+                <a:latin typeface="Times New Roman" panose="02020603050405020304" pitchFamily="18" charset="0"/>
+                <a:cs typeface="Times New Roman" panose="02020603050405020304" pitchFamily="18" charset="0"/>
+              </a:rPr>
+              <a:t>A Miner who find the valid nonce broadcasts it to the network </a:t>
+            </a:r>
+          </a:p>
+        </p:txBody>
+      </p:sp>
+      <p:grpSp>
+        <p:nvGrpSpPr>
+          <p:cNvPr id="12" name="Group 11">
+            <a:extLst>
+              <a:ext uri="{FF2B5EF4-FFF2-40B4-BE49-F238E27FC236}">
+                <a16:creationId xmlns:a16="http://schemas.microsoft.com/office/drawing/2014/main" id="{828A5161-06F1-46CF-8AD7-844680A59E13}"/>
+              </a:ext>
+              <a:ext uri="{C183D7F6-B498-43B3-948B-1728B52AA6E4}">
+                <adec:decorative xmlns:adec="http://schemas.microsoft.com/office/drawing/2017/decorative" val="1"/>
+              </a:ext>
+            </a:extLst>
+          </p:cNvPr>
+          <p:cNvGrpSpPr>
+            <a:grpSpLocks noGrp="1" noUngrp="1" noRot="1" noChangeAspect="1" noMove="1" noResize="1"/>
+          </p:cNvGrpSpPr>
+          <p:nvPr>
+            <p:extLst>
+              <p:ext uri="{386F3935-93C4-4BCD-93E2-E3B085C9AB24}">
+                <p16:designElem xmlns:p16="http://schemas.microsoft.com/office/powerpoint/2015/main" val="1"/>
+              </p:ext>
+            </p:extLst>
+          </p:nvPr>
+        </p:nvGrpSpPr>
+        <p:grpSpPr>
+          <a:xfrm>
+            <a:off x="0" y="4601497"/>
+            <a:ext cx="1014060" cy="2017580"/>
+            <a:chOff x="0" y="4601497"/>
+            <a:chExt cx="1014060" cy="2017580"/>
+          </a:xfrm>
+        </p:grpSpPr>
+        <p:sp>
+          <p:nvSpPr>
+            <p:cNvPr id="13" name="Isosceles Triangle 12">
+              <a:extLst>
+                <a:ext uri="{FF2B5EF4-FFF2-40B4-BE49-F238E27FC236}">
+                  <a16:creationId xmlns:a16="http://schemas.microsoft.com/office/drawing/2014/main" id="{D3F51FEB-38FB-4F6C-9F7B-2F2AFAB65463}"/>
+                </a:ext>
+                <a:ext uri="{C183D7F6-B498-43B3-948B-1728B52AA6E4}">
+                  <adec:decorative xmlns:adec="http://schemas.microsoft.com/office/drawing/2017/decorative" val="1"/>
+                </a:ext>
+              </a:extLst>
+            </p:cNvPr>
+            <p:cNvSpPr/>
+            <p:nvPr>
+              <p:extLst>
+                <p:ext uri="{386F3935-93C4-4BCD-93E2-E3B085C9AB24}">
+                  <p16:designElem xmlns:p16="http://schemas.microsoft.com/office/powerpoint/2015/main" val="1"/>
+                </p:ext>
+              </p:extLst>
+            </p:nvPr>
+          </p:nvSpPr>
+          <p:spPr>
+            <a:xfrm rot="5400000">
+              <a:off x="-501760" y="5103257"/>
+              <a:ext cx="2017580" cy="1014060"/>
+            </a:xfrm>
+            <a:prstGeom prst="triangle">
+              <a:avLst>
+                <a:gd name="adj" fmla="val 50000"/>
+              </a:avLst>
+            </a:prstGeom>
+            <a:solidFill>
+              <a:schemeClr val="accent1">
+                <a:alpha val="30000"/>
+              </a:schemeClr>
+            </a:solidFill>
+            <a:ln>
+              <a:noFill/>
+            </a:ln>
+          </p:spPr>
+          <p:style>
+            <a:lnRef idx="2">
+              <a:schemeClr val="accent1">
+                <a:shade val="50000"/>
+              </a:schemeClr>
+            </a:lnRef>
+            <a:fillRef idx="1">
+              <a:schemeClr val="accent1"/>
+            </a:fillRef>
+            <a:effectRef idx="0">
+              <a:schemeClr val="accent1"/>
+            </a:effectRef>
+            <a:fontRef idx="minor">
+              <a:schemeClr val="lt1"/>
+            </a:fontRef>
+          </p:style>
+          <p:txBody>
+            <a:bodyPr rtlCol="0" anchor="ctr"/>
+            <a:lstStyle/>
+            <a:p>
+              <a:pPr algn="ctr"/>
+              <a:endParaRPr lang="en-US"/>
+            </a:p>
+          </p:txBody>
+        </p:sp>
+        <p:sp>
+          <p:nvSpPr>
+            <p:cNvPr id="14" name="Rectangle 13">
+              <a:extLst>
+                <a:ext uri="{FF2B5EF4-FFF2-40B4-BE49-F238E27FC236}">
+                  <a16:creationId xmlns:a16="http://schemas.microsoft.com/office/drawing/2014/main" id="{1E547BA6-BAE0-43BB-A7CA-60F69CE252F0}"/>
+                </a:ext>
+                <a:ext uri="{C183D7F6-B498-43B3-948B-1728B52AA6E4}">
+                  <adec:decorative xmlns:adec="http://schemas.microsoft.com/office/drawing/2017/decorative" val="1"/>
+                </a:ext>
+              </a:extLst>
+            </p:cNvPr>
+            <p:cNvSpPr/>
+            <p:nvPr>
+              <p:extLst>
+                <p:ext uri="{386F3935-93C4-4BCD-93E2-E3B085C9AB24}">
+                  <p16:designElem xmlns:p16="http://schemas.microsoft.com/office/powerpoint/2015/main" val="1"/>
+                </p:ext>
+              </p:extLst>
+            </p:nvPr>
+          </p:nvSpPr>
+          <p:spPr>
+            <a:xfrm rot="2700000">
+              <a:off x="427916" y="5728708"/>
+              <a:ext cx="485578" cy="485578"/>
+            </a:xfrm>
+            <a:prstGeom prst="rect">
+              <a:avLst/>
+            </a:prstGeom>
+            <a:solidFill>
+              <a:schemeClr val="accent1">
+                <a:alpha val="30000"/>
+              </a:schemeClr>
+            </a:solidFill>
+            <a:ln>
+              <a:noFill/>
+            </a:ln>
+          </p:spPr>
+          <p:style>
+            <a:lnRef idx="2">
+              <a:schemeClr val="accent1">
+                <a:shade val="50000"/>
+              </a:schemeClr>
+            </a:lnRef>
+            <a:fillRef idx="1">
+              <a:schemeClr val="accent1"/>
+            </a:fillRef>
+            <a:effectRef idx="0">
+              <a:schemeClr val="accent1"/>
+            </a:effectRef>
+            <a:fontRef idx="minor">
+              <a:schemeClr val="lt1"/>
+            </a:fontRef>
+          </p:style>
+          <p:txBody>
+            <a:bodyPr rtlCol="0" anchor="ctr"/>
+            <a:lstStyle/>
+            <a:p>
+              <a:pPr algn="ctr"/>
+              <a:endParaRPr lang="en-US"/>
+            </a:p>
+          </p:txBody>
+        </p:sp>
+      </p:grpSp>
+      <p:pic>
+        <p:nvPicPr>
+          <p:cNvPr id="5" name="図 4">
+            <a:extLst>
+              <a:ext uri="{FF2B5EF4-FFF2-40B4-BE49-F238E27FC236}">
+                <a16:creationId xmlns:a16="http://schemas.microsoft.com/office/drawing/2014/main" id="{5CEEDEB6-AB4B-46E2-8358-D27B6EBCBBE0}"/>
+              </a:ext>
+            </a:extLst>
+          </p:cNvPr>
+          <p:cNvPicPr>
+            <a:picLocks noChangeAspect="1"/>
+          </p:cNvPicPr>
+          <p:nvPr/>
+        </p:nvPicPr>
+        <p:blipFill>
+          <a:blip r:embed="rId2"/>
+          <a:stretch>
+            <a:fillRect/>
+          </a:stretch>
+        </p:blipFill>
+        <p:spPr>
+          <a:xfrm>
+            <a:off x="2602224" y="3343511"/>
+            <a:ext cx="6253212" cy="1516403"/>
+          </a:xfrm>
+          <a:prstGeom prst="rect">
+            <a:avLst/>
+          </a:prstGeom>
+        </p:spPr>
+      </p:pic>
+      <p:grpSp>
+        <p:nvGrpSpPr>
+          <p:cNvPr id="16" name="Group 15">
+            <a:extLst>
+              <a:ext uri="{FF2B5EF4-FFF2-40B4-BE49-F238E27FC236}">
+                <a16:creationId xmlns:a16="http://schemas.microsoft.com/office/drawing/2014/main" id="{5995D10D-E9C9-47DB-AE7E-801FEF38F5C9}"/>
+              </a:ext>
+              <a:ext uri="{C183D7F6-B498-43B3-948B-1728B52AA6E4}">
+                <adec:decorative xmlns:adec="http://schemas.microsoft.com/office/drawing/2017/decorative" val="1"/>
+              </a:ext>
+            </a:extLst>
+          </p:cNvPr>
+          <p:cNvGrpSpPr>
+            <a:grpSpLocks noGrp="1" noUngrp="1" noRot="1" noChangeAspect="1" noMove="1" noResize="1"/>
+          </p:cNvGrpSpPr>
+          <p:nvPr>
+            <p:extLst>
+              <p:ext uri="{386F3935-93C4-4BCD-93E2-E3B085C9AB24}">
+                <p16:designElem xmlns:p16="http://schemas.microsoft.com/office/powerpoint/2015/main" val="1"/>
+              </p:ext>
+            </p:extLst>
+          </p:nvPr>
+        </p:nvGrpSpPr>
+        <p:grpSpPr>
+          <a:xfrm>
+            <a:off x="11219290" y="1"/>
+            <a:ext cx="972709" cy="1935307"/>
+            <a:chOff x="10918968" y="713127"/>
+            <a:chExt cx="1273032" cy="2532832"/>
+          </a:xfrm>
+        </p:grpSpPr>
+        <p:sp>
+          <p:nvSpPr>
+            <p:cNvPr id="17" name="Rectangle 16">
+              <a:extLst>
+                <a:ext uri="{FF2B5EF4-FFF2-40B4-BE49-F238E27FC236}">
+                  <a16:creationId xmlns:a16="http://schemas.microsoft.com/office/drawing/2014/main" id="{CC1A72C6-3DE4-4EC3-9AD5-9E0D40D8CE8A}"/>
+                </a:ext>
+                <a:ext uri="{C183D7F6-B498-43B3-948B-1728B52AA6E4}">
+                  <adec:decorative xmlns:adec="http://schemas.microsoft.com/office/drawing/2017/decorative" val="1"/>
+                </a:ext>
+              </a:extLst>
+            </p:cNvPr>
+            <p:cNvSpPr/>
+            <p:nvPr>
+              <p:extLst>
+                <p:ext uri="{386F3935-93C4-4BCD-93E2-E3B085C9AB24}">
+                  <p16:designElem xmlns:p16="http://schemas.microsoft.com/office/powerpoint/2015/main" val="1"/>
+                </p:ext>
+              </p:extLst>
+            </p:nvPr>
+          </p:nvSpPr>
+          <p:spPr>
+            <a:xfrm rot="2700000">
+              <a:off x="11052629" y="2120024"/>
+              <a:ext cx="645368" cy="645368"/>
+            </a:xfrm>
+            <a:prstGeom prst="rect">
+              <a:avLst/>
+            </a:prstGeom>
+            <a:solidFill>
+              <a:schemeClr val="accent4">
+                <a:alpha val="30000"/>
+              </a:schemeClr>
+            </a:solidFill>
+            <a:ln>
+              <a:noFill/>
+            </a:ln>
+          </p:spPr>
+          <p:style>
+            <a:lnRef idx="2">
+              <a:schemeClr val="accent1">
+                <a:shade val="50000"/>
+              </a:schemeClr>
+            </a:lnRef>
+            <a:fillRef idx="1">
+              <a:schemeClr val="accent1"/>
+            </a:fillRef>
+            <a:effectRef idx="0">
+              <a:schemeClr val="accent1"/>
+            </a:effectRef>
+            <a:fontRef idx="minor">
+              <a:schemeClr val="lt1"/>
+            </a:fontRef>
+          </p:style>
+          <p:txBody>
+            <a:bodyPr rtlCol="0" anchor="ctr"/>
+            <a:lstStyle/>
+            <a:p>
+              <a:pPr algn="ctr"/>
+              <a:endParaRPr lang="en-US"/>
+            </a:p>
+          </p:txBody>
+        </p:sp>
+        <p:sp>
+          <p:nvSpPr>
+            <p:cNvPr id="18" name="Isosceles Triangle 17">
+              <a:extLst>
+                <a:ext uri="{FF2B5EF4-FFF2-40B4-BE49-F238E27FC236}">
+                  <a16:creationId xmlns:a16="http://schemas.microsoft.com/office/drawing/2014/main" id="{0B0DA1F1-C391-4EDF-9FE0-23E86E137765}"/>
+                </a:ext>
+                <a:ext uri="{C183D7F6-B498-43B3-948B-1728B52AA6E4}">
+                  <adec:decorative xmlns:adec="http://schemas.microsoft.com/office/drawing/2017/decorative" val="1"/>
+                </a:ext>
+              </a:extLst>
+            </p:cNvPr>
+            <p:cNvSpPr/>
+            <p:nvPr>
+              <p:extLst>
+                <p:ext uri="{386F3935-93C4-4BCD-93E2-E3B085C9AB24}">
+                  <p16:designElem xmlns:p16="http://schemas.microsoft.com/office/powerpoint/2015/main" val="1"/>
+                </p:ext>
+              </p:extLst>
+            </p:nvPr>
+          </p:nvSpPr>
+          <p:spPr>
+            <a:xfrm rot="16200000">
+              <a:off x="10289068" y="1343027"/>
+              <a:ext cx="2532832" cy="1273032"/>
+            </a:xfrm>
+            <a:prstGeom prst="triangle">
+              <a:avLst>
+                <a:gd name="adj" fmla="val 50000"/>
+              </a:avLst>
+            </a:prstGeom>
+            <a:solidFill>
+              <a:schemeClr val="accent4">
+                <a:alpha val="30000"/>
+              </a:schemeClr>
+            </a:solidFill>
+            <a:ln>
+              <a:noFill/>
+            </a:ln>
+          </p:spPr>
+          <p:style>
+            <a:lnRef idx="2">
+              <a:schemeClr val="accent1">
+                <a:shade val="50000"/>
+              </a:schemeClr>
+            </a:lnRef>
+            <a:fillRef idx="1">
+              <a:schemeClr val="accent1"/>
+            </a:fillRef>
+            <a:effectRef idx="0">
+              <a:schemeClr val="accent1"/>
+            </a:effectRef>
+            <a:fontRef idx="minor">
+              <a:schemeClr val="lt1"/>
+            </a:fontRef>
+          </p:style>
+          <p:txBody>
+            <a:bodyPr rtlCol="0" anchor="ctr"/>
+            <a:lstStyle/>
+            <a:p>
+              <a:pPr algn="ctr"/>
+              <a:endParaRPr lang="en-US" dirty="0"/>
+            </a:p>
+          </p:txBody>
+        </p:sp>
+      </p:grpSp>
+    </p:spTree>
+    <p:extLst>
+      <p:ext uri="{BB962C8B-B14F-4D97-AF65-F5344CB8AC3E}">
+        <p14:creationId xmlns:p14="http://schemas.microsoft.com/office/powerpoint/2010/main" val="1084007103"/>
+      </p:ext>
+    </p:extLst>
+  </p:cSld>
+  <p:clrMapOvr>
+    <a:masterClrMapping/>
+  </p:clrMapOvr>
+</p:sld>
+</file>
+
+<file path=ppt/slides/slide23.xml><?xml version="1.0" encoding="utf-8"?>
+<p:sld xmlns:a="http://schemas.openxmlformats.org/drawingml/2006/main" xmlns:r="http://schemas.openxmlformats.org/officeDocument/2006/relationships" xmlns:p="http://schemas.openxmlformats.org/presentationml/2006/main">
+  <p:cSld>
+    <p:bg>
+      <p:bgPr>
+        <a:solidFill>
+          <a:schemeClr val="bg1"/>
+        </a:solidFill>
+        <a:effectLst/>
+      </p:bgPr>
+    </p:bg>
+    <p:spTree>
+      <p:nvGrpSpPr>
+        <p:cNvPr id="1" name=""/>
+        <p:cNvGrpSpPr/>
+        <p:nvPr/>
+      </p:nvGrpSpPr>
+      <p:grpSpPr>
+        <a:xfrm>
+          <a:off x="0" y="0"/>
+          <a:ext cx="0" cy="0"/>
+          <a:chOff x="0" y="0"/>
+          <a:chExt cx="0" cy="0"/>
+        </a:xfrm>
+      </p:grpSpPr>
+      <p:sp>
+        <p:nvSpPr>
+          <p:cNvPr id="12" name="Rectangle 11">
+            <a:extLst>
+              <a:ext uri="{FF2B5EF4-FFF2-40B4-BE49-F238E27FC236}">
+                <a16:creationId xmlns:a16="http://schemas.microsoft.com/office/drawing/2014/main" id="{2B566528-1B12-4246-9431-5C2D7D081168}"/>
+              </a:ext>
+              <a:ext uri="{C183D7F6-B498-43B3-948B-1728B52AA6E4}">
+                <adec:decorative xmlns:adec="http://schemas.microsoft.com/office/drawing/2017/decorative" val="1"/>
+              </a:ext>
+            </a:extLst>
+          </p:cNvPr>
+          <p:cNvSpPr>
+            <a:spLocks noGrp="1" noRot="1" noChangeAspect="1" noMove="1" noResize="1" noEditPoints="1" noAdjustHandles="1" noChangeArrowheads="1" noChangeShapeType="1" noTextEdit="1"/>
+          </p:cNvSpPr>
+          <p:nvPr>
+            <p:extLst>
+              <p:ext uri="{386F3935-93C4-4BCD-93E2-E3B085C9AB24}">
+                <p16:designElem xmlns:p16="http://schemas.microsoft.com/office/powerpoint/2015/main" val="1"/>
+              </p:ext>
+            </p:extLst>
+          </p:nvPr>
+        </p:nvSpPr>
+        <p:spPr>
+          <a:xfrm>
+            <a:off x="0" y="0"/>
+            <a:ext cx="12192000" cy="6858000"/>
+          </a:xfrm>
+          <a:prstGeom prst="rect">
+            <a:avLst/>
+          </a:prstGeom>
+          <a:solidFill>
+            <a:schemeClr val="bg1"/>
+          </a:solidFill>
+          <a:ln>
+            <a:noFill/>
+          </a:ln>
+        </p:spPr>
+        <p:style>
+          <a:lnRef idx="2">
+            <a:schemeClr val="accent1">
+              <a:shade val="50000"/>
+            </a:schemeClr>
+          </a:lnRef>
+          <a:fillRef idx="1">
+            <a:schemeClr val="accent1"/>
+          </a:fillRef>
+          <a:effectRef idx="0">
+            <a:schemeClr val="accent1"/>
+          </a:effectRef>
+          <a:fontRef idx="minor">
+            <a:schemeClr val="lt1"/>
+          </a:fontRef>
+        </p:style>
+        <p:txBody>
+          <a:bodyPr rtlCol="0" anchor="ctr"/>
+          <a:lstStyle/>
+          <a:p>
+            <a:pPr algn="ctr"/>
+            <a:endParaRPr lang="en-US" dirty="0"/>
+          </a:p>
+        </p:txBody>
+      </p:sp>
+      <p:sp>
+        <p:nvSpPr>
+          <p:cNvPr id="2" name="Title 1">
+            <a:extLst>
+              <a:ext uri="{FF2B5EF4-FFF2-40B4-BE49-F238E27FC236}">
+                <a16:creationId xmlns:a16="http://schemas.microsoft.com/office/drawing/2014/main" id="{E9503C6F-A5AD-7C50-1130-58E0FF20400C}"/>
+              </a:ext>
+            </a:extLst>
+          </p:cNvPr>
+          <p:cNvSpPr>
+            <a:spLocks noGrp="1"/>
+          </p:cNvSpPr>
+          <p:nvPr>
+            <p:ph type="title"/>
+          </p:nvPr>
+        </p:nvSpPr>
+        <p:spPr>
+          <a:xfrm>
+            <a:off x="643467" y="321734"/>
+            <a:ext cx="10905066" cy="1135737"/>
+          </a:xfrm>
+        </p:spPr>
+        <p:txBody>
+          <a:bodyPr>
+            <a:normAutofit/>
+          </a:bodyPr>
+          <a:lstStyle/>
+          <a:p>
+            <a:r>
+              <a:rPr lang="en-JP" sz="3600" dirty="0"/>
+              <a:t>Forks and consensus chain</a:t>
+            </a:r>
+          </a:p>
+        </p:txBody>
+      </p:sp>
+      <p:sp>
+        <p:nvSpPr>
+          <p:cNvPr id="3" name="Content Placeholder 2">
+            <a:extLst>
+              <a:ext uri="{FF2B5EF4-FFF2-40B4-BE49-F238E27FC236}">
+                <a16:creationId xmlns:a16="http://schemas.microsoft.com/office/drawing/2014/main" id="{8F9001BE-E2DA-3DEA-C4DE-E55C76FFE289}"/>
+              </a:ext>
+            </a:extLst>
+          </p:cNvPr>
+          <p:cNvSpPr>
+            <a:spLocks noGrp="1"/>
+          </p:cNvSpPr>
+          <p:nvPr>
+            <p:ph idx="1"/>
+          </p:nvPr>
+        </p:nvSpPr>
+        <p:spPr>
+          <a:xfrm>
+            <a:off x="643468" y="1782981"/>
+            <a:ext cx="5452532" cy="4393982"/>
+          </a:xfrm>
+        </p:spPr>
+        <p:txBody>
+          <a:bodyPr>
+            <a:normAutofit/>
+          </a:bodyPr>
+          <a:lstStyle/>
+          <a:p>
+            <a:r>
+              <a:rPr lang="en-US" sz="2400" dirty="0">
+                <a:latin typeface="Times New Roman" panose="02020603050405020304" pitchFamily="18" charset="0"/>
+                <a:cs typeface="Times New Roman" panose="02020603050405020304" pitchFamily="18" charset="0"/>
+              </a:rPr>
+              <a:t>A fork happens when two or more valid blocks refer to the same parent.</a:t>
+            </a:r>
+          </a:p>
+          <a:p>
+            <a:pPr marL="0" indent="0">
+              <a:buNone/>
+            </a:pPr>
+            <a:endParaRPr lang="en-US" sz="2400" dirty="0">
+              <a:latin typeface="Times New Roman" panose="02020603050405020304" pitchFamily="18" charset="0"/>
+              <a:cs typeface="Times New Roman" panose="02020603050405020304" pitchFamily="18" charset="0"/>
+            </a:endParaRPr>
+          </a:p>
+          <a:p>
+            <a:r>
+              <a:rPr lang="en-US" sz="2400" b="0" i="0" dirty="0">
+                <a:effectLst/>
+                <a:latin typeface="Times New Roman" panose="02020603050405020304" pitchFamily="18" charset="0"/>
+                <a:cs typeface="Times New Roman" panose="02020603050405020304" pitchFamily="18" charset="0"/>
+              </a:rPr>
+              <a:t>A selection rule is required.</a:t>
+            </a:r>
+          </a:p>
+          <a:p>
+            <a:endParaRPr lang="en-US" sz="2400" b="0" i="0" dirty="0">
+              <a:effectLst/>
+              <a:latin typeface="Times New Roman" panose="02020603050405020304" pitchFamily="18" charset="0"/>
+              <a:cs typeface="Times New Roman" panose="02020603050405020304" pitchFamily="18" charset="0"/>
+            </a:endParaRPr>
+          </a:p>
+          <a:p>
+            <a:r>
+              <a:rPr lang="en-US" sz="2400" dirty="0">
+                <a:latin typeface="Times New Roman" panose="02020603050405020304" pitchFamily="18" charset="0"/>
+                <a:cs typeface="Times New Roman" panose="02020603050405020304" pitchFamily="18" charset="0"/>
+              </a:rPr>
+              <a:t>the branch with the longest cumulative proof-of-work  difficulty is the one that is chosen as the consensus chain</a:t>
+            </a:r>
+          </a:p>
+        </p:txBody>
+      </p:sp>
+      <p:grpSp>
+        <p:nvGrpSpPr>
+          <p:cNvPr id="14" name="Group 13">
+            <a:extLst>
+              <a:ext uri="{FF2B5EF4-FFF2-40B4-BE49-F238E27FC236}">
+                <a16:creationId xmlns:a16="http://schemas.microsoft.com/office/drawing/2014/main" id="{828A5161-06F1-46CF-8AD7-844680A59E13}"/>
+              </a:ext>
+              <a:ext uri="{C183D7F6-B498-43B3-948B-1728B52AA6E4}">
+                <adec:decorative xmlns:adec="http://schemas.microsoft.com/office/drawing/2017/decorative" val="1"/>
+              </a:ext>
+            </a:extLst>
+          </p:cNvPr>
+          <p:cNvGrpSpPr>
+            <a:grpSpLocks noGrp="1" noUngrp="1" noRot="1" noChangeAspect="1" noMove="1" noResize="1"/>
+          </p:cNvGrpSpPr>
+          <p:nvPr>
+            <p:extLst>
+              <p:ext uri="{386F3935-93C4-4BCD-93E2-E3B085C9AB24}">
+                <p16:designElem xmlns:p16="http://schemas.microsoft.com/office/powerpoint/2015/main" val="1"/>
+              </p:ext>
+            </p:extLst>
+          </p:nvPr>
+        </p:nvGrpSpPr>
+        <p:grpSpPr>
+          <a:xfrm>
+            <a:off x="0" y="4601497"/>
+            <a:ext cx="1014060" cy="2017580"/>
+            <a:chOff x="0" y="4601497"/>
+            <a:chExt cx="1014060" cy="2017580"/>
+          </a:xfrm>
+        </p:grpSpPr>
+        <p:sp>
+          <p:nvSpPr>
+            <p:cNvPr id="15" name="Isosceles Triangle 14">
+              <a:extLst>
+                <a:ext uri="{FF2B5EF4-FFF2-40B4-BE49-F238E27FC236}">
+                  <a16:creationId xmlns:a16="http://schemas.microsoft.com/office/drawing/2014/main" id="{D3F51FEB-38FB-4F6C-9F7B-2F2AFAB65463}"/>
+                </a:ext>
+                <a:ext uri="{C183D7F6-B498-43B3-948B-1728B52AA6E4}">
+                  <adec:decorative xmlns:adec="http://schemas.microsoft.com/office/drawing/2017/decorative" val="1"/>
+                </a:ext>
+              </a:extLst>
+            </p:cNvPr>
+            <p:cNvSpPr/>
+            <p:nvPr>
+              <p:extLst>
+                <p:ext uri="{386F3935-93C4-4BCD-93E2-E3B085C9AB24}">
+                  <p16:designElem xmlns:p16="http://schemas.microsoft.com/office/powerpoint/2015/main" val="1"/>
+                </p:ext>
+              </p:extLst>
+            </p:nvPr>
+          </p:nvSpPr>
+          <p:spPr>
+            <a:xfrm rot="5400000">
+              <a:off x="-501760" y="5103257"/>
+              <a:ext cx="2017580" cy="1014060"/>
+            </a:xfrm>
+            <a:prstGeom prst="triangle">
+              <a:avLst>
+                <a:gd name="adj" fmla="val 50000"/>
+              </a:avLst>
+            </a:prstGeom>
+            <a:solidFill>
+              <a:schemeClr val="accent1">
+                <a:alpha val="30000"/>
+              </a:schemeClr>
+            </a:solidFill>
+            <a:ln>
+              <a:noFill/>
+            </a:ln>
+          </p:spPr>
+          <p:style>
+            <a:lnRef idx="2">
+              <a:schemeClr val="accent1">
+                <a:shade val="50000"/>
+              </a:schemeClr>
+            </a:lnRef>
+            <a:fillRef idx="1">
+              <a:schemeClr val="accent1"/>
+            </a:fillRef>
+            <a:effectRef idx="0">
+              <a:schemeClr val="accent1"/>
+            </a:effectRef>
+            <a:fontRef idx="minor">
+              <a:schemeClr val="lt1"/>
+            </a:fontRef>
+          </p:style>
+          <p:txBody>
+            <a:bodyPr rtlCol="0" anchor="ctr"/>
+            <a:lstStyle/>
+            <a:p>
+              <a:pPr algn="ctr"/>
+              <a:endParaRPr lang="en-US"/>
+            </a:p>
+          </p:txBody>
+        </p:sp>
+        <p:sp>
+          <p:nvSpPr>
+            <p:cNvPr id="16" name="Rectangle 15">
+              <a:extLst>
+                <a:ext uri="{FF2B5EF4-FFF2-40B4-BE49-F238E27FC236}">
+                  <a16:creationId xmlns:a16="http://schemas.microsoft.com/office/drawing/2014/main" id="{1E547BA6-BAE0-43BB-A7CA-60F69CE252F0}"/>
+                </a:ext>
+                <a:ext uri="{C183D7F6-B498-43B3-948B-1728B52AA6E4}">
+                  <adec:decorative xmlns:adec="http://schemas.microsoft.com/office/drawing/2017/decorative" val="1"/>
+                </a:ext>
+              </a:extLst>
+            </p:cNvPr>
+            <p:cNvSpPr/>
+            <p:nvPr>
+              <p:extLst>
+                <p:ext uri="{386F3935-93C4-4BCD-93E2-E3B085C9AB24}">
+                  <p16:designElem xmlns:p16="http://schemas.microsoft.com/office/powerpoint/2015/main" val="1"/>
+                </p:ext>
+              </p:extLst>
+            </p:nvPr>
+          </p:nvSpPr>
+          <p:spPr>
+            <a:xfrm rot="2700000">
+              <a:off x="427916" y="5728708"/>
+              <a:ext cx="485578" cy="485578"/>
+            </a:xfrm>
+            <a:prstGeom prst="rect">
+              <a:avLst/>
+            </a:prstGeom>
+            <a:solidFill>
+              <a:schemeClr val="accent1">
+                <a:alpha val="30000"/>
+              </a:schemeClr>
+            </a:solidFill>
+            <a:ln>
+              <a:noFill/>
+            </a:ln>
+          </p:spPr>
+          <p:style>
+            <a:lnRef idx="2">
+              <a:schemeClr val="accent1">
+                <a:shade val="50000"/>
+              </a:schemeClr>
+            </a:lnRef>
+            <a:fillRef idx="1">
+              <a:schemeClr val="accent1"/>
+            </a:fillRef>
+            <a:effectRef idx="0">
+              <a:schemeClr val="accent1"/>
+            </a:effectRef>
+            <a:fontRef idx="minor">
+              <a:schemeClr val="lt1"/>
+            </a:fontRef>
+          </p:style>
+          <p:txBody>
+            <a:bodyPr rtlCol="0" anchor="ctr"/>
+            <a:lstStyle/>
+            <a:p>
+              <a:pPr algn="ctr"/>
+              <a:endParaRPr lang="en-US"/>
+            </a:p>
+          </p:txBody>
+        </p:sp>
+      </p:grpSp>
+      <p:pic>
+        <p:nvPicPr>
+          <p:cNvPr id="7" name="図 6">
+            <a:extLst>
+              <a:ext uri="{FF2B5EF4-FFF2-40B4-BE49-F238E27FC236}">
+                <a16:creationId xmlns:a16="http://schemas.microsoft.com/office/drawing/2014/main" id="{72B92076-34DC-497C-92EE-FE65A766636D}"/>
+              </a:ext>
+            </a:extLst>
+          </p:cNvPr>
+          <p:cNvPicPr>
+            <a:picLocks noChangeAspect="1"/>
+          </p:cNvPicPr>
+          <p:nvPr/>
+        </p:nvPicPr>
+        <p:blipFill>
+          <a:blip r:embed="rId2"/>
+          <a:stretch>
+            <a:fillRect/>
+          </a:stretch>
+        </p:blipFill>
+        <p:spPr>
+          <a:xfrm>
+            <a:off x="5865254" y="1313603"/>
+            <a:ext cx="6253212" cy="3189137"/>
+          </a:xfrm>
+          <a:prstGeom prst="rect">
+            <a:avLst/>
+          </a:prstGeom>
+        </p:spPr>
+      </p:pic>
+      <p:grpSp>
+        <p:nvGrpSpPr>
+          <p:cNvPr id="18" name="Group 17">
+            <a:extLst>
+              <a:ext uri="{FF2B5EF4-FFF2-40B4-BE49-F238E27FC236}">
+                <a16:creationId xmlns:a16="http://schemas.microsoft.com/office/drawing/2014/main" id="{5995D10D-E9C9-47DB-AE7E-801FEF38F5C9}"/>
+              </a:ext>
+              <a:ext uri="{C183D7F6-B498-43B3-948B-1728B52AA6E4}">
+                <adec:decorative xmlns:adec="http://schemas.microsoft.com/office/drawing/2017/decorative" val="1"/>
+              </a:ext>
+            </a:extLst>
+          </p:cNvPr>
+          <p:cNvGrpSpPr>
+            <a:grpSpLocks noGrp="1" noUngrp="1" noRot="1" noChangeAspect="1" noMove="1" noResize="1"/>
+          </p:cNvGrpSpPr>
+          <p:nvPr>
+            <p:extLst>
+              <p:ext uri="{386F3935-93C4-4BCD-93E2-E3B085C9AB24}">
+                <p16:designElem xmlns:p16="http://schemas.microsoft.com/office/powerpoint/2015/main" val="1"/>
+              </p:ext>
+            </p:extLst>
+          </p:nvPr>
+        </p:nvGrpSpPr>
+        <p:grpSpPr>
+          <a:xfrm>
+            <a:off x="11219290" y="1"/>
+            <a:ext cx="972709" cy="1935307"/>
+            <a:chOff x="10918968" y="713127"/>
+            <a:chExt cx="1273032" cy="2532832"/>
+          </a:xfrm>
+        </p:grpSpPr>
+        <p:sp>
+          <p:nvSpPr>
+            <p:cNvPr id="19" name="Rectangle 18">
+              <a:extLst>
+                <a:ext uri="{FF2B5EF4-FFF2-40B4-BE49-F238E27FC236}">
+                  <a16:creationId xmlns:a16="http://schemas.microsoft.com/office/drawing/2014/main" id="{CC1A72C6-3DE4-4EC3-9AD5-9E0D40D8CE8A}"/>
+                </a:ext>
+                <a:ext uri="{C183D7F6-B498-43B3-948B-1728B52AA6E4}">
+                  <adec:decorative xmlns:adec="http://schemas.microsoft.com/office/drawing/2017/decorative" val="1"/>
+                </a:ext>
+              </a:extLst>
+            </p:cNvPr>
+            <p:cNvSpPr/>
+            <p:nvPr>
+              <p:extLst>
+                <p:ext uri="{386F3935-93C4-4BCD-93E2-E3B085C9AB24}">
+                  <p16:designElem xmlns:p16="http://schemas.microsoft.com/office/powerpoint/2015/main" val="1"/>
+                </p:ext>
+              </p:extLst>
+            </p:nvPr>
+          </p:nvSpPr>
+          <p:spPr>
+            <a:xfrm rot="2700000">
+              <a:off x="11052629" y="2120024"/>
+              <a:ext cx="645368" cy="645368"/>
+            </a:xfrm>
+            <a:prstGeom prst="rect">
+              <a:avLst/>
+            </a:prstGeom>
+            <a:solidFill>
+              <a:schemeClr val="accent4">
+                <a:alpha val="30000"/>
+              </a:schemeClr>
+            </a:solidFill>
+            <a:ln>
+              <a:noFill/>
+            </a:ln>
+          </p:spPr>
+          <p:style>
+            <a:lnRef idx="2">
+              <a:schemeClr val="accent1">
+                <a:shade val="50000"/>
+              </a:schemeClr>
+            </a:lnRef>
+            <a:fillRef idx="1">
+              <a:schemeClr val="accent1"/>
+            </a:fillRef>
+            <a:effectRef idx="0">
+              <a:schemeClr val="accent1"/>
+            </a:effectRef>
+            <a:fontRef idx="minor">
+              <a:schemeClr val="lt1"/>
+            </a:fontRef>
+          </p:style>
+          <p:txBody>
+            <a:bodyPr rtlCol="0" anchor="ctr"/>
+            <a:lstStyle/>
+            <a:p>
+              <a:pPr algn="ctr"/>
+              <a:endParaRPr lang="en-US"/>
+            </a:p>
+          </p:txBody>
+        </p:sp>
+        <p:sp>
+          <p:nvSpPr>
+            <p:cNvPr id="20" name="Isosceles Triangle 19">
+              <a:extLst>
+                <a:ext uri="{FF2B5EF4-FFF2-40B4-BE49-F238E27FC236}">
+                  <a16:creationId xmlns:a16="http://schemas.microsoft.com/office/drawing/2014/main" id="{0B0DA1F1-C391-4EDF-9FE0-23E86E137765}"/>
+                </a:ext>
+                <a:ext uri="{C183D7F6-B498-43B3-948B-1728B52AA6E4}">
+                  <adec:decorative xmlns:adec="http://schemas.microsoft.com/office/drawing/2017/decorative" val="1"/>
+                </a:ext>
+              </a:extLst>
+            </p:cNvPr>
+            <p:cNvSpPr/>
+            <p:nvPr>
+              <p:extLst>
+                <p:ext uri="{386F3935-93C4-4BCD-93E2-E3B085C9AB24}">
+                  <p16:designElem xmlns:p16="http://schemas.microsoft.com/office/powerpoint/2015/main" val="1"/>
+                </p:ext>
+              </p:extLst>
+            </p:nvPr>
+          </p:nvSpPr>
+          <p:spPr>
+            <a:xfrm rot="16200000">
+              <a:off x="10289068" y="1343027"/>
+              <a:ext cx="2532832" cy="1273032"/>
+            </a:xfrm>
+            <a:prstGeom prst="triangle">
+              <a:avLst>
+                <a:gd name="adj" fmla="val 50000"/>
+              </a:avLst>
+            </a:prstGeom>
+            <a:solidFill>
+              <a:schemeClr val="accent4">
+                <a:alpha val="30000"/>
+              </a:schemeClr>
+            </a:solidFill>
+            <a:ln>
+              <a:noFill/>
+            </a:ln>
+          </p:spPr>
+          <p:style>
+            <a:lnRef idx="2">
+              <a:schemeClr val="accent1">
+                <a:shade val="50000"/>
+              </a:schemeClr>
+            </a:lnRef>
+            <a:fillRef idx="1">
+              <a:schemeClr val="accent1"/>
+            </a:fillRef>
+            <a:effectRef idx="0">
+              <a:schemeClr val="accent1"/>
+            </a:effectRef>
+            <a:fontRef idx="minor">
+              <a:schemeClr val="lt1"/>
+            </a:fontRef>
+          </p:style>
+          <p:txBody>
+            <a:bodyPr rtlCol="0" anchor="ctr"/>
+            <a:lstStyle/>
+            <a:p>
+              <a:pPr algn="ctr"/>
+              <a:endParaRPr lang="en-US" dirty="0"/>
+            </a:p>
+          </p:txBody>
+        </p:sp>
+      </p:grpSp>
+    </p:spTree>
+    <p:extLst>
+      <p:ext uri="{BB962C8B-B14F-4D97-AF65-F5344CB8AC3E}">
+        <p14:creationId xmlns:p14="http://schemas.microsoft.com/office/powerpoint/2010/main" val="641126142"/>
+      </p:ext>
+    </p:extLst>
+  </p:cSld>
+  <p:clrMapOvr>
+    <a:masterClrMapping/>
+  </p:clrMapOvr>
+</p:sld>
+</file>
+
+<file path=ppt/slides/slide24.xml><?xml version="1.0" encoding="utf-8"?>
+<p:sld xmlns:a="http://schemas.openxmlformats.org/drawingml/2006/main" xmlns:r="http://schemas.openxmlformats.org/officeDocument/2006/relationships" xmlns:p="http://schemas.openxmlformats.org/presentationml/2006/main">
+  <p:cSld>
+    <p:bg>
+      <p:bgPr>
+        <a:solidFill>
+          <a:schemeClr val="bg1"/>
+        </a:solidFill>
+        <a:effectLst/>
+      </p:bgPr>
+    </p:bg>
+    <p:spTree>
+      <p:nvGrpSpPr>
+        <p:cNvPr id="1" name=""/>
+        <p:cNvGrpSpPr/>
+        <p:nvPr/>
+      </p:nvGrpSpPr>
+      <p:grpSpPr>
+        <a:xfrm>
+          <a:off x="0" y="0"/>
+          <a:ext cx="0" cy="0"/>
+          <a:chOff x="0" y="0"/>
+          <a:chExt cx="0" cy="0"/>
+        </a:xfrm>
+      </p:grpSpPr>
+      <p:sp>
+        <p:nvSpPr>
+          <p:cNvPr id="2" name="Title 1">
+            <a:extLst>
+              <a:ext uri="{FF2B5EF4-FFF2-40B4-BE49-F238E27FC236}">
+                <a16:creationId xmlns:a16="http://schemas.microsoft.com/office/drawing/2014/main" id="{5C85BED1-6402-7164-915D-0E1B3C8D41DB}"/>
+              </a:ext>
+            </a:extLst>
+          </p:cNvPr>
+          <p:cNvSpPr>
+            <a:spLocks noGrp="1"/>
+          </p:cNvSpPr>
+          <p:nvPr>
+            <p:ph type="title"/>
+          </p:nvPr>
+        </p:nvSpPr>
+        <p:spPr>
+          <a:xfrm>
+            <a:off x="838199" y="291090"/>
+            <a:ext cx="10515599" cy="932688"/>
+          </a:xfrm>
+        </p:spPr>
+        <p:txBody>
+          <a:bodyPr vert="horz" lIns="91440" tIns="45720" rIns="91440" bIns="45720" rtlCol="0" anchor="b">
+            <a:normAutofit/>
+          </a:bodyPr>
+          <a:lstStyle/>
+          <a:p>
+            <a:r>
+              <a:rPr lang="en-US" sz="5400" kern="1200" dirty="0">
+                <a:solidFill>
+                  <a:schemeClr val="tx1"/>
+                </a:solidFill>
+                <a:latin typeface="+mj-lt"/>
+                <a:ea typeface="+mj-ea"/>
+                <a:cs typeface="+mj-cs"/>
+              </a:rPr>
+              <a:t>Define coin (base idea)</a:t>
+            </a:r>
+          </a:p>
+        </p:txBody>
+      </p:sp>
+      <p:sp>
+        <p:nvSpPr>
+          <p:cNvPr id="3" name="Content Placeholder 2">
+            <a:extLst>
+              <a:ext uri="{FF2B5EF4-FFF2-40B4-BE49-F238E27FC236}">
+                <a16:creationId xmlns:a16="http://schemas.microsoft.com/office/drawing/2014/main" id="{BE2134EF-6582-F741-B26D-B9C970501260}"/>
+              </a:ext>
+            </a:extLst>
+          </p:cNvPr>
+          <p:cNvSpPr>
+            <a:spLocks noGrp="1"/>
+          </p:cNvSpPr>
+          <p:nvPr>
+            <p:ph idx="1"/>
+          </p:nvPr>
+        </p:nvSpPr>
+        <p:spPr>
+          <a:xfrm>
+            <a:off x="838199" y="1335726"/>
+            <a:ext cx="10515599" cy="420624"/>
+          </a:xfrm>
+        </p:spPr>
+        <p:txBody>
+          <a:bodyPr vert="horz" lIns="91440" tIns="45720" rIns="91440" bIns="45720" rtlCol="0">
+            <a:normAutofit/>
+          </a:bodyPr>
+          <a:lstStyle/>
+          <a:p>
+            <a:pPr marL="0" indent="0">
+              <a:buNone/>
+            </a:pPr>
+            <a:r>
+              <a:rPr lang="en-US" sz="2400" kern="1200" dirty="0">
+                <a:solidFill>
+                  <a:schemeClr val="tx1"/>
+                </a:solidFill>
+                <a:latin typeface="+mn-lt"/>
+                <a:ea typeface="+mn-ea"/>
+                <a:cs typeface="+mn-cs"/>
+              </a:rPr>
+              <a:t>In the paper, electronic coin is defined as a chain of digital signatures.</a:t>
+            </a:r>
+          </a:p>
+        </p:txBody>
+      </p:sp>
+      <p:pic>
+        <p:nvPicPr>
+          <p:cNvPr id="5" name="Picture 4" descr="Diagram&#10;&#10;Description automatically generated">
+            <a:extLst>
+              <a:ext uri="{FF2B5EF4-FFF2-40B4-BE49-F238E27FC236}">
+                <a16:creationId xmlns:a16="http://schemas.microsoft.com/office/drawing/2014/main" id="{ACCC51F1-3CED-F324-E370-67AAB157C313}"/>
+              </a:ext>
+            </a:extLst>
+          </p:cNvPr>
+          <p:cNvPicPr>
+            <a:picLocks noChangeAspect="1"/>
+          </p:cNvPicPr>
+          <p:nvPr/>
+        </p:nvPicPr>
+        <p:blipFill>
+          <a:blip r:embed="rId2"/>
+          <a:stretch>
+            <a:fillRect/>
+          </a:stretch>
+        </p:blipFill>
+        <p:spPr>
+          <a:xfrm>
+            <a:off x="1020686" y="2003486"/>
+            <a:ext cx="6677187" cy="4006311"/>
+          </a:xfrm>
+          <a:prstGeom prst="rect">
+            <a:avLst/>
+          </a:prstGeom>
+        </p:spPr>
+      </p:pic>
+      <p:sp>
+        <p:nvSpPr>
+          <p:cNvPr id="7" name="TextBox 6">
+            <a:extLst>
+              <a:ext uri="{FF2B5EF4-FFF2-40B4-BE49-F238E27FC236}">
+                <a16:creationId xmlns:a16="http://schemas.microsoft.com/office/drawing/2014/main" id="{5190FB44-710A-B9DC-1F51-DDBDBE6FB5CC}"/>
+              </a:ext>
+            </a:extLst>
+          </p:cNvPr>
+          <p:cNvSpPr txBox="1"/>
+          <p:nvPr/>
+        </p:nvSpPr>
+        <p:spPr>
+          <a:xfrm>
+            <a:off x="7697873" y="2446638"/>
+            <a:ext cx="4148595" cy="400110"/>
+          </a:xfrm>
+          <a:prstGeom prst="rect">
+            <a:avLst/>
+          </a:prstGeom>
+          <a:noFill/>
+        </p:spPr>
+        <p:txBody>
+          <a:bodyPr wrap="square" rtlCol="0">
+            <a:spAutoFit/>
+          </a:bodyPr>
+          <a:lstStyle/>
+          <a:p>
+            <a:r>
+              <a:rPr lang="en-US" sz="2000" dirty="0"/>
+              <a:t>S</a:t>
+            </a:r>
+            <a:r>
+              <a:rPr lang="en-JP" sz="2000" dirty="0"/>
+              <a:t>hare this chain over all nodes(peers)</a:t>
+            </a:r>
+          </a:p>
+        </p:txBody>
+      </p:sp>
+    </p:spTree>
+    <p:extLst>
+      <p:ext uri="{BB962C8B-B14F-4D97-AF65-F5344CB8AC3E}">
+        <p14:creationId xmlns:p14="http://schemas.microsoft.com/office/powerpoint/2010/main" val="2314253525"/>
+      </p:ext>
+    </p:extLst>
+  </p:cSld>
+  <p:clrMapOvr>
+    <a:masterClrMapping/>
+  </p:clrMapOvr>
+</p:sld>
+</file>
+
+<file path=ppt/slides/slide3.xml><?xml version="1.0" encoding="utf-8"?>
+<p:sld xmlns:a="http://schemas.openxmlformats.org/drawingml/2006/main" xmlns:r="http://schemas.openxmlformats.org/officeDocument/2006/relationships" xmlns:p="http://schemas.openxmlformats.org/presentationml/2006/main">
+  <p:cSld>
+    <p:spTree>
+      <p:nvGrpSpPr>
+        <p:cNvPr id="1" name=""/>
+        <p:cNvGrpSpPr/>
+        <p:nvPr/>
+      </p:nvGrpSpPr>
+      <p:grpSpPr>
+        <a:xfrm>
+          <a:off x="0" y="0"/>
+          <a:ext cx="0" cy="0"/>
+          <a:chOff x="0" y="0"/>
+          <a:chExt cx="0" cy="0"/>
+        </a:xfrm>
+      </p:grpSpPr>
+      <p:pic>
+        <p:nvPicPr>
+          <p:cNvPr id="7" name="コンテンツ プレースホルダー 6">
+            <a:extLst>
+              <a:ext uri="{FF2B5EF4-FFF2-40B4-BE49-F238E27FC236}">
+                <a16:creationId xmlns:a16="http://schemas.microsoft.com/office/drawing/2014/main" id="{E3D7B42B-7A43-4869-B8BD-10857A3C0613}"/>
+              </a:ext>
+            </a:extLst>
+          </p:cNvPr>
+          <p:cNvPicPr>
+            <a:picLocks noGrp="1" noChangeAspect="1"/>
+          </p:cNvPicPr>
+          <p:nvPr>
+            <p:ph idx="1"/>
+          </p:nvPr>
+        </p:nvPicPr>
+        <p:blipFill>
+          <a:blip r:embed="rId2"/>
+          <a:stretch>
+            <a:fillRect/>
+          </a:stretch>
+        </p:blipFill>
+        <p:spPr>
+          <a:xfrm>
+            <a:off x="1461520" y="3469711"/>
+            <a:ext cx="7811590" cy="3086531"/>
+          </a:xfrm>
+        </p:spPr>
+      </p:pic>
+      <p:pic>
+        <p:nvPicPr>
+          <p:cNvPr id="5" name="図 4">
+            <a:extLst>
+              <a:ext uri="{FF2B5EF4-FFF2-40B4-BE49-F238E27FC236}">
+                <a16:creationId xmlns:a16="http://schemas.microsoft.com/office/drawing/2014/main" id="{DF7DA189-1D82-434C-AB51-F1719079B5C8}"/>
+              </a:ext>
+            </a:extLst>
+          </p:cNvPr>
+          <p:cNvPicPr>
+            <a:picLocks noChangeAspect="1"/>
+          </p:cNvPicPr>
+          <p:nvPr/>
+        </p:nvPicPr>
+        <p:blipFill>
+          <a:blip r:embed="rId3"/>
+          <a:stretch>
+            <a:fillRect/>
+          </a:stretch>
+        </p:blipFill>
+        <p:spPr>
+          <a:xfrm>
+            <a:off x="3111345" y="40710"/>
+            <a:ext cx="5576651" cy="3388290"/>
+          </a:xfrm>
+          <a:prstGeom prst="rect">
+            <a:avLst/>
+          </a:prstGeom>
+        </p:spPr>
+      </p:pic>
+    </p:spTree>
+    <p:extLst>
+      <p:ext uri="{BB962C8B-B14F-4D97-AF65-F5344CB8AC3E}">
+        <p14:creationId xmlns:p14="http://schemas.microsoft.com/office/powerpoint/2010/main" val="2718607460"/>
+      </p:ext>
+    </p:extLst>
+  </p:cSld>
+  <p:clrMapOvr>
+    <a:masterClrMapping/>
+  </p:clrMapOvr>
+</p:sld>
+</file>
+
+<file path=ppt/slides/slide4.xml><?xml version="1.0" encoding="utf-8"?>
+<p:sld xmlns:a="http://schemas.openxmlformats.org/drawingml/2006/main" xmlns:r="http://schemas.openxmlformats.org/officeDocument/2006/relationships" xmlns:p="http://schemas.openxmlformats.org/presentationml/2006/main">
+  <p:cSld>
+    <p:spTree>
+      <p:nvGrpSpPr>
+        <p:cNvPr id="1" name=""/>
+        <p:cNvGrpSpPr/>
+        <p:nvPr/>
+      </p:nvGrpSpPr>
+      <p:grpSpPr>
+        <a:xfrm>
+          <a:off x="0" y="0"/>
+          <a:ext cx="0" cy="0"/>
+          <a:chOff x="0" y="0"/>
+          <a:chExt cx="0" cy="0"/>
+        </a:xfrm>
+      </p:grpSpPr>
+      <p:sp>
+        <p:nvSpPr>
+          <p:cNvPr id="2" name="Title 1">
+            <a:extLst>
+              <a:ext uri="{FF2B5EF4-FFF2-40B4-BE49-F238E27FC236}">
+                <a16:creationId xmlns:a16="http://schemas.microsoft.com/office/drawing/2014/main" id="{4737580F-F3BF-7C0E-709D-AA33A1DE135A}"/>
+              </a:ext>
+            </a:extLst>
+          </p:cNvPr>
+          <p:cNvSpPr>
+            <a:spLocks noGrp="1"/>
+          </p:cNvSpPr>
+          <p:nvPr>
+            <p:ph type="ctrTitle"/>
+          </p:nvPr>
+        </p:nvSpPr>
+        <p:spPr/>
+        <p:txBody>
+          <a:bodyPr/>
+          <a:lstStyle/>
+          <a:p>
+            <a:r>
+              <a:rPr lang="en-JP" dirty="0"/>
+              <a:t>Theory of Blockchain</a:t>
+            </a:r>
+          </a:p>
+        </p:txBody>
+      </p:sp>
+      <p:sp>
+        <p:nvSpPr>
+          <p:cNvPr id="3" name="Subtitle 2">
+            <a:extLst>
+              <a:ext uri="{FF2B5EF4-FFF2-40B4-BE49-F238E27FC236}">
+                <a16:creationId xmlns:a16="http://schemas.microsoft.com/office/drawing/2014/main" id="{2D56319F-1E1F-722D-A1BF-F141CF00ED9E}"/>
+              </a:ext>
+            </a:extLst>
+          </p:cNvPr>
+          <p:cNvSpPr>
+            <a:spLocks noGrp="1"/>
+          </p:cNvSpPr>
+          <p:nvPr>
+            <p:ph type="subTitle" idx="1"/>
+          </p:nvPr>
+        </p:nvSpPr>
+        <p:spPr/>
+        <p:txBody>
+          <a:bodyPr/>
+          <a:lstStyle/>
+          <a:p>
+            <a:endParaRPr lang="en-JP"/>
+          </a:p>
+        </p:txBody>
+      </p:sp>
+    </p:spTree>
+    <p:extLst>
+      <p:ext uri="{BB962C8B-B14F-4D97-AF65-F5344CB8AC3E}">
+        <p14:creationId xmlns:p14="http://schemas.microsoft.com/office/powerpoint/2010/main" val="1402149663"/>
+      </p:ext>
+    </p:extLst>
+  </p:cSld>
+  <p:clrMapOvr>
+    <a:masterClrMapping/>
+  </p:clrMapOvr>
+</p:sld>
+</file>
+
+<file path=ppt/slides/slide5.xml><?xml version="1.0" encoding="utf-8"?>
+<p:sld xmlns:a="http://schemas.openxmlformats.org/drawingml/2006/main" xmlns:r="http://schemas.openxmlformats.org/officeDocument/2006/relationships" xmlns:p="http://schemas.openxmlformats.org/presentationml/2006/main">
+  <p:cSld>
+    <p:bg>
+      <p:bgPr>
+        <a:solidFill>
+          <a:schemeClr val="bg1"/>
+        </a:solidFill>
+        <a:effectLst/>
+      </p:bgPr>
+    </p:bg>
+    <p:spTree>
+      <p:nvGrpSpPr>
+        <p:cNvPr id="1" name=""/>
+        <p:cNvGrpSpPr/>
+        <p:nvPr/>
+      </p:nvGrpSpPr>
+      <p:grpSpPr>
+        <a:xfrm>
+          <a:off x="0" y="0"/>
+          <a:ext cx="0" cy="0"/>
+          <a:chOff x="0" y="0"/>
+          <a:chExt cx="0" cy="0"/>
+        </a:xfrm>
+      </p:grpSpPr>
+      <p:sp>
+        <p:nvSpPr>
+          <p:cNvPr id="9" name="Rectangle 8">
+            <a:extLst>
+              <a:ext uri="{FF2B5EF4-FFF2-40B4-BE49-F238E27FC236}">
+                <a16:creationId xmlns:a16="http://schemas.microsoft.com/office/drawing/2014/main" id="{2B566528-1B12-4246-9431-5C2D7D081168}"/>
+              </a:ext>
+              <a:ext uri="{C183D7F6-B498-43B3-948B-1728B52AA6E4}">
+                <adec:decorative xmlns:adec="http://schemas.microsoft.com/office/drawing/2017/decorative" val="1"/>
+              </a:ext>
+            </a:extLst>
+          </p:cNvPr>
+          <p:cNvSpPr>
+            <a:spLocks noGrp="1" noRot="1" noChangeAspect="1" noMove="1" noResize="1" noEditPoints="1" noAdjustHandles="1" noChangeArrowheads="1" noChangeShapeType="1" noTextEdit="1"/>
+          </p:cNvSpPr>
+          <p:nvPr>
+            <p:extLst>
+              <p:ext uri="{386F3935-93C4-4BCD-93E2-E3B085C9AB24}">
+                <p16:designElem xmlns:p16="http://schemas.microsoft.com/office/powerpoint/2015/main" val="1"/>
+              </p:ext>
+            </p:extLst>
+          </p:nvPr>
+        </p:nvSpPr>
+        <p:spPr>
+          <a:xfrm>
+            <a:off x="0" y="0"/>
+            <a:ext cx="12192000" cy="6858000"/>
+          </a:xfrm>
+          <a:prstGeom prst="rect">
+            <a:avLst/>
+          </a:prstGeom>
+          <a:solidFill>
+            <a:schemeClr val="bg1"/>
+          </a:solidFill>
+          <a:ln>
+            <a:noFill/>
+          </a:ln>
+        </p:spPr>
+        <p:style>
+          <a:lnRef idx="2">
+            <a:schemeClr val="accent1">
+              <a:shade val="50000"/>
+            </a:schemeClr>
+          </a:lnRef>
+          <a:fillRef idx="1">
+            <a:schemeClr val="accent1"/>
+          </a:fillRef>
+          <a:effectRef idx="0">
+            <a:schemeClr val="accent1"/>
+          </a:effectRef>
+          <a:fontRef idx="minor">
+            <a:schemeClr val="lt1"/>
+          </a:fontRef>
+        </p:style>
+        <p:txBody>
+          <a:bodyPr rtlCol="0" anchor="ctr"/>
+          <a:lstStyle/>
+          <a:p>
+            <a:pPr algn="ctr"/>
+            <a:endParaRPr lang="en-US" dirty="0"/>
+          </a:p>
+        </p:txBody>
+      </p:sp>
+      <p:sp>
+        <p:nvSpPr>
+          <p:cNvPr id="2" name="Title 1">
+            <a:extLst>
+              <a:ext uri="{FF2B5EF4-FFF2-40B4-BE49-F238E27FC236}">
+                <a16:creationId xmlns:a16="http://schemas.microsoft.com/office/drawing/2014/main" id="{F4EFB335-C567-65A1-C378-878D6284B9F7}"/>
+              </a:ext>
+            </a:extLst>
+          </p:cNvPr>
+          <p:cNvSpPr>
+            <a:spLocks noGrp="1"/>
+          </p:cNvSpPr>
+          <p:nvPr>
+            <p:ph type="title"/>
+          </p:nvPr>
+        </p:nvSpPr>
+        <p:spPr>
+          <a:xfrm>
+            <a:off x="643467" y="321734"/>
+            <a:ext cx="10905066" cy="1135737"/>
+          </a:xfrm>
+        </p:spPr>
+        <p:txBody>
+          <a:bodyPr>
+            <a:normAutofit/>
+          </a:bodyPr>
+          <a:lstStyle/>
+          <a:p>
+            <a:r>
               <a:rPr lang="en-JP" sz="3600" dirty="0"/>
               <a:t>Problems of electronic cash</a:t>
             </a:r>
@@ -7373,7 +11434,7 @@
         </p:spPr>
         <p:txBody>
           <a:bodyPr>
-            <a:normAutofit lnSpcReduction="10000"/>
+            <a:normAutofit/>
           </a:bodyPr>
           <a:lstStyle/>
           <a:p>
@@ -7469,12 +11530,6 @@
               </a:rPr>
               <a:t>Proof for payment</a:t>
             </a:r>
-          </a:p>
-          <a:p>
-            <a:endParaRPr lang="en-US" dirty="0">
-              <a:latin typeface="Times New Roman" panose="02020603050405020304" pitchFamily="18" charset="0"/>
-              <a:cs typeface="Times New Roman" panose="02020603050405020304" pitchFamily="18" charset="0"/>
-            </a:endParaRPr>
           </a:p>
           <a:p>
             <a:pPr lvl="1"/>
@@ -7670,7 +11725,7 @@
         </p:blipFill>
         <p:spPr>
           <a:xfrm>
-            <a:off x="6942848" y="2908172"/>
+            <a:off x="6855946" y="2085032"/>
             <a:ext cx="4712032" cy="3640045"/>
           </a:xfrm>
           <a:prstGeom prst="rect">
@@ -7838,6 +11893,47 @@
           </p:txBody>
         </p:sp>
       </p:grpSp>
+      <p:sp>
+        <p:nvSpPr>
+          <p:cNvPr id="14" name="テキスト ボックス 13">
+            <a:extLst>
+              <a:ext uri="{FF2B5EF4-FFF2-40B4-BE49-F238E27FC236}">
+                <a16:creationId xmlns:a16="http://schemas.microsoft.com/office/drawing/2014/main" id="{F9BDAC40-7780-4FC0-A45C-FB609BEB7BD1}"/>
+              </a:ext>
+            </a:extLst>
+          </p:cNvPr>
+          <p:cNvSpPr txBox="1"/>
+          <p:nvPr/>
+        </p:nvSpPr>
+        <p:spPr>
+          <a:xfrm>
+            <a:off x="8304060" y="1715700"/>
+            <a:ext cx="2591960" cy="369332"/>
+          </a:xfrm>
+          <a:prstGeom prst="rect">
+            <a:avLst/>
+          </a:prstGeom>
+          <a:noFill/>
+        </p:spPr>
+        <p:txBody>
+          <a:bodyPr wrap="square">
+            <a:spAutoFit/>
+          </a:bodyPr>
+          <a:lstStyle/>
+          <a:p>
+            <a:r>
+              <a:rPr lang="en-US" dirty="0">
+                <a:solidFill>
+                  <a:srgbClr val="FF0000"/>
+                </a:solidFill>
+                <a:latin typeface="Times New Roman" panose="02020603050405020304" pitchFamily="18" charset="0"/>
+                <a:cs typeface="Times New Roman" panose="02020603050405020304" pitchFamily="18" charset="0"/>
+              </a:rPr>
+              <a:t>multiple spending</a:t>
+            </a:r>
+          </a:p>
+        </p:txBody>
+      </p:sp>
     </p:spTree>
     <p:extLst>
       <p:ext uri="{BB962C8B-B14F-4D97-AF65-F5344CB8AC3E}">
@@ -7851,380 +11947,7 @@
 </p:sld>
 </file>
 
-<file path=ppt/slides/slide20.xml><?xml version="1.0" encoding="utf-8"?>
-<p:sld xmlns:a="http://schemas.openxmlformats.org/drawingml/2006/main" xmlns:r="http://schemas.openxmlformats.org/officeDocument/2006/relationships" xmlns:p="http://schemas.openxmlformats.org/presentationml/2006/main">
-  <p:cSld>
-    <p:spTree>
-      <p:nvGrpSpPr>
-        <p:cNvPr id="1" name=""/>
-        <p:cNvGrpSpPr/>
-        <p:nvPr/>
-      </p:nvGrpSpPr>
-      <p:grpSpPr>
-        <a:xfrm>
-          <a:off x="0" y="0"/>
-          <a:ext cx="0" cy="0"/>
-          <a:chOff x="0" y="0"/>
-          <a:chExt cx="0" cy="0"/>
-        </a:xfrm>
-      </p:grpSpPr>
-      <p:pic>
-        <p:nvPicPr>
-          <p:cNvPr id="7" name="図 6">
-            <a:extLst>
-              <a:ext uri="{FF2B5EF4-FFF2-40B4-BE49-F238E27FC236}">
-                <a16:creationId xmlns:a16="http://schemas.microsoft.com/office/drawing/2014/main" id="{72B92076-34DC-497C-92EE-FE65A766636D}"/>
-              </a:ext>
-            </a:extLst>
-          </p:cNvPr>
-          <p:cNvPicPr>
-            <a:picLocks noChangeAspect="1"/>
-          </p:cNvPicPr>
-          <p:nvPr/>
-        </p:nvPicPr>
-        <p:blipFill>
-          <a:blip r:embed="rId2"/>
-          <a:stretch>
-            <a:fillRect/>
-          </a:stretch>
-        </p:blipFill>
-        <p:spPr>
-          <a:xfrm>
-            <a:off x="6289394" y="2721037"/>
-            <a:ext cx="5144635" cy="2621314"/>
-          </a:xfrm>
-          <a:prstGeom prst="rect">
-            <a:avLst/>
-          </a:prstGeom>
-        </p:spPr>
-      </p:pic>
-      <p:sp>
-        <p:nvSpPr>
-          <p:cNvPr id="2" name="Title 1">
-            <a:extLst>
-              <a:ext uri="{FF2B5EF4-FFF2-40B4-BE49-F238E27FC236}">
-                <a16:creationId xmlns:a16="http://schemas.microsoft.com/office/drawing/2014/main" id="{E9503C6F-A5AD-7C50-1130-58E0FF20400C}"/>
-              </a:ext>
-            </a:extLst>
-          </p:cNvPr>
-          <p:cNvSpPr>
-            <a:spLocks noGrp="1"/>
-          </p:cNvSpPr>
-          <p:nvPr>
-            <p:ph type="title"/>
-          </p:nvPr>
-        </p:nvSpPr>
-        <p:spPr>
-          <a:xfrm>
-            <a:off x="838200" y="365125"/>
-            <a:ext cx="10515600" cy="900004"/>
-          </a:xfrm>
-        </p:spPr>
-        <p:txBody>
-          <a:bodyPr/>
-          <a:lstStyle/>
-          <a:p>
-            <a:r>
-              <a:rPr lang="en-JP" dirty="0"/>
-              <a:t>Forks and consensus chain</a:t>
-            </a:r>
-          </a:p>
-        </p:txBody>
-      </p:sp>
-      <p:sp>
-        <p:nvSpPr>
-          <p:cNvPr id="3" name="Content Placeholder 2">
-            <a:extLst>
-              <a:ext uri="{FF2B5EF4-FFF2-40B4-BE49-F238E27FC236}">
-                <a16:creationId xmlns:a16="http://schemas.microsoft.com/office/drawing/2014/main" id="{8F9001BE-E2DA-3DEA-C4DE-E55C76FFE289}"/>
-              </a:ext>
-            </a:extLst>
-          </p:cNvPr>
-          <p:cNvSpPr>
-            <a:spLocks noGrp="1"/>
-          </p:cNvSpPr>
-          <p:nvPr>
-            <p:ph idx="1"/>
-          </p:nvPr>
-        </p:nvSpPr>
-        <p:spPr>
-          <a:xfrm>
-            <a:off x="838200" y="1515649"/>
-            <a:ext cx="10515600" cy="4661314"/>
-          </a:xfrm>
-        </p:spPr>
-        <p:txBody>
-          <a:bodyPr>
-            <a:normAutofit/>
-          </a:bodyPr>
-          <a:lstStyle/>
-          <a:p>
-            <a:r>
-              <a:rPr lang="en-US" dirty="0"/>
-              <a:t>A fork happens when two or more valid blocks refer to the same parent.</a:t>
-            </a:r>
-          </a:p>
-          <a:p>
-            <a:endParaRPr lang="en-US" dirty="0"/>
-          </a:p>
-          <a:p>
-            <a:endParaRPr lang="en-US" dirty="0"/>
-          </a:p>
-          <a:p>
-            <a:r>
-              <a:rPr lang="en-US" b="0" i="0" dirty="0">
-                <a:effectLst/>
-                <a:latin typeface="Times New Roman" panose="02020603050405020304" pitchFamily="18" charset="0"/>
-              </a:rPr>
-              <a:t>A selection rule is required.</a:t>
-            </a:r>
-          </a:p>
-          <a:p>
-            <a:endParaRPr lang="en-US" b="0" i="0" dirty="0">
-              <a:effectLst/>
-              <a:latin typeface="Times New Roman" panose="02020603050405020304" pitchFamily="18" charset="0"/>
-            </a:endParaRPr>
-          </a:p>
-          <a:p>
-            <a:r>
-              <a:rPr lang="en-US" dirty="0">
-                <a:latin typeface="Times New Roman" panose="02020603050405020304" pitchFamily="18" charset="0"/>
-              </a:rPr>
-              <a:t>the branch with the longest </a:t>
-            </a:r>
-          </a:p>
-          <a:p>
-            <a:pPr marL="0" indent="0">
-              <a:buNone/>
-            </a:pPr>
-            <a:r>
-              <a:rPr lang="en-US" dirty="0">
-                <a:latin typeface="Times New Roman" panose="02020603050405020304" pitchFamily="18" charset="0"/>
-              </a:rPr>
-              <a:t>cumulative proof-of-work </a:t>
-            </a:r>
-          </a:p>
-          <a:p>
-            <a:pPr marL="0" indent="0">
-              <a:buNone/>
-            </a:pPr>
-            <a:r>
-              <a:rPr lang="en-US" dirty="0">
-                <a:latin typeface="Times New Roman" panose="02020603050405020304" pitchFamily="18" charset="0"/>
-              </a:rPr>
-              <a:t>difficulty is the one that is chosen as the consensus chain</a:t>
-            </a:r>
-          </a:p>
-        </p:txBody>
-      </p:sp>
-    </p:spTree>
-    <p:extLst>
-      <p:ext uri="{BB962C8B-B14F-4D97-AF65-F5344CB8AC3E}">
-        <p14:creationId xmlns:p14="http://schemas.microsoft.com/office/powerpoint/2010/main" val="641126142"/>
-      </p:ext>
-    </p:extLst>
-  </p:cSld>
-  <p:clrMapOvr>
-    <a:masterClrMapping/>
-  </p:clrMapOvr>
-</p:sld>
-</file>
-
-<file path=ppt/slides/slide21.xml><?xml version="1.0" encoding="utf-8"?>
-<p:sld xmlns:a="http://schemas.openxmlformats.org/drawingml/2006/main" xmlns:r="http://schemas.openxmlformats.org/officeDocument/2006/relationships" xmlns:p="http://schemas.openxmlformats.org/presentationml/2006/main">
-  <p:cSld>
-    <p:bg>
-      <p:bgPr>
-        <a:solidFill>
-          <a:schemeClr val="bg1"/>
-        </a:solidFill>
-        <a:effectLst/>
-      </p:bgPr>
-    </p:bg>
-    <p:spTree>
-      <p:nvGrpSpPr>
-        <p:cNvPr id="1" name=""/>
-        <p:cNvGrpSpPr/>
-        <p:nvPr/>
-      </p:nvGrpSpPr>
-      <p:grpSpPr>
-        <a:xfrm>
-          <a:off x="0" y="0"/>
-          <a:ext cx="0" cy="0"/>
-          <a:chOff x="0" y="0"/>
-          <a:chExt cx="0" cy="0"/>
-        </a:xfrm>
-      </p:grpSpPr>
-      <p:sp>
-        <p:nvSpPr>
-          <p:cNvPr id="2" name="Title 1">
-            <a:extLst>
-              <a:ext uri="{FF2B5EF4-FFF2-40B4-BE49-F238E27FC236}">
-                <a16:creationId xmlns:a16="http://schemas.microsoft.com/office/drawing/2014/main" id="{5C85BED1-6402-7164-915D-0E1B3C8D41DB}"/>
-              </a:ext>
-            </a:extLst>
-          </p:cNvPr>
-          <p:cNvSpPr>
-            <a:spLocks noGrp="1"/>
-          </p:cNvSpPr>
-          <p:nvPr>
-            <p:ph type="title"/>
-          </p:nvPr>
-        </p:nvSpPr>
-        <p:spPr>
-          <a:xfrm>
-            <a:off x="838199" y="291090"/>
-            <a:ext cx="10515599" cy="932688"/>
-          </a:xfrm>
-        </p:spPr>
-        <p:txBody>
-          <a:bodyPr vert="horz" lIns="91440" tIns="45720" rIns="91440" bIns="45720" rtlCol="0" anchor="b">
-            <a:normAutofit/>
-          </a:bodyPr>
-          <a:lstStyle/>
-          <a:p>
-            <a:r>
-              <a:rPr lang="en-US" sz="5400" kern="1200" dirty="0">
-                <a:solidFill>
-                  <a:schemeClr val="tx1"/>
-                </a:solidFill>
-                <a:latin typeface="+mj-lt"/>
-                <a:ea typeface="+mj-ea"/>
-                <a:cs typeface="+mj-cs"/>
-              </a:rPr>
-              <a:t>Define coin (base idea)</a:t>
-            </a:r>
-          </a:p>
-        </p:txBody>
-      </p:sp>
-      <p:sp>
-        <p:nvSpPr>
-          <p:cNvPr id="3" name="Content Placeholder 2">
-            <a:extLst>
-              <a:ext uri="{FF2B5EF4-FFF2-40B4-BE49-F238E27FC236}">
-                <a16:creationId xmlns:a16="http://schemas.microsoft.com/office/drawing/2014/main" id="{BE2134EF-6582-F741-B26D-B9C970501260}"/>
-              </a:ext>
-            </a:extLst>
-          </p:cNvPr>
-          <p:cNvSpPr>
-            <a:spLocks noGrp="1"/>
-          </p:cNvSpPr>
-          <p:nvPr>
-            <p:ph idx="1"/>
-          </p:nvPr>
-        </p:nvSpPr>
-        <p:spPr>
-          <a:xfrm>
-            <a:off x="838199" y="1335726"/>
-            <a:ext cx="10515599" cy="420624"/>
-          </a:xfrm>
-        </p:spPr>
-        <p:txBody>
-          <a:bodyPr vert="horz" lIns="91440" tIns="45720" rIns="91440" bIns="45720" rtlCol="0">
-            <a:normAutofit/>
-          </a:bodyPr>
-          <a:lstStyle/>
-          <a:p>
-            <a:pPr marL="0" indent="0">
-              <a:buNone/>
-            </a:pPr>
-            <a:r>
-              <a:rPr lang="en-US" sz="2400" kern="1200" dirty="0">
-                <a:solidFill>
-                  <a:schemeClr val="tx1"/>
-                </a:solidFill>
-                <a:latin typeface="+mn-lt"/>
-                <a:ea typeface="+mn-ea"/>
-                <a:cs typeface="+mn-cs"/>
-              </a:rPr>
-              <a:t>In the paper, electronic coin is defined as a chain of digital signatures.</a:t>
-            </a:r>
-          </a:p>
-        </p:txBody>
-      </p:sp>
-      <p:pic>
-        <p:nvPicPr>
-          <p:cNvPr id="5" name="Picture 4" descr="Diagram&#10;&#10;Description automatically generated">
-            <a:extLst>
-              <a:ext uri="{FF2B5EF4-FFF2-40B4-BE49-F238E27FC236}">
-                <a16:creationId xmlns:a16="http://schemas.microsoft.com/office/drawing/2014/main" id="{ACCC51F1-3CED-F324-E370-67AAB157C313}"/>
-              </a:ext>
-            </a:extLst>
-          </p:cNvPr>
-          <p:cNvPicPr>
-            <a:picLocks noChangeAspect="1"/>
-          </p:cNvPicPr>
-          <p:nvPr/>
-        </p:nvPicPr>
-        <p:blipFill>
-          <a:blip r:embed="rId2"/>
-          <a:stretch>
-            <a:fillRect/>
-          </a:stretch>
-        </p:blipFill>
-        <p:spPr>
-          <a:xfrm>
-            <a:off x="1020686" y="2003486"/>
-            <a:ext cx="6677187" cy="4006311"/>
-          </a:xfrm>
-          <a:prstGeom prst="rect">
-            <a:avLst/>
-          </a:prstGeom>
-        </p:spPr>
-      </p:pic>
-      <p:sp>
-        <p:nvSpPr>
-          <p:cNvPr id="7" name="TextBox 6">
-            <a:extLst>
-              <a:ext uri="{FF2B5EF4-FFF2-40B4-BE49-F238E27FC236}">
-                <a16:creationId xmlns:a16="http://schemas.microsoft.com/office/drawing/2014/main" id="{5190FB44-710A-B9DC-1F51-DDBDBE6FB5CC}"/>
-              </a:ext>
-            </a:extLst>
-          </p:cNvPr>
-          <p:cNvSpPr txBox="1"/>
-          <p:nvPr/>
-        </p:nvSpPr>
-        <p:spPr>
-          <a:xfrm>
-            <a:off x="7697873" y="2446638"/>
-            <a:ext cx="4148595" cy="400110"/>
-          </a:xfrm>
-          <a:prstGeom prst="rect">
-            <a:avLst/>
-          </a:prstGeom>
-          <a:noFill/>
-        </p:spPr>
-        <p:txBody>
-          <a:bodyPr wrap="square" rtlCol="0">
-            <a:spAutoFit/>
-          </a:bodyPr>
-          <a:lstStyle/>
-          <a:p>
-            <a:r>
-              <a:rPr lang="en-US" sz="2000" dirty="0"/>
-              <a:t>S</a:t>
-            </a:r>
-            <a:r>
-              <a:rPr lang="en-JP" sz="2000" dirty="0"/>
-              <a:t>hare this chain over all nodes(peers)</a:t>
-            </a:r>
-          </a:p>
-        </p:txBody>
-      </p:sp>
-    </p:spTree>
-    <p:extLst>
-      <p:ext uri="{BB962C8B-B14F-4D97-AF65-F5344CB8AC3E}">
-        <p14:creationId xmlns:p14="http://schemas.microsoft.com/office/powerpoint/2010/main" val="2314253525"/>
-      </p:ext>
-    </p:extLst>
-  </p:cSld>
-  <p:clrMapOvr>
-    <a:masterClrMapping/>
-  </p:clrMapOvr>
-</p:sld>
-</file>
-
-<file path=ppt/slides/slide3.xml><?xml version="1.0" encoding="utf-8"?>
+<file path=ppt/slides/slide6.xml><?xml version="1.0" encoding="utf-8"?>
 <p:sld xmlns:a="http://schemas.openxmlformats.org/drawingml/2006/main" xmlns:r="http://schemas.openxmlformats.org/officeDocument/2006/relationships" xmlns:p="http://schemas.openxmlformats.org/presentationml/2006/main">
   <p:cSld>
     <p:bg>
@@ -8855,6 +12578,153 @@
           </p:txBody>
         </p:sp>
       </p:grpSp>
+      <p:sp>
+        <p:nvSpPr>
+          <p:cNvPr id="13" name="テキスト ボックス 12">
+            <a:extLst>
+              <a:ext uri="{FF2B5EF4-FFF2-40B4-BE49-F238E27FC236}">
+                <a16:creationId xmlns:a16="http://schemas.microsoft.com/office/drawing/2014/main" id="{6537FA3D-FB3C-4707-B947-CBB3C04C05F5}"/>
+              </a:ext>
+            </a:extLst>
+          </p:cNvPr>
+          <p:cNvSpPr txBox="1"/>
+          <p:nvPr/>
+        </p:nvSpPr>
+        <p:spPr>
+          <a:xfrm>
+            <a:off x="7121232" y="4677214"/>
+            <a:ext cx="921756" cy="646331"/>
+          </a:xfrm>
+          <a:prstGeom prst="rect">
+            <a:avLst/>
+          </a:prstGeom>
+          <a:solidFill>
+            <a:schemeClr val="bg1"/>
+          </a:solidFill>
+        </p:spPr>
+        <p:txBody>
+          <a:bodyPr wrap="square">
+            <a:spAutoFit/>
+          </a:bodyPr>
+          <a:lstStyle/>
+          <a:p>
+            <a:r>
+              <a:rPr lang="en-US" dirty="0">
+                <a:latin typeface="Times New Roman" panose="02020603050405020304" pitchFamily="18" charset="0"/>
+                <a:cs typeface="Times New Roman" panose="02020603050405020304" pitchFamily="18" charset="0"/>
+              </a:rPr>
+              <a:t>Alice</a:t>
+            </a:r>
+          </a:p>
+          <a:p>
+            <a:r>
+              <a:rPr lang="en-US" dirty="0">
+                <a:latin typeface="Times New Roman" panose="02020603050405020304" pitchFamily="18" charset="0"/>
+                <a:cs typeface="Times New Roman" panose="02020603050405020304" pitchFamily="18" charset="0"/>
+              </a:rPr>
+              <a:t>(payer)</a:t>
+            </a:r>
+          </a:p>
+        </p:txBody>
+      </p:sp>
+      <p:sp>
+        <p:nvSpPr>
+          <p:cNvPr id="14" name="テキスト ボックス 13">
+            <a:extLst>
+              <a:ext uri="{FF2B5EF4-FFF2-40B4-BE49-F238E27FC236}">
+                <a16:creationId xmlns:a16="http://schemas.microsoft.com/office/drawing/2014/main" id="{252842DB-EEE5-4ACF-9D47-4598929FC57B}"/>
+              </a:ext>
+            </a:extLst>
+          </p:cNvPr>
+          <p:cNvSpPr txBox="1"/>
+          <p:nvPr/>
+        </p:nvSpPr>
+        <p:spPr>
+          <a:xfrm>
+            <a:off x="10623666" y="4664323"/>
+            <a:ext cx="921756" cy="646331"/>
+          </a:xfrm>
+          <a:prstGeom prst="rect">
+            <a:avLst/>
+          </a:prstGeom>
+          <a:solidFill>
+            <a:schemeClr val="bg1"/>
+          </a:solidFill>
+        </p:spPr>
+        <p:txBody>
+          <a:bodyPr wrap="square">
+            <a:spAutoFit/>
+          </a:bodyPr>
+          <a:lstStyle/>
+          <a:p>
+            <a:r>
+              <a:rPr lang="en-US" dirty="0">
+                <a:latin typeface="Times New Roman" panose="02020603050405020304" pitchFamily="18" charset="0"/>
+                <a:cs typeface="Times New Roman" panose="02020603050405020304" pitchFamily="18" charset="0"/>
+              </a:rPr>
+              <a:t>Bob</a:t>
+            </a:r>
+          </a:p>
+          <a:p>
+            <a:r>
+              <a:rPr lang="en-US" dirty="0">
+                <a:latin typeface="Times New Roman" panose="02020603050405020304" pitchFamily="18" charset="0"/>
+                <a:cs typeface="Times New Roman" panose="02020603050405020304" pitchFamily="18" charset="0"/>
+              </a:rPr>
+              <a:t>(payee)</a:t>
+            </a:r>
+          </a:p>
+        </p:txBody>
+      </p:sp>
+      <p:sp>
+        <p:nvSpPr>
+          <p:cNvPr id="15" name="テキスト ボックス 14">
+            <a:extLst>
+              <a:ext uri="{FF2B5EF4-FFF2-40B4-BE49-F238E27FC236}">
+                <a16:creationId xmlns:a16="http://schemas.microsoft.com/office/drawing/2014/main" id="{01DF437A-1403-4350-A822-7524E09361C5}"/>
+              </a:ext>
+            </a:extLst>
+          </p:cNvPr>
+          <p:cNvSpPr txBox="1"/>
+          <p:nvPr/>
+        </p:nvSpPr>
+        <p:spPr>
+          <a:xfrm>
+            <a:off x="8696132" y="2826212"/>
+            <a:ext cx="1125894" cy="646331"/>
+          </a:xfrm>
+          <a:prstGeom prst="rect">
+            <a:avLst/>
+          </a:prstGeom>
+          <a:solidFill>
+            <a:schemeClr val="bg1"/>
+          </a:solidFill>
+        </p:spPr>
+        <p:txBody>
+          <a:bodyPr wrap="square">
+            <a:spAutoFit/>
+          </a:bodyPr>
+          <a:lstStyle/>
+          <a:p>
+            <a:r>
+              <a:rPr lang="en-US" dirty="0">
+                <a:latin typeface="Times New Roman" panose="02020603050405020304" pitchFamily="18" charset="0"/>
+                <a:cs typeface="Times New Roman" panose="02020603050405020304" pitchFamily="18" charset="0"/>
+              </a:rPr>
+              <a:t>bank</a:t>
+            </a:r>
+          </a:p>
+          <a:p>
+            <a:r>
+              <a:rPr lang="en-US" dirty="0">
+                <a:latin typeface="Times New Roman" panose="02020603050405020304" pitchFamily="18" charset="0"/>
+                <a:cs typeface="Times New Roman" panose="02020603050405020304" pitchFamily="18" charset="0"/>
+              </a:rPr>
+              <a:t>(TTP)</a:t>
+            </a:r>
+          </a:p>
+        </p:txBody>
+      </p:sp>
     </p:spTree>
     <p:extLst>
       <p:ext uri="{BB962C8B-B14F-4D97-AF65-F5344CB8AC3E}">
@@ -8868,7 +12738,7 @@
 </p:sld>
 </file>
 
-<file path=ppt/slides/slide4.xml><?xml version="1.0" encoding="utf-8"?>
+<file path=ppt/slides/slide7.xml><?xml version="1.0" encoding="utf-8"?>
 <p:sld xmlns:a="http://schemas.openxmlformats.org/drawingml/2006/main" xmlns:r="http://schemas.openxmlformats.org/officeDocument/2006/relationships" xmlns:p="http://schemas.openxmlformats.org/presentationml/2006/main">
   <p:cSld>
     <p:bg>
@@ -9381,14 +13251,14 @@
           <p:nvPr/>
         </p:nvPicPr>
         <p:blipFill>
-          <a:blip r:embed="rId2"/>
+          <a:blip r:embed="rId3"/>
           <a:stretch>
             <a:fillRect/>
           </a:stretch>
         </p:blipFill>
         <p:spPr>
           <a:xfrm>
-            <a:off x="7647120" y="908286"/>
+            <a:off x="7647120" y="857024"/>
             <a:ext cx="4269546" cy="2519032"/>
           </a:xfrm>
           <a:prstGeom prst="rect">
@@ -9556,6 +13426,99 @@
           </p:txBody>
         </p:sp>
       </p:grpSp>
+      <p:pic>
+        <p:nvPicPr>
+          <p:cNvPr id="1026" name="Picture 2" descr="Alice signs a message—&quot;Hello Bob!&quot;—by appending to the original message a version of the message encrypted with her private key. Bob receives the message, including the signature, and using Alice's public key, verifies the authenticity of the message, i.e. that the signature can be decrypted to match the original message using Alice's public key.">
+            <a:extLst>
+              <a:ext uri="{FF2B5EF4-FFF2-40B4-BE49-F238E27FC236}">
+                <a16:creationId xmlns:a16="http://schemas.microsoft.com/office/drawing/2014/main" id="{9AC79B32-920F-4177-8E84-34CB0C7B0F43}"/>
+              </a:ext>
+            </a:extLst>
+          </p:cNvPr>
+          <p:cNvPicPr>
+            <a:picLocks noChangeAspect="1" noChangeArrowheads="1"/>
+          </p:cNvPicPr>
+          <p:nvPr/>
+        </p:nvPicPr>
+        <p:blipFill>
+          <a:blip r:embed="rId4">
+            <a:extLst>
+              <a:ext uri="{28A0092B-C50C-407E-A947-70E740481C1C}">
+                <a14:useLocalDpi xmlns:a14="http://schemas.microsoft.com/office/drawing/2010/main" val="0"/>
+              </a:ext>
+            </a:extLst>
+          </a:blip>
+          <a:srcRect/>
+          <a:stretch>
+            <a:fillRect/>
+          </a:stretch>
+        </p:blipFill>
+        <p:spPr bwMode="auto">
+          <a:xfrm>
+            <a:off x="8101310" y="3667903"/>
+            <a:ext cx="3117980" cy="3047437"/>
+          </a:xfrm>
+          <a:prstGeom prst="rect">
+            <a:avLst/>
+          </a:prstGeom>
+          <a:noFill/>
+          <a:extLst>
+            <a:ext uri="{909E8E84-426E-40DD-AFC4-6F175D3DCCD1}">
+              <a14:hiddenFill xmlns:a14="http://schemas.microsoft.com/office/drawing/2010/main">
+                <a:solidFill>
+                  <a:srgbClr val="FFFFFF"/>
+                </a:solidFill>
+              </a14:hiddenFill>
+            </a:ext>
+          </a:extLst>
+        </p:spPr>
+      </p:pic>
+      <p:sp>
+        <p:nvSpPr>
+          <p:cNvPr id="17" name="テキスト ボックス 16">
+            <a:extLst>
+              <a:ext uri="{FF2B5EF4-FFF2-40B4-BE49-F238E27FC236}">
+                <a16:creationId xmlns:a16="http://schemas.microsoft.com/office/drawing/2014/main" id="{61EE14A1-7D09-45B0-AF6B-3B3972EECBA3}"/>
+              </a:ext>
+            </a:extLst>
+          </p:cNvPr>
+          <p:cNvSpPr txBox="1"/>
+          <p:nvPr/>
+        </p:nvSpPr>
+        <p:spPr>
+          <a:xfrm>
+            <a:off x="8864852" y="3644577"/>
+            <a:ext cx="6096000" cy="369332"/>
+          </a:xfrm>
+          <a:prstGeom prst="rect">
+            <a:avLst/>
+          </a:prstGeom>
+          <a:noFill/>
+        </p:spPr>
+        <p:txBody>
+          <a:bodyPr wrap="square">
+            <a:spAutoFit/>
+          </a:bodyPr>
+          <a:lstStyle/>
+          <a:p>
+            <a:r>
+              <a:rPr lang="en-US" sz="1800" b="1" dirty="0">
+                <a:solidFill>
+                  <a:srgbClr val="FF0000"/>
+                </a:solidFill>
+                <a:latin typeface="Times New Roman" panose="02020603050405020304" pitchFamily="18" charset="0"/>
+                <a:cs typeface="Times New Roman" panose="02020603050405020304" pitchFamily="18" charset="0"/>
+              </a:rPr>
+              <a:t>Digital signature</a:t>
+            </a:r>
+            <a:endParaRPr lang="en-US" dirty="0">
+              <a:solidFill>
+                <a:srgbClr val="FF0000"/>
+              </a:solidFill>
+            </a:endParaRPr>
+          </a:p>
+        </p:txBody>
+      </p:sp>
     </p:spTree>
     <p:extLst>
       <p:ext uri="{BB962C8B-B14F-4D97-AF65-F5344CB8AC3E}">
@@ -9569,7 +13532,7 @@
 </p:sld>
 </file>
 
-<file path=ppt/slides/slide5.xml><?xml version="1.0" encoding="utf-8"?>
+<file path=ppt/slides/slide8.xml><?xml version="1.0" encoding="utf-8"?>
 <p:sld xmlns:a="http://schemas.openxmlformats.org/drawingml/2006/main" xmlns:r="http://schemas.openxmlformats.org/officeDocument/2006/relationships" xmlns:p="http://schemas.openxmlformats.org/presentationml/2006/main">
   <p:cSld>
     <p:bg>
@@ -10159,7 +14122,7 @@
 </p:sld>
 </file>
 
-<file path=ppt/slides/slide6.xml><?xml version="1.0" encoding="utf-8"?>
+<file path=ppt/slides/slide9.xml><?xml version="1.0" encoding="utf-8"?>
 <p:sld xmlns:a="http://schemas.openxmlformats.org/drawingml/2006/main" xmlns:r="http://schemas.openxmlformats.org/officeDocument/2006/relationships" xmlns:p="http://schemas.openxmlformats.org/presentationml/2006/main">
   <p:cSld>
     <p:bg>
@@ -10936,1358 +14899,6 @@
     <p:extLst>
       <p:ext uri="{BB962C8B-B14F-4D97-AF65-F5344CB8AC3E}">
         <p14:creationId xmlns:p14="http://schemas.microsoft.com/office/powerpoint/2010/main" val="3826576459"/>
-      </p:ext>
-    </p:extLst>
-  </p:cSld>
-  <p:clrMapOvr>
-    <a:masterClrMapping/>
-  </p:clrMapOvr>
-</p:sld>
-</file>
-
-<file path=ppt/slides/slide7.xml><?xml version="1.0" encoding="utf-8"?>
-<p:sld xmlns:a="http://schemas.openxmlformats.org/drawingml/2006/main" xmlns:r="http://schemas.openxmlformats.org/officeDocument/2006/relationships" xmlns:p="http://schemas.openxmlformats.org/presentationml/2006/main">
-  <p:cSld>
-    <p:bg>
-      <p:bgPr>
-        <a:solidFill>
-          <a:schemeClr val="bg1"/>
-        </a:solidFill>
-        <a:effectLst/>
-      </p:bgPr>
-    </p:bg>
-    <p:spTree>
-      <p:nvGrpSpPr>
-        <p:cNvPr id="1" name=""/>
-        <p:cNvGrpSpPr/>
-        <p:nvPr/>
-      </p:nvGrpSpPr>
-      <p:grpSpPr>
-        <a:xfrm>
-          <a:off x="0" y="0"/>
-          <a:ext cx="0" cy="0"/>
-          <a:chOff x="0" y="0"/>
-          <a:chExt cx="0" cy="0"/>
-        </a:xfrm>
-      </p:grpSpPr>
-      <p:sp>
-        <p:nvSpPr>
-          <p:cNvPr id="8" name="Rectangle 7">
-            <a:extLst>
-              <a:ext uri="{FF2B5EF4-FFF2-40B4-BE49-F238E27FC236}">
-                <a16:creationId xmlns:a16="http://schemas.microsoft.com/office/drawing/2014/main" id="{2B566528-1B12-4246-9431-5C2D7D081168}"/>
-              </a:ext>
-              <a:ext uri="{C183D7F6-B498-43B3-948B-1728B52AA6E4}">
-                <adec:decorative xmlns:adec="http://schemas.microsoft.com/office/drawing/2017/decorative" val="1"/>
-              </a:ext>
-            </a:extLst>
-          </p:cNvPr>
-          <p:cNvSpPr>
-            <a:spLocks noGrp="1" noRot="1" noChangeAspect="1" noMove="1" noResize="1" noEditPoints="1" noAdjustHandles="1" noChangeArrowheads="1" noChangeShapeType="1" noTextEdit="1"/>
-          </p:cNvSpPr>
-          <p:nvPr>
-            <p:extLst>
-              <p:ext uri="{386F3935-93C4-4BCD-93E2-E3B085C9AB24}">
-                <p16:designElem xmlns:p16="http://schemas.microsoft.com/office/powerpoint/2015/main" val="1"/>
-              </p:ext>
-            </p:extLst>
-          </p:nvPr>
-        </p:nvSpPr>
-        <p:spPr>
-          <a:xfrm>
-            <a:off x="0" y="0"/>
-            <a:ext cx="12192000" cy="6858000"/>
-          </a:xfrm>
-          <a:prstGeom prst="rect">
-            <a:avLst/>
-          </a:prstGeom>
-          <a:solidFill>
-            <a:schemeClr val="bg1"/>
-          </a:solidFill>
-          <a:ln>
-            <a:noFill/>
-          </a:ln>
-        </p:spPr>
-        <p:style>
-          <a:lnRef idx="2">
-            <a:schemeClr val="accent1">
-              <a:shade val="50000"/>
-            </a:schemeClr>
-          </a:lnRef>
-          <a:fillRef idx="1">
-            <a:schemeClr val="accent1"/>
-          </a:fillRef>
-          <a:effectRef idx="0">
-            <a:schemeClr val="accent1"/>
-          </a:effectRef>
-          <a:fontRef idx="minor">
-            <a:schemeClr val="lt1"/>
-          </a:fontRef>
-        </p:style>
-        <p:txBody>
-          <a:bodyPr rtlCol="0" anchor="ctr"/>
-          <a:lstStyle/>
-          <a:p>
-            <a:pPr algn="ctr"/>
-            <a:endParaRPr lang="en-US" dirty="0"/>
-          </a:p>
-        </p:txBody>
-      </p:sp>
-      <p:sp>
-        <p:nvSpPr>
-          <p:cNvPr id="2" name="Title 1">
-            <a:extLst>
-              <a:ext uri="{FF2B5EF4-FFF2-40B4-BE49-F238E27FC236}">
-                <a16:creationId xmlns:a16="http://schemas.microsoft.com/office/drawing/2014/main" id="{107CA472-69A5-F477-F5CB-289056E6EF25}"/>
-              </a:ext>
-            </a:extLst>
-          </p:cNvPr>
-          <p:cNvSpPr>
-            <a:spLocks noGrp="1"/>
-          </p:cNvSpPr>
-          <p:nvPr>
-            <p:ph type="title"/>
-          </p:nvPr>
-        </p:nvSpPr>
-        <p:spPr>
-          <a:xfrm>
-            <a:off x="643467" y="321734"/>
-            <a:ext cx="10905066" cy="1135737"/>
-          </a:xfrm>
-        </p:spPr>
-        <p:txBody>
-          <a:bodyPr>
-            <a:normAutofit/>
-          </a:bodyPr>
-          <a:lstStyle/>
-          <a:p>
-            <a:r>
-              <a:rPr lang="en-JP" sz="3600"/>
-              <a:t>Distribute ledger across Peers</a:t>
-            </a:r>
-          </a:p>
-        </p:txBody>
-      </p:sp>
-      <p:sp>
-        <p:nvSpPr>
-          <p:cNvPr id="3" name="Content Placeholder 2">
-            <a:extLst>
-              <a:ext uri="{FF2B5EF4-FFF2-40B4-BE49-F238E27FC236}">
-                <a16:creationId xmlns:a16="http://schemas.microsoft.com/office/drawing/2014/main" id="{4C5A13F3-FA75-47FE-93CD-542C8E08481A}"/>
-              </a:ext>
-            </a:extLst>
-          </p:cNvPr>
-          <p:cNvSpPr>
-            <a:spLocks noGrp="1"/>
-          </p:cNvSpPr>
-          <p:nvPr>
-            <p:ph idx="1"/>
-          </p:nvPr>
-        </p:nvSpPr>
-        <p:spPr>
-          <a:xfrm>
-            <a:off x="643467" y="1782981"/>
-            <a:ext cx="10905066" cy="4393982"/>
-          </a:xfrm>
-        </p:spPr>
-        <p:txBody>
-          <a:bodyPr>
-            <a:normAutofit/>
-          </a:bodyPr>
-          <a:lstStyle/>
-          <a:p>
-            <a:r>
-              <a:rPr lang="en-JP" sz="2000" dirty="0">
-                <a:latin typeface="Times New Roman" panose="02020603050405020304" pitchFamily="18" charset="0"/>
-                <a:cs typeface="Times New Roman" panose="02020603050405020304" pitchFamily="18" charset="0"/>
-              </a:rPr>
-              <a:t>New node downloads the entire ledger history.</a:t>
-            </a:r>
-          </a:p>
-          <a:p>
-            <a:endParaRPr lang="en-JP" sz="2000" dirty="0">
-              <a:latin typeface="Times New Roman" panose="02020603050405020304" pitchFamily="18" charset="0"/>
-              <a:cs typeface="Times New Roman" panose="02020603050405020304" pitchFamily="18" charset="0"/>
-            </a:endParaRPr>
-          </a:p>
-          <a:p>
-            <a:r>
-              <a:rPr lang="en-JP" sz="2000" dirty="0">
-                <a:latin typeface="Times New Roman" panose="02020603050405020304" pitchFamily="18" charset="0"/>
-                <a:cs typeface="Times New Roman" panose="02020603050405020304" pitchFamily="18" charset="0"/>
-              </a:rPr>
-              <a:t>Satoshi publish a model with blockchain data structure for fully decentralized, permissionless and secure ledger</a:t>
-            </a:r>
-          </a:p>
-          <a:p>
-            <a:endParaRPr lang="en-JP" sz="2000" dirty="0">
-              <a:latin typeface="Times New Roman" panose="02020603050405020304" pitchFamily="18" charset="0"/>
-              <a:cs typeface="Times New Roman" panose="02020603050405020304" pitchFamily="18" charset="0"/>
-            </a:endParaRPr>
-          </a:p>
-          <a:p>
-            <a:r>
-              <a:rPr lang="en-US" sz="2000" dirty="0">
-                <a:latin typeface="Times New Roman" panose="02020603050405020304" pitchFamily="18" charset="0"/>
-                <a:cs typeface="Times New Roman" panose="02020603050405020304" pitchFamily="18" charset="0"/>
-              </a:rPr>
-              <a:t>R</a:t>
-            </a:r>
-            <a:r>
-              <a:rPr lang="en-JP" sz="2000" dirty="0">
-                <a:latin typeface="Times New Roman" panose="02020603050405020304" pitchFamily="18" charset="0"/>
-                <a:cs typeface="Times New Roman" panose="02020603050405020304" pitchFamily="18" charset="0"/>
-              </a:rPr>
-              <a:t>egardless of models, distribution is the best assurance against risks of data loss, and tampering.</a:t>
-            </a:r>
-          </a:p>
-          <a:p>
-            <a:pPr marL="0" indent="0">
-              <a:buNone/>
-            </a:pPr>
-            <a:endParaRPr lang="en-JP" sz="2000" dirty="0">
-              <a:latin typeface="Times New Roman" panose="02020603050405020304" pitchFamily="18" charset="0"/>
-              <a:cs typeface="Times New Roman" panose="02020603050405020304" pitchFamily="18" charset="0"/>
-            </a:endParaRPr>
-          </a:p>
-          <a:p>
-            <a:endParaRPr lang="en-JP" sz="2000" dirty="0">
-              <a:latin typeface="Times New Roman" panose="02020603050405020304" pitchFamily="18" charset="0"/>
-              <a:cs typeface="Times New Roman" panose="02020603050405020304" pitchFamily="18" charset="0"/>
-            </a:endParaRPr>
-          </a:p>
-        </p:txBody>
-      </p:sp>
-      <p:sp>
-        <p:nvSpPr>
-          <p:cNvPr id="10" name="Rectangle 9">
-            <a:extLst>
-              <a:ext uri="{FF2B5EF4-FFF2-40B4-BE49-F238E27FC236}">
-                <a16:creationId xmlns:a16="http://schemas.microsoft.com/office/drawing/2014/main" id="{2E80C965-DB6D-4F81-9E9E-B027384D0BD6}"/>
-              </a:ext>
-              <a:ext uri="{C183D7F6-B498-43B3-948B-1728B52AA6E4}">
-                <adec:decorative xmlns:adec="http://schemas.microsoft.com/office/drawing/2017/decorative" val="1"/>
-              </a:ext>
-            </a:extLst>
-          </p:cNvPr>
-          <p:cNvSpPr>
-            <a:spLocks noGrp="1" noRot="1" noChangeAspect="1" noMove="1" noResize="1" noEditPoints="1" noAdjustHandles="1" noChangeArrowheads="1" noChangeShapeType="1" noTextEdit="1"/>
-          </p:cNvSpPr>
-          <p:nvPr>
-            <p:extLst>
-              <p:ext uri="{386F3935-93C4-4BCD-93E2-E3B085C9AB24}">
-                <p16:designElem xmlns:p16="http://schemas.microsoft.com/office/powerpoint/2015/main" val="1"/>
-              </p:ext>
-            </p:extLst>
-          </p:nvPr>
-        </p:nvSpPr>
-        <p:spPr>
-          <a:xfrm rot="2700000">
-            <a:off x="11052629" y="2120024"/>
-            <a:ext cx="645368" cy="645368"/>
-          </a:xfrm>
-          <a:prstGeom prst="rect">
-            <a:avLst/>
-          </a:prstGeom>
-          <a:solidFill>
-            <a:schemeClr val="accent4">
-              <a:alpha val="30000"/>
-            </a:schemeClr>
-          </a:solidFill>
-          <a:ln>
-            <a:noFill/>
-          </a:ln>
-        </p:spPr>
-        <p:style>
-          <a:lnRef idx="2">
-            <a:schemeClr val="accent1">
-              <a:shade val="50000"/>
-            </a:schemeClr>
-          </a:lnRef>
-          <a:fillRef idx="1">
-            <a:schemeClr val="accent1"/>
-          </a:fillRef>
-          <a:effectRef idx="0">
-            <a:schemeClr val="accent1"/>
-          </a:effectRef>
-          <a:fontRef idx="minor">
-            <a:schemeClr val="lt1"/>
-          </a:fontRef>
-        </p:style>
-        <p:txBody>
-          <a:bodyPr rtlCol="0" anchor="ctr"/>
-          <a:lstStyle/>
-          <a:p>
-            <a:pPr algn="ctr"/>
-            <a:endParaRPr lang="en-US"/>
-          </a:p>
-        </p:txBody>
-      </p:sp>
-      <p:sp>
-        <p:nvSpPr>
-          <p:cNvPr id="12" name="Isosceles Triangle 11">
-            <a:extLst>
-              <a:ext uri="{FF2B5EF4-FFF2-40B4-BE49-F238E27FC236}">
-                <a16:creationId xmlns:a16="http://schemas.microsoft.com/office/drawing/2014/main" id="{A580F890-B085-4E95-96AA-55AEBEC5CE6E}"/>
-              </a:ext>
-              <a:ext uri="{C183D7F6-B498-43B3-948B-1728B52AA6E4}">
-                <adec:decorative xmlns:adec="http://schemas.microsoft.com/office/drawing/2017/decorative" val="1"/>
-              </a:ext>
-            </a:extLst>
-          </p:cNvPr>
-          <p:cNvSpPr>
-            <a:spLocks noGrp="1" noRot="1" noChangeAspect="1" noMove="1" noResize="1" noEditPoints="1" noAdjustHandles="1" noChangeArrowheads="1" noChangeShapeType="1" noTextEdit="1"/>
-          </p:cNvSpPr>
-          <p:nvPr>
-            <p:extLst>
-              <p:ext uri="{386F3935-93C4-4BCD-93E2-E3B085C9AB24}">
-                <p16:designElem xmlns:p16="http://schemas.microsoft.com/office/powerpoint/2015/main" val="1"/>
-              </p:ext>
-            </p:extLst>
-          </p:nvPr>
-        </p:nvSpPr>
-        <p:spPr>
-          <a:xfrm rot="16200000">
-            <a:off x="10289068" y="1343027"/>
-            <a:ext cx="2532832" cy="1273032"/>
-          </a:xfrm>
-          <a:prstGeom prst="triangle">
-            <a:avLst>
-              <a:gd name="adj" fmla="val 50000"/>
-            </a:avLst>
-          </a:prstGeom>
-          <a:solidFill>
-            <a:schemeClr val="accent4">
-              <a:alpha val="30000"/>
-            </a:schemeClr>
-          </a:solidFill>
-          <a:ln>
-            <a:noFill/>
-          </a:ln>
-        </p:spPr>
-        <p:style>
-          <a:lnRef idx="2">
-            <a:schemeClr val="accent1">
-              <a:shade val="50000"/>
-            </a:schemeClr>
-          </a:lnRef>
-          <a:fillRef idx="1">
-            <a:schemeClr val="accent1"/>
-          </a:fillRef>
-          <a:effectRef idx="0">
-            <a:schemeClr val="accent1"/>
-          </a:effectRef>
-          <a:fontRef idx="minor">
-            <a:schemeClr val="lt1"/>
-          </a:fontRef>
-        </p:style>
-        <p:txBody>
-          <a:bodyPr rtlCol="0" anchor="ctr"/>
-          <a:lstStyle/>
-          <a:p>
-            <a:pPr algn="ctr"/>
-            <a:endParaRPr lang="en-US"/>
-          </a:p>
-        </p:txBody>
-      </p:sp>
-      <p:sp>
-        <p:nvSpPr>
-          <p:cNvPr id="14" name="Isosceles Triangle 13">
-            <a:extLst>
-              <a:ext uri="{FF2B5EF4-FFF2-40B4-BE49-F238E27FC236}">
-                <a16:creationId xmlns:a16="http://schemas.microsoft.com/office/drawing/2014/main" id="{D3F51FEB-38FB-4F6C-9F7B-2F2AFAB65463}"/>
-              </a:ext>
-              <a:ext uri="{C183D7F6-B498-43B3-948B-1728B52AA6E4}">
-                <adec:decorative xmlns:adec="http://schemas.microsoft.com/office/drawing/2017/decorative" val="1"/>
-              </a:ext>
-            </a:extLst>
-          </p:cNvPr>
-          <p:cNvSpPr>
-            <a:spLocks noGrp="1" noRot="1" noChangeAspect="1" noMove="1" noResize="1" noEditPoints="1" noAdjustHandles="1" noChangeArrowheads="1" noChangeShapeType="1" noTextEdit="1"/>
-          </p:cNvSpPr>
-          <p:nvPr>
-            <p:extLst>
-              <p:ext uri="{386F3935-93C4-4BCD-93E2-E3B085C9AB24}">
-                <p16:designElem xmlns:p16="http://schemas.microsoft.com/office/powerpoint/2015/main" val="1"/>
-              </p:ext>
-            </p:extLst>
-          </p:nvPr>
-        </p:nvSpPr>
-        <p:spPr>
-          <a:xfrm rot="5400000">
-            <a:off x="-501760" y="5103257"/>
-            <a:ext cx="2017580" cy="1014060"/>
-          </a:xfrm>
-          <a:prstGeom prst="triangle">
-            <a:avLst>
-              <a:gd name="adj" fmla="val 50000"/>
-            </a:avLst>
-          </a:prstGeom>
-          <a:solidFill>
-            <a:schemeClr val="accent1">
-              <a:alpha val="30000"/>
-            </a:schemeClr>
-          </a:solidFill>
-          <a:ln>
-            <a:noFill/>
-          </a:ln>
-        </p:spPr>
-        <p:style>
-          <a:lnRef idx="2">
-            <a:schemeClr val="accent1">
-              <a:shade val="50000"/>
-            </a:schemeClr>
-          </a:lnRef>
-          <a:fillRef idx="1">
-            <a:schemeClr val="accent1"/>
-          </a:fillRef>
-          <a:effectRef idx="0">
-            <a:schemeClr val="accent1"/>
-          </a:effectRef>
-          <a:fontRef idx="minor">
-            <a:schemeClr val="lt1"/>
-          </a:fontRef>
-        </p:style>
-        <p:txBody>
-          <a:bodyPr wrap="square" rtlCol="0" anchor="ctr">
-            <a:noAutofit/>
-          </a:bodyPr>
-          <a:lstStyle/>
-          <a:p>
-            <a:pPr algn="ctr"/>
-            <a:endParaRPr lang="en-US"/>
-          </a:p>
-        </p:txBody>
-      </p:sp>
-      <p:sp>
-        <p:nvSpPr>
-          <p:cNvPr id="16" name="Rectangle 15">
-            <a:extLst>
-              <a:ext uri="{FF2B5EF4-FFF2-40B4-BE49-F238E27FC236}">
-                <a16:creationId xmlns:a16="http://schemas.microsoft.com/office/drawing/2014/main" id="{1E547BA6-BAE0-43BB-A7CA-60F69CE252F0}"/>
-              </a:ext>
-              <a:ext uri="{C183D7F6-B498-43B3-948B-1728B52AA6E4}">
-                <adec:decorative xmlns:adec="http://schemas.microsoft.com/office/drawing/2017/decorative" val="1"/>
-              </a:ext>
-            </a:extLst>
-          </p:cNvPr>
-          <p:cNvSpPr>
-            <a:spLocks noGrp="1" noRot="1" noChangeAspect="1" noMove="1" noResize="1" noEditPoints="1" noAdjustHandles="1" noChangeArrowheads="1" noChangeShapeType="1" noTextEdit="1"/>
-          </p:cNvSpPr>
-          <p:nvPr>
-            <p:extLst>
-              <p:ext uri="{386F3935-93C4-4BCD-93E2-E3B085C9AB24}">
-                <p16:designElem xmlns:p16="http://schemas.microsoft.com/office/powerpoint/2015/main" val="1"/>
-              </p:ext>
-            </p:extLst>
-          </p:nvPr>
-        </p:nvSpPr>
-        <p:spPr>
-          <a:xfrm rot="2700000">
-            <a:off x="427916" y="5728708"/>
-            <a:ext cx="485578" cy="485578"/>
-          </a:xfrm>
-          <a:prstGeom prst="rect">
-            <a:avLst/>
-          </a:prstGeom>
-          <a:solidFill>
-            <a:schemeClr val="accent1">
-              <a:alpha val="30000"/>
-            </a:schemeClr>
-          </a:solidFill>
-          <a:ln>
-            <a:noFill/>
-          </a:ln>
-        </p:spPr>
-        <p:style>
-          <a:lnRef idx="2">
-            <a:schemeClr val="accent1">
-              <a:shade val="50000"/>
-            </a:schemeClr>
-          </a:lnRef>
-          <a:fillRef idx="1">
-            <a:schemeClr val="accent1"/>
-          </a:fillRef>
-          <a:effectRef idx="0">
-            <a:schemeClr val="accent1"/>
-          </a:effectRef>
-          <a:fontRef idx="minor">
-            <a:schemeClr val="lt1"/>
-          </a:fontRef>
-        </p:style>
-        <p:txBody>
-          <a:bodyPr wrap="square" rtlCol="0" anchor="ctr">
-            <a:noAutofit/>
-          </a:bodyPr>
-          <a:lstStyle/>
-          <a:p>
-            <a:pPr algn="ctr"/>
-            <a:endParaRPr lang="en-US"/>
-          </a:p>
-        </p:txBody>
-      </p:sp>
-    </p:spTree>
-    <p:extLst>
-      <p:ext uri="{BB962C8B-B14F-4D97-AF65-F5344CB8AC3E}">
-        <p14:creationId xmlns:p14="http://schemas.microsoft.com/office/powerpoint/2010/main" val="1897338650"/>
-      </p:ext>
-    </p:extLst>
-  </p:cSld>
-  <p:clrMapOvr>
-    <a:masterClrMapping/>
-  </p:clrMapOvr>
-</p:sld>
-</file>
-
-<file path=ppt/slides/slide8.xml><?xml version="1.0" encoding="utf-8"?>
-<p:sld xmlns:a="http://schemas.openxmlformats.org/drawingml/2006/main" xmlns:r="http://schemas.openxmlformats.org/officeDocument/2006/relationships" xmlns:p="http://schemas.openxmlformats.org/presentationml/2006/main">
-  <p:cSld>
-    <p:bg>
-      <p:bgPr>
-        <a:solidFill>
-          <a:schemeClr val="bg1"/>
-        </a:solidFill>
-        <a:effectLst/>
-      </p:bgPr>
-    </p:bg>
-    <p:spTree>
-      <p:nvGrpSpPr>
-        <p:cNvPr id="1" name=""/>
-        <p:cNvGrpSpPr/>
-        <p:nvPr/>
-      </p:nvGrpSpPr>
-      <p:grpSpPr>
-        <a:xfrm>
-          <a:off x="0" y="0"/>
-          <a:ext cx="0" cy="0"/>
-          <a:chOff x="0" y="0"/>
-          <a:chExt cx="0" cy="0"/>
-        </a:xfrm>
-      </p:grpSpPr>
-      <p:sp>
-        <p:nvSpPr>
-          <p:cNvPr id="10" name="Rectangle 9">
-            <a:extLst>
-              <a:ext uri="{FF2B5EF4-FFF2-40B4-BE49-F238E27FC236}">
-                <a16:creationId xmlns:a16="http://schemas.microsoft.com/office/drawing/2014/main" id="{2B566528-1B12-4246-9431-5C2D7D081168}"/>
-              </a:ext>
-              <a:ext uri="{C183D7F6-B498-43B3-948B-1728B52AA6E4}">
-                <adec:decorative xmlns:adec="http://schemas.microsoft.com/office/drawing/2017/decorative" val="1"/>
-              </a:ext>
-            </a:extLst>
-          </p:cNvPr>
-          <p:cNvSpPr>
-            <a:spLocks noGrp="1" noRot="1" noChangeAspect="1" noMove="1" noResize="1" noEditPoints="1" noAdjustHandles="1" noChangeArrowheads="1" noChangeShapeType="1" noTextEdit="1"/>
-          </p:cNvSpPr>
-          <p:nvPr>
-            <p:extLst>
-              <p:ext uri="{386F3935-93C4-4BCD-93E2-E3B085C9AB24}">
-                <p16:designElem xmlns:p16="http://schemas.microsoft.com/office/powerpoint/2015/main" val="1"/>
-              </p:ext>
-            </p:extLst>
-          </p:nvPr>
-        </p:nvSpPr>
-        <p:spPr>
-          <a:xfrm>
-            <a:off x="0" y="0"/>
-            <a:ext cx="12192000" cy="6858000"/>
-          </a:xfrm>
-          <a:prstGeom prst="rect">
-            <a:avLst/>
-          </a:prstGeom>
-          <a:solidFill>
-            <a:schemeClr val="bg1"/>
-          </a:solidFill>
-          <a:ln>
-            <a:noFill/>
-          </a:ln>
-        </p:spPr>
-        <p:style>
-          <a:lnRef idx="2">
-            <a:schemeClr val="accent1">
-              <a:shade val="50000"/>
-            </a:schemeClr>
-          </a:lnRef>
-          <a:fillRef idx="1">
-            <a:schemeClr val="accent1"/>
-          </a:fillRef>
-          <a:effectRef idx="0">
-            <a:schemeClr val="accent1"/>
-          </a:effectRef>
-          <a:fontRef idx="minor">
-            <a:schemeClr val="lt1"/>
-          </a:fontRef>
-        </p:style>
-        <p:txBody>
-          <a:bodyPr rtlCol="0" anchor="ctr"/>
-          <a:lstStyle/>
-          <a:p>
-            <a:pPr algn="ctr"/>
-            <a:endParaRPr lang="en-US" dirty="0"/>
-          </a:p>
-        </p:txBody>
-      </p:sp>
-      <p:sp>
-        <p:nvSpPr>
-          <p:cNvPr id="2" name="タイトル 1">
-            <a:extLst>
-              <a:ext uri="{FF2B5EF4-FFF2-40B4-BE49-F238E27FC236}">
-                <a16:creationId xmlns:a16="http://schemas.microsoft.com/office/drawing/2014/main" id="{ECA8F139-642C-4E39-90DF-FB113B605F35}"/>
-              </a:ext>
-            </a:extLst>
-          </p:cNvPr>
-          <p:cNvSpPr>
-            <a:spLocks noGrp="1"/>
-          </p:cNvSpPr>
-          <p:nvPr>
-            <p:ph type="title"/>
-          </p:nvPr>
-        </p:nvSpPr>
-        <p:spPr>
-          <a:xfrm>
-            <a:off x="643467" y="321734"/>
-            <a:ext cx="4970877" cy="1135737"/>
-          </a:xfrm>
-        </p:spPr>
-        <p:txBody>
-          <a:bodyPr>
-            <a:normAutofit/>
-          </a:bodyPr>
-          <a:lstStyle/>
-          <a:p>
-            <a:r>
-              <a:rPr lang="en-US" sz="3600">
-                <a:latin typeface="Times New Roman" panose="02020603050405020304" pitchFamily="18" charset="0"/>
-                <a:cs typeface="Times New Roman" panose="02020603050405020304" pitchFamily="18" charset="0"/>
-              </a:rPr>
-              <a:t>Definition of the coin</a:t>
-            </a:r>
-          </a:p>
-        </p:txBody>
-      </p:sp>
-      <p:sp>
-        <p:nvSpPr>
-          <p:cNvPr id="3" name="コンテンツ プレースホルダー 2">
-            <a:extLst>
-              <a:ext uri="{FF2B5EF4-FFF2-40B4-BE49-F238E27FC236}">
-                <a16:creationId xmlns:a16="http://schemas.microsoft.com/office/drawing/2014/main" id="{7890FC9B-01F8-4C6E-AD6D-15D5757F8127}"/>
-              </a:ext>
-            </a:extLst>
-          </p:cNvPr>
-          <p:cNvSpPr>
-            <a:spLocks noGrp="1"/>
-          </p:cNvSpPr>
-          <p:nvPr>
-            <p:ph idx="1"/>
-          </p:nvPr>
-        </p:nvSpPr>
-        <p:spPr>
-          <a:xfrm>
-            <a:off x="643468" y="1782981"/>
-            <a:ext cx="5766385" cy="4393982"/>
-          </a:xfrm>
-        </p:spPr>
-        <p:txBody>
-          <a:bodyPr>
-            <a:normAutofit/>
-          </a:bodyPr>
-          <a:lstStyle/>
-          <a:p>
-            <a:r>
-              <a:rPr lang="en-US" sz="2400" b="0" i="0" dirty="0">
-                <a:effectLst/>
-                <a:latin typeface="Times New Roman" panose="02020603050405020304" pitchFamily="18" charset="0"/>
-                <a:cs typeface="Times New Roman" panose="02020603050405020304" pitchFamily="18" charset="0"/>
-              </a:rPr>
-              <a:t>Satoshi</a:t>
-            </a:r>
-            <a:r>
-              <a:rPr lang="en-US" sz="2400" dirty="0">
-                <a:latin typeface="Times New Roman" panose="02020603050405020304" pitchFamily="18" charset="0"/>
-                <a:cs typeface="Times New Roman" panose="02020603050405020304" pitchFamily="18" charset="0"/>
-              </a:rPr>
-              <a:t> define an electronic coin as a chain of transaction (digital signature).</a:t>
-            </a:r>
-          </a:p>
-          <a:p>
-            <a:endParaRPr lang="en-US" sz="2400" dirty="0">
-              <a:latin typeface="Times New Roman" panose="02020603050405020304" pitchFamily="18" charset="0"/>
-              <a:cs typeface="Times New Roman" panose="02020603050405020304" pitchFamily="18" charset="0"/>
-            </a:endParaRPr>
-          </a:p>
-          <a:p>
-            <a:r>
-              <a:rPr lang="en-US" sz="2400" dirty="0">
-                <a:latin typeface="Times New Roman" panose="02020603050405020304" pitchFamily="18" charset="0"/>
-                <a:cs typeface="Times New Roman" panose="02020603050405020304" pitchFamily="18" charset="0"/>
-              </a:rPr>
-              <a:t>Let’s try to send 0.0001 BTC from Alice to Bob</a:t>
-            </a:r>
-          </a:p>
-          <a:p>
-            <a:endParaRPr lang="en-US" sz="2400" dirty="0">
-              <a:latin typeface="Times New Roman" panose="02020603050405020304" pitchFamily="18" charset="0"/>
-              <a:cs typeface="Times New Roman" panose="02020603050405020304" pitchFamily="18" charset="0"/>
-            </a:endParaRPr>
-          </a:p>
-          <a:p>
-            <a:r>
-              <a:rPr lang="en-US" sz="2400" dirty="0">
-                <a:latin typeface="Times New Roman" panose="02020603050405020304" pitchFamily="18" charset="0"/>
-                <a:cs typeface="Times New Roman" panose="02020603050405020304" pitchFamily="18" charset="0"/>
-              </a:rPr>
-              <a:t>Each transaction is managed by TXID</a:t>
-            </a:r>
-          </a:p>
-        </p:txBody>
-      </p:sp>
-      <p:sp>
-        <p:nvSpPr>
-          <p:cNvPr id="12" name="Isosceles Triangle 11">
-            <a:extLst>
-              <a:ext uri="{FF2B5EF4-FFF2-40B4-BE49-F238E27FC236}">
-                <a16:creationId xmlns:a16="http://schemas.microsoft.com/office/drawing/2014/main" id="{D3F51FEB-38FB-4F6C-9F7B-2F2AFAB65463}"/>
-              </a:ext>
-              <a:ext uri="{C183D7F6-B498-43B3-948B-1728B52AA6E4}">
-                <adec:decorative xmlns:adec="http://schemas.microsoft.com/office/drawing/2017/decorative" val="1"/>
-              </a:ext>
-            </a:extLst>
-          </p:cNvPr>
-          <p:cNvSpPr>
-            <a:spLocks noGrp="1" noRot="1" noChangeAspect="1" noMove="1" noResize="1" noEditPoints="1" noAdjustHandles="1" noChangeArrowheads="1" noChangeShapeType="1" noTextEdit="1"/>
-          </p:cNvSpPr>
-          <p:nvPr>
-            <p:extLst>
-              <p:ext uri="{386F3935-93C4-4BCD-93E2-E3B085C9AB24}">
-                <p16:designElem xmlns:p16="http://schemas.microsoft.com/office/powerpoint/2015/main" val="1"/>
-              </p:ext>
-            </p:extLst>
-          </p:nvPr>
-        </p:nvSpPr>
-        <p:spPr>
-          <a:xfrm rot="5400000">
-            <a:off x="-501760" y="5103257"/>
-            <a:ext cx="2017580" cy="1014060"/>
-          </a:xfrm>
-          <a:prstGeom prst="triangle">
-            <a:avLst>
-              <a:gd name="adj" fmla="val 50000"/>
-            </a:avLst>
-          </a:prstGeom>
-          <a:solidFill>
-            <a:schemeClr val="accent1">
-              <a:alpha val="30000"/>
-            </a:schemeClr>
-          </a:solidFill>
-          <a:ln>
-            <a:noFill/>
-          </a:ln>
-        </p:spPr>
-        <p:style>
-          <a:lnRef idx="2">
-            <a:schemeClr val="accent1">
-              <a:shade val="50000"/>
-            </a:schemeClr>
-          </a:lnRef>
-          <a:fillRef idx="1">
-            <a:schemeClr val="accent1"/>
-          </a:fillRef>
-          <a:effectRef idx="0">
-            <a:schemeClr val="accent1"/>
-          </a:effectRef>
-          <a:fontRef idx="minor">
-            <a:schemeClr val="lt1"/>
-          </a:fontRef>
-        </p:style>
-        <p:txBody>
-          <a:bodyPr rtlCol="0" anchor="ctr"/>
-          <a:lstStyle/>
-          <a:p>
-            <a:pPr algn="ctr"/>
-            <a:endParaRPr lang="en-US"/>
-          </a:p>
-        </p:txBody>
-      </p:sp>
-      <p:sp>
-        <p:nvSpPr>
-          <p:cNvPr id="14" name="Rectangle 13">
-            <a:extLst>
-              <a:ext uri="{FF2B5EF4-FFF2-40B4-BE49-F238E27FC236}">
-                <a16:creationId xmlns:a16="http://schemas.microsoft.com/office/drawing/2014/main" id="{1E547BA6-BAE0-43BB-A7CA-60F69CE252F0}"/>
-              </a:ext>
-              <a:ext uri="{C183D7F6-B498-43B3-948B-1728B52AA6E4}">
-                <adec:decorative xmlns:adec="http://schemas.microsoft.com/office/drawing/2017/decorative" val="1"/>
-              </a:ext>
-            </a:extLst>
-          </p:cNvPr>
-          <p:cNvSpPr>
-            <a:spLocks noGrp="1" noRot="1" noChangeAspect="1" noMove="1" noResize="1" noEditPoints="1" noAdjustHandles="1" noChangeArrowheads="1" noChangeShapeType="1" noTextEdit="1"/>
-          </p:cNvSpPr>
-          <p:nvPr>
-            <p:extLst>
-              <p:ext uri="{386F3935-93C4-4BCD-93E2-E3B085C9AB24}">
-                <p16:designElem xmlns:p16="http://schemas.microsoft.com/office/powerpoint/2015/main" val="1"/>
-              </p:ext>
-            </p:extLst>
-          </p:nvPr>
-        </p:nvSpPr>
-        <p:spPr>
-          <a:xfrm rot="2700000">
-            <a:off x="427916" y="5728708"/>
-            <a:ext cx="485578" cy="485578"/>
-          </a:xfrm>
-          <a:prstGeom prst="rect">
-            <a:avLst/>
-          </a:prstGeom>
-          <a:solidFill>
-            <a:schemeClr val="accent1">
-              <a:alpha val="30000"/>
-            </a:schemeClr>
-          </a:solidFill>
-          <a:ln>
-            <a:noFill/>
-          </a:ln>
-        </p:spPr>
-        <p:style>
-          <a:lnRef idx="2">
-            <a:schemeClr val="accent1">
-              <a:shade val="50000"/>
-            </a:schemeClr>
-          </a:lnRef>
-          <a:fillRef idx="1">
-            <a:schemeClr val="accent1"/>
-          </a:fillRef>
-          <a:effectRef idx="0">
-            <a:schemeClr val="accent1"/>
-          </a:effectRef>
-          <a:fontRef idx="minor">
-            <a:schemeClr val="lt1"/>
-          </a:fontRef>
-        </p:style>
-        <p:txBody>
-          <a:bodyPr rtlCol="0" anchor="ctr"/>
-          <a:lstStyle/>
-          <a:p>
-            <a:pPr algn="ctr"/>
-            <a:endParaRPr lang="en-US"/>
-          </a:p>
-        </p:txBody>
-      </p:sp>
-      <p:grpSp>
-        <p:nvGrpSpPr>
-          <p:cNvPr id="16" name="Group 15">
-            <a:extLst>
-              <a:ext uri="{FF2B5EF4-FFF2-40B4-BE49-F238E27FC236}">
-                <a16:creationId xmlns:a16="http://schemas.microsoft.com/office/drawing/2014/main" id="{15CBE6EC-46EF-45D9-8E16-DCDC5917CA31}"/>
-              </a:ext>
-              <a:ext uri="{C183D7F6-B498-43B3-948B-1728B52AA6E4}">
-                <adec:decorative xmlns:adec="http://schemas.microsoft.com/office/drawing/2017/decorative" val="1"/>
-              </a:ext>
-            </a:extLst>
-          </p:cNvPr>
-          <p:cNvGrpSpPr>
-            <a:grpSpLocks noGrp="1" noUngrp="1" noRot="1" noChangeAspect="1" noMove="1" noResize="1"/>
-          </p:cNvGrpSpPr>
-          <p:nvPr>
-            <p:extLst>
-              <p:ext uri="{386F3935-93C4-4BCD-93E2-E3B085C9AB24}">
-                <p16:designElem xmlns:p16="http://schemas.microsoft.com/office/powerpoint/2015/main" val="1"/>
-              </p:ext>
-            </p:extLst>
-          </p:nvPr>
-        </p:nvGrpSpPr>
-        <p:grpSpPr>
-          <a:xfrm>
-            <a:off x="11094720" y="0"/>
-            <a:ext cx="1097280" cy="1097280"/>
-            <a:chOff x="11094720" y="0"/>
-            <a:chExt cx="1097280" cy="1097280"/>
-          </a:xfrm>
-        </p:grpSpPr>
-        <p:sp>
-          <p:nvSpPr>
-            <p:cNvPr id="17" name="Isosceles Triangle 16">
-              <a:extLst>
-                <a:ext uri="{FF2B5EF4-FFF2-40B4-BE49-F238E27FC236}">
-                  <a16:creationId xmlns:a16="http://schemas.microsoft.com/office/drawing/2014/main" id="{DEEDCD65-9740-4F34-BDF1-9C068E0532C0}"/>
-                </a:ext>
-                <a:ext uri="{C183D7F6-B498-43B3-948B-1728B52AA6E4}">
-                  <adec:decorative xmlns:adec="http://schemas.microsoft.com/office/drawing/2017/decorative" val="1"/>
-                </a:ext>
-              </a:extLst>
-            </p:cNvPr>
-            <p:cNvSpPr/>
-            <p:nvPr>
-              <p:extLst>
-                <p:ext uri="{386F3935-93C4-4BCD-93E2-E3B085C9AB24}">
-                  <p16:designElem xmlns:p16="http://schemas.microsoft.com/office/powerpoint/2015/main" val="1"/>
-                </p:ext>
-              </p:extLst>
-            </p:nvPr>
-          </p:nvSpPr>
-          <p:spPr>
-            <a:xfrm rot="16200000">
-              <a:off x="11094720" y="0"/>
-              <a:ext cx="1097280" cy="1097280"/>
-            </a:xfrm>
-            <a:prstGeom prst="triangle">
-              <a:avLst>
-                <a:gd name="adj" fmla="val 100000"/>
-              </a:avLst>
-            </a:prstGeom>
-            <a:solidFill>
-              <a:schemeClr val="accent4">
-                <a:alpha val="30000"/>
-              </a:schemeClr>
-            </a:solidFill>
-            <a:ln>
-              <a:noFill/>
-            </a:ln>
-          </p:spPr>
-          <p:style>
-            <a:lnRef idx="2">
-              <a:schemeClr val="accent1">
-                <a:shade val="50000"/>
-              </a:schemeClr>
-            </a:lnRef>
-            <a:fillRef idx="1">
-              <a:schemeClr val="accent1"/>
-            </a:fillRef>
-            <a:effectRef idx="0">
-              <a:schemeClr val="accent1"/>
-            </a:effectRef>
-            <a:fontRef idx="minor">
-              <a:schemeClr val="lt1"/>
-            </a:fontRef>
-          </p:style>
-          <p:txBody>
-            <a:bodyPr rtlCol="0" anchor="ctr"/>
-            <a:lstStyle/>
-            <a:p>
-              <a:pPr algn="ctr"/>
-              <a:endParaRPr lang="en-US" dirty="0"/>
-            </a:p>
-          </p:txBody>
-        </p:sp>
-        <p:sp>
-          <p:nvSpPr>
-            <p:cNvPr id="18" name="Rectangle 17">
-              <a:extLst>
-                <a:ext uri="{FF2B5EF4-FFF2-40B4-BE49-F238E27FC236}">
-                  <a16:creationId xmlns:a16="http://schemas.microsoft.com/office/drawing/2014/main" id="{4B3DA7FD-5CC0-46D1-9DFB-5BAF6BE249C8}"/>
-                </a:ext>
-                <a:ext uri="{C183D7F6-B498-43B3-948B-1728B52AA6E4}">
-                  <adec:decorative xmlns:adec="http://schemas.microsoft.com/office/drawing/2017/decorative" val="1"/>
-                </a:ext>
-              </a:extLst>
-            </p:cNvPr>
-            <p:cNvSpPr/>
-            <p:nvPr>
-              <p:extLst>
-                <p:ext uri="{386F3935-93C4-4BCD-93E2-E3B085C9AB24}">
-                  <p16:designElem xmlns:p16="http://schemas.microsoft.com/office/powerpoint/2015/main" val="1"/>
-                </p:ext>
-              </p:extLst>
-            </p:nvPr>
-          </p:nvSpPr>
-          <p:spPr>
-            <a:xfrm rot="2700000">
-              <a:off x="11189552" y="127618"/>
-              <a:ext cx="457894" cy="457894"/>
-            </a:xfrm>
-            <a:prstGeom prst="rect">
-              <a:avLst/>
-            </a:prstGeom>
-            <a:solidFill>
-              <a:schemeClr val="accent4">
-                <a:alpha val="30000"/>
-              </a:schemeClr>
-            </a:solidFill>
-            <a:ln>
-              <a:noFill/>
-            </a:ln>
-          </p:spPr>
-          <p:style>
-            <a:lnRef idx="2">
-              <a:schemeClr val="accent1">
-                <a:shade val="50000"/>
-              </a:schemeClr>
-            </a:lnRef>
-            <a:fillRef idx="1">
-              <a:schemeClr val="accent1"/>
-            </a:fillRef>
-            <a:effectRef idx="0">
-              <a:schemeClr val="accent1"/>
-            </a:effectRef>
-            <a:fontRef idx="minor">
-              <a:schemeClr val="lt1"/>
-            </a:fontRef>
-          </p:style>
-          <p:txBody>
-            <a:bodyPr rtlCol="0" anchor="ctr"/>
-            <a:lstStyle/>
-            <a:p>
-              <a:pPr algn="ctr"/>
-              <a:endParaRPr lang="en-US"/>
-            </a:p>
-          </p:txBody>
-        </p:sp>
-      </p:grpSp>
-      <p:pic>
-        <p:nvPicPr>
-          <p:cNvPr id="6" name="図 5">
-            <a:extLst>
-              <a:ext uri="{FF2B5EF4-FFF2-40B4-BE49-F238E27FC236}">
-                <a16:creationId xmlns:a16="http://schemas.microsoft.com/office/drawing/2014/main" id="{E2039EA7-B7FC-4618-B6EA-FBF17E06D271}"/>
-              </a:ext>
-            </a:extLst>
-          </p:cNvPr>
-          <p:cNvPicPr>
-            <a:picLocks noChangeAspect="1"/>
-          </p:cNvPicPr>
-          <p:nvPr/>
-        </p:nvPicPr>
-        <p:blipFill>
-          <a:blip r:embed="rId2"/>
-          <a:stretch>
-            <a:fillRect/>
-          </a:stretch>
-        </p:blipFill>
-        <p:spPr>
-          <a:xfrm>
-            <a:off x="6544083" y="1827050"/>
-            <a:ext cx="5595794" cy="3079516"/>
-          </a:xfrm>
-          <a:prstGeom prst="rect">
-            <a:avLst/>
-          </a:prstGeom>
-        </p:spPr>
-      </p:pic>
-    </p:spTree>
-    <p:extLst>
-      <p:ext uri="{BB962C8B-B14F-4D97-AF65-F5344CB8AC3E}">
-        <p14:creationId xmlns:p14="http://schemas.microsoft.com/office/powerpoint/2010/main" val="3060171733"/>
-      </p:ext>
-    </p:extLst>
-  </p:cSld>
-  <p:clrMapOvr>
-    <a:masterClrMapping/>
-  </p:clrMapOvr>
-</p:sld>
-</file>
-
-<file path=ppt/slides/slide9.xml><?xml version="1.0" encoding="utf-8"?>
-<p:sld xmlns:a="http://schemas.openxmlformats.org/drawingml/2006/main" xmlns:r="http://schemas.openxmlformats.org/officeDocument/2006/relationships" xmlns:p="http://schemas.openxmlformats.org/presentationml/2006/main">
-  <p:cSld>
-    <p:spTree>
-      <p:nvGrpSpPr>
-        <p:cNvPr id="1" name=""/>
-        <p:cNvGrpSpPr/>
-        <p:nvPr/>
-      </p:nvGrpSpPr>
-      <p:grpSpPr>
-        <a:xfrm>
-          <a:off x="0" y="0"/>
-          <a:ext cx="0" cy="0"/>
-          <a:chOff x="0" y="0"/>
-          <a:chExt cx="0" cy="0"/>
-        </a:xfrm>
-      </p:grpSpPr>
-      <p:sp>
-        <p:nvSpPr>
-          <p:cNvPr id="2" name="タイトル 1">
-            <a:extLst>
-              <a:ext uri="{FF2B5EF4-FFF2-40B4-BE49-F238E27FC236}">
-                <a16:creationId xmlns:a16="http://schemas.microsoft.com/office/drawing/2014/main" id="{35E11EE5-997F-4E4D-B5EF-09CECD3ED249}"/>
-              </a:ext>
-            </a:extLst>
-          </p:cNvPr>
-          <p:cNvSpPr>
-            <a:spLocks noGrp="1"/>
-          </p:cNvSpPr>
-          <p:nvPr>
-            <p:ph type="title"/>
-          </p:nvPr>
-        </p:nvSpPr>
-        <p:spPr>
-          <a:xfrm>
-            <a:off x="838200" y="365126"/>
-            <a:ext cx="10515600" cy="966042"/>
-          </a:xfrm>
-        </p:spPr>
-        <p:txBody>
-          <a:bodyPr/>
-          <a:lstStyle/>
-          <a:p>
-            <a:r>
-              <a:rPr lang="en-US" dirty="0"/>
-              <a:t>Transaction</a:t>
-            </a:r>
-          </a:p>
-        </p:txBody>
-      </p:sp>
-      <p:sp>
-        <p:nvSpPr>
-          <p:cNvPr id="3" name="コンテンツ プレースホルダー 2">
-            <a:extLst>
-              <a:ext uri="{FF2B5EF4-FFF2-40B4-BE49-F238E27FC236}">
-                <a16:creationId xmlns:a16="http://schemas.microsoft.com/office/drawing/2014/main" id="{EE552AF7-CC38-479C-BEED-E34E7AC7994B}"/>
-              </a:ext>
-            </a:extLst>
-          </p:cNvPr>
-          <p:cNvSpPr>
-            <a:spLocks noGrp="1"/>
-          </p:cNvSpPr>
-          <p:nvPr>
-            <p:ph idx="1"/>
-          </p:nvPr>
-        </p:nvSpPr>
-        <p:spPr>
-          <a:xfrm>
-            <a:off x="838200" y="1194318"/>
-            <a:ext cx="10515600" cy="5130282"/>
-          </a:xfrm>
-        </p:spPr>
-        <p:txBody>
-          <a:bodyPr>
-            <a:normAutofit fontScale="92500" lnSpcReduction="10000"/>
-          </a:bodyPr>
-          <a:lstStyle/>
-          <a:p>
-            <a:pPr marL="0" indent="0">
-              <a:buNone/>
-            </a:pPr>
-            <a:endParaRPr lang="en-US" sz="2800" dirty="0">
-              <a:latin typeface="Times New Roman" panose="02020603050405020304" pitchFamily="18" charset="0"/>
-              <a:cs typeface="Times New Roman" panose="02020603050405020304" pitchFamily="18" charset="0"/>
-            </a:endParaRPr>
-          </a:p>
-          <a:p>
-            <a:r>
-              <a:rPr lang="en-US" dirty="0">
-                <a:latin typeface="Times New Roman" panose="02020603050405020304" pitchFamily="18" charset="0"/>
-                <a:cs typeface="Times New Roman" panose="02020603050405020304" pitchFamily="18" charset="0"/>
-              </a:rPr>
-              <a:t>Each user has unique public &amp; private key pairs.</a:t>
-            </a:r>
-          </a:p>
-          <a:p>
-            <a:r>
-              <a:rPr lang="en-US" dirty="0">
-                <a:latin typeface="Times New Roman" panose="02020603050405020304" pitchFamily="18" charset="0"/>
-                <a:cs typeface="Times New Roman" panose="02020603050405020304" pitchFamily="18" charset="0"/>
-              </a:rPr>
-              <a:t>Users ID are public key.</a:t>
-            </a:r>
-            <a:endParaRPr lang="en-US" sz="2800" dirty="0">
-              <a:latin typeface="Times New Roman" panose="02020603050405020304" pitchFamily="18" charset="0"/>
-              <a:cs typeface="Times New Roman" panose="02020603050405020304" pitchFamily="18" charset="0"/>
-            </a:endParaRPr>
-          </a:p>
-          <a:p>
-            <a:r>
-              <a:rPr lang="en-US" dirty="0">
-                <a:latin typeface="Times New Roman" panose="02020603050405020304" pitchFamily="18" charset="0"/>
-                <a:cs typeface="Times New Roman" panose="02020603050405020304" pitchFamily="18" charset="0"/>
-              </a:rPr>
-              <a:t>In the naïve bitcoin model, </a:t>
-            </a:r>
-            <a:r>
-              <a:rPr lang="en-US" sz="2800" dirty="0">
-                <a:latin typeface="Times New Roman" panose="02020603050405020304" pitchFamily="18" charset="0"/>
-                <a:cs typeface="Times New Roman" panose="02020603050405020304" pitchFamily="18" charset="0"/>
-              </a:rPr>
-              <a:t>1 bitcoin</a:t>
-            </a:r>
-            <a:r>
-              <a:rPr lang="en-US" dirty="0">
-                <a:latin typeface="Times New Roman" panose="02020603050405020304" pitchFamily="18" charset="0"/>
-                <a:cs typeface="Times New Roman" panose="02020603050405020304" pitchFamily="18" charset="0"/>
-              </a:rPr>
-              <a:t> is sent from </a:t>
-            </a:r>
-            <a:r>
-              <a:rPr lang="en-US" sz="2800" dirty="0">
-                <a:latin typeface="Times New Roman" panose="02020603050405020304" pitchFamily="18" charset="0"/>
-                <a:cs typeface="Times New Roman" panose="02020603050405020304" pitchFamily="18" charset="0"/>
-              </a:rPr>
-              <a:t>Alice’s public key to Bob’s public key.</a:t>
-            </a:r>
-          </a:p>
-          <a:p>
-            <a:r>
-              <a:rPr lang="en-US" dirty="0">
-                <a:latin typeface="Times New Roman" panose="02020603050405020304" pitchFamily="18" charset="0"/>
-                <a:cs typeface="Times New Roman" panose="02020603050405020304" pitchFamily="18" charset="0"/>
-              </a:rPr>
-              <a:t>When making transaction we need to create </a:t>
-            </a:r>
-            <a:r>
-              <a:rPr lang="en-US" dirty="0" err="1">
-                <a:latin typeface="Times New Roman" panose="02020603050405020304" pitchFamily="18" charset="0"/>
-                <a:cs typeface="Times New Roman" panose="02020603050405020304" pitchFamily="18" charset="0"/>
-              </a:rPr>
-              <a:t>json</a:t>
-            </a:r>
-            <a:r>
-              <a:rPr lang="en-US" dirty="0">
-                <a:latin typeface="Times New Roman" panose="02020603050405020304" pitchFamily="18" charset="0"/>
-                <a:cs typeface="Times New Roman" panose="02020603050405020304" pitchFamily="18" charset="0"/>
-              </a:rPr>
-              <a:t> file that contains</a:t>
-            </a:r>
-          </a:p>
-          <a:p>
-            <a:pPr lvl="1"/>
-            <a:r>
-              <a:rPr lang="en-US" dirty="0">
-                <a:latin typeface="Times New Roman" panose="02020603050405020304" pitchFamily="18" charset="0"/>
-                <a:cs typeface="Times New Roman" panose="02020603050405020304" pitchFamily="18" charset="0"/>
-              </a:rPr>
-              <a:t>Input TXID’s </a:t>
-            </a:r>
-          </a:p>
-          <a:p>
-            <a:pPr lvl="1"/>
-            <a:r>
-              <a:rPr lang="en-US" dirty="0">
-                <a:latin typeface="Times New Roman" panose="02020603050405020304" pitchFamily="18" charset="0"/>
-                <a:cs typeface="Times New Roman" panose="02020603050405020304" pitchFamily="18" charset="0"/>
-              </a:rPr>
-              <a:t>Output amount </a:t>
-            </a:r>
-          </a:p>
-          <a:p>
-            <a:pPr lvl="1"/>
-            <a:r>
-              <a:rPr lang="en-US" dirty="0">
-                <a:latin typeface="Times New Roman" panose="02020603050405020304" pitchFamily="18" charset="0"/>
-                <a:cs typeface="Times New Roman" panose="02020603050405020304" pitchFamily="18" charset="0"/>
-              </a:rPr>
-              <a:t>Output address (Bob’s </a:t>
-            </a:r>
-            <a:r>
-              <a:rPr lang="en-US" dirty="0" err="1">
-                <a:latin typeface="Times New Roman" panose="02020603050405020304" pitchFamily="18" charset="0"/>
-                <a:cs typeface="Times New Roman" panose="02020603050405020304" pitchFamily="18" charset="0"/>
-              </a:rPr>
-              <a:t>pubkey</a:t>
-            </a:r>
-            <a:r>
-              <a:rPr lang="en-US" dirty="0">
-                <a:latin typeface="Times New Roman" panose="02020603050405020304" pitchFamily="18" charset="0"/>
-                <a:cs typeface="Times New Roman" panose="02020603050405020304" pitchFamily="18" charset="0"/>
-              </a:rPr>
-              <a:t>)</a:t>
-            </a:r>
-          </a:p>
-          <a:p>
-            <a:pPr lvl="1"/>
-            <a:r>
-              <a:rPr lang="en-US" dirty="0">
-                <a:latin typeface="Times New Roman" panose="02020603050405020304" pitchFamily="18" charset="0"/>
-                <a:cs typeface="Times New Roman" panose="02020603050405020304" pitchFamily="18" charset="0"/>
-              </a:rPr>
-              <a:t>Digital signature of Alice. </a:t>
-            </a:r>
-          </a:p>
-          <a:p>
-            <a:r>
-              <a:rPr lang="en-US" sz="2400" dirty="0">
-                <a:latin typeface="Times New Roman" panose="02020603050405020304" pitchFamily="18" charset="0"/>
-                <a:cs typeface="Times New Roman" panose="02020603050405020304" pitchFamily="18" charset="0"/>
-              </a:rPr>
-              <a:t>After creation, Alice </a:t>
-            </a:r>
-            <a:r>
-              <a:rPr lang="en-US" sz="2400" dirty="0" err="1">
-                <a:latin typeface="Times New Roman" panose="02020603050405020304" pitchFamily="18" charset="0"/>
-                <a:cs typeface="Times New Roman" panose="02020603050405020304" pitchFamily="18" charset="0"/>
-              </a:rPr>
-              <a:t>gonna</a:t>
-            </a:r>
-            <a:r>
-              <a:rPr lang="en-US" sz="2400" dirty="0">
-                <a:latin typeface="Times New Roman" panose="02020603050405020304" pitchFamily="18" charset="0"/>
-                <a:cs typeface="Times New Roman" panose="02020603050405020304" pitchFamily="18" charset="0"/>
-              </a:rPr>
-              <a:t> broadcast them to whole p2p network.</a:t>
-            </a:r>
-          </a:p>
-          <a:p>
-            <a:r>
-              <a:rPr lang="en-US" sz="2400" dirty="0">
-                <a:latin typeface="Times New Roman" panose="02020603050405020304" pitchFamily="18" charset="0"/>
-                <a:cs typeface="Times New Roman" panose="02020603050405020304" pitchFamily="18" charset="0"/>
-              </a:rPr>
-              <a:t>Nodes receiving the TX need to check if the </a:t>
-            </a:r>
-            <a:r>
-              <a:rPr lang="en-US" sz="2400" dirty="0">
-                <a:solidFill>
-                  <a:srgbClr val="FF0000"/>
-                </a:solidFill>
-                <a:latin typeface="Times New Roman" panose="02020603050405020304" pitchFamily="18" charset="0"/>
-                <a:cs typeface="Times New Roman" panose="02020603050405020304" pitchFamily="18" charset="0"/>
-              </a:rPr>
-              <a:t>input</a:t>
-            </a:r>
-            <a:r>
-              <a:rPr lang="en-US" sz="2400" dirty="0">
-                <a:latin typeface="Times New Roman" panose="02020603050405020304" pitchFamily="18" charset="0"/>
-                <a:cs typeface="Times New Roman" panose="02020603050405020304" pitchFamily="18" charset="0"/>
-              </a:rPr>
-              <a:t> </a:t>
-            </a:r>
-            <a:r>
-              <a:rPr lang="en-US" sz="2400" dirty="0">
-                <a:solidFill>
-                  <a:srgbClr val="FF0000"/>
-                </a:solidFill>
-                <a:latin typeface="Times New Roman" panose="02020603050405020304" pitchFamily="18" charset="0"/>
-                <a:cs typeface="Times New Roman" panose="02020603050405020304" pitchFamily="18" charset="0"/>
-              </a:rPr>
-              <a:t>TXID’s and Digital signature </a:t>
-            </a:r>
-            <a:r>
-              <a:rPr lang="en-US" sz="2400" dirty="0">
-                <a:latin typeface="Times New Roman" panose="02020603050405020304" pitchFamily="18" charset="0"/>
-                <a:cs typeface="Times New Roman" panose="02020603050405020304" pitchFamily="18" charset="0"/>
-              </a:rPr>
-              <a:t>are valid (in many sense)</a:t>
-            </a:r>
-          </a:p>
-          <a:p>
-            <a:pPr lvl="1"/>
-            <a:endParaRPr lang="en-US" dirty="0">
-              <a:latin typeface="Times New Roman" panose="02020603050405020304" pitchFamily="18" charset="0"/>
-              <a:cs typeface="Times New Roman" panose="02020603050405020304" pitchFamily="18" charset="0"/>
-            </a:endParaRPr>
-          </a:p>
-          <a:p>
-            <a:endParaRPr lang="en-US" sz="2800" dirty="0">
-              <a:latin typeface="Times New Roman" panose="02020603050405020304" pitchFamily="18" charset="0"/>
-              <a:cs typeface="Times New Roman" panose="02020603050405020304" pitchFamily="18" charset="0"/>
-            </a:endParaRPr>
-          </a:p>
-          <a:p>
-            <a:endParaRPr lang="en-US" sz="2800" dirty="0">
-              <a:latin typeface="Times New Roman" panose="02020603050405020304" pitchFamily="18" charset="0"/>
-              <a:cs typeface="Times New Roman" panose="02020603050405020304" pitchFamily="18" charset="0"/>
-            </a:endParaRPr>
-          </a:p>
-          <a:p>
-            <a:endParaRPr lang="en-US" dirty="0">
-              <a:latin typeface="Times New Roman" panose="02020603050405020304" pitchFamily="18" charset="0"/>
-              <a:cs typeface="Times New Roman" panose="02020603050405020304" pitchFamily="18" charset="0"/>
-            </a:endParaRPr>
-          </a:p>
-        </p:txBody>
-      </p:sp>
-    </p:spTree>
-    <p:extLst>
-      <p:ext uri="{BB962C8B-B14F-4D97-AF65-F5344CB8AC3E}">
-        <p14:creationId xmlns:p14="http://schemas.microsoft.com/office/powerpoint/2010/main" val="4121252707"/>
       </p:ext>
     </p:extLst>
   </p:cSld>

--- a/blockchain/bitcoin.pptx
+++ b/blockchain/bitcoin.pptx
@@ -220,7 +220,7 @@
           <a:p>
             <a:fld id="{70FA3810-C9D4-744F-AE0F-4619A18C173F}" type="datetimeFigureOut">
               <a:rPr lang="en-JP" smtClean="0"/>
-              <a:t>04/26/2022</a:t>
+              <a:t>04/27/2022</a:t>
             </a:fld>
             <a:endParaRPr lang="en-JP"/>
           </a:p>
@@ -805,7 +805,7 @@
           <a:p>
             <a:fld id="{E3AD0738-1DAC-684D-A936-A897E9F21B5D}" type="datetimeFigureOut">
               <a:rPr lang="en-JP" smtClean="0"/>
-              <a:t>04/26/2022</a:t>
+              <a:t>04/27/2022</a:t>
             </a:fld>
             <a:endParaRPr lang="en-JP"/>
           </a:p>
@@ -1005,7 +1005,7 @@
           <a:p>
             <a:fld id="{E3AD0738-1DAC-684D-A936-A897E9F21B5D}" type="datetimeFigureOut">
               <a:rPr lang="en-JP" smtClean="0"/>
-              <a:t>04/26/2022</a:t>
+              <a:t>04/27/2022</a:t>
             </a:fld>
             <a:endParaRPr lang="en-JP"/>
           </a:p>
@@ -1215,7 +1215,7 @@
           <a:p>
             <a:fld id="{E3AD0738-1DAC-684D-A936-A897E9F21B5D}" type="datetimeFigureOut">
               <a:rPr lang="en-JP" smtClean="0"/>
-              <a:t>04/26/2022</a:t>
+              <a:t>04/27/2022</a:t>
             </a:fld>
             <a:endParaRPr lang="en-JP"/>
           </a:p>
@@ -1415,7 +1415,7 @@
           <a:p>
             <a:fld id="{E3AD0738-1DAC-684D-A936-A897E9F21B5D}" type="datetimeFigureOut">
               <a:rPr lang="en-JP" smtClean="0"/>
-              <a:t>04/26/2022</a:t>
+              <a:t>04/27/2022</a:t>
             </a:fld>
             <a:endParaRPr lang="en-JP"/>
           </a:p>
@@ -1691,7 +1691,7 @@
           <a:p>
             <a:fld id="{E3AD0738-1DAC-684D-A936-A897E9F21B5D}" type="datetimeFigureOut">
               <a:rPr lang="en-JP" smtClean="0"/>
-              <a:t>04/26/2022</a:t>
+              <a:t>04/27/2022</a:t>
             </a:fld>
             <a:endParaRPr lang="en-JP"/>
           </a:p>
@@ -1959,7 +1959,7 @@
           <a:p>
             <a:fld id="{E3AD0738-1DAC-684D-A936-A897E9F21B5D}" type="datetimeFigureOut">
               <a:rPr lang="en-JP" smtClean="0"/>
-              <a:t>04/26/2022</a:t>
+              <a:t>04/27/2022</a:t>
             </a:fld>
             <a:endParaRPr lang="en-JP"/>
           </a:p>
@@ -2374,7 +2374,7 @@
           <a:p>
             <a:fld id="{E3AD0738-1DAC-684D-A936-A897E9F21B5D}" type="datetimeFigureOut">
               <a:rPr lang="en-JP" smtClean="0"/>
-              <a:t>04/26/2022</a:t>
+              <a:t>04/27/2022</a:t>
             </a:fld>
             <a:endParaRPr lang="en-JP"/>
           </a:p>
@@ -2516,7 +2516,7 @@
           <a:p>
             <a:fld id="{E3AD0738-1DAC-684D-A936-A897E9F21B5D}" type="datetimeFigureOut">
               <a:rPr lang="en-JP" smtClean="0"/>
-              <a:t>04/26/2022</a:t>
+              <a:t>04/27/2022</a:t>
             </a:fld>
             <a:endParaRPr lang="en-JP"/>
           </a:p>
@@ -2629,7 +2629,7 @@
           <a:p>
             <a:fld id="{E3AD0738-1DAC-684D-A936-A897E9F21B5D}" type="datetimeFigureOut">
               <a:rPr lang="en-JP" smtClean="0"/>
-              <a:t>04/26/2022</a:t>
+              <a:t>04/27/2022</a:t>
             </a:fld>
             <a:endParaRPr lang="en-JP"/>
           </a:p>
@@ -2942,7 +2942,7 @@
           <a:p>
             <a:fld id="{E3AD0738-1DAC-684D-A936-A897E9F21B5D}" type="datetimeFigureOut">
               <a:rPr lang="en-JP" smtClean="0"/>
-              <a:t>04/26/2022</a:t>
+              <a:t>04/27/2022</a:t>
             </a:fld>
             <a:endParaRPr lang="en-JP"/>
           </a:p>
@@ -3231,7 +3231,7 @@
           <a:p>
             <a:fld id="{E3AD0738-1DAC-684D-A936-A897E9F21B5D}" type="datetimeFigureOut">
               <a:rPr lang="en-JP" smtClean="0"/>
-              <a:t>04/26/2022</a:t>
+              <a:t>04/27/2022</a:t>
             </a:fld>
             <a:endParaRPr lang="en-JP"/>
           </a:p>
@@ -3474,7 +3474,7 @@
           <a:p>
             <a:fld id="{E3AD0738-1DAC-684D-A936-A897E9F21B5D}" type="datetimeFigureOut">
               <a:rPr lang="en-JP" smtClean="0"/>
-              <a:t>04/26/2022</a:t>
+              <a:t>04/27/2022</a:t>
             </a:fld>
             <a:endParaRPr lang="en-JP"/>
           </a:p>
@@ -4681,7 +4681,7 @@
                 <a:latin typeface="Times New Roman" panose="02020603050405020304" pitchFamily="18" charset="0"/>
                 <a:cs typeface="Times New Roman" panose="02020603050405020304" pitchFamily="18" charset="0"/>
               </a:rPr>
-              <a:t>Let’s try to send 0.0001 BTC from Alice to Bob</a:t>
+              <a:t>Let’s try to send 0.0005 BTC from Alice to Bob</a:t>
             </a:r>
           </a:p>
           <a:p>
@@ -5683,7 +5683,7 @@
         </p:blipFill>
         <p:spPr>
           <a:xfrm>
-            <a:off x="458406" y="455263"/>
+            <a:off x="458406" y="139198"/>
             <a:ext cx="6404447" cy="2914238"/>
           </a:xfrm>
           <a:prstGeom prst="rect">
@@ -5713,7 +5713,7 @@
         </p:blipFill>
         <p:spPr>
           <a:xfrm>
-            <a:off x="140747" y="3488500"/>
+            <a:off x="93814" y="6141330"/>
             <a:ext cx="10478962" cy="447737"/>
           </a:xfrm>
           <a:prstGeom prst="rect">
@@ -5743,7 +5743,7 @@
         </p:blipFill>
         <p:spPr>
           <a:xfrm>
-            <a:off x="458406" y="4068105"/>
+            <a:off x="458406" y="3189303"/>
             <a:ext cx="6700219" cy="2724460"/>
           </a:xfrm>
           <a:prstGeom prst="rect">
@@ -5883,7 +5883,7 @@
         </p:blipFill>
         <p:spPr>
           <a:xfrm>
-            <a:off x="523961" y="5781620"/>
+            <a:off x="574761" y="5680513"/>
             <a:ext cx="6039693" cy="790685"/>
           </a:xfrm>
           <a:prstGeom prst="rect">
@@ -9442,7 +9442,7 @@
         </p:nvSpPr>
         <p:spPr>
           <a:xfrm>
-            <a:off x="643467" y="1782981"/>
+            <a:off x="507030" y="1345815"/>
             <a:ext cx="10905066" cy="4393982"/>
           </a:xfrm>
         </p:spPr>
@@ -9937,7 +9937,7 @@
         </p:nvSpPr>
         <p:spPr>
           <a:xfrm>
-            <a:off x="643468" y="1782980"/>
+            <a:off x="643467" y="1457471"/>
             <a:ext cx="9577770" cy="4655397"/>
           </a:xfrm>
         </p:spPr>
@@ -10181,7 +10181,7 @@
         </p:blipFill>
         <p:spPr>
           <a:xfrm>
-            <a:off x="2602224" y="3343511"/>
+            <a:off x="2449824" y="2954891"/>
             <a:ext cx="6253212" cy="1516403"/>
           </a:xfrm>
           <a:prstGeom prst="rect">
@@ -10740,7 +10740,7 @@
         </p:blipFill>
         <p:spPr>
           <a:xfrm>
-            <a:off x="5865254" y="1313603"/>
+            <a:off x="2674515" y="1464535"/>
             <a:ext cx="6253212" cy="3189137"/>
           </a:xfrm>
           <a:prstGeom prst="rect">
